--- a/docs/코멘토_기획_화면설계서 양식.pptx
+++ b/docs/코멘토_기획_화면설계서 양식.pptx
@@ -14,6 +14,7 @@
     <p:sldId id="262" r:id="rId9"/>
     <p:sldId id="263" r:id="rId10"/>
     <p:sldId id="264" r:id="rId11"/>
+    <p:sldId id="265" r:id="rId12"/>
   </p:sldIdLst>
   <p:sldSz cx="12192000" cy="6858000"/>
   <p:notesSz cx="7559675" cy="10691813"/>
@@ -71,7 +72,7 @@
         <p:txBody>
           <a:bodyPr/>
           <a:p>
-            <a:fld id="{E3C76EC7-6BF2-44C9-A9D7-307D1F066F6D}" type="slidenum">
+            <a:fld id="{FEAC4E57-E0DD-443E-BEC0-CB846DBE0647}" type="slidenum">
               <a:t>&lt;#&gt;</a:t>
             </a:fld>
           </a:p>
@@ -286,7 +287,7 @@
         <p:txBody>
           <a:bodyPr/>
           <a:p>
-            <a:fld id="{FDD726FB-20B6-4C09-89BF-3C09B2076492}" type="slidenum">
+            <a:fld id="{D641DC18-45FB-46F6-AEB0-FB5758B7DED1}" type="slidenum">
               <a:t>&lt;#&gt;</a:t>
             </a:fld>
           </a:p>
@@ -593,7 +594,7 @@
         <p:txBody>
           <a:bodyPr/>
           <a:p>
-            <a:fld id="{40D5BCA0-90BF-4132-9B4E-FA919EF7031A}" type="slidenum">
+            <a:fld id="{87648302-86DA-4BEB-AE4D-F5710169D768}" type="slidenum">
               <a:t>&lt;#&gt;</a:t>
             </a:fld>
           </a:p>
@@ -992,7 +993,7 @@
         <p:txBody>
           <a:bodyPr/>
           <a:p>
-            <a:fld id="{E1A0230A-7D84-4CCD-A5C4-38680DA1831D}" type="slidenum">
+            <a:fld id="{99200372-E137-47DE-BB11-6A0B4D09CCE8}" type="slidenum">
               <a:t>&lt;#&gt;</a:t>
             </a:fld>
           </a:p>
@@ -1155,7 +1156,7 @@
         <p:txBody>
           <a:bodyPr/>
           <a:p>
-            <a:fld id="{B82702DC-E9F6-4AA2-8A07-5B9D6EC7CE8A}" type="slidenum">
+            <a:fld id="{AC616B8A-0336-4776-B396-C6F54CADC4C3}" type="slidenum">
               <a:t>&lt;#&gt;</a:t>
             </a:fld>
           </a:p>
@@ -1324,7 +1325,7 @@
         <p:txBody>
           <a:bodyPr/>
           <a:p>
-            <a:fld id="{4D14E19A-8220-4F3A-A964-64B4560372E9}" type="slidenum">
+            <a:fld id="{E2290087-A979-46D5-92EC-4472A76ED051}" type="slidenum">
               <a:t>&lt;#&gt;</a:t>
             </a:fld>
           </a:p>
@@ -1539,7 +1540,7 @@
         <p:txBody>
           <a:bodyPr/>
           <a:p>
-            <a:fld id="{74AE8402-0899-486A-880B-07647A2D0134}" type="slidenum">
+            <a:fld id="{6759FC04-70A1-462B-A3FD-7D2D65DEA4B9}" type="slidenum">
               <a:t>&lt;#&gt;</a:t>
             </a:fld>
           </a:p>
@@ -1662,7 +1663,7 @@
         <p:txBody>
           <a:bodyPr/>
           <a:p>
-            <a:fld id="{E0989A4B-8BB4-428A-A8AA-7EF37EBFDC13}" type="slidenum">
+            <a:fld id="{4703BD5F-BB6F-4C92-BEFE-B3427FC98FEA}" type="slidenum">
               <a:t>&lt;#&gt;</a:t>
             </a:fld>
           </a:p>
@@ -1783,7 +1784,7 @@
         <p:txBody>
           <a:bodyPr/>
           <a:p>
-            <a:fld id="{61C8B636-4B56-42CE-A531-B260E9A56D29}" type="slidenum">
+            <a:fld id="{E4B3F35B-D2E4-4D91-9F14-57FC4777118B}" type="slidenum">
               <a:t>&lt;#&gt;</a:t>
             </a:fld>
           </a:p>
@@ -2044,7 +2045,7 @@
         <p:txBody>
           <a:bodyPr/>
           <a:p>
-            <a:fld id="{32BD89B8-B17D-417F-A0B3-C1DFE7A19189}" type="slidenum">
+            <a:fld id="{4480E1D9-D6A9-43EC-ACD5-A2841C4F59D6}" type="slidenum">
               <a:t>&lt;#&gt;</a:t>
             </a:fld>
           </a:p>
@@ -2305,7 +2306,7 @@
         <p:txBody>
           <a:bodyPr/>
           <a:p>
-            <a:fld id="{F8AA93F7-F872-4214-AC56-F1C97E111979}" type="slidenum">
+            <a:fld id="{D3AFCE3E-0088-44BD-BA12-02CD4404C7FC}" type="slidenum">
               <a:t>&lt;#&gt;</a:t>
             </a:fld>
           </a:p>
@@ -2566,7 +2567,7 @@
         <p:txBody>
           <a:bodyPr/>
           <a:p>
-            <a:fld id="{636C890E-4455-4566-AF82-F578347D8473}" type="slidenum">
+            <a:fld id="{8E3CC5B3-F953-4733-8FEB-8E08F5F87D09}" type="slidenum">
               <a:t>&lt;#&gt;</a:t>
             </a:fld>
           </a:p>
@@ -2962,7 +2963,7 @@
               </a:lnSpc>
               <a:buNone/>
             </a:pPr>
-            <a:fld id="{BE17CC8D-C58B-424F-B03A-527CABC10480}" type="slidenum">
+            <a:fld id="{3F17E339-AE34-438C-8178-3788D7D979AE}" type="slidenum">
               <a:rPr b="0" lang="en-US" sz="1200" spc="-1" strike="noStrike">
                 <a:solidFill>
                   <a:schemeClr val="dk1">
@@ -3979,6 +3980,322 @@
 </p:sld>
 </file>
 
+<file path=ppt/slides/slide10.xml><?xml version="1.0" encoding="utf-8"?>
+<p:sld xmlns:a="http://schemas.openxmlformats.org/drawingml/2006/main" xmlns:p="http://schemas.openxmlformats.org/presentationml/2006/main" xmlns:r="http://schemas.openxmlformats.org/officeDocument/2006/relationships" xmlns:p14="http://schemas.microsoft.com/office/powerpoint/2010/main" xmlns:p15="http://schemas.microsoft.com/office/powerpoint/2012/main" xmlns:mc="http://schemas.openxmlformats.org/markup-compatibility/2006">
+  <p:cSld>
+    <p:spTree>
+      <p:nvGrpSpPr>
+        <p:cNvPr id="1" name=""/>
+        <p:cNvGrpSpPr/>
+        <p:nvPr/>
+      </p:nvGrpSpPr>
+      <p:grpSpPr>
+        <a:xfrm>
+          <a:off x="0" y="0"/>
+          <a:ext cx="0" cy="0"/>
+          <a:chOff x="0" y="0"/>
+          <a:chExt cx="0" cy="0"/>
+        </a:xfrm>
+      </p:grpSpPr>
+      <p:sp>
+        <p:nvSpPr>
+          <p:cNvPr id="105" name="PlaceHolder 1"/>
+          <p:cNvSpPr>
+            <a:spLocks noGrp="1"/>
+          </p:cNvSpPr>
+          <p:nvPr>
+            <p:ph/>
+          </p:nvPr>
+        </p:nvSpPr>
+        <p:spPr>
+          <a:xfrm>
+            <a:off x="838080" y="1825560"/>
+            <a:ext cx="10515240" cy="4350960"/>
+          </a:xfrm>
+          <a:prstGeom prst="rect">
+            <a:avLst/>
+          </a:prstGeom>
+          <a:noFill/>
+          <a:ln w="0">
+            <a:noFill/>
+          </a:ln>
+        </p:spPr>
+        <p:txBody>
+          <a:bodyPr lIns="91440" rIns="91440" tIns="45720" bIns="45720" anchor="t">
+            <a:noAutofit/>
+          </a:bodyPr>
+          <a:p>
+            <a:pPr marL="228600" indent="-228600" defTabSz="914400">
+              <a:lnSpc>
+                <a:spcPct val="90000"/>
+              </a:lnSpc>
+              <a:spcBef>
+                <a:spcPts val="1001"/>
+              </a:spcBef>
+              <a:buClr>
+                <a:srgbClr val="000000"/>
+              </a:buClr>
+              <a:buFont typeface="Arial"/>
+              <a:buChar char="•"/>
+            </a:pPr>
+            <a:r>
+              <a:rPr b="0" lang="en-US" sz="2800" spc="-1" strike="noStrike" u="sng">
+                <a:solidFill>
+                  <a:schemeClr val="dk1"/>
+                </a:solidFill>
+                <a:uFillTx/>
+                <a:latin typeface="맑은 고딕"/>
+                <a:hlinkClick r:id="rId1"/>
+              </a:rPr>
+              <a:t>Figma Prototype</a:t>
+            </a:r>
+            <a:endParaRPr b="0" lang="en-US" sz="2800" spc="-1" strike="noStrike">
+              <a:solidFill>
+                <a:schemeClr val="dk1"/>
+              </a:solidFill>
+              <a:latin typeface="맑은 고딕"/>
+            </a:endParaRPr>
+          </a:p>
+          <a:p>
+            <a:pPr indent="0" defTabSz="914400">
+              <a:lnSpc>
+                <a:spcPct val="90000"/>
+              </a:lnSpc>
+              <a:spcBef>
+                <a:spcPts val="1001"/>
+              </a:spcBef>
+              <a:buNone/>
+            </a:pPr>
+            <a:endParaRPr b="0" lang="en-US" sz="2800" spc="-1" strike="noStrike">
+              <a:solidFill>
+                <a:schemeClr val="dk1"/>
+              </a:solidFill>
+              <a:latin typeface="맑은 고딕"/>
+            </a:endParaRPr>
+          </a:p>
+          <a:p>
+            <a:pPr marL="228600" indent="-228600" defTabSz="914400">
+              <a:lnSpc>
+                <a:spcPct val="90000"/>
+              </a:lnSpc>
+              <a:spcBef>
+                <a:spcPts val="1001"/>
+              </a:spcBef>
+              <a:buClr>
+                <a:srgbClr val="000000"/>
+              </a:buClr>
+              <a:buFont typeface="Arial"/>
+              <a:buChar char="•"/>
+            </a:pPr>
+            <a:r>
+              <a:rPr b="0" lang="ko-KR" sz="2800" spc="-1" strike="noStrike">
+                <a:solidFill>
+                  <a:schemeClr val="dk1"/>
+                </a:solidFill>
+                <a:latin typeface="맑은 고딕"/>
+              </a:rPr>
+              <a:t>화면 기획 참고 </a:t>
+            </a:r>
+            <a:r>
+              <a:rPr b="0" lang="en-US" sz="2800" spc="-1" strike="noStrike">
+                <a:solidFill>
+                  <a:schemeClr val="dk1"/>
+                </a:solidFill>
+                <a:latin typeface="맑은 고딕"/>
+              </a:rPr>
+              <a:t>url(</a:t>
+            </a:r>
+            <a:r>
+              <a:rPr b="0" lang="ko-KR" sz="2800" spc="-1" strike="noStrike">
+                <a:solidFill>
+                  <a:schemeClr val="dk1"/>
+                </a:solidFill>
+                <a:latin typeface="맑은 고딕"/>
+              </a:rPr>
+              <a:t>게임사 소개 페이지</a:t>
+            </a:r>
+            <a:r>
+              <a:rPr b="0" lang="en-US" sz="2800" spc="-1" strike="noStrike">
+                <a:solidFill>
+                  <a:schemeClr val="dk1"/>
+                </a:solidFill>
+                <a:latin typeface="맑은 고딕"/>
+              </a:rPr>
+              <a:t>)</a:t>
+            </a:r>
+            <a:endParaRPr b="0" lang="en-US" sz="2800" spc="-1" strike="noStrike">
+              <a:solidFill>
+                <a:schemeClr val="dk1"/>
+              </a:solidFill>
+              <a:latin typeface="맑은 고딕"/>
+            </a:endParaRPr>
+          </a:p>
+          <a:p>
+            <a:pPr marL="228600" indent="-228600" defTabSz="914400">
+              <a:lnSpc>
+                <a:spcPct val="90000"/>
+              </a:lnSpc>
+              <a:spcBef>
+                <a:spcPts val="1001"/>
+              </a:spcBef>
+              <a:buClr>
+                <a:srgbClr val="000000"/>
+              </a:buClr>
+              <a:buFont typeface="Arial"/>
+              <a:buChar char="•"/>
+            </a:pPr>
+            <a:r>
+              <a:rPr b="0" lang="ko-KR" sz="2800" spc="-1" strike="noStrike" u="sng">
+                <a:solidFill>
+                  <a:schemeClr val="dk1"/>
+                </a:solidFill>
+                <a:uFillTx/>
+                <a:latin typeface="맑은 고딕"/>
+                <a:hlinkClick r:id="rId2"/>
+              </a:rPr>
+              <a:t>해긴</a:t>
+            </a:r>
+            <a:r>
+              <a:rPr b="0" lang="en-US" sz="2800" spc="-1" strike="noStrike" u="sng">
+                <a:solidFill>
+                  <a:schemeClr val="dk1"/>
+                </a:solidFill>
+                <a:uFillTx/>
+                <a:latin typeface="맑은 고딕"/>
+                <a:hlinkClick r:id="rId3"/>
+              </a:rPr>
+              <a:t> </a:t>
+            </a:r>
+            <a:r>
+              <a:rPr b="0" lang="en-US" sz="2800" spc="-1" strike="noStrike" u="sng">
+                <a:solidFill>
+                  <a:schemeClr val="dk1"/>
+                </a:solidFill>
+                <a:uFillTx/>
+                <a:latin typeface="맑은 고딕"/>
+                <a:hlinkClick r:id="rId4"/>
+              </a:rPr>
+              <a:t>: https://www.haegin.kr/</a:t>
+            </a:r>
+            <a:endParaRPr b="0" lang="en-US" sz="2800" spc="-1" strike="noStrike">
+              <a:solidFill>
+                <a:schemeClr val="dk1"/>
+              </a:solidFill>
+              <a:latin typeface="맑은 고딕"/>
+            </a:endParaRPr>
+          </a:p>
+          <a:p>
+            <a:pPr marL="228600" indent="-228600" defTabSz="914400">
+              <a:lnSpc>
+                <a:spcPct val="90000"/>
+              </a:lnSpc>
+              <a:spcBef>
+                <a:spcPts val="1001"/>
+              </a:spcBef>
+              <a:buClr>
+                <a:srgbClr val="000000"/>
+              </a:buClr>
+              <a:buFont typeface="Arial"/>
+              <a:buChar char="•"/>
+            </a:pPr>
+            <a:r>
+              <a:rPr b="0" lang="ko-KR" sz="2800" spc="-1" strike="noStrike" u="sng">
+                <a:solidFill>
+                  <a:schemeClr val="dk1"/>
+                </a:solidFill>
+                <a:uFillTx/>
+                <a:latin typeface="맑은 고딕"/>
+                <a:hlinkClick r:id="rId5"/>
+              </a:rPr>
+              <a:t>넥슨 </a:t>
+            </a:r>
+            <a:r>
+              <a:rPr b="0" lang="en-US" sz="2800" spc="-1" strike="noStrike" u="sng">
+                <a:solidFill>
+                  <a:schemeClr val="dk1"/>
+                </a:solidFill>
+                <a:uFillTx/>
+                <a:latin typeface="맑은 고딕"/>
+                <a:hlinkClick r:id="rId6"/>
+              </a:rPr>
+              <a:t>: https://company.nexon.com/kr/</a:t>
+            </a:r>
+            <a:endParaRPr b="0" lang="en-US" sz="2800" spc="-1" strike="noStrike">
+              <a:solidFill>
+                <a:schemeClr val="dk1"/>
+              </a:solidFill>
+              <a:latin typeface="맑은 고딕"/>
+            </a:endParaRPr>
+          </a:p>
+          <a:p>
+            <a:pPr marL="228600" indent="-228600" defTabSz="914400">
+              <a:lnSpc>
+                <a:spcPct val="90000"/>
+              </a:lnSpc>
+              <a:spcBef>
+                <a:spcPts val="1001"/>
+              </a:spcBef>
+              <a:buClr>
+                <a:srgbClr val="000000"/>
+              </a:buClr>
+              <a:buFont typeface="Arial"/>
+              <a:buChar char="•"/>
+            </a:pPr>
+            <a:r>
+              <a:rPr b="0" lang="en-US" sz="2800" spc="-1" strike="noStrike" u="sng">
+                <a:solidFill>
+                  <a:schemeClr val="dk1"/>
+                </a:solidFill>
+                <a:uFillTx/>
+                <a:latin typeface="맑은 고딕"/>
+                <a:hlinkClick r:id="rId7"/>
+              </a:rPr>
+              <a:t>NC</a:t>
+            </a:r>
+            <a:r>
+              <a:rPr b="0" lang="ko-KR" sz="2800" spc="-1" strike="noStrike" u="sng">
+                <a:solidFill>
+                  <a:schemeClr val="dk1"/>
+                </a:solidFill>
+                <a:uFillTx/>
+                <a:latin typeface="맑은 고딕"/>
+                <a:hlinkClick r:id="rId8"/>
+              </a:rPr>
+              <a:t>소프트 </a:t>
+            </a:r>
+            <a:r>
+              <a:rPr b="0" lang="en-US" sz="2800" spc="-1" strike="noStrike" u="sng">
+                <a:solidFill>
+                  <a:schemeClr val="dk1"/>
+                </a:solidFill>
+                <a:uFillTx/>
+                <a:latin typeface="맑은 고딕"/>
+                <a:hlinkClick r:id="rId9"/>
+              </a:rPr>
+              <a:t>: https://kr.ncsoft.com/kr/index.do</a:t>
+            </a:r>
+            <a:endParaRPr b="0" lang="en-US" sz="2800" spc="-1" strike="noStrike">
+              <a:solidFill>
+                <a:schemeClr val="dk1"/>
+              </a:solidFill>
+              <a:latin typeface="맑은 고딕"/>
+            </a:endParaRPr>
+          </a:p>
+        </p:txBody>
+      </p:sp>
+    </p:spTree>
+  </p:cSld>
+  <mc:AlternateContent>
+    <mc:Choice Requires="p14">
+      <p:transition spd="slow" p14:dur="2000"/>
+    </mc:Choice>
+    <mc:Fallback>
+      <p:transition spd="slow"/>
+    </mc:Fallback>
+  </mc:AlternateContent>
+</p:sld>
+</file>
+
 <file path=ppt/slides/slide2.xml><?xml version="1.0" encoding="utf-8"?>
 <p:sld xmlns:a="http://schemas.openxmlformats.org/drawingml/2006/main" xmlns:p="http://schemas.openxmlformats.org/presentationml/2006/main" xmlns:r="http://schemas.openxmlformats.org/officeDocument/2006/relationships" xmlns:p14="http://schemas.microsoft.com/office/powerpoint/2010/main" xmlns:p15="http://schemas.microsoft.com/office/powerpoint/2012/main" xmlns:mc="http://schemas.openxmlformats.org/markup-compatibility/2006">
   <p:cSld>
@@ -24816,7 +25133,7 @@
                 <a:latin typeface="Noto Sans CJK KR Regular"/>
                 <a:ea typeface="Noto Sans CJK KR Regular"/>
               </a:rPr>
-              <a:t>게임에 대표 태그 </a:t>
+              <a:t>게임에 대표 태그</a:t>
             </a:r>
             <a:r>
               <a:rPr b="0" lang="en-US" sz="1200" spc="-1" strike="noStrike">
@@ -24826,7 +25143,27 @@
                 <a:latin typeface="Noto Sans CJK KR Regular"/>
                 <a:ea typeface="Noto Sans CJK KR Regular"/>
               </a:rPr>
-              <a:t>3</a:t>
+              <a:t>, </a:t>
+            </a:r>
+            <a:r>
+              <a:rPr b="0" lang="ko-KR" sz="1200" spc="-1" strike="noStrike">
+                <a:solidFill>
+                  <a:schemeClr val="dk1"/>
+                </a:solidFill>
+                <a:latin typeface="Noto Sans CJK KR Regular"/>
+                <a:ea typeface="Noto Sans CJK KR Regular"/>
+              </a:rPr>
+              <a:t>출시일 </a:t>
+            </a:r>
+            <a:r>
+              <a:rPr b="0" lang="en-US" sz="1200" spc="-1" strike="noStrike">
+                <a:solidFill>
+                  <a:schemeClr val="dk1"/>
+                </a:solidFill>
+                <a:latin typeface="Noto Sans CJK KR Regular"/>
+                <a:ea typeface="Noto Sans CJK KR Regular"/>
+              </a:rPr>
+              <a:t>4</a:t>
             </a:r>
             <a:r>
               <a:rPr b="0" lang="ko-KR" sz="1200" spc="-1" strike="noStrike">
@@ -24944,6 +25281,64 @@
               </a:rPr>
               <a:t>. </a:t>
             </a:r>
+            <a:r>
+              <a:rPr b="0" lang="ko-KR" sz="1200" spc="-1" strike="noStrike">
+                <a:solidFill>
+                  <a:schemeClr val="dk1"/>
+                </a:solidFill>
+                <a:latin typeface="Noto Sans CJK KR Regular"/>
+                <a:ea typeface="Noto Sans CJK KR Regular"/>
+              </a:rPr>
+              <a:t>순서는  위에서 아래 행으로</a:t>
+            </a:r>
+            <a:r>
+              <a:rPr b="0" lang="en-US" sz="1200" spc="-1" strike="noStrike">
+                <a:solidFill>
+                  <a:schemeClr val="dk1"/>
+                </a:solidFill>
+                <a:latin typeface="Noto Sans CJK KR Regular"/>
+                <a:ea typeface="Noto Sans CJK KR Regular"/>
+              </a:rPr>
+              <a:t>, </a:t>
+            </a:r>
+            <a:r>
+              <a:rPr b="0" lang="ko-KR" sz="1200" spc="-1" strike="noStrike">
+                <a:solidFill>
+                  <a:schemeClr val="dk1"/>
+                </a:solidFill>
+                <a:latin typeface="Noto Sans CJK KR Regular"/>
+                <a:ea typeface="Noto Sans CJK KR Regular"/>
+              </a:rPr>
+              <a:t>같은 행 내에서는 좌에서 우로 표시되며 정렬되는 기준을 출시일입니다</a:t>
+            </a:r>
+            <a:r>
+              <a:rPr b="0" lang="en-US" sz="1200" spc="-1" strike="noStrike">
+                <a:solidFill>
+                  <a:schemeClr val="dk1"/>
+                </a:solidFill>
+                <a:latin typeface="Noto Sans CJK KR Regular"/>
+                <a:ea typeface="Noto Sans CJK KR Regular"/>
+              </a:rPr>
+              <a:t>.</a:t>
+            </a:r>
+            <a:endParaRPr b="0" lang="en-US" sz="1200" spc="-1" strike="noStrike">
+              <a:solidFill>
+                <a:srgbClr val="000000"/>
+              </a:solidFill>
+              <a:latin typeface="Noto Sans CJK KR"/>
+            </a:endParaRPr>
+          </a:p>
+          <a:p>
+            <a:pPr marL="228600" indent="-228600" defTabSz="914400">
+              <a:lnSpc>
+                <a:spcPct val="100000"/>
+              </a:lnSpc>
+              <a:buClr>
+                <a:srgbClr val="000000"/>
+              </a:buClr>
+              <a:buFont typeface="OpenSymbol"/>
+              <a:buAutoNum type="arabicPeriod"/>
+            </a:pPr>
             <a:endParaRPr b="0" lang="en-US" sz="1200" spc="-1" strike="noStrike">
               <a:solidFill>
                 <a:srgbClr val="000000"/>
@@ -27905,288 +28300,1517 @@
           <a:chExt cx="0" cy="0"/>
         </a:xfrm>
       </p:grpSpPr>
+      <p:graphicFrame>
+        <p:nvGraphicFramePr>
+          <p:cNvPr id="95" name="표 1"/>
+          <p:cNvGraphicFramePr/>
+          <p:nvPr/>
+        </p:nvGraphicFramePr>
+        <p:xfrm>
+          <a:off x="474120" y="334080"/>
+          <a:ext cx="5446800" cy="312840"/>
+        </p:xfrm>
+        <a:graphic>
+          <a:graphicData uri="http://schemas.openxmlformats.org/drawingml/2006/table">
+            <a:tbl>
+              <a:tblPr/>
+              <a:tblGrid>
+                <a:gridCol w="1766520"/>
+                <a:gridCol w="3680280"/>
+              </a:tblGrid>
+              <a:tr h="291960">
+                <a:tc>
+                  <a:txBody>
+                    <a:bodyPr anchor="t">
+                      <a:noAutofit/>
+                    </a:bodyPr>
+                    <a:p>
+                      <a:pPr algn="ctr" defTabSz="914400">
+                        <a:lnSpc>
+                          <a:spcPct val="100000"/>
+                        </a:lnSpc>
+                      </a:pPr>
+                      <a:r>
+                        <a:rPr b="0" lang="ko-KR" sz="1200" spc="-1" strike="noStrike">
+                          <a:solidFill>
+                            <a:schemeClr val="dk1"/>
+                          </a:solidFill>
+                          <a:latin typeface="Noto Sans CJK KR Regular"/>
+                          <a:ea typeface="Noto Sans CJK KR Regular"/>
+                        </a:rPr>
+                        <a:t>프로젝트명</a:t>
+                      </a:r>
+                      <a:endParaRPr b="0" lang="en-US" sz="1200" spc="-1" strike="noStrike">
+                        <a:solidFill>
+                          <a:srgbClr val="000000"/>
+                        </a:solidFill>
+                        <a:latin typeface="Noto Sans CJK KR"/>
+                      </a:endParaRPr>
+                    </a:p>
+                  </a:txBody>
+                  <a:tcPr anchor="t" marL="91440" marR="91440">
+                    <a:lnL w="12240">
+                      <a:solidFill>
+                        <a:srgbClr val="000000"/>
+                      </a:solidFill>
+                      <a:prstDash val="solid"/>
+                    </a:lnL>
+                    <a:lnR w="12240">
+                      <a:solidFill>
+                        <a:srgbClr val="000000"/>
+                      </a:solidFill>
+                      <a:prstDash val="solid"/>
+                    </a:lnR>
+                    <a:lnT w="12240">
+                      <a:solidFill>
+                        <a:srgbClr val="000000"/>
+                      </a:solidFill>
+                      <a:prstDash val="solid"/>
+                    </a:lnT>
+                    <a:lnB w="12240">
+                      <a:solidFill>
+                        <a:srgbClr val="000000"/>
+                      </a:solidFill>
+                      <a:prstDash val="solid"/>
+                    </a:lnB>
+                    <a:solidFill>
+                      <a:schemeClr val="lt2"/>
+                    </a:solidFill>
+                  </a:tcPr>
+                </a:tc>
+                <a:tc>
+                  <a:txBody>
+                    <a:bodyPr anchor="t">
+                      <a:noAutofit/>
+                    </a:bodyPr>
+                    <a:p>
+                      <a:pPr defTabSz="914400">
+                        <a:lnSpc>
+                          <a:spcPct val="100000"/>
+                        </a:lnSpc>
+                      </a:pPr>
+                      <a:r>
+                        <a:rPr b="0" lang="en-US" sz="1200" spc="-1" strike="noStrike">
+                          <a:solidFill>
+                            <a:schemeClr val="dk1"/>
+                          </a:solidFill>
+                          <a:latin typeface="Noto Sans CJK KR Regular"/>
+                          <a:ea typeface="Noto Sans CJK KR Regular"/>
+                        </a:rPr>
+                        <a:t> </a:t>
+                      </a:r>
+                      <a:r>
+                        <a:rPr b="0" lang="en-US" sz="1200" spc="-1" strike="noStrike">
+                          <a:solidFill>
+                            <a:schemeClr val="dk1"/>
+                          </a:solidFill>
+                          <a:latin typeface="Noto Sans CJK KR Regular"/>
+                          <a:ea typeface="Noto Sans CJK KR Regular"/>
+                        </a:rPr>
+                        <a:t>Paperworks </a:t>
+                      </a:r>
+                      <a:r>
+                        <a:rPr b="0" lang="en-US" sz="1200" spc="-1" strike="noStrike">
+                          <a:solidFill>
+                            <a:schemeClr val="dk1"/>
+                          </a:solidFill>
+                          <a:latin typeface="Noto Sans CJK KR Regular"/>
+                          <a:ea typeface="Noto Sans CJK KR Regular"/>
+                        </a:rPr>
+                        <a:t>website</a:t>
+                      </a:r>
+                      <a:endParaRPr b="0" lang="en-US" sz="1200" spc="-1" strike="noStrike">
+                        <a:solidFill>
+                          <a:srgbClr val="000000"/>
+                        </a:solidFill>
+                        <a:latin typeface="Noto Sans CJK KR"/>
+                      </a:endParaRPr>
+                    </a:p>
+                  </a:txBody>
+                  <a:tcPr anchor="t" marL="91440" marR="91440">
+                    <a:lnL w="12240">
+                      <a:solidFill>
+                        <a:srgbClr val="000000"/>
+                      </a:solidFill>
+                      <a:prstDash val="solid"/>
+                    </a:lnL>
+                    <a:lnR w="12240">
+                      <a:solidFill>
+                        <a:srgbClr val="000000"/>
+                      </a:solidFill>
+                      <a:prstDash val="solid"/>
+                    </a:lnR>
+                    <a:lnT w="12240">
+                      <a:solidFill>
+                        <a:srgbClr val="000000"/>
+                      </a:solidFill>
+                      <a:prstDash val="solid"/>
+                    </a:lnT>
+                    <a:lnB w="12240">
+                      <a:solidFill>
+                        <a:srgbClr val="000000"/>
+                      </a:solidFill>
+                      <a:prstDash val="solid"/>
+                    </a:lnB>
+                    <a:noFill/>
+                  </a:tcPr>
+                </a:tc>
+              </a:tr>
+            </a:tbl>
+          </a:graphicData>
+        </a:graphic>
+      </p:graphicFrame>
+      <p:graphicFrame>
+        <p:nvGraphicFramePr>
+          <p:cNvPr id="96" name="표 2"/>
+          <p:cNvGraphicFramePr/>
+          <p:nvPr/>
+        </p:nvGraphicFramePr>
+        <p:xfrm>
+          <a:off x="5921280" y="334080"/>
+          <a:ext cx="2813760" cy="312840"/>
+        </p:xfrm>
+        <a:graphic>
+          <a:graphicData uri="http://schemas.openxmlformats.org/drawingml/2006/table">
+            <a:tbl>
+              <a:tblPr/>
+              <a:tblGrid>
+                <a:gridCol w="912600"/>
+                <a:gridCol w="1901520"/>
+              </a:tblGrid>
+              <a:tr h="291960">
+                <a:tc>
+                  <a:txBody>
+                    <a:bodyPr anchor="t">
+                      <a:noAutofit/>
+                    </a:bodyPr>
+                    <a:p>
+                      <a:pPr algn="ctr" defTabSz="914400">
+                        <a:lnSpc>
+                          <a:spcPct val="100000"/>
+                        </a:lnSpc>
+                      </a:pPr>
+                      <a:r>
+                        <a:rPr b="0" lang="ko-KR" sz="1200" spc="-1" strike="noStrike">
+                          <a:solidFill>
+                            <a:schemeClr val="dk1"/>
+                          </a:solidFill>
+                          <a:latin typeface="Noto Sans CJK KR Regular"/>
+                          <a:ea typeface="Noto Sans CJK KR Regular"/>
+                        </a:rPr>
+                        <a:t>작성일</a:t>
+                      </a:r>
+                      <a:endParaRPr b="0" lang="en-US" sz="1200" spc="-1" strike="noStrike">
+                        <a:solidFill>
+                          <a:srgbClr val="000000"/>
+                        </a:solidFill>
+                        <a:latin typeface="Noto Sans CJK KR"/>
+                      </a:endParaRPr>
+                    </a:p>
+                  </a:txBody>
+                  <a:tcPr anchor="t" marL="91440" marR="91440">
+                    <a:lnL w="12240">
+                      <a:solidFill>
+                        <a:srgbClr val="000000"/>
+                      </a:solidFill>
+                      <a:prstDash val="solid"/>
+                    </a:lnL>
+                    <a:lnR w="12240">
+                      <a:solidFill>
+                        <a:srgbClr val="000000"/>
+                      </a:solidFill>
+                      <a:prstDash val="solid"/>
+                    </a:lnR>
+                    <a:lnT w="12240">
+                      <a:solidFill>
+                        <a:srgbClr val="000000"/>
+                      </a:solidFill>
+                      <a:prstDash val="solid"/>
+                    </a:lnT>
+                    <a:lnB w="12240">
+                      <a:solidFill>
+                        <a:srgbClr val="000000"/>
+                      </a:solidFill>
+                      <a:prstDash val="solid"/>
+                    </a:lnB>
+                    <a:solidFill>
+                      <a:schemeClr val="lt2"/>
+                    </a:solidFill>
+                  </a:tcPr>
+                </a:tc>
+                <a:tc>
+                  <a:txBody>
+                    <a:bodyPr anchor="t">
+                      <a:noAutofit/>
+                    </a:bodyPr>
+                    <a:p>
+                      <a:pPr defTabSz="914400">
+                        <a:lnSpc>
+                          <a:spcPct val="100000"/>
+                        </a:lnSpc>
+                      </a:pPr>
+                      <a:r>
+                        <a:rPr b="0" lang="en-US" sz="1200" spc="-1" strike="noStrike">
+                          <a:solidFill>
+                            <a:schemeClr val="dk1"/>
+                          </a:solidFill>
+                          <a:latin typeface="Noto Sans CJK KR Regular"/>
+                          <a:ea typeface="Noto Sans CJK KR Regular"/>
+                        </a:rPr>
+                        <a:t> </a:t>
+                      </a:r>
+                      <a:r>
+                        <a:rPr b="0" lang="en-US" sz="1200" spc="-1" strike="noStrike">
+                          <a:solidFill>
+                            <a:schemeClr val="dk1"/>
+                          </a:solidFill>
+                          <a:latin typeface="Noto Sans CJK KR Regular"/>
+                          <a:ea typeface="Noto Sans CJK KR Regular"/>
+                        </a:rPr>
+                        <a:t>2024/1/2</a:t>
+                      </a:r>
+                      <a:endParaRPr b="0" lang="en-US" sz="1200" spc="-1" strike="noStrike">
+                        <a:solidFill>
+                          <a:srgbClr val="000000"/>
+                        </a:solidFill>
+                        <a:latin typeface="Noto Sans CJK KR"/>
+                      </a:endParaRPr>
+                    </a:p>
+                  </a:txBody>
+                  <a:tcPr anchor="t" marL="91440" marR="91440">
+                    <a:lnL w="12240">
+                      <a:solidFill>
+                        <a:srgbClr val="000000"/>
+                      </a:solidFill>
+                      <a:prstDash val="solid"/>
+                    </a:lnL>
+                    <a:lnR w="12240">
+                      <a:solidFill>
+                        <a:srgbClr val="000000"/>
+                      </a:solidFill>
+                      <a:prstDash val="solid"/>
+                    </a:lnR>
+                    <a:lnT w="12240">
+                      <a:solidFill>
+                        <a:srgbClr val="000000"/>
+                      </a:solidFill>
+                      <a:prstDash val="solid"/>
+                    </a:lnT>
+                    <a:lnB w="12240">
+                      <a:solidFill>
+                        <a:srgbClr val="000000"/>
+                      </a:solidFill>
+                      <a:prstDash val="solid"/>
+                    </a:lnB>
+                    <a:noFill/>
+                  </a:tcPr>
+                </a:tc>
+              </a:tr>
+            </a:tbl>
+          </a:graphicData>
+        </a:graphic>
+      </p:graphicFrame>
+      <p:graphicFrame>
+        <p:nvGraphicFramePr>
+          <p:cNvPr id="97" name="표 3"/>
+          <p:cNvGraphicFramePr/>
+          <p:nvPr/>
+        </p:nvGraphicFramePr>
+        <p:xfrm>
+          <a:off x="8735760" y="334080"/>
+          <a:ext cx="2813760" cy="312840"/>
+        </p:xfrm>
+        <a:graphic>
+          <a:graphicData uri="http://schemas.openxmlformats.org/drawingml/2006/table">
+            <a:tbl>
+              <a:tblPr/>
+              <a:tblGrid>
+                <a:gridCol w="912600"/>
+                <a:gridCol w="1901520"/>
+              </a:tblGrid>
+              <a:tr h="291960">
+                <a:tc>
+                  <a:txBody>
+                    <a:bodyPr anchor="t">
+                      <a:noAutofit/>
+                    </a:bodyPr>
+                    <a:p>
+                      <a:pPr algn="ctr" defTabSz="914400">
+                        <a:lnSpc>
+                          <a:spcPct val="100000"/>
+                        </a:lnSpc>
+                      </a:pPr>
+                      <a:r>
+                        <a:rPr b="0" lang="ko-KR" sz="1200" spc="-1" strike="noStrike">
+                          <a:solidFill>
+                            <a:schemeClr val="dk1"/>
+                          </a:solidFill>
+                          <a:latin typeface="Noto Sans CJK KR Regular"/>
+                          <a:ea typeface="Noto Sans CJK KR Regular"/>
+                        </a:rPr>
+                        <a:t>작성자</a:t>
+                      </a:r>
+                      <a:endParaRPr b="0" lang="en-US" sz="1200" spc="-1" strike="noStrike">
+                        <a:solidFill>
+                          <a:srgbClr val="000000"/>
+                        </a:solidFill>
+                        <a:latin typeface="Noto Sans CJK KR"/>
+                      </a:endParaRPr>
+                    </a:p>
+                  </a:txBody>
+                  <a:tcPr anchor="t" marL="91440" marR="91440">
+                    <a:lnL w="12240">
+                      <a:solidFill>
+                        <a:srgbClr val="000000"/>
+                      </a:solidFill>
+                      <a:prstDash val="solid"/>
+                    </a:lnL>
+                    <a:lnR w="12240">
+                      <a:solidFill>
+                        <a:srgbClr val="000000"/>
+                      </a:solidFill>
+                      <a:prstDash val="solid"/>
+                    </a:lnR>
+                    <a:lnT w="12240">
+                      <a:solidFill>
+                        <a:srgbClr val="000000"/>
+                      </a:solidFill>
+                      <a:prstDash val="solid"/>
+                    </a:lnT>
+                    <a:lnB w="12240">
+                      <a:solidFill>
+                        <a:srgbClr val="000000"/>
+                      </a:solidFill>
+                      <a:prstDash val="solid"/>
+                    </a:lnB>
+                    <a:solidFill>
+                      <a:schemeClr val="lt2"/>
+                    </a:solidFill>
+                  </a:tcPr>
+                </a:tc>
+                <a:tc>
+                  <a:txBody>
+                    <a:bodyPr anchor="t">
+                      <a:noAutofit/>
+                    </a:bodyPr>
+                    <a:p>
+                      <a:pPr defTabSz="914400">
+                        <a:lnSpc>
+                          <a:spcPct val="100000"/>
+                        </a:lnSpc>
+                      </a:pPr>
+                      <a:r>
+                        <a:rPr b="0" lang="ko-KR" sz="1200" spc="-1" strike="noStrike">
+                          <a:solidFill>
+                            <a:schemeClr val="dk1"/>
+                          </a:solidFill>
+                          <a:latin typeface="Noto Sans CJK KR Regular"/>
+                          <a:ea typeface="Noto Sans CJK KR Regular"/>
+                        </a:rPr>
+                        <a:t>안승환</a:t>
+                      </a:r>
+                      <a:endParaRPr b="0" lang="en-US" sz="1200" spc="-1" strike="noStrike">
+                        <a:solidFill>
+                          <a:srgbClr val="000000"/>
+                        </a:solidFill>
+                        <a:latin typeface="Noto Sans CJK KR"/>
+                      </a:endParaRPr>
+                    </a:p>
+                  </a:txBody>
+                  <a:tcPr anchor="t" marL="91440" marR="91440">
+                    <a:lnL w="12240">
+                      <a:solidFill>
+                        <a:srgbClr val="000000"/>
+                      </a:solidFill>
+                      <a:prstDash val="solid"/>
+                    </a:lnL>
+                    <a:lnR w="12240">
+                      <a:solidFill>
+                        <a:srgbClr val="000000"/>
+                      </a:solidFill>
+                      <a:prstDash val="solid"/>
+                    </a:lnR>
+                    <a:lnT w="12240">
+                      <a:solidFill>
+                        <a:srgbClr val="000000"/>
+                      </a:solidFill>
+                      <a:prstDash val="solid"/>
+                    </a:lnT>
+                    <a:lnB w="12240">
+                      <a:solidFill>
+                        <a:srgbClr val="000000"/>
+                      </a:solidFill>
+                      <a:prstDash val="solid"/>
+                    </a:lnB>
+                    <a:noFill/>
+                  </a:tcPr>
+                </a:tc>
+              </a:tr>
+            </a:tbl>
+          </a:graphicData>
+        </a:graphic>
+      </p:graphicFrame>
+      <p:graphicFrame>
+        <p:nvGraphicFramePr>
+          <p:cNvPr id="98" name="표 6"/>
+          <p:cNvGraphicFramePr/>
+          <p:nvPr/>
+        </p:nvGraphicFramePr>
+        <p:xfrm>
+          <a:off x="474120" y="626400"/>
+          <a:ext cx="8260920" cy="312840"/>
+        </p:xfrm>
+        <a:graphic>
+          <a:graphicData uri="http://schemas.openxmlformats.org/drawingml/2006/table">
+            <a:tbl>
+              <a:tblPr/>
+              <a:tblGrid>
+                <a:gridCol w="1753920"/>
+                <a:gridCol w="6507000"/>
+              </a:tblGrid>
+              <a:tr h="291960">
+                <a:tc>
+                  <a:txBody>
+                    <a:bodyPr anchor="t">
+                      <a:noAutofit/>
+                    </a:bodyPr>
+                    <a:p>
+                      <a:pPr algn="ctr" defTabSz="914400">
+                        <a:lnSpc>
+                          <a:spcPct val="100000"/>
+                        </a:lnSpc>
+                      </a:pPr>
+                      <a:r>
+                        <a:rPr b="0" lang="ko-KR" sz="1200" spc="-1" strike="noStrike">
+                          <a:solidFill>
+                            <a:schemeClr val="dk1"/>
+                          </a:solidFill>
+                          <a:latin typeface="Noto Sans CJK KR Regular"/>
+                          <a:ea typeface="Noto Sans CJK KR Regular"/>
+                        </a:rPr>
+                        <a:t>화면경로</a:t>
+                      </a:r>
+                      <a:endParaRPr b="0" lang="en-US" sz="1200" spc="-1" strike="noStrike">
+                        <a:solidFill>
+                          <a:srgbClr val="000000"/>
+                        </a:solidFill>
+                        <a:latin typeface="Noto Sans CJK KR"/>
+                      </a:endParaRPr>
+                    </a:p>
+                  </a:txBody>
+                  <a:tcPr anchor="t" marL="91440" marR="91440">
+                    <a:lnL w="12240">
+                      <a:solidFill>
+                        <a:srgbClr val="000000"/>
+                      </a:solidFill>
+                      <a:prstDash val="solid"/>
+                    </a:lnL>
+                    <a:lnR w="12240">
+                      <a:solidFill>
+                        <a:srgbClr val="000000"/>
+                      </a:solidFill>
+                      <a:prstDash val="solid"/>
+                    </a:lnR>
+                    <a:lnT w="12240">
+                      <a:solidFill>
+                        <a:srgbClr val="000000"/>
+                      </a:solidFill>
+                      <a:prstDash val="solid"/>
+                    </a:lnT>
+                    <a:lnB w="12240">
+                      <a:solidFill>
+                        <a:srgbClr val="000000"/>
+                      </a:solidFill>
+                      <a:prstDash val="solid"/>
+                    </a:lnB>
+                    <a:solidFill>
+                      <a:schemeClr val="lt2"/>
+                    </a:solidFill>
+                  </a:tcPr>
+                </a:tc>
+                <a:tc>
+                  <a:txBody>
+                    <a:bodyPr anchor="t">
+                      <a:noAutofit/>
+                    </a:bodyPr>
+                    <a:p>
+                      <a:pPr defTabSz="914400">
+                        <a:lnSpc>
+                          <a:spcPct val="100000"/>
+                        </a:lnSpc>
+                      </a:pPr>
+                      <a:r>
+                        <a:rPr b="0" lang="en-US" sz="1200" spc="-1" strike="noStrike">
+                          <a:solidFill>
+                            <a:schemeClr val="dk1"/>
+                          </a:solidFill>
+                          <a:latin typeface="Noto Sans CJK KR Regular"/>
+                          <a:ea typeface="Noto Sans CJK KR Regular"/>
+                        </a:rPr>
+                        <a:t> </a:t>
+                      </a:r>
+                      <a:r>
+                        <a:rPr b="0" lang="en-US" sz="1200" spc="-1" strike="noStrike">
+                          <a:solidFill>
+                            <a:schemeClr val="dk1"/>
+                          </a:solidFill>
+                          <a:latin typeface="Noto Sans CJK KR Regular"/>
+                          <a:ea typeface="Noto Sans CJK KR Regular"/>
+                        </a:rPr>
+                        <a:t>Contact(</a:t>
+                      </a:r>
+                      <a:r>
+                        <a:rPr b="0" lang="ko-KR" sz="1200" spc="-1" strike="noStrike">
+                          <a:solidFill>
+                            <a:schemeClr val="dk1"/>
+                          </a:solidFill>
+                          <a:latin typeface="Noto Sans CJK KR Regular"/>
+                          <a:ea typeface="Noto Sans CJK KR Regular"/>
+                        </a:rPr>
+                        <a:t>헤</a:t>
+                      </a:r>
+                      <a:r>
+                        <a:rPr b="0" lang="ko-KR" sz="1200" spc="-1" strike="noStrike">
+                          <a:solidFill>
+                            <a:schemeClr val="dk1"/>
+                          </a:solidFill>
+                          <a:latin typeface="Noto Sans CJK KR Regular"/>
+                          <a:ea typeface="Noto Sans CJK KR Regular"/>
+                        </a:rPr>
+                        <a:t>더 </a:t>
+                      </a:r>
+                      <a:r>
+                        <a:rPr b="0" lang="en-US" sz="1200" spc="-1" strike="noStrike">
+                          <a:solidFill>
+                            <a:schemeClr val="dk1"/>
+                          </a:solidFill>
+                          <a:latin typeface="Noto Sans CJK KR Regular"/>
+                          <a:ea typeface="Noto Sans CJK KR Regular"/>
+                        </a:rPr>
+                        <a:t>&gt; Contact)</a:t>
+                      </a:r>
+                      <a:endParaRPr b="0" lang="en-US" sz="1200" spc="-1" strike="noStrike">
+                        <a:solidFill>
+                          <a:srgbClr val="000000"/>
+                        </a:solidFill>
+                        <a:latin typeface="Noto Sans CJK KR"/>
+                      </a:endParaRPr>
+                    </a:p>
+                  </a:txBody>
+                  <a:tcPr anchor="t" marL="91440" marR="91440">
+                    <a:lnL w="12240">
+                      <a:solidFill>
+                        <a:srgbClr val="000000"/>
+                      </a:solidFill>
+                      <a:prstDash val="solid"/>
+                    </a:lnL>
+                    <a:lnR w="12240">
+                      <a:solidFill>
+                        <a:srgbClr val="000000"/>
+                      </a:solidFill>
+                      <a:prstDash val="solid"/>
+                    </a:lnR>
+                    <a:lnT w="12240">
+                      <a:solidFill>
+                        <a:srgbClr val="000000"/>
+                      </a:solidFill>
+                      <a:prstDash val="solid"/>
+                    </a:lnT>
+                    <a:lnB w="12240">
+                      <a:solidFill>
+                        <a:srgbClr val="000000"/>
+                      </a:solidFill>
+                      <a:prstDash val="solid"/>
+                    </a:lnB>
+                    <a:noFill/>
+                  </a:tcPr>
+                </a:tc>
+              </a:tr>
+            </a:tbl>
+          </a:graphicData>
+        </a:graphic>
+      </p:graphicFrame>
       <p:sp>
         <p:nvSpPr>
-          <p:cNvPr id="95" name="PlaceHolder 1"/>
-          <p:cNvSpPr>
-            <a:spLocks noGrp="1"/>
-          </p:cNvSpPr>
-          <p:nvPr>
-            <p:ph/>
-          </p:nvPr>
+          <p:cNvPr id="99" name="직사각형 4"/>
+          <p:cNvSpPr/>
+          <p:nvPr/>
         </p:nvSpPr>
         <p:spPr>
           <a:xfrm>
-            <a:off x="838080" y="1825560"/>
-            <a:ext cx="10515240" cy="4350960"/>
+            <a:off x="474120" y="1003320"/>
+            <a:ext cx="8260920" cy="5520240"/>
           </a:xfrm>
           <a:prstGeom prst="rect">
             <a:avLst/>
           </a:prstGeom>
           <a:noFill/>
-          <a:ln w="0">
-            <a:noFill/>
+          <a:ln w="19050">
+            <a:solidFill>
+              <a:srgbClr val="325490"/>
+            </a:solidFill>
           </a:ln>
         </p:spPr>
+        <p:style>
+          <a:lnRef idx="2">
+            <a:schemeClr val="accent1">
+              <a:shade val="50000"/>
+            </a:schemeClr>
+          </a:lnRef>
+          <a:fillRef idx="1">
+            <a:schemeClr val="accent1"/>
+          </a:fillRef>
+          <a:effectRef idx="0">
+            <a:schemeClr val="accent1"/>
+          </a:effectRef>
+          <a:fontRef idx="minor"/>
+        </p:style>
         <p:txBody>
-          <a:bodyPr lIns="91440" rIns="91440" tIns="45720" bIns="45720" anchor="t">
+          <a:bodyPr lIns="90000" rIns="90000" tIns="45000" bIns="45000" anchor="ctr">
+            <a:noAutofit/>
+          </a:bodyPr>
+          <a:p>
+            <a:endParaRPr b="0" lang="en-US" sz="1800" spc="-1" strike="noStrike">
+              <a:solidFill>
+                <a:schemeClr val="lt1"/>
+              </a:solidFill>
+              <a:latin typeface="맑은 고딕"/>
+            </a:endParaRPr>
+          </a:p>
+        </p:txBody>
+      </p:sp>
+      <p:sp>
+        <p:nvSpPr>
+          <p:cNvPr id="100" name="직사각형 7"/>
+          <p:cNvSpPr/>
+          <p:nvPr/>
+        </p:nvSpPr>
+        <p:spPr>
+          <a:xfrm>
+            <a:off x="8735760" y="1003320"/>
+            <a:ext cx="2813760" cy="291600"/>
+          </a:xfrm>
+          <a:prstGeom prst="rect">
+            <a:avLst/>
+          </a:prstGeom>
+          <a:solidFill>
+            <a:schemeClr val="bg1">
+              <a:lumMod val="85000"/>
+            </a:schemeClr>
+          </a:solidFill>
+          <a:ln w="19050">
+            <a:solidFill>
+              <a:srgbClr val="325490"/>
+            </a:solidFill>
+          </a:ln>
+        </p:spPr>
+        <p:style>
+          <a:lnRef idx="2">
+            <a:schemeClr val="accent1">
+              <a:shade val="50000"/>
+            </a:schemeClr>
+          </a:lnRef>
+          <a:fillRef idx="1">
+            <a:schemeClr val="accent1"/>
+          </a:fillRef>
+          <a:effectRef idx="0">
+            <a:schemeClr val="accent1"/>
+          </a:effectRef>
+          <a:fontRef idx="minor"/>
+        </p:style>
+        <p:txBody>
+          <a:bodyPr lIns="90000" rIns="90000" tIns="45000" bIns="45000" anchor="ctr">
+            <a:noAutofit/>
+          </a:bodyPr>
+          <a:p>
+            <a:pPr algn="ctr" defTabSz="914400">
+              <a:lnSpc>
+                <a:spcPct val="100000"/>
+              </a:lnSpc>
+            </a:pPr>
+            <a:r>
+              <a:rPr b="0" lang="ko-KR" sz="1200" spc="-1" strike="noStrike">
+                <a:solidFill>
+                  <a:schemeClr val="dk1"/>
+                </a:solidFill>
+                <a:latin typeface="Noto Sans CJK KR Regular"/>
+                <a:ea typeface="Noto Sans CJK KR Regular"/>
+              </a:rPr>
+              <a:t>화면 설명</a:t>
+            </a:r>
+            <a:endParaRPr b="0" lang="en-US" sz="1200" spc="-1" strike="noStrike">
+              <a:solidFill>
+                <a:srgbClr val="000000"/>
+              </a:solidFill>
+              <a:latin typeface="Noto Sans CJK KR"/>
+            </a:endParaRPr>
+          </a:p>
+        </p:txBody>
+      </p:sp>
+      <p:graphicFrame>
+        <p:nvGraphicFramePr>
+          <p:cNvPr id="101" name="표 8"/>
+          <p:cNvGraphicFramePr/>
+          <p:nvPr/>
+        </p:nvGraphicFramePr>
+        <p:xfrm>
+          <a:off x="8735760" y="626400"/>
+          <a:ext cx="2813760" cy="312840"/>
+        </p:xfrm>
+        <a:graphic>
+          <a:graphicData uri="http://schemas.openxmlformats.org/drawingml/2006/table">
+            <a:tbl>
+              <a:tblPr/>
+              <a:tblGrid>
+                <a:gridCol w="912600"/>
+                <a:gridCol w="1901520"/>
+              </a:tblGrid>
+              <a:tr h="291960">
+                <a:tc>
+                  <a:txBody>
+                    <a:bodyPr anchor="t">
+                      <a:noAutofit/>
+                    </a:bodyPr>
+                    <a:p>
+                      <a:pPr algn="ctr" defTabSz="914400">
+                        <a:lnSpc>
+                          <a:spcPct val="100000"/>
+                        </a:lnSpc>
+                      </a:pPr>
+                      <a:r>
+                        <a:rPr b="0" lang="ko-KR" sz="1200" spc="-1" strike="noStrike">
+                          <a:solidFill>
+                            <a:schemeClr val="dk1"/>
+                          </a:solidFill>
+                          <a:latin typeface="Noto Sans CJK KR Regular"/>
+                          <a:ea typeface="Noto Sans CJK KR Regular"/>
+                        </a:rPr>
+                        <a:t>화면</a:t>
+                      </a:r>
+                      <a:r>
+                        <a:rPr b="0" lang="en-US" sz="1200" spc="-1" strike="noStrike">
+                          <a:solidFill>
+                            <a:schemeClr val="dk1"/>
+                          </a:solidFill>
+                          <a:latin typeface="Noto Sans CJK KR Regular"/>
+                          <a:ea typeface="Noto Sans CJK KR Regular"/>
+                        </a:rPr>
+                        <a:t>ID</a:t>
+                      </a:r>
+                      <a:endParaRPr b="0" lang="en-US" sz="1200" spc="-1" strike="noStrike">
+                        <a:solidFill>
+                          <a:srgbClr val="000000"/>
+                        </a:solidFill>
+                        <a:latin typeface="Noto Sans CJK KR"/>
+                      </a:endParaRPr>
+                    </a:p>
+                  </a:txBody>
+                  <a:tcPr anchor="t" marL="91440" marR="91440">
+                    <a:lnL w="12240">
+                      <a:solidFill>
+                        <a:srgbClr val="000000"/>
+                      </a:solidFill>
+                      <a:prstDash val="solid"/>
+                    </a:lnL>
+                    <a:lnR w="12240">
+                      <a:solidFill>
+                        <a:srgbClr val="000000"/>
+                      </a:solidFill>
+                      <a:prstDash val="solid"/>
+                    </a:lnR>
+                    <a:lnT w="12240">
+                      <a:solidFill>
+                        <a:srgbClr val="000000"/>
+                      </a:solidFill>
+                      <a:prstDash val="solid"/>
+                    </a:lnT>
+                    <a:lnB w="12240">
+                      <a:solidFill>
+                        <a:srgbClr val="000000"/>
+                      </a:solidFill>
+                      <a:prstDash val="solid"/>
+                    </a:lnB>
+                    <a:solidFill>
+                      <a:schemeClr val="lt2"/>
+                    </a:solidFill>
+                  </a:tcPr>
+                </a:tc>
+                <a:tc>
+                  <a:txBody>
+                    <a:bodyPr anchor="t">
+                      <a:noAutofit/>
+                    </a:bodyPr>
+                    <a:p>
+                      <a:pPr defTabSz="914400">
+                        <a:lnSpc>
+                          <a:spcPct val="100000"/>
+                        </a:lnSpc>
+                      </a:pPr>
+                      <a:r>
+                        <a:rPr b="0" lang="en-US" sz="1200" spc="-1" strike="noStrike">
+                          <a:solidFill>
+                            <a:schemeClr val="dk1"/>
+                          </a:solidFill>
+                          <a:latin typeface="Noto Sans CJK KR Regular"/>
+                          <a:ea typeface="Noto Sans CJK KR Regular"/>
+                        </a:rPr>
+                        <a:t> </a:t>
+                      </a:r>
+                      <a:endParaRPr b="0" lang="en-US" sz="1200" spc="-1" strike="noStrike">
+                        <a:solidFill>
+                          <a:srgbClr val="000000"/>
+                        </a:solidFill>
+                        <a:latin typeface="Noto Sans CJK KR"/>
+                      </a:endParaRPr>
+                    </a:p>
+                  </a:txBody>
+                  <a:tcPr anchor="t" marL="91440" marR="91440">
+                    <a:lnL w="12240">
+                      <a:solidFill>
+                        <a:srgbClr val="000000"/>
+                      </a:solidFill>
+                      <a:prstDash val="solid"/>
+                    </a:lnL>
+                    <a:lnR w="12240">
+                      <a:solidFill>
+                        <a:srgbClr val="000000"/>
+                      </a:solidFill>
+                      <a:prstDash val="solid"/>
+                    </a:lnR>
+                    <a:lnT w="12240">
+                      <a:solidFill>
+                        <a:srgbClr val="000000"/>
+                      </a:solidFill>
+                      <a:prstDash val="solid"/>
+                    </a:lnT>
+                    <a:lnB w="12240">
+                      <a:solidFill>
+                        <a:srgbClr val="000000"/>
+                      </a:solidFill>
+                      <a:prstDash val="solid"/>
+                    </a:lnB>
+                    <a:noFill/>
+                  </a:tcPr>
+                </a:tc>
+              </a:tr>
+            </a:tbl>
+          </a:graphicData>
+        </a:graphic>
+      </p:graphicFrame>
+      <p:sp>
+        <p:nvSpPr>
+          <p:cNvPr id="102" name="직사각형 8"/>
+          <p:cNvSpPr/>
+          <p:nvPr/>
+        </p:nvSpPr>
+        <p:spPr>
+          <a:xfrm>
+            <a:off x="8735760" y="1296000"/>
+            <a:ext cx="2813760" cy="5227560"/>
+          </a:xfrm>
+          <a:prstGeom prst="rect">
+            <a:avLst/>
+          </a:prstGeom>
+          <a:noFill/>
+          <a:ln w="19050">
+            <a:solidFill>
+              <a:srgbClr val="325490"/>
+            </a:solidFill>
+          </a:ln>
+        </p:spPr>
+        <p:style>
+          <a:lnRef idx="2">
+            <a:schemeClr val="accent1">
+              <a:shade val="50000"/>
+            </a:schemeClr>
+          </a:lnRef>
+          <a:fillRef idx="1">
+            <a:schemeClr val="accent1"/>
+          </a:fillRef>
+          <a:effectRef idx="0">
+            <a:schemeClr val="accent1"/>
+          </a:effectRef>
+          <a:fontRef idx="minor"/>
+        </p:style>
+        <p:txBody>
+          <a:bodyPr lIns="90000" rIns="90000" tIns="45000" bIns="45000" anchor="ctr">
             <a:noAutofit/>
           </a:bodyPr>
           <a:p>
             <a:pPr marL="228600" indent="-228600" defTabSz="914400">
               <a:lnSpc>
-                <a:spcPct val="90000"/>
+                <a:spcPct val="100000"/>
               </a:lnSpc>
-              <a:spcBef>
-                <a:spcPts val="1001"/>
-              </a:spcBef>
               <a:buClr>
                 <a:srgbClr val="000000"/>
               </a:buClr>
-              <a:buFont typeface="Arial"/>
-              <a:buChar char="•"/>
+              <a:buFont typeface="OpenSymbol"/>
+              <a:buAutoNum type="arabicPeriod"/>
             </a:pPr>
             <a:r>
-              <a:rPr b="0" lang="en-US" sz="2800" spc="-1" strike="noStrike" u="sng">
+              <a:rPr b="0" lang="ko-KR" sz="1200" spc="-1" strike="noStrike">
                 <a:solidFill>
                   <a:schemeClr val="dk1"/>
                 </a:solidFill>
-                <a:uFillTx/>
-                <a:latin typeface="맑은 고딕"/>
-                <a:hlinkClick r:id="rId1"/>
+                <a:latin typeface="Noto Sans CJK KR Regular"/>
+                <a:ea typeface="Noto Sans CJK KR Regular"/>
               </a:rPr>
-              <a:t>Figma Prototype</a:t>
+              <a:t>회사의 다양한 </a:t>
             </a:r>
-            <a:endParaRPr b="0" lang="en-US" sz="2800" spc="-1" strike="noStrike">
+            <a:r>
+              <a:rPr b="0" lang="ko-KR" sz="1200" spc="-1" strike="noStrike">
+                <a:solidFill>
+                  <a:schemeClr val="dk1"/>
+                </a:solidFill>
+                <a:latin typeface="Noto Sans CJK KR Regular"/>
+                <a:ea typeface="Noto Sans CJK KR Regular"/>
+              </a:rPr>
+              <a:t>연락처를 </a:t>
+            </a:r>
+            <a:r>
+              <a:rPr b="0" lang="ko-KR" sz="1200" spc="-1" strike="noStrike">
+                <a:solidFill>
+                  <a:schemeClr val="dk1"/>
+                </a:solidFill>
+                <a:latin typeface="Noto Sans CJK KR Regular"/>
+                <a:ea typeface="Noto Sans CJK KR Regular"/>
+              </a:rPr>
+              <a:t>확인할 수 </a:t>
+            </a:r>
+            <a:r>
+              <a:rPr b="0" lang="ko-KR" sz="1200" spc="-1" strike="noStrike">
+                <a:solidFill>
+                  <a:schemeClr val="dk1"/>
+                </a:solidFill>
+                <a:latin typeface="Noto Sans CJK KR Regular"/>
+                <a:ea typeface="Noto Sans CJK KR Regular"/>
+              </a:rPr>
+              <a:t>있습니다</a:t>
+            </a:r>
+            <a:r>
+              <a:rPr b="0" lang="en-US" sz="1200" spc="-1" strike="noStrike">
+                <a:solidFill>
+                  <a:schemeClr val="dk1"/>
+                </a:solidFill>
+                <a:latin typeface="Noto Sans CJK KR Regular"/>
+                <a:ea typeface="Noto Sans CJK KR Regular"/>
+              </a:rPr>
+              <a:t>.</a:t>
+            </a:r>
+            <a:endParaRPr b="0" lang="en-US" sz="1200" spc="-1" strike="noStrike">
               <a:solidFill>
-                <a:schemeClr val="dk1"/>
+                <a:srgbClr val="000000"/>
               </a:solidFill>
-              <a:latin typeface="맑은 고딕"/>
+              <a:latin typeface="Noto Sans CJK KR"/>
             </a:endParaRPr>
           </a:p>
           <a:p>
-            <a:pPr indent="0" defTabSz="914400">
+            <a:pPr defTabSz="914400">
               <a:lnSpc>
-                <a:spcPct val="90000"/>
+                <a:spcPct val="100000"/>
               </a:lnSpc>
-              <a:spcBef>
-                <a:spcPts val="1001"/>
-              </a:spcBef>
-              <a:buNone/>
             </a:pPr>
-            <a:endParaRPr b="0" lang="en-US" sz="2800" spc="-1" strike="noStrike">
+            <a:endParaRPr b="0" lang="en-US" sz="1200" spc="-1" strike="noStrike">
               <a:solidFill>
-                <a:schemeClr val="dk1"/>
+                <a:srgbClr val="000000"/>
               </a:solidFill>
-              <a:latin typeface="맑은 고딕"/>
+              <a:latin typeface="Noto Sans CJK KR"/>
             </a:endParaRPr>
           </a:p>
           <a:p>
             <a:pPr marL="228600" indent="-228600" defTabSz="914400">
               <a:lnSpc>
-                <a:spcPct val="90000"/>
+                <a:spcPct val="100000"/>
               </a:lnSpc>
-              <a:spcBef>
-                <a:spcPts val="1001"/>
-              </a:spcBef>
               <a:buClr>
                 <a:srgbClr val="000000"/>
               </a:buClr>
-              <a:buFont typeface="Arial"/>
-              <a:buChar char="•"/>
+              <a:buFont typeface="OpenSymbol"/>
+              <a:buAutoNum type="arabicPeriod"/>
             </a:pPr>
             <a:r>
-              <a:rPr b="0" lang="ko-KR" sz="2800" spc="-1" strike="noStrike">
+              <a:rPr b="0" lang="ko-KR" sz="1200" spc="-1" strike="noStrike">
                 <a:solidFill>
                   <a:schemeClr val="dk1"/>
                 </a:solidFill>
-                <a:latin typeface="맑은 고딕"/>
+                <a:latin typeface="Noto Sans CJK KR Regular"/>
+                <a:ea typeface="Noto Sans CJK KR Regular"/>
               </a:rPr>
-              <a:t>화면 기획 참고 </a:t>
+              <a:t>사용자가 회신 </a:t>
             </a:r>
             <a:r>
-              <a:rPr b="0" lang="en-US" sz="2800" spc="-1" strike="noStrike">
+              <a:rPr b="0" lang="ko-KR" sz="1200" spc="-1" strike="noStrike">
                 <a:solidFill>
                   <a:schemeClr val="dk1"/>
                 </a:solidFill>
-                <a:latin typeface="맑은 고딕"/>
+                <a:latin typeface="Noto Sans CJK KR Regular"/>
+                <a:ea typeface="Noto Sans CJK KR Regular"/>
               </a:rPr>
-              <a:t>url(</a:t>
+              <a:t>받을 메일과 </a:t>
             </a:r>
             <a:r>
-              <a:rPr b="0" lang="ko-KR" sz="2800" spc="-1" strike="noStrike">
+              <a:rPr b="0" lang="ko-KR" sz="1200" spc="-1" strike="noStrike">
                 <a:solidFill>
                   <a:schemeClr val="dk1"/>
                 </a:solidFill>
-                <a:latin typeface="맑은 고딕"/>
+                <a:latin typeface="Noto Sans CJK KR Regular"/>
+                <a:ea typeface="Noto Sans CJK KR Regular"/>
               </a:rPr>
-              <a:t>게임사 소개 페이지</a:t>
+              <a:t>원하는 </a:t>
             </a:r>
             <a:r>
-              <a:rPr b="0" lang="en-US" sz="2800" spc="-1" strike="noStrike">
+              <a:rPr b="0" lang="ko-KR" sz="1200" spc="-1" strike="noStrike">
                 <a:solidFill>
                   <a:schemeClr val="dk1"/>
                 </a:solidFill>
-                <a:latin typeface="맑은 고딕"/>
+                <a:latin typeface="Noto Sans CJK KR Regular"/>
+                <a:ea typeface="Noto Sans CJK KR Regular"/>
               </a:rPr>
-              <a:t>)</a:t>
+              <a:t>메시지를 </a:t>
             </a:r>
-            <a:endParaRPr b="0" lang="en-US" sz="2800" spc="-1" strike="noStrike">
-              <a:solidFill>
-                <a:schemeClr val="dk1"/>
-              </a:solidFill>
-              <a:latin typeface="맑은 고딕"/>
-            </a:endParaRPr>
-          </a:p>
-          <a:p>
-            <a:pPr marL="228600" indent="-228600" defTabSz="914400">
-              <a:lnSpc>
-                <a:spcPct val="90000"/>
-              </a:lnSpc>
-              <a:spcBef>
-                <a:spcPts val="1001"/>
-              </a:spcBef>
-              <a:buClr>
-                <a:srgbClr val="000000"/>
-              </a:buClr>
-              <a:buFont typeface="Arial"/>
-              <a:buChar char="•"/>
-            </a:pPr>
             <a:r>
-              <a:rPr b="0" lang="ko-KR" sz="2800" spc="-1" strike="noStrike" u="sng">
+              <a:rPr b="0" lang="ko-KR" sz="1200" spc="-1" strike="noStrike">
                 <a:solidFill>
                   <a:schemeClr val="dk1"/>
                 </a:solidFill>
-                <a:uFillTx/>
-                <a:latin typeface="맑은 고딕"/>
-                <a:hlinkClick r:id="rId2"/>
+                <a:latin typeface="Noto Sans CJK KR Regular"/>
+                <a:ea typeface="Noto Sans CJK KR Regular"/>
               </a:rPr>
-              <a:t>해긴</a:t>
+              <a:t>입력하여 </a:t>
             </a:r>
             <a:r>
-              <a:rPr b="0" lang="en-US" sz="2800" spc="-1" strike="noStrike" u="sng">
+              <a:rPr b="0" lang="ko-KR" sz="1200" spc="-1" strike="noStrike">
                 <a:solidFill>
                   <a:schemeClr val="dk1"/>
                 </a:solidFill>
-                <a:uFillTx/>
-                <a:latin typeface="맑은 고딕"/>
-                <a:hlinkClick r:id="rId3"/>
+                <a:latin typeface="Noto Sans CJK KR Regular"/>
+                <a:ea typeface="Noto Sans CJK KR Regular"/>
               </a:rPr>
-              <a:t> </a:t>
+              <a:t>간단하게 </a:t>
             </a:r>
             <a:r>
-              <a:rPr b="0" lang="en-US" sz="2800" spc="-1" strike="noStrike" u="sng">
+              <a:rPr b="0" lang="ko-KR" sz="1200" spc="-1" strike="noStrike">
                 <a:solidFill>
                   <a:schemeClr val="dk1"/>
                 </a:solidFill>
-                <a:uFillTx/>
-                <a:latin typeface="맑은 고딕"/>
-                <a:hlinkClick r:id="rId4"/>
+                <a:latin typeface="Noto Sans CJK KR Regular"/>
+                <a:ea typeface="Noto Sans CJK KR Regular"/>
               </a:rPr>
-              <a:t>: https://www.haegin.kr/</a:t>
+              <a:t>회사에 연락을 </a:t>
             </a:r>
-            <a:endParaRPr b="0" lang="en-US" sz="2800" spc="-1" strike="noStrike">
-              <a:solidFill>
-                <a:schemeClr val="dk1"/>
-              </a:solidFill>
-              <a:latin typeface="맑은 고딕"/>
-            </a:endParaRPr>
-          </a:p>
-          <a:p>
-            <a:pPr marL="228600" indent="-228600" defTabSz="914400">
-              <a:lnSpc>
-                <a:spcPct val="90000"/>
-              </a:lnSpc>
-              <a:spcBef>
-                <a:spcPts val="1001"/>
-              </a:spcBef>
-              <a:buClr>
-                <a:srgbClr val="000000"/>
-              </a:buClr>
-              <a:buFont typeface="Arial"/>
-              <a:buChar char="•"/>
-            </a:pPr>
             <a:r>
-              <a:rPr b="0" lang="ko-KR" sz="2800" spc="-1" strike="noStrike" u="sng">
+              <a:rPr b="0" lang="ko-KR" sz="1200" spc="-1" strike="noStrike">
                 <a:solidFill>
                   <a:schemeClr val="dk1"/>
                 </a:solidFill>
-                <a:uFillTx/>
-                <a:latin typeface="맑은 고딕"/>
-                <a:hlinkClick r:id="rId5"/>
+                <a:latin typeface="Noto Sans CJK KR Regular"/>
+                <a:ea typeface="Noto Sans CJK KR Regular"/>
               </a:rPr>
-              <a:t>넥슨 </a:t>
+              <a:t>취할 수 </a:t>
             </a:r>
             <a:r>
-              <a:rPr b="0" lang="en-US" sz="2800" spc="-1" strike="noStrike" u="sng">
+              <a:rPr b="0" lang="ko-KR" sz="1200" spc="-1" strike="noStrike">
                 <a:solidFill>
                   <a:schemeClr val="dk1"/>
                 </a:solidFill>
-                <a:uFillTx/>
-                <a:latin typeface="맑은 고딕"/>
-                <a:hlinkClick r:id="rId6"/>
+                <a:latin typeface="Noto Sans CJK KR Regular"/>
+                <a:ea typeface="Noto Sans CJK KR Regular"/>
               </a:rPr>
-              <a:t>: https://company.nexon.com/kr/</a:t>
+              <a:t>있습니다</a:t>
             </a:r>
-            <a:endParaRPr b="0" lang="en-US" sz="2800" spc="-1" strike="noStrike">
-              <a:solidFill>
-                <a:schemeClr val="dk1"/>
-              </a:solidFill>
-              <a:latin typeface="맑은 고딕"/>
-            </a:endParaRPr>
-          </a:p>
-          <a:p>
-            <a:pPr marL="228600" indent="-228600" defTabSz="914400">
-              <a:lnSpc>
-                <a:spcPct val="90000"/>
-              </a:lnSpc>
-              <a:spcBef>
-                <a:spcPts val="1001"/>
-              </a:spcBef>
-              <a:buClr>
-                <a:srgbClr val="000000"/>
-              </a:buClr>
-              <a:buFont typeface="Arial"/>
-              <a:buChar char="•"/>
-            </a:pPr>
             <a:r>
-              <a:rPr b="0" lang="en-US" sz="2800" spc="-1" strike="noStrike" u="sng">
+              <a:rPr b="0" lang="en-US" sz="1200" spc="-1" strike="noStrike">
                 <a:solidFill>
                   <a:schemeClr val="dk1"/>
                 </a:solidFill>
-                <a:uFillTx/>
-                <a:latin typeface="맑은 고딕"/>
-                <a:hlinkClick r:id="rId7"/>
+                <a:latin typeface="Noto Sans CJK KR Regular"/>
+                <a:ea typeface="Noto Sans CJK KR Regular"/>
               </a:rPr>
-              <a:t>NC</a:t>
+              <a:t>. </a:t>
             </a:r>
             <a:r>
-              <a:rPr b="0" lang="ko-KR" sz="2800" spc="-1" strike="noStrike" u="sng">
+              <a:rPr b="0" lang="ko-KR" sz="1200" spc="-1" strike="noStrike">
                 <a:solidFill>
                   <a:schemeClr val="dk1"/>
                 </a:solidFill>
-                <a:uFillTx/>
-                <a:latin typeface="맑은 고딕"/>
-                <a:hlinkClick r:id="rId8"/>
+                <a:latin typeface="Noto Sans CJK KR Regular"/>
+                <a:ea typeface="Noto Sans CJK KR Regular"/>
               </a:rPr>
-              <a:t>소프트 </a:t>
+              <a:t>해당 내용은 </a:t>
             </a:r>
             <a:r>
-              <a:rPr b="0" lang="en-US" sz="2800" spc="-1" strike="noStrike" u="sng">
+              <a:rPr b="0" lang="ko-KR" sz="1200" spc="-1" strike="noStrike">
                 <a:solidFill>
                   <a:schemeClr val="dk1"/>
                 </a:solidFill>
-                <a:uFillTx/>
-                <a:latin typeface="맑은 고딕"/>
-                <a:hlinkClick r:id="rId9"/>
+                <a:latin typeface="Noto Sans CJK KR Regular"/>
+                <a:ea typeface="Noto Sans CJK KR Regular"/>
               </a:rPr>
-              <a:t>: https://kr.ncsoft.com/kr/index.do</a:t>
+              <a:t>회사의 메일로 </a:t>
             </a:r>
-            <a:endParaRPr b="0" lang="en-US" sz="2800" spc="-1" strike="noStrike">
+            <a:r>
+              <a:rPr b="0" lang="ko-KR" sz="1200" spc="-1" strike="noStrike">
+                <a:solidFill>
+                  <a:schemeClr val="dk1"/>
+                </a:solidFill>
+                <a:latin typeface="Noto Sans CJK KR Regular"/>
+                <a:ea typeface="Noto Sans CJK KR Regular"/>
+              </a:rPr>
+              <a:t>전송됩니다</a:t>
+            </a:r>
+            <a:r>
+              <a:rPr b="0" lang="en-US" sz="1200" spc="-1" strike="noStrike">
+                <a:solidFill>
+                  <a:schemeClr val="dk1"/>
+                </a:solidFill>
+                <a:latin typeface="Noto Sans CJK KR Regular"/>
+                <a:ea typeface="Noto Sans CJK KR Regular"/>
+              </a:rPr>
+              <a:t>. </a:t>
+            </a:r>
+            <a:r>
+              <a:rPr b="0" lang="ko-KR" sz="1200" spc="-1" strike="noStrike">
+                <a:solidFill>
+                  <a:schemeClr val="dk1"/>
+                </a:solidFill>
+                <a:latin typeface="Noto Sans CJK KR Regular"/>
+                <a:ea typeface="Noto Sans CJK KR Regular"/>
+              </a:rPr>
+              <a:t>메시지 영역이 </a:t>
+            </a:r>
+            <a:r>
+              <a:rPr b="0" lang="ko-KR" sz="1200" spc="-1" strike="noStrike">
+                <a:solidFill>
+                  <a:schemeClr val="dk1"/>
+                </a:solidFill>
+                <a:latin typeface="Noto Sans CJK KR Regular"/>
+                <a:ea typeface="Noto Sans CJK KR Regular"/>
+              </a:rPr>
+              <a:t>비어있지 </a:t>
+            </a:r>
+            <a:r>
+              <a:rPr b="0" lang="ko-KR" sz="1200" spc="-1" strike="noStrike">
+                <a:solidFill>
+                  <a:schemeClr val="dk1"/>
+                </a:solidFill>
+                <a:latin typeface="Noto Sans CJK KR Regular"/>
+                <a:ea typeface="Noto Sans CJK KR Regular"/>
+              </a:rPr>
+              <a:t>않으며</a:t>
+            </a:r>
+            <a:r>
+              <a:rPr b="0" lang="en-US" sz="1200" spc="-1" strike="noStrike">
+                <a:solidFill>
+                  <a:schemeClr val="dk1"/>
+                </a:solidFill>
+                <a:latin typeface="Noto Sans CJK KR Regular"/>
+                <a:ea typeface="Noto Sans CJK KR Regular"/>
+              </a:rPr>
+              <a:t>, </a:t>
+            </a:r>
+            <a:r>
+              <a:rPr b="0" lang="ko-KR" sz="1200" spc="-1" strike="noStrike">
+                <a:solidFill>
+                  <a:schemeClr val="dk1"/>
+                </a:solidFill>
+                <a:latin typeface="Noto Sans CJK KR Regular"/>
+                <a:ea typeface="Noto Sans CJK KR Regular"/>
+              </a:rPr>
+              <a:t>메일 </a:t>
+            </a:r>
+            <a:r>
+              <a:rPr b="0" lang="ko-KR" sz="1200" spc="-1" strike="noStrike">
+                <a:solidFill>
+                  <a:schemeClr val="dk1"/>
+                </a:solidFill>
+                <a:latin typeface="Noto Sans CJK KR Regular"/>
+                <a:ea typeface="Noto Sans CJK KR Regular"/>
+              </a:rPr>
+              <a:t>주소가 유효한 </a:t>
+            </a:r>
+            <a:r>
+              <a:rPr b="0" lang="ko-KR" sz="1200" spc="-1" strike="noStrike">
+                <a:solidFill>
+                  <a:schemeClr val="dk1"/>
+                </a:solidFill>
+                <a:latin typeface="Noto Sans CJK KR Regular"/>
+                <a:ea typeface="Noto Sans CJK KR Regular"/>
+              </a:rPr>
+              <a:t>형태인 </a:t>
+            </a:r>
+            <a:r>
+              <a:rPr b="0" lang="ko-KR" sz="1200" spc="-1" strike="noStrike">
+                <a:solidFill>
+                  <a:schemeClr val="dk1"/>
+                </a:solidFill>
+                <a:latin typeface="Noto Sans CJK KR Regular"/>
+                <a:ea typeface="Noto Sans CJK KR Regular"/>
+              </a:rPr>
+              <a:t>경우에만 </a:t>
+            </a:r>
+            <a:r>
+              <a:rPr b="0" lang="ko-KR" sz="1200" spc="-1" strike="noStrike">
+                <a:solidFill>
+                  <a:schemeClr val="dk1"/>
+                </a:solidFill>
+                <a:latin typeface="Noto Sans CJK KR Regular"/>
+                <a:ea typeface="Noto Sans CJK KR Regular"/>
+              </a:rPr>
+              <a:t>메일이 </a:t>
+            </a:r>
+            <a:r>
+              <a:rPr b="0" lang="ko-KR" sz="1200" spc="-1" strike="noStrike">
+                <a:solidFill>
+                  <a:schemeClr val="dk1"/>
+                </a:solidFill>
+                <a:latin typeface="Noto Sans CJK KR Regular"/>
+                <a:ea typeface="Noto Sans CJK KR Regular"/>
+              </a:rPr>
+              <a:t>전송됩니다</a:t>
+            </a:r>
+            <a:r>
+              <a:rPr b="0" lang="en-US" sz="1200" spc="-1" strike="noStrike">
+                <a:solidFill>
+                  <a:schemeClr val="dk1"/>
+                </a:solidFill>
+                <a:latin typeface="Noto Sans CJK KR Regular"/>
+                <a:ea typeface="Noto Sans CJK KR Regular"/>
+              </a:rPr>
+              <a:t>. </a:t>
+            </a:r>
+            <a:r>
+              <a:rPr b="0" lang="ko-KR" sz="1200" spc="-1" strike="noStrike">
+                <a:solidFill>
+                  <a:schemeClr val="dk1"/>
+                </a:solidFill>
+                <a:latin typeface="Noto Sans CJK KR Regular"/>
+                <a:ea typeface="Noto Sans CJK KR Regular"/>
+              </a:rPr>
+              <a:t>입력된 </a:t>
+            </a:r>
+            <a:r>
+              <a:rPr b="0" lang="ko-KR" sz="1200" spc="-1" strike="noStrike">
+                <a:solidFill>
+                  <a:schemeClr val="dk1"/>
+                </a:solidFill>
+                <a:latin typeface="Noto Sans CJK KR Regular"/>
+                <a:ea typeface="Noto Sans CJK KR Regular"/>
+              </a:rPr>
+              <a:t>사용자의 </a:t>
+            </a:r>
+            <a:r>
+              <a:rPr b="0" lang="ko-KR" sz="1200" spc="-1" strike="noStrike">
+                <a:solidFill>
+                  <a:schemeClr val="dk1"/>
+                </a:solidFill>
+                <a:latin typeface="Noto Sans CJK KR Regular"/>
+                <a:ea typeface="Noto Sans CJK KR Regular"/>
+              </a:rPr>
+              <a:t>메일로도 </a:t>
+            </a:r>
+            <a:r>
+              <a:rPr b="0" lang="ko-KR" sz="1200" spc="-1" strike="noStrike">
+                <a:solidFill>
+                  <a:schemeClr val="dk1"/>
+                </a:solidFill>
+                <a:latin typeface="Noto Sans CJK KR Regular"/>
+                <a:ea typeface="Noto Sans CJK KR Regular"/>
+              </a:rPr>
+              <a:t>사용자의 </a:t>
+            </a:r>
+            <a:r>
+              <a:rPr b="0" lang="ko-KR" sz="1200" spc="-1" strike="noStrike">
+                <a:solidFill>
+                  <a:schemeClr val="dk1"/>
+                </a:solidFill>
+                <a:latin typeface="Noto Sans CJK KR Regular"/>
+                <a:ea typeface="Noto Sans CJK KR Regular"/>
+              </a:rPr>
+              <a:t>연락이 </a:t>
+            </a:r>
+            <a:r>
+              <a:rPr b="0" lang="ko-KR" sz="1200" spc="-1" strike="noStrike">
+                <a:solidFill>
+                  <a:schemeClr val="dk1"/>
+                </a:solidFill>
+                <a:latin typeface="Noto Sans CJK KR Regular"/>
+                <a:ea typeface="Noto Sans CJK KR Regular"/>
+              </a:rPr>
+              <a:t>정상적으로 </a:t>
+            </a:r>
+            <a:r>
+              <a:rPr b="0" lang="ko-KR" sz="1200" spc="-1" strike="noStrike">
+                <a:solidFill>
+                  <a:schemeClr val="dk1"/>
+                </a:solidFill>
+                <a:latin typeface="Noto Sans CJK KR Regular"/>
+                <a:ea typeface="Noto Sans CJK KR Regular"/>
+              </a:rPr>
+              <a:t>전달되었다는 </a:t>
+            </a:r>
+            <a:r>
+              <a:rPr b="0" lang="ko-KR" sz="1200" spc="-1" strike="noStrike">
+                <a:solidFill>
+                  <a:schemeClr val="dk1"/>
+                </a:solidFill>
+                <a:latin typeface="Noto Sans CJK KR Regular"/>
+                <a:ea typeface="Noto Sans CJK KR Regular"/>
+              </a:rPr>
+              <a:t>메일을 </a:t>
+            </a:r>
+            <a:r>
+              <a:rPr b="0" lang="ko-KR" sz="1200" spc="-1" strike="noStrike">
+                <a:solidFill>
+                  <a:schemeClr val="dk1"/>
+                </a:solidFill>
+                <a:latin typeface="Noto Sans CJK KR Regular"/>
+                <a:ea typeface="Noto Sans CJK KR Regular"/>
+              </a:rPr>
+              <a:t>보냅니다</a:t>
+            </a:r>
+            <a:r>
+              <a:rPr b="0" lang="en-US" sz="1200" spc="-1" strike="noStrike">
+                <a:solidFill>
+                  <a:schemeClr val="dk1"/>
+                </a:solidFill>
+                <a:latin typeface="Noto Sans CJK KR Regular"/>
+                <a:ea typeface="Noto Sans CJK KR Regular"/>
+              </a:rPr>
+              <a:t>.</a:t>
+            </a:r>
+            <a:endParaRPr b="0" lang="en-US" sz="1200" spc="-1" strike="noStrike">
               <a:solidFill>
-                <a:schemeClr val="dk1"/>
+                <a:srgbClr val="000000"/>
               </a:solidFill>
-              <a:latin typeface="맑은 고딕"/>
+              <a:latin typeface="Noto Sans CJK KR"/>
+            </a:endParaRPr>
+          </a:p>
+        </p:txBody>
+      </p:sp>
+      <p:sp>
+        <p:nvSpPr>
+          <p:cNvPr id="103" name="직사각형 9"/>
+          <p:cNvSpPr/>
+          <p:nvPr/>
+        </p:nvSpPr>
+        <p:spPr>
+          <a:xfrm>
+            <a:off x="3613320" y="3776760"/>
+            <a:ext cx="286200" cy="266040"/>
+          </a:xfrm>
+          <a:prstGeom prst="rect">
+            <a:avLst/>
+          </a:prstGeom>
+          <a:solidFill>
+            <a:srgbClr val="ff0000"/>
+          </a:solidFill>
+          <a:ln>
+            <a:noFill/>
+          </a:ln>
+        </p:spPr>
+        <p:style>
+          <a:lnRef idx="2">
+            <a:schemeClr val="accent1">
+              <a:shade val="50000"/>
+            </a:schemeClr>
+          </a:lnRef>
+          <a:fillRef idx="1">
+            <a:schemeClr val="accent1"/>
+          </a:fillRef>
+          <a:effectRef idx="0">
+            <a:schemeClr val="accent1"/>
+          </a:effectRef>
+          <a:fontRef idx="minor"/>
+        </p:style>
+        <p:txBody>
+          <a:bodyPr lIns="90000" rIns="90000" tIns="45000" bIns="45000" anchor="ctr">
+            <a:noAutofit/>
+          </a:bodyPr>
+          <a:p>
+            <a:pPr algn="ctr" defTabSz="914400">
+              <a:lnSpc>
+                <a:spcPct val="100000"/>
+              </a:lnSpc>
+            </a:pPr>
+            <a:r>
+              <a:rPr b="1" lang="en-US" sz="1400" spc="-1" strike="noStrike">
+                <a:solidFill>
+                  <a:schemeClr val="lt1"/>
+                </a:solidFill>
+                <a:latin typeface="Noto Sans CJK KR Regular"/>
+                <a:ea typeface="Noto Sans CJK KR Regular"/>
+              </a:rPr>
+              <a:t>1</a:t>
+            </a:r>
+            <a:endParaRPr b="0" lang="en-US" sz="1400" spc="-1" strike="noStrike">
+              <a:solidFill>
+                <a:srgbClr val="000000"/>
+              </a:solidFill>
+              <a:latin typeface="Noto Sans CJK KR"/>
+            </a:endParaRPr>
+          </a:p>
+        </p:txBody>
+      </p:sp>
+      <p:sp>
+        <p:nvSpPr>
+          <p:cNvPr id="104" name="직사각형 10"/>
+          <p:cNvSpPr/>
+          <p:nvPr/>
+        </p:nvSpPr>
+        <p:spPr>
+          <a:xfrm>
+            <a:off x="6982200" y="2765880"/>
+            <a:ext cx="286200" cy="266040"/>
+          </a:xfrm>
+          <a:prstGeom prst="rect">
+            <a:avLst/>
+          </a:prstGeom>
+          <a:solidFill>
+            <a:srgbClr val="ff0000"/>
+          </a:solidFill>
+          <a:ln>
+            <a:noFill/>
+          </a:ln>
+        </p:spPr>
+        <p:style>
+          <a:lnRef idx="2">
+            <a:schemeClr val="accent1">
+              <a:shade val="50000"/>
+            </a:schemeClr>
+          </a:lnRef>
+          <a:fillRef idx="1">
+            <a:schemeClr val="accent1"/>
+          </a:fillRef>
+          <a:effectRef idx="0">
+            <a:schemeClr val="accent1"/>
+          </a:effectRef>
+          <a:fontRef idx="minor"/>
+        </p:style>
+        <p:txBody>
+          <a:bodyPr lIns="90000" rIns="90000" tIns="45000" bIns="45000" anchor="ctr">
+            <a:noAutofit/>
+          </a:bodyPr>
+          <a:p>
+            <a:pPr algn="ctr" defTabSz="914400">
+              <a:lnSpc>
+                <a:spcPct val="100000"/>
+              </a:lnSpc>
+            </a:pPr>
+            <a:r>
+              <a:rPr b="1" lang="en-US" sz="1400" spc="-1" strike="noStrike">
+                <a:solidFill>
+                  <a:schemeClr val="lt1"/>
+                </a:solidFill>
+                <a:latin typeface="Noto Sans CJK KR Regular"/>
+                <a:ea typeface="Noto Sans CJK KR Regular"/>
+              </a:rPr>
+              <a:t>2</a:t>
+            </a:r>
+            <a:endParaRPr b="0" lang="en-US" sz="1400" spc="-1" strike="noStrike">
+              <a:solidFill>
+                <a:srgbClr val="000000"/>
+              </a:solidFill>
+              <a:latin typeface="Noto Sans CJK KR"/>
             </a:endParaRPr>
           </a:p>
         </p:txBody>

--- a/docs/코멘토_기획_화면설계서 양식.pptx
+++ b/docs/코멘토_기획_화면설계서 양식.pptx
@@ -45,7 +45,7 @@
             <a:spLocks noGrp="1"/>
           </p:cNvSpPr>
           <p:nvPr>
-            <p:ph type="ftr" idx="2"/>
+            <p:ph type="ftr" idx="1"/>
           </p:nvPr>
         </p:nvSpPr>
         <p:spPr/>
@@ -65,14 +65,14 @@
             <a:spLocks noGrp="1"/>
           </p:cNvSpPr>
           <p:nvPr>
-            <p:ph type="sldNum" idx="3"/>
+            <p:ph type="sldNum" idx="2"/>
           </p:nvPr>
         </p:nvSpPr>
         <p:spPr/>
         <p:txBody>
           <a:bodyPr/>
           <a:p>
-            <a:fld id="{FEAC4E57-E0DD-443E-BEC0-CB846DBE0647}" type="slidenum">
+            <a:fld id="{1B73E82F-8ED6-478C-9AB3-FF6C0340DDD2}" type="slidenum">
               <a:t>&lt;#&gt;</a:t>
             </a:fld>
           </a:p>
@@ -85,7 +85,7 @@
             <a:spLocks noGrp="1"/>
           </p:cNvSpPr>
           <p:nvPr>
-            <p:ph type="dt" idx="1"/>
+            <p:ph type="dt" idx="3"/>
           </p:nvPr>
         </p:nvSpPr>
         <p:spPr/>
@@ -123,7 +123,7 @@
       </p:grpSpPr>
       <p:sp>
         <p:nvSpPr>
-          <p:cNvPr id="26" name="PlaceHolder 1"/>
+          <p:cNvPr id="28" name="PlaceHolder 1"/>
           <p:cNvSpPr>
             <a:spLocks noGrp="1"/>
           </p:cNvSpPr>
@@ -134,7 +134,7 @@
         <p:spPr>
           <a:xfrm>
             <a:off x="838080" y="365040"/>
-            <a:ext cx="10515240" cy="1325160"/>
+            <a:ext cx="10514880" cy="1324800"/>
           </a:xfrm>
           <a:prstGeom prst="rect">
             <a:avLst/>
@@ -149,21 +149,21 @@
             <a:noAutofit/>
           </a:bodyPr>
           <a:p>
-            <a:pPr indent="0">
+            <a:pPr indent="0" algn="ctr">
               <a:buNone/>
             </a:pPr>
-            <a:endParaRPr b="0" lang="en-US" sz="1800" spc="-1" strike="noStrike">
+            <a:endParaRPr b="0" lang="en-US" sz="4400" spc="-1" strike="noStrike">
               <a:solidFill>
-                <a:schemeClr val="dk1"/>
+                <a:srgbClr val="000000"/>
               </a:solidFill>
-              <a:latin typeface="맑은 고딕"/>
+              <a:latin typeface="Noto Sans CJK KR"/>
             </a:endParaRPr>
           </a:p>
         </p:txBody>
       </p:sp>
       <p:sp>
         <p:nvSpPr>
-          <p:cNvPr id="27" name="PlaceHolder 2"/>
+          <p:cNvPr id="29" name="PlaceHolder 2"/>
           <p:cNvSpPr>
             <a:spLocks noGrp="1"/>
           </p:cNvSpPr>
@@ -173,8 +173,8 @@
         </p:nvSpPr>
         <p:spPr>
           <a:xfrm>
-            <a:off x="838080" y="1825560"/>
-            <a:ext cx="10515240" cy="2075040"/>
+            <a:off x="609480" y="1604520"/>
+            <a:ext cx="10972440" cy="1896840"/>
           </a:xfrm>
           <a:prstGeom prst="rect">
             <a:avLst/>
@@ -190,26 +190,23 @@
           </a:bodyPr>
           <a:p>
             <a:pPr indent="0">
-              <a:lnSpc>
-                <a:spcPct val="90000"/>
-              </a:lnSpc>
               <a:spcBef>
                 <a:spcPts val="1417"/>
               </a:spcBef>
               <a:buNone/>
             </a:pPr>
-            <a:endParaRPr b="0" lang="en-US" sz="2800" spc="-1" strike="noStrike">
+            <a:endParaRPr b="0" lang="en-US" sz="3200" spc="-1" strike="noStrike">
               <a:solidFill>
-                <a:schemeClr val="dk1"/>
+                <a:srgbClr val="000000"/>
               </a:solidFill>
-              <a:latin typeface="맑은 고딕"/>
+              <a:latin typeface="Noto Sans CJK KR"/>
             </a:endParaRPr>
           </a:p>
         </p:txBody>
       </p:sp>
       <p:sp>
         <p:nvSpPr>
-          <p:cNvPr id="28" name="PlaceHolder 3"/>
+          <p:cNvPr id="30" name="PlaceHolder 3"/>
           <p:cNvSpPr>
             <a:spLocks noGrp="1"/>
           </p:cNvSpPr>
@@ -219,8 +216,8 @@
         </p:nvSpPr>
         <p:spPr>
           <a:xfrm>
-            <a:off x="838080" y="4098240"/>
-            <a:ext cx="10515240" cy="2075040"/>
+            <a:off x="609480" y="3682080"/>
+            <a:ext cx="10972440" cy="1896840"/>
           </a:xfrm>
           <a:prstGeom prst="rect">
             <a:avLst/>
@@ -236,19 +233,16 @@
           </a:bodyPr>
           <a:p>
             <a:pPr indent="0">
-              <a:lnSpc>
-                <a:spcPct val="90000"/>
-              </a:lnSpc>
               <a:spcBef>
                 <a:spcPts val="1417"/>
               </a:spcBef>
               <a:buNone/>
             </a:pPr>
-            <a:endParaRPr b="0" lang="en-US" sz="2800" spc="-1" strike="noStrike">
+            <a:endParaRPr b="0" lang="en-US" sz="3200" spc="-1" strike="noStrike">
               <a:solidFill>
-                <a:schemeClr val="dk1"/>
+                <a:srgbClr val="000000"/>
               </a:solidFill>
-              <a:latin typeface="맑은 고딕"/>
+              <a:latin typeface="Noto Sans CJK KR"/>
             </a:endParaRPr>
           </a:p>
         </p:txBody>
@@ -260,7 +254,7 @@
             <a:spLocks noGrp="1"/>
           </p:cNvSpPr>
           <p:nvPr>
-            <p:ph type="ftr" idx="2"/>
+            <p:ph type="ftr" idx="1"/>
           </p:nvPr>
         </p:nvSpPr>
         <p:spPr/>
@@ -280,14 +274,14 @@
             <a:spLocks noGrp="1"/>
           </p:cNvSpPr>
           <p:nvPr>
-            <p:ph type="sldNum" idx="3"/>
+            <p:ph type="sldNum" idx="2"/>
           </p:nvPr>
         </p:nvSpPr>
         <p:spPr/>
         <p:txBody>
           <a:bodyPr/>
           <a:p>
-            <a:fld id="{D641DC18-45FB-46F6-AEB0-FB5758B7DED1}" type="slidenum">
+            <a:fld id="{037E3C0C-E2E5-4BC1-8EE3-8B7478B9B5B9}" type="slidenum">
               <a:t>&lt;#&gt;</a:t>
             </a:fld>
           </a:p>
@@ -300,7 +294,7 @@
             <a:spLocks noGrp="1"/>
           </p:cNvSpPr>
           <p:nvPr>
-            <p:ph type="dt" idx="1"/>
+            <p:ph type="dt" idx="3"/>
           </p:nvPr>
         </p:nvSpPr>
         <p:spPr/>
@@ -338,7 +332,7 @@
       </p:grpSpPr>
       <p:sp>
         <p:nvSpPr>
-          <p:cNvPr id="29" name="PlaceHolder 1"/>
+          <p:cNvPr id="31" name="PlaceHolder 1"/>
           <p:cNvSpPr>
             <a:spLocks noGrp="1"/>
           </p:cNvSpPr>
@@ -349,7 +343,7 @@
         <p:spPr>
           <a:xfrm>
             <a:off x="838080" y="365040"/>
-            <a:ext cx="10515240" cy="1325160"/>
+            <a:ext cx="10514880" cy="1324800"/>
           </a:xfrm>
           <a:prstGeom prst="rect">
             <a:avLst/>
@@ -364,21 +358,21 @@
             <a:noAutofit/>
           </a:bodyPr>
           <a:p>
-            <a:pPr indent="0">
+            <a:pPr indent="0" algn="ctr">
               <a:buNone/>
             </a:pPr>
-            <a:endParaRPr b="0" lang="en-US" sz="1800" spc="-1" strike="noStrike">
+            <a:endParaRPr b="0" lang="en-US" sz="4400" spc="-1" strike="noStrike">
               <a:solidFill>
-                <a:schemeClr val="dk1"/>
+                <a:srgbClr val="000000"/>
               </a:solidFill>
-              <a:latin typeface="맑은 고딕"/>
+              <a:latin typeface="Noto Sans CJK KR"/>
             </a:endParaRPr>
           </a:p>
         </p:txBody>
       </p:sp>
       <p:sp>
         <p:nvSpPr>
-          <p:cNvPr id="30" name="PlaceHolder 2"/>
+          <p:cNvPr id="32" name="PlaceHolder 2"/>
           <p:cNvSpPr>
             <a:spLocks noGrp="1"/>
           </p:cNvSpPr>
@@ -388,8 +382,8 @@
         </p:nvSpPr>
         <p:spPr>
           <a:xfrm>
-            <a:off x="838080" y="1825560"/>
-            <a:ext cx="5131080" cy="2075040"/>
+            <a:off x="609480" y="1604520"/>
+            <a:ext cx="5354280" cy="1896840"/>
           </a:xfrm>
           <a:prstGeom prst="rect">
             <a:avLst/>
@@ -405,26 +399,23 @@
           </a:bodyPr>
           <a:p>
             <a:pPr indent="0">
-              <a:lnSpc>
-                <a:spcPct val="90000"/>
-              </a:lnSpc>
               <a:spcBef>
                 <a:spcPts val="1417"/>
               </a:spcBef>
               <a:buNone/>
             </a:pPr>
-            <a:endParaRPr b="0" lang="en-US" sz="2800" spc="-1" strike="noStrike">
+            <a:endParaRPr b="0" lang="en-US" sz="3200" spc="-1" strike="noStrike">
               <a:solidFill>
-                <a:schemeClr val="dk1"/>
+                <a:srgbClr val="000000"/>
               </a:solidFill>
-              <a:latin typeface="맑은 고딕"/>
+              <a:latin typeface="Noto Sans CJK KR"/>
             </a:endParaRPr>
           </a:p>
         </p:txBody>
       </p:sp>
       <p:sp>
         <p:nvSpPr>
-          <p:cNvPr id="31" name="PlaceHolder 3"/>
+          <p:cNvPr id="33" name="PlaceHolder 3"/>
           <p:cNvSpPr>
             <a:spLocks noGrp="1"/>
           </p:cNvSpPr>
@@ -434,8 +425,8 @@
         </p:nvSpPr>
         <p:spPr>
           <a:xfrm>
-            <a:off x="6226200" y="1825560"/>
-            <a:ext cx="5131080" cy="2075040"/>
+            <a:off x="6231960" y="1604520"/>
+            <a:ext cx="5354280" cy="1896840"/>
           </a:xfrm>
           <a:prstGeom prst="rect">
             <a:avLst/>
@@ -451,26 +442,23 @@
           </a:bodyPr>
           <a:p>
             <a:pPr indent="0">
-              <a:lnSpc>
-                <a:spcPct val="90000"/>
-              </a:lnSpc>
               <a:spcBef>
                 <a:spcPts val="1417"/>
               </a:spcBef>
               <a:buNone/>
             </a:pPr>
-            <a:endParaRPr b="0" lang="en-US" sz="2800" spc="-1" strike="noStrike">
+            <a:endParaRPr b="0" lang="en-US" sz="3200" spc="-1" strike="noStrike">
               <a:solidFill>
-                <a:schemeClr val="dk1"/>
+                <a:srgbClr val="000000"/>
               </a:solidFill>
-              <a:latin typeface="맑은 고딕"/>
+              <a:latin typeface="Noto Sans CJK KR"/>
             </a:endParaRPr>
           </a:p>
         </p:txBody>
       </p:sp>
       <p:sp>
         <p:nvSpPr>
-          <p:cNvPr id="32" name="PlaceHolder 4"/>
+          <p:cNvPr id="34" name="PlaceHolder 4"/>
           <p:cNvSpPr>
             <a:spLocks noGrp="1"/>
           </p:cNvSpPr>
@@ -480,8 +468,8 @@
         </p:nvSpPr>
         <p:spPr>
           <a:xfrm>
-            <a:off x="838080" y="4098240"/>
-            <a:ext cx="5131080" cy="2075040"/>
+            <a:off x="609480" y="3682080"/>
+            <a:ext cx="5354280" cy="1896840"/>
           </a:xfrm>
           <a:prstGeom prst="rect">
             <a:avLst/>
@@ -497,26 +485,23 @@
           </a:bodyPr>
           <a:p>
             <a:pPr indent="0">
-              <a:lnSpc>
-                <a:spcPct val="90000"/>
-              </a:lnSpc>
               <a:spcBef>
                 <a:spcPts val="1417"/>
               </a:spcBef>
               <a:buNone/>
             </a:pPr>
-            <a:endParaRPr b="0" lang="en-US" sz="2800" spc="-1" strike="noStrike">
+            <a:endParaRPr b="0" lang="en-US" sz="3200" spc="-1" strike="noStrike">
               <a:solidFill>
-                <a:schemeClr val="dk1"/>
+                <a:srgbClr val="000000"/>
               </a:solidFill>
-              <a:latin typeface="맑은 고딕"/>
+              <a:latin typeface="Noto Sans CJK KR"/>
             </a:endParaRPr>
           </a:p>
         </p:txBody>
       </p:sp>
       <p:sp>
         <p:nvSpPr>
-          <p:cNvPr id="33" name="PlaceHolder 5"/>
+          <p:cNvPr id="35" name="PlaceHolder 5"/>
           <p:cNvSpPr>
             <a:spLocks noGrp="1"/>
           </p:cNvSpPr>
@@ -526,8 +511,8 @@
         </p:nvSpPr>
         <p:spPr>
           <a:xfrm>
-            <a:off x="6226200" y="4098240"/>
-            <a:ext cx="5131080" cy="2075040"/>
+            <a:off x="6231960" y="3682080"/>
+            <a:ext cx="5354280" cy="1896840"/>
           </a:xfrm>
           <a:prstGeom prst="rect">
             <a:avLst/>
@@ -543,19 +528,16 @@
           </a:bodyPr>
           <a:p>
             <a:pPr indent="0">
-              <a:lnSpc>
-                <a:spcPct val="90000"/>
-              </a:lnSpc>
               <a:spcBef>
                 <a:spcPts val="1417"/>
               </a:spcBef>
               <a:buNone/>
             </a:pPr>
-            <a:endParaRPr b="0" lang="en-US" sz="2800" spc="-1" strike="noStrike">
+            <a:endParaRPr b="0" lang="en-US" sz="3200" spc="-1" strike="noStrike">
               <a:solidFill>
-                <a:schemeClr val="dk1"/>
+                <a:srgbClr val="000000"/>
               </a:solidFill>
-              <a:latin typeface="맑은 고딕"/>
+              <a:latin typeface="Noto Sans CJK KR"/>
             </a:endParaRPr>
           </a:p>
         </p:txBody>
@@ -567,7 +549,7 @@
             <a:spLocks noGrp="1"/>
           </p:cNvSpPr>
           <p:nvPr>
-            <p:ph type="ftr" idx="2"/>
+            <p:ph type="ftr" idx="1"/>
           </p:nvPr>
         </p:nvSpPr>
         <p:spPr/>
@@ -587,14 +569,14 @@
             <a:spLocks noGrp="1"/>
           </p:cNvSpPr>
           <p:nvPr>
-            <p:ph type="sldNum" idx="3"/>
+            <p:ph type="sldNum" idx="2"/>
           </p:nvPr>
         </p:nvSpPr>
         <p:spPr/>
         <p:txBody>
           <a:bodyPr/>
           <a:p>
-            <a:fld id="{87648302-86DA-4BEB-AE4D-F5710169D768}" type="slidenum">
+            <a:fld id="{07C1778B-32FC-48BA-8B67-4AE298A7CA23}" type="slidenum">
               <a:t>&lt;#&gt;</a:t>
             </a:fld>
           </a:p>
@@ -607,7 +589,7 @@
             <a:spLocks noGrp="1"/>
           </p:cNvSpPr>
           <p:nvPr>
-            <p:ph type="dt" idx="1"/>
+            <p:ph type="dt" idx="3"/>
           </p:nvPr>
         </p:nvSpPr>
         <p:spPr/>
@@ -645,7 +627,7 @@
       </p:grpSpPr>
       <p:sp>
         <p:nvSpPr>
-          <p:cNvPr id="34" name="PlaceHolder 1"/>
+          <p:cNvPr id="36" name="PlaceHolder 1"/>
           <p:cNvSpPr>
             <a:spLocks noGrp="1"/>
           </p:cNvSpPr>
@@ -656,7 +638,7 @@
         <p:spPr>
           <a:xfrm>
             <a:off x="838080" y="365040"/>
-            <a:ext cx="10515240" cy="1325160"/>
+            <a:ext cx="10514880" cy="1324800"/>
           </a:xfrm>
           <a:prstGeom prst="rect">
             <a:avLst/>
@@ -671,21 +653,21 @@
             <a:noAutofit/>
           </a:bodyPr>
           <a:p>
-            <a:pPr indent="0">
+            <a:pPr indent="0" algn="ctr">
               <a:buNone/>
             </a:pPr>
-            <a:endParaRPr b="0" lang="en-US" sz="1800" spc="-1" strike="noStrike">
+            <a:endParaRPr b="0" lang="en-US" sz="4400" spc="-1" strike="noStrike">
               <a:solidFill>
-                <a:schemeClr val="dk1"/>
+                <a:srgbClr val="000000"/>
               </a:solidFill>
-              <a:latin typeface="맑은 고딕"/>
+              <a:latin typeface="Noto Sans CJK KR"/>
             </a:endParaRPr>
           </a:p>
         </p:txBody>
       </p:sp>
       <p:sp>
         <p:nvSpPr>
-          <p:cNvPr id="35" name="PlaceHolder 2"/>
+          <p:cNvPr id="37" name="PlaceHolder 2"/>
           <p:cNvSpPr>
             <a:spLocks noGrp="1"/>
           </p:cNvSpPr>
@@ -695,8 +677,8 @@
         </p:nvSpPr>
         <p:spPr>
           <a:xfrm>
-            <a:off x="838080" y="1825560"/>
-            <a:ext cx="3385800" cy="2075040"/>
+            <a:off x="609480" y="1604520"/>
+            <a:ext cx="3533040" cy="1896840"/>
           </a:xfrm>
           <a:prstGeom prst="rect">
             <a:avLst/>
@@ -712,26 +694,23 @@
           </a:bodyPr>
           <a:p>
             <a:pPr indent="0">
-              <a:lnSpc>
-                <a:spcPct val="90000"/>
-              </a:lnSpc>
               <a:spcBef>
                 <a:spcPts val="1417"/>
               </a:spcBef>
               <a:buNone/>
             </a:pPr>
-            <a:endParaRPr b="0" lang="en-US" sz="2800" spc="-1" strike="noStrike">
+            <a:endParaRPr b="0" lang="en-US" sz="3200" spc="-1" strike="noStrike">
               <a:solidFill>
-                <a:schemeClr val="dk1"/>
+                <a:srgbClr val="000000"/>
               </a:solidFill>
-              <a:latin typeface="맑은 고딕"/>
+              <a:latin typeface="Noto Sans CJK KR"/>
             </a:endParaRPr>
           </a:p>
         </p:txBody>
       </p:sp>
       <p:sp>
         <p:nvSpPr>
-          <p:cNvPr id="36" name="PlaceHolder 3"/>
+          <p:cNvPr id="38" name="PlaceHolder 3"/>
           <p:cNvSpPr>
             <a:spLocks noGrp="1"/>
           </p:cNvSpPr>
@@ -741,8 +720,8 @@
         </p:nvSpPr>
         <p:spPr>
           <a:xfrm>
-            <a:off x="4393440" y="1825560"/>
-            <a:ext cx="3385800" cy="2075040"/>
+            <a:off x="4319640" y="1604520"/>
+            <a:ext cx="3533040" cy="1896840"/>
           </a:xfrm>
           <a:prstGeom prst="rect">
             <a:avLst/>
@@ -758,26 +737,23 @@
           </a:bodyPr>
           <a:p>
             <a:pPr indent="0">
-              <a:lnSpc>
-                <a:spcPct val="90000"/>
-              </a:lnSpc>
               <a:spcBef>
                 <a:spcPts val="1417"/>
               </a:spcBef>
               <a:buNone/>
             </a:pPr>
-            <a:endParaRPr b="0" lang="en-US" sz="2800" spc="-1" strike="noStrike">
+            <a:endParaRPr b="0" lang="en-US" sz="3200" spc="-1" strike="noStrike">
               <a:solidFill>
-                <a:schemeClr val="dk1"/>
+                <a:srgbClr val="000000"/>
               </a:solidFill>
-              <a:latin typeface="맑은 고딕"/>
+              <a:latin typeface="Noto Sans CJK KR"/>
             </a:endParaRPr>
           </a:p>
         </p:txBody>
       </p:sp>
       <p:sp>
         <p:nvSpPr>
-          <p:cNvPr id="37" name="PlaceHolder 4"/>
+          <p:cNvPr id="39" name="PlaceHolder 4"/>
           <p:cNvSpPr>
             <a:spLocks noGrp="1"/>
           </p:cNvSpPr>
@@ -787,8 +763,8 @@
         </p:nvSpPr>
         <p:spPr>
           <a:xfrm>
-            <a:off x="7949160" y="1825560"/>
-            <a:ext cx="3385800" cy="2075040"/>
+            <a:off x="8029800" y="1604520"/>
+            <a:ext cx="3533040" cy="1896840"/>
           </a:xfrm>
           <a:prstGeom prst="rect">
             <a:avLst/>
@@ -804,26 +780,23 @@
           </a:bodyPr>
           <a:p>
             <a:pPr indent="0">
-              <a:lnSpc>
-                <a:spcPct val="90000"/>
-              </a:lnSpc>
               <a:spcBef>
                 <a:spcPts val="1417"/>
               </a:spcBef>
               <a:buNone/>
             </a:pPr>
-            <a:endParaRPr b="0" lang="en-US" sz="2800" spc="-1" strike="noStrike">
+            <a:endParaRPr b="0" lang="en-US" sz="3200" spc="-1" strike="noStrike">
               <a:solidFill>
-                <a:schemeClr val="dk1"/>
+                <a:srgbClr val="000000"/>
               </a:solidFill>
-              <a:latin typeface="맑은 고딕"/>
+              <a:latin typeface="Noto Sans CJK KR"/>
             </a:endParaRPr>
           </a:p>
         </p:txBody>
       </p:sp>
       <p:sp>
         <p:nvSpPr>
-          <p:cNvPr id="38" name="PlaceHolder 5"/>
+          <p:cNvPr id="40" name="PlaceHolder 5"/>
           <p:cNvSpPr>
             <a:spLocks noGrp="1"/>
           </p:cNvSpPr>
@@ -833,8 +806,8 @@
         </p:nvSpPr>
         <p:spPr>
           <a:xfrm>
-            <a:off x="838080" y="4098240"/>
-            <a:ext cx="3385800" cy="2075040"/>
+            <a:off x="609480" y="3682080"/>
+            <a:ext cx="3533040" cy="1896840"/>
           </a:xfrm>
           <a:prstGeom prst="rect">
             <a:avLst/>
@@ -850,26 +823,23 @@
           </a:bodyPr>
           <a:p>
             <a:pPr indent="0">
-              <a:lnSpc>
-                <a:spcPct val="90000"/>
-              </a:lnSpc>
               <a:spcBef>
                 <a:spcPts val="1417"/>
               </a:spcBef>
               <a:buNone/>
             </a:pPr>
-            <a:endParaRPr b="0" lang="en-US" sz="2800" spc="-1" strike="noStrike">
+            <a:endParaRPr b="0" lang="en-US" sz="3200" spc="-1" strike="noStrike">
               <a:solidFill>
-                <a:schemeClr val="dk1"/>
+                <a:srgbClr val="000000"/>
               </a:solidFill>
-              <a:latin typeface="맑은 고딕"/>
+              <a:latin typeface="Noto Sans CJK KR"/>
             </a:endParaRPr>
           </a:p>
         </p:txBody>
       </p:sp>
       <p:sp>
         <p:nvSpPr>
-          <p:cNvPr id="39" name="PlaceHolder 6"/>
+          <p:cNvPr id="41" name="PlaceHolder 6"/>
           <p:cNvSpPr>
             <a:spLocks noGrp="1"/>
           </p:cNvSpPr>
@@ -879,8 +849,8 @@
         </p:nvSpPr>
         <p:spPr>
           <a:xfrm>
-            <a:off x="4393440" y="4098240"/>
-            <a:ext cx="3385800" cy="2075040"/>
+            <a:off x="4319640" y="3682080"/>
+            <a:ext cx="3533040" cy="1896840"/>
           </a:xfrm>
           <a:prstGeom prst="rect">
             <a:avLst/>
@@ -896,26 +866,23 @@
           </a:bodyPr>
           <a:p>
             <a:pPr indent="0">
-              <a:lnSpc>
-                <a:spcPct val="90000"/>
-              </a:lnSpc>
               <a:spcBef>
                 <a:spcPts val="1417"/>
               </a:spcBef>
               <a:buNone/>
             </a:pPr>
-            <a:endParaRPr b="0" lang="en-US" sz="2800" spc="-1" strike="noStrike">
+            <a:endParaRPr b="0" lang="en-US" sz="3200" spc="-1" strike="noStrike">
               <a:solidFill>
-                <a:schemeClr val="dk1"/>
+                <a:srgbClr val="000000"/>
               </a:solidFill>
-              <a:latin typeface="맑은 고딕"/>
+              <a:latin typeface="Noto Sans CJK KR"/>
             </a:endParaRPr>
           </a:p>
         </p:txBody>
       </p:sp>
       <p:sp>
         <p:nvSpPr>
-          <p:cNvPr id="40" name="PlaceHolder 7"/>
+          <p:cNvPr id="42" name="PlaceHolder 7"/>
           <p:cNvSpPr>
             <a:spLocks noGrp="1"/>
           </p:cNvSpPr>
@@ -925,8 +892,8 @@
         </p:nvSpPr>
         <p:spPr>
           <a:xfrm>
-            <a:off x="7949160" y="4098240"/>
-            <a:ext cx="3385800" cy="2075040"/>
+            <a:off x="8029800" y="3682080"/>
+            <a:ext cx="3533040" cy="1896840"/>
           </a:xfrm>
           <a:prstGeom prst="rect">
             <a:avLst/>
@@ -942,19 +909,16 @@
           </a:bodyPr>
           <a:p>
             <a:pPr indent="0">
-              <a:lnSpc>
-                <a:spcPct val="90000"/>
-              </a:lnSpc>
               <a:spcBef>
                 <a:spcPts val="1417"/>
               </a:spcBef>
               <a:buNone/>
             </a:pPr>
-            <a:endParaRPr b="0" lang="en-US" sz="2800" spc="-1" strike="noStrike">
+            <a:endParaRPr b="0" lang="en-US" sz="3200" spc="-1" strike="noStrike">
               <a:solidFill>
-                <a:schemeClr val="dk1"/>
+                <a:srgbClr val="000000"/>
               </a:solidFill>
-              <a:latin typeface="맑은 고딕"/>
+              <a:latin typeface="Noto Sans CJK KR"/>
             </a:endParaRPr>
           </a:p>
         </p:txBody>
@@ -966,7 +930,7 @@
             <a:spLocks noGrp="1"/>
           </p:cNvSpPr>
           <p:nvPr>
-            <p:ph type="ftr" idx="2"/>
+            <p:ph type="ftr" idx="1"/>
           </p:nvPr>
         </p:nvSpPr>
         <p:spPr/>
@@ -986,14 +950,14 @@
             <a:spLocks noGrp="1"/>
           </p:cNvSpPr>
           <p:nvPr>
-            <p:ph type="sldNum" idx="3"/>
+            <p:ph type="sldNum" idx="2"/>
           </p:nvPr>
         </p:nvSpPr>
         <p:spPr/>
         <p:txBody>
           <a:bodyPr/>
           <a:p>
-            <a:fld id="{99200372-E137-47DE-BB11-6A0B4D09CCE8}" type="slidenum">
+            <a:fld id="{CCA8E852-6C20-495C-AB96-2523D68B1006}" type="slidenum">
               <a:t>&lt;#&gt;</a:t>
             </a:fld>
           </a:p>
@@ -1006,7 +970,7 @@
             <a:spLocks noGrp="1"/>
           </p:cNvSpPr>
           <p:nvPr>
-            <p:ph type="dt" idx="1"/>
+            <p:ph type="dt" idx="3"/>
           </p:nvPr>
         </p:nvSpPr>
         <p:spPr/>
@@ -1044,7 +1008,7 @@
       </p:grpSpPr>
       <p:sp>
         <p:nvSpPr>
-          <p:cNvPr id="5" name="PlaceHolder 1"/>
+          <p:cNvPr id="7" name="PlaceHolder 1"/>
           <p:cNvSpPr>
             <a:spLocks noGrp="1"/>
           </p:cNvSpPr>
@@ -1055,7 +1019,7 @@
         <p:spPr>
           <a:xfrm>
             <a:off x="838080" y="365040"/>
-            <a:ext cx="10515240" cy="1325160"/>
+            <a:ext cx="10514880" cy="1324800"/>
           </a:xfrm>
           <a:prstGeom prst="rect">
             <a:avLst/>
@@ -1070,21 +1034,21 @@
             <a:noAutofit/>
           </a:bodyPr>
           <a:p>
-            <a:pPr indent="0">
+            <a:pPr indent="0" algn="ctr">
               <a:buNone/>
             </a:pPr>
-            <a:endParaRPr b="0" lang="en-US" sz="1800" spc="-1" strike="noStrike">
+            <a:endParaRPr b="0" lang="en-US" sz="4400" spc="-1" strike="noStrike">
               <a:solidFill>
-                <a:schemeClr val="dk1"/>
+                <a:srgbClr val="000000"/>
               </a:solidFill>
-              <a:latin typeface="맑은 고딕"/>
+              <a:latin typeface="Noto Sans CJK KR"/>
             </a:endParaRPr>
           </a:p>
         </p:txBody>
       </p:sp>
       <p:sp>
         <p:nvSpPr>
-          <p:cNvPr id="6" name="PlaceHolder 2"/>
+          <p:cNvPr id="8" name="PlaceHolder 2"/>
           <p:cNvSpPr>
             <a:spLocks noGrp="1"/>
           </p:cNvSpPr>
@@ -1094,8 +1058,8 @@
         </p:nvSpPr>
         <p:spPr>
           <a:xfrm>
-            <a:off x="838080" y="1825560"/>
-            <a:ext cx="10515240" cy="4350960"/>
+            <a:off x="609480" y="1604520"/>
+            <a:ext cx="10972440" cy="3977280"/>
           </a:xfrm>
           <a:prstGeom prst="rect">
             <a:avLst/>
@@ -1129,7 +1093,7 @@
             <a:spLocks noGrp="1"/>
           </p:cNvSpPr>
           <p:nvPr>
-            <p:ph type="ftr" idx="2"/>
+            <p:ph type="ftr" idx="1"/>
           </p:nvPr>
         </p:nvSpPr>
         <p:spPr/>
@@ -1149,14 +1113,14 @@
             <a:spLocks noGrp="1"/>
           </p:cNvSpPr>
           <p:nvPr>
-            <p:ph type="sldNum" idx="3"/>
+            <p:ph type="sldNum" idx="2"/>
           </p:nvPr>
         </p:nvSpPr>
         <p:spPr/>
         <p:txBody>
           <a:bodyPr/>
           <a:p>
-            <a:fld id="{AC616B8A-0336-4776-B396-C6F54CADC4C3}" type="slidenum">
+            <a:fld id="{ABCCECDA-FB1D-4688-AE07-B33A12774125}" type="slidenum">
               <a:t>&lt;#&gt;</a:t>
             </a:fld>
           </a:p>
@@ -1169,7 +1133,7 @@
             <a:spLocks noGrp="1"/>
           </p:cNvSpPr>
           <p:nvPr>
-            <p:ph type="dt" idx="1"/>
+            <p:ph type="dt" idx="3"/>
           </p:nvPr>
         </p:nvSpPr>
         <p:spPr/>
@@ -1207,7 +1171,7 @@
       </p:grpSpPr>
       <p:sp>
         <p:nvSpPr>
-          <p:cNvPr id="7" name="PlaceHolder 1"/>
+          <p:cNvPr id="9" name="PlaceHolder 1"/>
           <p:cNvSpPr>
             <a:spLocks noGrp="1"/>
           </p:cNvSpPr>
@@ -1218,7 +1182,7 @@
         <p:spPr>
           <a:xfrm>
             <a:off x="838080" y="365040"/>
-            <a:ext cx="10515240" cy="1325160"/>
+            <a:ext cx="10514880" cy="1324800"/>
           </a:xfrm>
           <a:prstGeom prst="rect">
             <a:avLst/>
@@ -1233,21 +1197,21 @@
             <a:noAutofit/>
           </a:bodyPr>
           <a:p>
-            <a:pPr indent="0">
+            <a:pPr indent="0" algn="ctr">
               <a:buNone/>
             </a:pPr>
-            <a:endParaRPr b="0" lang="en-US" sz="1800" spc="-1" strike="noStrike">
+            <a:endParaRPr b="0" lang="en-US" sz="4400" spc="-1" strike="noStrike">
               <a:solidFill>
-                <a:schemeClr val="dk1"/>
+                <a:srgbClr val="000000"/>
               </a:solidFill>
-              <a:latin typeface="맑은 고딕"/>
+              <a:latin typeface="Noto Sans CJK KR"/>
             </a:endParaRPr>
           </a:p>
         </p:txBody>
       </p:sp>
       <p:sp>
         <p:nvSpPr>
-          <p:cNvPr id="8" name="PlaceHolder 2"/>
+          <p:cNvPr id="10" name="PlaceHolder 2"/>
           <p:cNvSpPr>
             <a:spLocks noGrp="1"/>
           </p:cNvSpPr>
@@ -1257,8 +1221,8 @@
         </p:nvSpPr>
         <p:spPr>
           <a:xfrm>
-            <a:off x="838080" y="1825560"/>
-            <a:ext cx="10515240" cy="4350960"/>
+            <a:off x="609480" y="1604520"/>
+            <a:ext cx="10972440" cy="3977280"/>
           </a:xfrm>
           <a:prstGeom prst="rect">
             <a:avLst/>
@@ -1274,19 +1238,16 @@
           </a:bodyPr>
           <a:p>
             <a:pPr indent="0">
-              <a:lnSpc>
-                <a:spcPct val="90000"/>
-              </a:lnSpc>
               <a:spcBef>
                 <a:spcPts val="1417"/>
               </a:spcBef>
               <a:buNone/>
             </a:pPr>
-            <a:endParaRPr b="0" lang="en-US" sz="2800" spc="-1" strike="noStrike">
+            <a:endParaRPr b="0" lang="en-US" sz="3200" spc="-1" strike="noStrike">
               <a:solidFill>
-                <a:schemeClr val="dk1"/>
+                <a:srgbClr val="000000"/>
               </a:solidFill>
-              <a:latin typeface="맑은 고딕"/>
+              <a:latin typeface="Noto Sans CJK KR"/>
             </a:endParaRPr>
           </a:p>
         </p:txBody>
@@ -1298,7 +1259,7 @@
             <a:spLocks noGrp="1"/>
           </p:cNvSpPr>
           <p:nvPr>
-            <p:ph type="ftr" idx="2"/>
+            <p:ph type="ftr" idx="1"/>
           </p:nvPr>
         </p:nvSpPr>
         <p:spPr/>
@@ -1318,14 +1279,14 @@
             <a:spLocks noGrp="1"/>
           </p:cNvSpPr>
           <p:nvPr>
-            <p:ph type="sldNum" idx="3"/>
+            <p:ph type="sldNum" idx="2"/>
           </p:nvPr>
         </p:nvSpPr>
         <p:spPr/>
         <p:txBody>
           <a:bodyPr/>
           <a:p>
-            <a:fld id="{E2290087-A979-46D5-92EC-4472A76ED051}" type="slidenum">
+            <a:fld id="{2EB03E9E-B945-4843-91E3-A35C22624F3A}" type="slidenum">
               <a:t>&lt;#&gt;</a:t>
             </a:fld>
           </a:p>
@@ -1338,7 +1299,7 @@
             <a:spLocks noGrp="1"/>
           </p:cNvSpPr>
           <p:nvPr>
-            <p:ph type="dt" idx="1"/>
+            <p:ph type="dt" idx="3"/>
           </p:nvPr>
         </p:nvSpPr>
         <p:spPr/>
@@ -1376,7 +1337,7 @@
       </p:grpSpPr>
       <p:sp>
         <p:nvSpPr>
-          <p:cNvPr id="9" name="PlaceHolder 1"/>
+          <p:cNvPr id="11" name="PlaceHolder 1"/>
           <p:cNvSpPr>
             <a:spLocks noGrp="1"/>
           </p:cNvSpPr>
@@ -1387,7 +1348,7 @@
         <p:spPr>
           <a:xfrm>
             <a:off x="838080" y="365040"/>
-            <a:ext cx="10515240" cy="1325160"/>
+            <a:ext cx="10514880" cy="1324800"/>
           </a:xfrm>
           <a:prstGeom prst="rect">
             <a:avLst/>
@@ -1402,21 +1363,21 @@
             <a:noAutofit/>
           </a:bodyPr>
           <a:p>
-            <a:pPr indent="0">
+            <a:pPr indent="0" algn="ctr">
               <a:buNone/>
             </a:pPr>
-            <a:endParaRPr b="0" lang="en-US" sz="1800" spc="-1" strike="noStrike">
+            <a:endParaRPr b="0" lang="en-US" sz="4400" spc="-1" strike="noStrike">
               <a:solidFill>
-                <a:schemeClr val="dk1"/>
+                <a:srgbClr val="000000"/>
               </a:solidFill>
-              <a:latin typeface="맑은 고딕"/>
+              <a:latin typeface="Noto Sans CJK KR"/>
             </a:endParaRPr>
           </a:p>
         </p:txBody>
       </p:sp>
       <p:sp>
         <p:nvSpPr>
-          <p:cNvPr id="10" name="PlaceHolder 2"/>
+          <p:cNvPr id="12" name="PlaceHolder 2"/>
           <p:cNvSpPr>
             <a:spLocks noGrp="1"/>
           </p:cNvSpPr>
@@ -1426,8 +1387,8 @@
         </p:nvSpPr>
         <p:spPr>
           <a:xfrm>
-            <a:off x="838080" y="1825560"/>
-            <a:ext cx="5131080" cy="4350960"/>
+            <a:off x="609480" y="1604520"/>
+            <a:ext cx="5354280" cy="3977280"/>
           </a:xfrm>
           <a:prstGeom prst="rect">
             <a:avLst/>
@@ -1443,26 +1404,23 @@
           </a:bodyPr>
           <a:p>
             <a:pPr indent="0">
-              <a:lnSpc>
-                <a:spcPct val="90000"/>
-              </a:lnSpc>
               <a:spcBef>
                 <a:spcPts val="1417"/>
               </a:spcBef>
               <a:buNone/>
             </a:pPr>
-            <a:endParaRPr b="0" lang="en-US" sz="2800" spc="-1" strike="noStrike">
+            <a:endParaRPr b="0" lang="en-US" sz="3200" spc="-1" strike="noStrike">
               <a:solidFill>
-                <a:schemeClr val="dk1"/>
+                <a:srgbClr val="000000"/>
               </a:solidFill>
-              <a:latin typeface="맑은 고딕"/>
+              <a:latin typeface="Noto Sans CJK KR"/>
             </a:endParaRPr>
           </a:p>
         </p:txBody>
       </p:sp>
       <p:sp>
         <p:nvSpPr>
-          <p:cNvPr id="11" name="PlaceHolder 3"/>
+          <p:cNvPr id="13" name="PlaceHolder 3"/>
           <p:cNvSpPr>
             <a:spLocks noGrp="1"/>
           </p:cNvSpPr>
@@ -1472,8 +1430,8 @@
         </p:nvSpPr>
         <p:spPr>
           <a:xfrm>
-            <a:off x="6226200" y="1825560"/>
-            <a:ext cx="5131080" cy="4350960"/>
+            <a:off x="6231960" y="1604520"/>
+            <a:ext cx="5354280" cy="3977280"/>
           </a:xfrm>
           <a:prstGeom prst="rect">
             <a:avLst/>
@@ -1489,19 +1447,16 @@
           </a:bodyPr>
           <a:p>
             <a:pPr indent="0">
-              <a:lnSpc>
-                <a:spcPct val="90000"/>
-              </a:lnSpc>
               <a:spcBef>
                 <a:spcPts val="1417"/>
               </a:spcBef>
               <a:buNone/>
             </a:pPr>
-            <a:endParaRPr b="0" lang="en-US" sz="2800" spc="-1" strike="noStrike">
+            <a:endParaRPr b="0" lang="en-US" sz="3200" spc="-1" strike="noStrike">
               <a:solidFill>
-                <a:schemeClr val="dk1"/>
+                <a:srgbClr val="000000"/>
               </a:solidFill>
-              <a:latin typeface="맑은 고딕"/>
+              <a:latin typeface="Noto Sans CJK KR"/>
             </a:endParaRPr>
           </a:p>
         </p:txBody>
@@ -1513,7 +1468,7 @@
             <a:spLocks noGrp="1"/>
           </p:cNvSpPr>
           <p:nvPr>
-            <p:ph type="ftr" idx="2"/>
+            <p:ph type="ftr" idx="1"/>
           </p:nvPr>
         </p:nvSpPr>
         <p:spPr/>
@@ -1533,14 +1488,14 @@
             <a:spLocks noGrp="1"/>
           </p:cNvSpPr>
           <p:nvPr>
-            <p:ph type="sldNum" idx="3"/>
+            <p:ph type="sldNum" idx="2"/>
           </p:nvPr>
         </p:nvSpPr>
         <p:spPr/>
         <p:txBody>
           <a:bodyPr/>
           <a:p>
-            <a:fld id="{6759FC04-70A1-462B-A3FD-7D2D65DEA4B9}" type="slidenum">
+            <a:fld id="{3005A373-8F6F-43B4-A4DB-0EE4AC2EAB32}" type="slidenum">
               <a:t>&lt;#&gt;</a:t>
             </a:fld>
           </a:p>
@@ -1553,7 +1508,7 @@
             <a:spLocks noGrp="1"/>
           </p:cNvSpPr>
           <p:nvPr>
-            <p:ph type="dt" idx="1"/>
+            <p:ph type="dt" idx="3"/>
           </p:nvPr>
         </p:nvSpPr>
         <p:spPr/>
@@ -1591,7 +1546,7 @@
       </p:grpSpPr>
       <p:sp>
         <p:nvSpPr>
-          <p:cNvPr id="12" name="PlaceHolder 1"/>
+          <p:cNvPr id="14" name="PlaceHolder 1"/>
           <p:cNvSpPr>
             <a:spLocks noGrp="1"/>
           </p:cNvSpPr>
@@ -1602,7 +1557,7 @@
         <p:spPr>
           <a:xfrm>
             <a:off x="838080" y="365040"/>
-            <a:ext cx="10515240" cy="1325160"/>
+            <a:ext cx="10514880" cy="1324800"/>
           </a:xfrm>
           <a:prstGeom prst="rect">
             <a:avLst/>
@@ -1617,14 +1572,14 @@
             <a:noAutofit/>
           </a:bodyPr>
           <a:p>
-            <a:pPr indent="0">
+            <a:pPr indent="0" algn="ctr">
               <a:buNone/>
             </a:pPr>
-            <a:endParaRPr b="0" lang="en-US" sz="1800" spc="-1" strike="noStrike">
+            <a:endParaRPr b="0" lang="en-US" sz="4400" spc="-1" strike="noStrike">
               <a:solidFill>
-                <a:schemeClr val="dk1"/>
+                <a:srgbClr val="000000"/>
               </a:solidFill>
-              <a:latin typeface="맑은 고딕"/>
+              <a:latin typeface="Noto Sans CJK KR"/>
             </a:endParaRPr>
           </a:p>
         </p:txBody>
@@ -1636,7 +1591,7 @@
             <a:spLocks noGrp="1"/>
           </p:cNvSpPr>
           <p:nvPr>
-            <p:ph type="ftr" idx="2"/>
+            <p:ph type="ftr" idx="1"/>
           </p:nvPr>
         </p:nvSpPr>
         <p:spPr/>
@@ -1656,14 +1611,14 @@
             <a:spLocks noGrp="1"/>
           </p:cNvSpPr>
           <p:nvPr>
-            <p:ph type="sldNum" idx="3"/>
+            <p:ph type="sldNum" idx="2"/>
           </p:nvPr>
         </p:nvSpPr>
         <p:spPr/>
         <p:txBody>
           <a:bodyPr/>
           <a:p>
-            <a:fld id="{4703BD5F-BB6F-4C92-BEFE-B3427FC98FEA}" type="slidenum">
+            <a:fld id="{33A0A448-DDC8-4091-A349-B631D756A921}" type="slidenum">
               <a:t>&lt;#&gt;</a:t>
             </a:fld>
           </a:p>
@@ -1676,7 +1631,7 @@
             <a:spLocks noGrp="1"/>
           </p:cNvSpPr>
           <p:nvPr>
-            <p:ph type="dt" idx="1"/>
+            <p:ph type="dt" idx="3"/>
           </p:nvPr>
         </p:nvSpPr>
         <p:spPr/>
@@ -1714,7 +1669,7 @@
       </p:grpSpPr>
       <p:sp>
         <p:nvSpPr>
-          <p:cNvPr id="13" name="PlaceHolder 1"/>
+          <p:cNvPr id="15" name="PlaceHolder 1"/>
           <p:cNvSpPr>
             <a:spLocks noGrp="1"/>
           </p:cNvSpPr>
@@ -1725,7 +1680,7 @@
         <p:spPr>
           <a:xfrm>
             <a:off x="838080" y="365040"/>
-            <a:ext cx="10515240" cy="6144120"/>
+            <a:ext cx="10514880" cy="6142320"/>
           </a:xfrm>
           <a:prstGeom prst="rect">
             <a:avLst/>
@@ -1757,7 +1712,7 @@
             <a:spLocks noGrp="1"/>
           </p:cNvSpPr>
           <p:nvPr>
-            <p:ph type="ftr" idx="2"/>
+            <p:ph type="ftr" idx="1"/>
           </p:nvPr>
         </p:nvSpPr>
         <p:spPr/>
@@ -1777,14 +1732,14 @@
             <a:spLocks noGrp="1"/>
           </p:cNvSpPr>
           <p:nvPr>
-            <p:ph type="sldNum" idx="3"/>
+            <p:ph type="sldNum" idx="2"/>
           </p:nvPr>
         </p:nvSpPr>
         <p:spPr/>
         <p:txBody>
           <a:bodyPr/>
           <a:p>
-            <a:fld id="{E4B3F35B-D2E4-4D91-9F14-57FC4777118B}" type="slidenum">
+            <a:fld id="{4480B59C-A7BE-4C5F-93B9-41251561F1B7}" type="slidenum">
               <a:t>&lt;#&gt;</a:t>
             </a:fld>
           </a:p>
@@ -1797,7 +1752,7 @@
             <a:spLocks noGrp="1"/>
           </p:cNvSpPr>
           <p:nvPr>
-            <p:ph type="dt" idx="1"/>
+            <p:ph type="dt" idx="3"/>
           </p:nvPr>
         </p:nvSpPr>
         <p:spPr/>
@@ -1835,7 +1790,7 @@
       </p:grpSpPr>
       <p:sp>
         <p:nvSpPr>
-          <p:cNvPr id="14" name="PlaceHolder 1"/>
+          <p:cNvPr id="16" name="PlaceHolder 1"/>
           <p:cNvSpPr>
             <a:spLocks noGrp="1"/>
           </p:cNvSpPr>
@@ -1846,7 +1801,7 @@
         <p:spPr>
           <a:xfrm>
             <a:off x="838080" y="365040"/>
-            <a:ext cx="10515240" cy="1325160"/>
+            <a:ext cx="10514880" cy="1324800"/>
           </a:xfrm>
           <a:prstGeom prst="rect">
             <a:avLst/>
@@ -1861,21 +1816,21 @@
             <a:noAutofit/>
           </a:bodyPr>
           <a:p>
-            <a:pPr indent="0">
+            <a:pPr indent="0" algn="ctr">
               <a:buNone/>
             </a:pPr>
-            <a:endParaRPr b="0" lang="en-US" sz="1800" spc="-1" strike="noStrike">
+            <a:endParaRPr b="0" lang="en-US" sz="4400" spc="-1" strike="noStrike">
               <a:solidFill>
-                <a:schemeClr val="dk1"/>
+                <a:srgbClr val="000000"/>
               </a:solidFill>
-              <a:latin typeface="맑은 고딕"/>
+              <a:latin typeface="Noto Sans CJK KR"/>
             </a:endParaRPr>
           </a:p>
         </p:txBody>
       </p:sp>
       <p:sp>
         <p:nvSpPr>
-          <p:cNvPr id="15" name="PlaceHolder 2"/>
+          <p:cNvPr id="17" name="PlaceHolder 2"/>
           <p:cNvSpPr>
             <a:spLocks noGrp="1"/>
           </p:cNvSpPr>
@@ -1885,8 +1840,8 @@
         </p:nvSpPr>
         <p:spPr>
           <a:xfrm>
-            <a:off x="838080" y="1825560"/>
-            <a:ext cx="5131080" cy="2075040"/>
+            <a:off x="609480" y="1604520"/>
+            <a:ext cx="5354280" cy="1896840"/>
           </a:xfrm>
           <a:prstGeom prst="rect">
             <a:avLst/>
@@ -1902,26 +1857,23 @@
           </a:bodyPr>
           <a:p>
             <a:pPr indent="0">
-              <a:lnSpc>
-                <a:spcPct val="90000"/>
-              </a:lnSpc>
               <a:spcBef>
                 <a:spcPts val="1417"/>
               </a:spcBef>
               <a:buNone/>
             </a:pPr>
-            <a:endParaRPr b="0" lang="en-US" sz="2800" spc="-1" strike="noStrike">
+            <a:endParaRPr b="0" lang="en-US" sz="3200" spc="-1" strike="noStrike">
               <a:solidFill>
-                <a:schemeClr val="dk1"/>
+                <a:srgbClr val="000000"/>
               </a:solidFill>
-              <a:latin typeface="맑은 고딕"/>
+              <a:latin typeface="Noto Sans CJK KR"/>
             </a:endParaRPr>
           </a:p>
         </p:txBody>
       </p:sp>
       <p:sp>
         <p:nvSpPr>
-          <p:cNvPr id="16" name="PlaceHolder 3"/>
+          <p:cNvPr id="18" name="PlaceHolder 3"/>
           <p:cNvSpPr>
             <a:spLocks noGrp="1"/>
           </p:cNvSpPr>
@@ -1931,8 +1883,8 @@
         </p:nvSpPr>
         <p:spPr>
           <a:xfrm>
-            <a:off x="6226200" y="1825560"/>
-            <a:ext cx="5131080" cy="4350960"/>
+            <a:off x="6231960" y="1604520"/>
+            <a:ext cx="5354280" cy="3977280"/>
           </a:xfrm>
           <a:prstGeom prst="rect">
             <a:avLst/>
@@ -1948,26 +1900,23 @@
           </a:bodyPr>
           <a:p>
             <a:pPr indent="0">
-              <a:lnSpc>
-                <a:spcPct val="90000"/>
-              </a:lnSpc>
               <a:spcBef>
                 <a:spcPts val="1417"/>
               </a:spcBef>
               <a:buNone/>
             </a:pPr>
-            <a:endParaRPr b="0" lang="en-US" sz="2800" spc="-1" strike="noStrike">
+            <a:endParaRPr b="0" lang="en-US" sz="3200" spc="-1" strike="noStrike">
               <a:solidFill>
-                <a:schemeClr val="dk1"/>
+                <a:srgbClr val="000000"/>
               </a:solidFill>
-              <a:latin typeface="맑은 고딕"/>
+              <a:latin typeface="Noto Sans CJK KR"/>
             </a:endParaRPr>
           </a:p>
         </p:txBody>
       </p:sp>
       <p:sp>
         <p:nvSpPr>
-          <p:cNvPr id="17" name="PlaceHolder 4"/>
+          <p:cNvPr id="19" name="PlaceHolder 4"/>
           <p:cNvSpPr>
             <a:spLocks noGrp="1"/>
           </p:cNvSpPr>
@@ -1977,8 +1926,8 @@
         </p:nvSpPr>
         <p:spPr>
           <a:xfrm>
-            <a:off x="838080" y="4098240"/>
-            <a:ext cx="5131080" cy="2075040"/>
+            <a:off x="609480" y="3682080"/>
+            <a:ext cx="5354280" cy="1896840"/>
           </a:xfrm>
           <a:prstGeom prst="rect">
             <a:avLst/>
@@ -1994,19 +1943,16 @@
           </a:bodyPr>
           <a:p>
             <a:pPr indent="0">
-              <a:lnSpc>
-                <a:spcPct val="90000"/>
-              </a:lnSpc>
               <a:spcBef>
                 <a:spcPts val="1417"/>
               </a:spcBef>
               <a:buNone/>
             </a:pPr>
-            <a:endParaRPr b="0" lang="en-US" sz="2800" spc="-1" strike="noStrike">
+            <a:endParaRPr b="0" lang="en-US" sz="3200" spc="-1" strike="noStrike">
               <a:solidFill>
-                <a:schemeClr val="dk1"/>
+                <a:srgbClr val="000000"/>
               </a:solidFill>
-              <a:latin typeface="맑은 고딕"/>
+              <a:latin typeface="Noto Sans CJK KR"/>
             </a:endParaRPr>
           </a:p>
         </p:txBody>
@@ -2018,7 +1964,7 @@
             <a:spLocks noGrp="1"/>
           </p:cNvSpPr>
           <p:nvPr>
-            <p:ph type="ftr" idx="2"/>
+            <p:ph type="ftr" idx="1"/>
           </p:nvPr>
         </p:nvSpPr>
         <p:spPr/>
@@ -2038,14 +1984,14 @@
             <a:spLocks noGrp="1"/>
           </p:cNvSpPr>
           <p:nvPr>
-            <p:ph type="sldNum" idx="3"/>
+            <p:ph type="sldNum" idx="2"/>
           </p:nvPr>
         </p:nvSpPr>
         <p:spPr/>
         <p:txBody>
           <a:bodyPr/>
           <a:p>
-            <a:fld id="{4480E1D9-D6A9-43EC-ACD5-A2841C4F59D6}" type="slidenum">
+            <a:fld id="{61BBC96F-6751-48F2-BCFD-89679E3B3ED1}" type="slidenum">
               <a:t>&lt;#&gt;</a:t>
             </a:fld>
           </a:p>
@@ -2058,7 +2004,7 @@
             <a:spLocks noGrp="1"/>
           </p:cNvSpPr>
           <p:nvPr>
-            <p:ph type="dt" idx="1"/>
+            <p:ph type="dt" idx="3"/>
           </p:nvPr>
         </p:nvSpPr>
         <p:spPr/>
@@ -2096,7 +2042,7 @@
       </p:grpSpPr>
       <p:sp>
         <p:nvSpPr>
-          <p:cNvPr id="18" name="PlaceHolder 1"/>
+          <p:cNvPr id="20" name="PlaceHolder 1"/>
           <p:cNvSpPr>
             <a:spLocks noGrp="1"/>
           </p:cNvSpPr>
@@ -2107,7 +2053,7 @@
         <p:spPr>
           <a:xfrm>
             <a:off x="838080" y="365040"/>
-            <a:ext cx="10515240" cy="1325160"/>
+            <a:ext cx="10514880" cy="1324800"/>
           </a:xfrm>
           <a:prstGeom prst="rect">
             <a:avLst/>
@@ -2122,21 +2068,21 @@
             <a:noAutofit/>
           </a:bodyPr>
           <a:p>
-            <a:pPr indent="0">
+            <a:pPr indent="0" algn="ctr">
               <a:buNone/>
             </a:pPr>
-            <a:endParaRPr b="0" lang="en-US" sz="1800" spc="-1" strike="noStrike">
+            <a:endParaRPr b="0" lang="en-US" sz="4400" spc="-1" strike="noStrike">
               <a:solidFill>
-                <a:schemeClr val="dk1"/>
+                <a:srgbClr val="000000"/>
               </a:solidFill>
-              <a:latin typeface="맑은 고딕"/>
+              <a:latin typeface="Noto Sans CJK KR"/>
             </a:endParaRPr>
           </a:p>
         </p:txBody>
       </p:sp>
       <p:sp>
         <p:nvSpPr>
-          <p:cNvPr id="19" name="PlaceHolder 2"/>
+          <p:cNvPr id="21" name="PlaceHolder 2"/>
           <p:cNvSpPr>
             <a:spLocks noGrp="1"/>
           </p:cNvSpPr>
@@ -2146,8 +2092,8 @@
         </p:nvSpPr>
         <p:spPr>
           <a:xfrm>
-            <a:off x="838080" y="1825560"/>
-            <a:ext cx="5131080" cy="4350960"/>
+            <a:off x="609480" y="1604520"/>
+            <a:ext cx="5354280" cy="3977280"/>
           </a:xfrm>
           <a:prstGeom prst="rect">
             <a:avLst/>
@@ -2163,26 +2109,23 @@
           </a:bodyPr>
           <a:p>
             <a:pPr indent="0">
-              <a:lnSpc>
-                <a:spcPct val="90000"/>
-              </a:lnSpc>
               <a:spcBef>
                 <a:spcPts val="1417"/>
               </a:spcBef>
               <a:buNone/>
             </a:pPr>
-            <a:endParaRPr b="0" lang="en-US" sz="2800" spc="-1" strike="noStrike">
+            <a:endParaRPr b="0" lang="en-US" sz="3200" spc="-1" strike="noStrike">
               <a:solidFill>
-                <a:schemeClr val="dk1"/>
+                <a:srgbClr val="000000"/>
               </a:solidFill>
-              <a:latin typeface="맑은 고딕"/>
+              <a:latin typeface="Noto Sans CJK KR"/>
             </a:endParaRPr>
           </a:p>
         </p:txBody>
       </p:sp>
       <p:sp>
         <p:nvSpPr>
-          <p:cNvPr id="20" name="PlaceHolder 3"/>
+          <p:cNvPr id="22" name="PlaceHolder 3"/>
           <p:cNvSpPr>
             <a:spLocks noGrp="1"/>
           </p:cNvSpPr>
@@ -2192,8 +2135,8 @@
         </p:nvSpPr>
         <p:spPr>
           <a:xfrm>
-            <a:off x="6226200" y="1825560"/>
-            <a:ext cx="5131080" cy="2075040"/>
+            <a:off x="6231960" y="1604520"/>
+            <a:ext cx="5354280" cy="1896840"/>
           </a:xfrm>
           <a:prstGeom prst="rect">
             <a:avLst/>
@@ -2209,26 +2152,23 @@
           </a:bodyPr>
           <a:p>
             <a:pPr indent="0">
-              <a:lnSpc>
-                <a:spcPct val="90000"/>
-              </a:lnSpc>
               <a:spcBef>
                 <a:spcPts val="1417"/>
               </a:spcBef>
               <a:buNone/>
             </a:pPr>
-            <a:endParaRPr b="0" lang="en-US" sz="2800" spc="-1" strike="noStrike">
+            <a:endParaRPr b="0" lang="en-US" sz="3200" spc="-1" strike="noStrike">
               <a:solidFill>
-                <a:schemeClr val="dk1"/>
+                <a:srgbClr val="000000"/>
               </a:solidFill>
-              <a:latin typeface="맑은 고딕"/>
+              <a:latin typeface="Noto Sans CJK KR"/>
             </a:endParaRPr>
           </a:p>
         </p:txBody>
       </p:sp>
       <p:sp>
         <p:nvSpPr>
-          <p:cNvPr id="21" name="PlaceHolder 4"/>
+          <p:cNvPr id="23" name="PlaceHolder 4"/>
           <p:cNvSpPr>
             <a:spLocks noGrp="1"/>
           </p:cNvSpPr>
@@ -2238,8 +2178,8 @@
         </p:nvSpPr>
         <p:spPr>
           <a:xfrm>
-            <a:off x="6226200" y="4098240"/>
-            <a:ext cx="5131080" cy="2075040"/>
+            <a:off x="6231960" y="3682080"/>
+            <a:ext cx="5354280" cy="1896840"/>
           </a:xfrm>
           <a:prstGeom prst="rect">
             <a:avLst/>
@@ -2255,19 +2195,16 @@
           </a:bodyPr>
           <a:p>
             <a:pPr indent="0">
-              <a:lnSpc>
-                <a:spcPct val="90000"/>
-              </a:lnSpc>
               <a:spcBef>
                 <a:spcPts val="1417"/>
               </a:spcBef>
               <a:buNone/>
             </a:pPr>
-            <a:endParaRPr b="0" lang="en-US" sz="2800" spc="-1" strike="noStrike">
+            <a:endParaRPr b="0" lang="en-US" sz="3200" spc="-1" strike="noStrike">
               <a:solidFill>
-                <a:schemeClr val="dk1"/>
+                <a:srgbClr val="000000"/>
               </a:solidFill>
-              <a:latin typeface="맑은 고딕"/>
+              <a:latin typeface="Noto Sans CJK KR"/>
             </a:endParaRPr>
           </a:p>
         </p:txBody>
@@ -2279,7 +2216,7 @@
             <a:spLocks noGrp="1"/>
           </p:cNvSpPr>
           <p:nvPr>
-            <p:ph type="ftr" idx="2"/>
+            <p:ph type="ftr" idx="1"/>
           </p:nvPr>
         </p:nvSpPr>
         <p:spPr/>
@@ -2299,14 +2236,14 @@
             <a:spLocks noGrp="1"/>
           </p:cNvSpPr>
           <p:nvPr>
-            <p:ph type="sldNum" idx="3"/>
+            <p:ph type="sldNum" idx="2"/>
           </p:nvPr>
         </p:nvSpPr>
         <p:spPr/>
         <p:txBody>
           <a:bodyPr/>
           <a:p>
-            <a:fld id="{D3AFCE3E-0088-44BD-BA12-02CD4404C7FC}" type="slidenum">
+            <a:fld id="{244B46A3-07C5-487D-8A20-165F5FE2630F}" type="slidenum">
               <a:t>&lt;#&gt;</a:t>
             </a:fld>
           </a:p>
@@ -2319,7 +2256,7 @@
             <a:spLocks noGrp="1"/>
           </p:cNvSpPr>
           <p:nvPr>
-            <p:ph type="dt" idx="1"/>
+            <p:ph type="dt" idx="3"/>
           </p:nvPr>
         </p:nvSpPr>
         <p:spPr/>
@@ -2357,7 +2294,7 @@
       </p:grpSpPr>
       <p:sp>
         <p:nvSpPr>
-          <p:cNvPr id="22" name="PlaceHolder 1"/>
+          <p:cNvPr id="24" name="PlaceHolder 1"/>
           <p:cNvSpPr>
             <a:spLocks noGrp="1"/>
           </p:cNvSpPr>
@@ -2368,7 +2305,7 @@
         <p:spPr>
           <a:xfrm>
             <a:off x="838080" y="365040"/>
-            <a:ext cx="10515240" cy="1325160"/>
+            <a:ext cx="10514880" cy="1324800"/>
           </a:xfrm>
           <a:prstGeom prst="rect">
             <a:avLst/>
@@ -2383,21 +2320,21 @@
             <a:noAutofit/>
           </a:bodyPr>
           <a:p>
-            <a:pPr indent="0">
+            <a:pPr indent="0" algn="ctr">
               <a:buNone/>
             </a:pPr>
-            <a:endParaRPr b="0" lang="en-US" sz="1800" spc="-1" strike="noStrike">
+            <a:endParaRPr b="0" lang="en-US" sz="4400" spc="-1" strike="noStrike">
               <a:solidFill>
-                <a:schemeClr val="dk1"/>
+                <a:srgbClr val="000000"/>
               </a:solidFill>
-              <a:latin typeface="맑은 고딕"/>
+              <a:latin typeface="Noto Sans CJK KR"/>
             </a:endParaRPr>
           </a:p>
         </p:txBody>
       </p:sp>
       <p:sp>
         <p:nvSpPr>
-          <p:cNvPr id="23" name="PlaceHolder 2"/>
+          <p:cNvPr id="25" name="PlaceHolder 2"/>
           <p:cNvSpPr>
             <a:spLocks noGrp="1"/>
           </p:cNvSpPr>
@@ -2407,8 +2344,8 @@
         </p:nvSpPr>
         <p:spPr>
           <a:xfrm>
-            <a:off x="838080" y="1825560"/>
-            <a:ext cx="5131080" cy="2075040"/>
+            <a:off x="609480" y="1604520"/>
+            <a:ext cx="5354280" cy="1896840"/>
           </a:xfrm>
           <a:prstGeom prst="rect">
             <a:avLst/>
@@ -2424,26 +2361,23 @@
           </a:bodyPr>
           <a:p>
             <a:pPr indent="0">
-              <a:lnSpc>
-                <a:spcPct val="90000"/>
-              </a:lnSpc>
               <a:spcBef>
                 <a:spcPts val="1417"/>
               </a:spcBef>
               <a:buNone/>
             </a:pPr>
-            <a:endParaRPr b="0" lang="en-US" sz="2800" spc="-1" strike="noStrike">
+            <a:endParaRPr b="0" lang="en-US" sz="3200" spc="-1" strike="noStrike">
               <a:solidFill>
-                <a:schemeClr val="dk1"/>
+                <a:srgbClr val="000000"/>
               </a:solidFill>
-              <a:latin typeface="맑은 고딕"/>
+              <a:latin typeface="Noto Sans CJK KR"/>
             </a:endParaRPr>
           </a:p>
         </p:txBody>
       </p:sp>
       <p:sp>
         <p:nvSpPr>
-          <p:cNvPr id="24" name="PlaceHolder 3"/>
+          <p:cNvPr id="26" name="PlaceHolder 3"/>
           <p:cNvSpPr>
             <a:spLocks noGrp="1"/>
           </p:cNvSpPr>
@@ -2453,8 +2387,8 @@
         </p:nvSpPr>
         <p:spPr>
           <a:xfrm>
-            <a:off x="6226200" y="1825560"/>
-            <a:ext cx="5131080" cy="2075040"/>
+            <a:off x="6231960" y="1604520"/>
+            <a:ext cx="5354280" cy="1896840"/>
           </a:xfrm>
           <a:prstGeom prst="rect">
             <a:avLst/>
@@ -2470,26 +2404,23 @@
           </a:bodyPr>
           <a:p>
             <a:pPr indent="0">
-              <a:lnSpc>
-                <a:spcPct val="90000"/>
-              </a:lnSpc>
               <a:spcBef>
                 <a:spcPts val="1417"/>
               </a:spcBef>
               <a:buNone/>
             </a:pPr>
-            <a:endParaRPr b="0" lang="en-US" sz="2800" spc="-1" strike="noStrike">
+            <a:endParaRPr b="0" lang="en-US" sz="3200" spc="-1" strike="noStrike">
               <a:solidFill>
-                <a:schemeClr val="dk1"/>
+                <a:srgbClr val="000000"/>
               </a:solidFill>
-              <a:latin typeface="맑은 고딕"/>
+              <a:latin typeface="Noto Sans CJK KR"/>
             </a:endParaRPr>
           </a:p>
         </p:txBody>
       </p:sp>
       <p:sp>
         <p:nvSpPr>
-          <p:cNvPr id="25" name="PlaceHolder 4"/>
+          <p:cNvPr id="27" name="PlaceHolder 4"/>
           <p:cNvSpPr>
             <a:spLocks noGrp="1"/>
           </p:cNvSpPr>
@@ -2499,8 +2430,8 @@
         </p:nvSpPr>
         <p:spPr>
           <a:xfrm>
-            <a:off x="838080" y="4098240"/>
-            <a:ext cx="10515240" cy="2075040"/>
+            <a:off x="609480" y="3682080"/>
+            <a:ext cx="10972440" cy="1896840"/>
           </a:xfrm>
           <a:prstGeom prst="rect">
             <a:avLst/>
@@ -2516,19 +2447,16 @@
           </a:bodyPr>
           <a:p>
             <a:pPr indent="0">
-              <a:lnSpc>
-                <a:spcPct val="90000"/>
-              </a:lnSpc>
               <a:spcBef>
                 <a:spcPts val="1417"/>
               </a:spcBef>
               <a:buNone/>
             </a:pPr>
-            <a:endParaRPr b="0" lang="en-US" sz="2800" spc="-1" strike="noStrike">
+            <a:endParaRPr b="0" lang="en-US" sz="3200" spc="-1" strike="noStrike">
               <a:solidFill>
-                <a:schemeClr val="dk1"/>
+                <a:srgbClr val="000000"/>
               </a:solidFill>
-              <a:latin typeface="맑은 고딕"/>
+              <a:latin typeface="Noto Sans CJK KR"/>
             </a:endParaRPr>
           </a:p>
         </p:txBody>
@@ -2540,7 +2468,7 @@
             <a:spLocks noGrp="1"/>
           </p:cNvSpPr>
           <p:nvPr>
-            <p:ph type="ftr" idx="2"/>
+            <p:ph type="ftr" idx="1"/>
           </p:nvPr>
         </p:nvSpPr>
         <p:spPr/>
@@ -2560,14 +2488,14 @@
             <a:spLocks noGrp="1"/>
           </p:cNvSpPr>
           <p:nvPr>
-            <p:ph type="sldNum" idx="3"/>
+            <p:ph type="sldNum" idx="2"/>
           </p:nvPr>
         </p:nvSpPr>
         <p:spPr/>
         <p:txBody>
           <a:bodyPr/>
           <a:p>
-            <a:fld id="{8E3CC5B3-F953-4733-8FEB-8E08F5F87D09}" type="slidenum">
+            <a:fld id="{B0E51D24-3F65-4942-AB4E-624E8E304555}" type="slidenum">
               <a:t>&lt;#&gt;</a:t>
             </a:fld>
           </a:p>
@@ -2580,7 +2508,7 @@
             <a:spLocks noGrp="1"/>
           </p:cNvSpPr>
           <p:nvPr>
-            <p:ph type="dt" idx="1"/>
+            <p:ph type="dt" idx="3"/>
           </p:nvPr>
         </p:nvSpPr>
         <p:spPr/>
@@ -2635,8 +2563,8 @@
         </p:nvSpPr>
         <p:spPr>
           <a:xfrm>
-            <a:off x="1523880" y="1122480"/>
-            <a:ext cx="9143640" cy="2387160"/>
+            <a:off x="838080" y="365040"/>
+            <a:ext cx="10514880" cy="1324800"/>
           </a:xfrm>
           <a:prstGeom prst="rect">
             <a:avLst/>
@@ -2647,138 +2575,243 @@
           </a:ln>
         </p:spPr>
         <p:txBody>
-          <a:bodyPr lIns="91440" rIns="91440" tIns="45720" bIns="45720" anchor="b">
+          <a:bodyPr lIns="0" rIns="0" tIns="0" bIns="0" anchor="ctr">
             <a:noAutofit/>
           </a:bodyPr>
           <a:p>
-            <a:pPr indent="0" algn="ctr" defTabSz="914400">
-              <a:lnSpc>
-                <a:spcPct val="90000"/>
-              </a:lnSpc>
+            <a:pPr indent="0">
               <a:buNone/>
             </a:pPr>
             <a:r>
-              <a:rPr b="0" lang="ko-KR" sz="6000" spc="-1" strike="noStrike">
+              <a:rPr b="0" lang="ko-KR" sz="1800" spc="-1" strike="noStrike">
                 <a:solidFill>
-                  <a:schemeClr val="dk1"/>
+                  <a:srgbClr val="000000"/>
                 </a:solidFill>
-                <a:latin typeface="맑은 고딕"/>
+                <a:latin typeface="Noto Sans CJK KR"/>
               </a:rPr>
-              <a:t>마</a:t>
+              <a:t>제</a:t>
             </a:r>
             <a:r>
-              <a:rPr b="0" lang="ko-KR" sz="6000" spc="-1" strike="noStrike">
+              <a:rPr b="0" lang="ko-KR" sz="1800" spc="-1" strike="noStrike">
                 <a:solidFill>
-                  <a:schemeClr val="dk1"/>
+                  <a:srgbClr val="000000"/>
                 </a:solidFill>
-                <a:latin typeface="맑은 고딕"/>
+                <a:latin typeface="Noto Sans CJK KR"/>
+              </a:rPr>
+              <a:t>목</a:t>
+            </a:r>
+            <a:r>
+              <a:rPr b="0" lang="en-US" sz="1800" spc="-1" strike="noStrike">
+                <a:solidFill>
+                  <a:srgbClr val="000000"/>
+                </a:solidFill>
+                <a:latin typeface="Noto Sans CJK KR"/>
+              </a:rPr>
+              <a:t> </a:t>
+            </a:r>
+            <a:r>
+              <a:rPr b="0" lang="ko-KR" sz="1800" spc="-1" strike="noStrike">
+                <a:solidFill>
+                  <a:srgbClr val="000000"/>
+                </a:solidFill>
+                <a:latin typeface="Noto Sans CJK KR"/>
+              </a:rPr>
+              <a:t>텍</a:t>
+            </a:r>
+            <a:r>
+              <a:rPr b="0" lang="ko-KR" sz="1800" spc="-1" strike="noStrike">
+                <a:solidFill>
+                  <a:srgbClr val="000000"/>
+                </a:solidFill>
+                <a:latin typeface="Noto Sans CJK KR"/>
               </a:rPr>
               <a:t>스</a:t>
             </a:r>
             <a:r>
-              <a:rPr b="0" lang="ko-KR" sz="6000" spc="-1" strike="noStrike">
+              <a:rPr b="0" lang="ko-KR" sz="1800" spc="-1" strike="noStrike">
                 <a:solidFill>
-                  <a:schemeClr val="dk1"/>
+                  <a:srgbClr val="000000"/>
                 </a:solidFill>
-                <a:latin typeface="맑은 고딕"/>
+                <a:latin typeface="Noto Sans CJK KR"/>
               </a:rPr>
-              <a:t>터</a:t>
+              <a:t>트</a:t>
             </a:r>
             <a:r>
-              <a:rPr b="0" lang="en-US" sz="6000" spc="-1" strike="noStrike">
+              <a:rPr b="0" lang="ko-KR" sz="1800" spc="-1" strike="noStrike">
                 <a:solidFill>
-                  <a:schemeClr val="dk1"/>
+                  <a:srgbClr val="000000"/>
                 </a:solidFill>
-                <a:latin typeface="맑은 고딕"/>
+                <a:latin typeface="Noto Sans CJK KR"/>
+              </a:rPr>
+              <a:t>의</a:t>
+            </a:r>
+            <a:r>
+              <a:rPr b="0" lang="en-US" sz="1800" spc="-1" strike="noStrike">
+                <a:solidFill>
+                  <a:srgbClr val="000000"/>
+                </a:solidFill>
+                <a:latin typeface="Noto Sans CJK KR"/>
               </a:rPr>
               <a:t> </a:t>
             </a:r>
             <a:r>
-              <a:rPr b="0" lang="ko-KR" sz="6000" spc="-1" strike="noStrike">
+              <a:rPr b="0" lang="ko-KR" sz="1800" spc="-1" strike="noStrike">
                 <a:solidFill>
-                  <a:schemeClr val="dk1"/>
+                  <a:srgbClr val="000000"/>
                 </a:solidFill>
-                <a:latin typeface="맑은 고딕"/>
+                <a:latin typeface="Noto Sans CJK KR"/>
               </a:rPr>
-              <a:t>제</a:t>
+              <a:t>서</a:t>
             </a:r>
             <a:r>
-              <a:rPr b="0" lang="ko-KR" sz="6000" spc="-1" strike="noStrike">
+              <a:rPr b="0" lang="ko-KR" sz="1800" spc="-1" strike="noStrike">
                 <a:solidFill>
-                  <a:schemeClr val="dk1"/>
+                  <a:srgbClr val="000000"/>
                 </a:solidFill>
-                <a:latin typeface="맑은 고딕"/>
+                <a:latin typeface="Noto Sans CJK KR"/>
               </a:rPr>
-              <a:t>목</a:t>
+              <a:t>식</a:t>
             </a:r>
             <a:r>
-              <a:rPr b="0" lang="en-US" sz="6000" spc="-1" strike="noStrike">
+              <a:rPr b="0" lang="ko-KR" sz="1800" spc="-1" strike="noStrike">
                 <a:solidFill>
-                  <a:schemeClr val="dk1"/>
+                  <a:srgbClr val="000000"/>
                 </a:solidFill>
-                <a:latin typeface="맑은 고딕"/>
+                <a:latin typeface="Noto Sans CJK KR"/>
+              </a:rPr>
+              <a:t>을</a:t>
+            </a:r>
+            <a:r>
+              <a:rPr b="0" lang="en-US" sz="1800" spc="-1" strike="noStrike">
+                <a:solidFill>
+                  <a:srgbClr val="000000"/>
+                </a:solidFill>
+                <a:latin typeface="Noto Sans CJK KR"/>
               </a:rPr>
               <a:t> </a:t>
             </a:r>
             <a:r>
-              <a:rPr b="0" lang="ko-KR" sz="6000" spc="-1" strike="noStrike">
+              <a:rPr b="0" lang="ko-KR" sz="1800" spc="-1" strike="noStrike">
                 <a:solidFill>
-                  <a:schemeClr val="dk1"/>
+                  <a:srgbClr val="000000"/>
                 </a:solidFill>
-                <a:latin typeface="맑은 고딕"/>
+                <a:latin typeface="Noto Sans CJK KR"/>
               </a:rPr>
-              <a:t>스</a:t>
+              <a:t>편</a:t>
             </a:r>
             <a:r>
-              <a:rPr b="0" lang="ko-KR" sz="6000" spc="-1" strike="noStrike">
+              <a:rPr b="0" lang="ko-KR" sz="1800" spc="-1" strike="noStrike">
                 <a:solidFill>
-                  <a:schemeClr val="dk1"/>
+                  <a:srgbClr val="000000"/>
                 </a:solidFill>
-                <a:latin typeface="맑은 고딕"/>
+                <a:latin typeface="Noto Sans CJK KR"/>
               </a:rPr>
-              <a:t>타</a:t>
+              <a:t>집</a:t>
             </a:r>
             <a:r>
-              <a:rPr b="0" lang="ko-KR" sz="6000" spc="-1" strike="noStrike">
+              <a:rPr b="0" lang="ko-KR" sz="1800" spc="-1" strike="noStrike">
                 <a:solidFill>
-                  <a:schemeClr val="dk1"/>
+                  <a:srgbClr val="000000"/>
                 </a:solidFill>
-                <a:latin typeface="맑은 고딕"/>
+                <a:latin typeface="Noto Sans CJK KR"/>
               </a:rPr>
-              <a:t>일</a:t>
+              <a:t>하</a:t>
             </a:r>
             <a:r>
-              <a:rPr b="0" lang="en-US" sz="6000" spc="-1" strike="noStrike">
+              <a:rPr b="0" lang="ko-KR" sz="1800" spc="-1" strike="noStrike">
                 <a:solidFill>
-                  <a:schemeClr val="dk1"/>
+                  <a:srgbClr val="000000"/>
                 </a:solidFill>
-                <a:latin typeface="맑은 고딕"/>
+                <a:latin typeface="Noto Sans CJK KR"/>
+              </a:rPr>
+              <a:t>려</a:t>
+            </a:r>
+            <a:r>
+              <a:rPr b="0" lang="ko-KR" sz="1800" spc="-1" strike="noStrike">
+                <a:solidFill>
+                  <a:srgbClr val="000000"/>
+                </a:solidFill>
+                <a:latin typeface="Noto Sans CJK KR"/>
+              </a:rPr>
+              <a:t>면</a:t>
+            </a:r>
+            <a:r>
+              <a:rPr b="0" lang="en-US" sz="1800" spc="-1" strike="noStrike">
+                <a:solidFill>
+                  <a:srgbClr val="000000"/>
+                </a:solidFill>
+                <a:latin typeface="Noto Sans CJK KR"/>
               </a:rPr>
               <a:t> </a:t>
             </a:r>
             <a:r>
-              <a:rPr b="0" lang="ko-KR" sz="6000" spc="-1" strike="noStrike">
+              <a:rPr b="0" lang="ko-KR" sz="1800" spc="-1" strike="noStrike">
                 <a:solidFill>
-                  <a:schemeClr val="dk1"/>
+                  <a:srgbClr val="000000"/>
                 </a:solidFill>
-                <a:latin typeface="맑은 고딕"/>
+                <a:latin typeface="Noto Sans CJK KR"/>
               </a:rPr>
-              <a:t>편</a:t>
+              <a:t>클</a:t>
             </a:r>
             <a:r>
-              <a:rPr b="0" lang="ko-KR" sz="6000" spc="-1" strike="noStrike">
+              <a:rPr b="0" lang="ko-KR" sz="1800" spc="-1" strike="noStrike">
                 <a:solidFill>
-                  <a:schemeClr val="dk1"/>
+                  <a:srgbClr val="000000"/>
                 </a:solidFill>
-                <a:latin typeface="맑은 고딕"/>
+                <a:latin typeface="Noto Sans CJK KR"/>
               </a:rPr>
-              <a:t>집</a:t>
+              <a:t>릭</a:t>
             </a:r>
-            <a:endParaRPr b="0" lang="en-US" sz="6000" spc="-1" strike="noStrike">
+            <a:r>
+              <a:rPr b="0" lang="ko-KR" sz="1800" spc="-1" strike="noStrike">
+                <a:solidFill>
+                  <a:srgbClr val="000000"/>
+                </a:solidFill>
+                <a:latin typeface="Noto Sans CJK KR"/>
+              </a:rPr>
+              <a:t>하</a:t>
+            </a:r>
+            <a:r>
+              <a:rPr b="0" lang="ko-KR" sz="1800" spc="-1" strike="noStrike">
+                <a:solidFill>
+                  <a:srgbClr val="000000"/>
+                </a:solidFill>
+                <a:latin typeface="Noto Sans CJK KR"/>
+              </a:rPr>
+              <a:t>십</a:t>
+            </a:r>
+            <a:r>
+              <a:rPr b="0" lang="ko-KR" sz="1800" spc="-1" strike="noStrike">
+                <a:solidFill>
+                  <a:srgbClr val="000000"/>
+                </a:solidFill>
+                <a:latin typeface="Noto Sans CJK KR"/>
+              </a:rPr>
+              <a:t>시</a:t>
+            </a:r>
+            <a:r>
+              <a:rPr b="0" lang="ko-KR" sz="1800" spc="-1" strike="noStrike">
+                <a:solidFill>
+                  <a:srgbClr val="000000"/>
+                </a:solidFill>
+                <a:latin typeface="Noto Sans CJK KR"/>
+              </a:rPr>
+              <a:t>오</a:t>
+            </a:r>
+            <a:r>
+              <a:rPr b="0" lang="en-US" sz="1800" spc="-1" strike="noStrike">
+                <a:solidFill>
+                  <a:srgbClr val="000000"/>
+                </a:solidFill>
+                <a:latin typeface="Noto Sans CJK KR"/>
+              </a:rPr>
+              <a:t>.</a:t>
+            </a:r>
+            <a:endParaRPr b="0" lang="en-US" sz="1800" spc="-1" strike="noStrike">
               <a:solidFill>
-                <a:schemeClr val="dk1"/>
+                <a:srgbClr val="000000"/>
               </a:solidFill>
-              <a:latin typeface="맑은 고딕"/>
+              <a:latin typeface="Noto Sans CJK KR"/>
             </a:endParaRPr>
           </a:p>
         </p:txBody>
@@ -2790,13 +2823,13 @@
             <a:spLocks noGrp="1"/>
           </p:cNvSpPr>
           <p:nvPr>
-            <p:ph type="dt" idx="1"/>
+            <p:ph type="body"/>
           </p:nvPr>
         </p:nvSpPr>
         <p:spPr>
           <a:xfrm>
-            <a:off x="838080" y="6356520"/>
-            <a:ext cx="2742840" cy="364680"/>
+            <a:off x="838080" y="1825560"/>
+            <a:ext cx="5130720" cy="2074680"/>
           </a:xfrm>
           <a:prstGeom prst="rect">
             <a:avLst/>
@@ -2807,48 +2840,257 @@
           </a:ln>
         </p:spPr>
         <p:txBody>
-          <a:bodyPr lIns="91440" rIns="91440" tIns="45720" bIns="45720" anchor="ctr">
-            <a:noAutofit/>
+          <a:bodyPr lIns="0" rIns="0" tIns="0" bIns="0" anchor="t">
+            <a:normAutofit fontScale="62222" lnSpcReduction="10000"/>
           </a:bodyPr>
-          <a:lstStyle>
-            <a:lvl1pPr indent="0" defTabSz="914400">
-              <a:lnSpc>
-                <a:spcPct val="100000"/>
-              </a:lnSpc>
-              <a:buNone/>
-              <a:defRPr b="0" lang="en-US" sz="1200" spc="-1" strike="noStrike">
-                <a:solidFill>
-                  <a:schemeClr val="dk1">
-                    <a:tint val="75000"/>
-                  </a:schemeClr>
-                </a:solidFill>
-                <a:latin typeface="맑은 고딕"/>
-              </a:defRPr>
-            </a:lvl1pPr>
-          </a:lstStyle>
           <a:p>
-            <a:pPr indent="0" defTabSz="914400">
-              <a:lnSpc>
-                <a:spcPct val="100000"/>
-              </a:lnSpc>
-              <a:buNone/>
+            <a:pPr marL="432000" indent="-324000">
+              <a:spcBef>
+                <a:spcPts val="1417"/>
+              </a:spcBef>
+              <a:buClr>
+                <a:srgbClr val="000000"/>
+              </a:buClr>
+              <a:buSzPct val="45000"/>
+              <a:buFont typeface="Wingdings" charset="2"/>
+              <a:buChar char=""/>
             </a:pPr>
             <a:r>
-              <a:rPr b="0" lang="en-US" sz="1200" spc="-1" strike="noStrike">
+              <a:rPr b="0" lang="ko-KR" sz="1800" spc="-1" strike="noStrike">
                 <a:solidFill>
-                  <a:schemeClr val="dk1">
-                    <a:tint val="75000"/>
-                  </a:schemeClr>
+                  <a:srgbClr val="000000"/>
                 </a:solidFill>
-                <a:latin typeface="맑은 고딕"/>
+                <a:latin typeface="Noto Sans CJK KR"/>
               </a:rPr>
-              <a:t>&lt;날짜/시간&gt;</a:t>
+              <a:t>개요 텍스트의 서식을 편집하려면 클릭하십시오</a:t>
             </a:r>
-            <a:endParaRPr b="0" lang="en-US" sz="1200" spc="-1" strike="noStrike">
+            <a:endParaRPr b="0" lang="en-US" sz="1800" spc="-1" strike="noStrike">
               <a:solidFill>
                 <a:srgbClr val="000000"/>
               </a:solidFill>
-              <a:latin typeface="Noto Serif CJK KR"/>
+              <a:latin typeface="Noto Sans CJK KR"/>
+            </a:endParaRPr>
+          </a:p>
+          <a:p>
+            <a:pPr lvl="1" marL="864000" indent="-324000">
+              <a:spcBef>
+                <a:spcPts val="1134"/>
+              </a:spcBef>
+              <a:buClr>
+                <a:srgbClr val="000000"/>
+              </a:buClr>
+              <a:buSzPct val="75000"/>
+              <a:buFont typeface="Symbol" charset="2"/>
+              <a:buChar char=""/>
+            </a:pPr>
+            <a:r>
+              <a:rPr b="0" lang="en-US" sz="1800" spc="-1" strike="noStrike">
+                <a:solidFill>
+                  <a:srgbClr val="000000"/>
+                </a:solidFill>
+                <a:latin typeface="Noto Sans CJK KR"/>
+              </a:rPr>
+              <a:t>2</a:t>
+            </a:r>
+            <a:r>
+              <a:rPr b="0" lang="ko-KR" sz="1800" spc="-1" strike="noStrike">
+                <a:solidFill>
+                  <a:srgbClr val="000000"/>
+                </a:solidFill>
+                <a:latin typeface="Noto Sans CJK KR"/>
+              </a:rPr>
+              <a:t>번째 개요 수준</a:t>
+            </a:r>
+            <a:endParaRPr b="0" lang="en-US" sz="1800" spc="-1" strike="noStrike">
+              <a:solidFill>
+                <a:srgbClr val="000000"/>
+              </a:solidFill>
+              <a:latin typeface="Noto Sans CJK KR"/>
+            </a:endParaRPr>
+          </a:p>
+          <a:p>
+            <a:pPr lvl="2" marL="1296000" indent="-288000">
+              <a:spcBef>
+                <a:spcPts val="850"/>
+              </a:spcBef>
+              <a:buClr>
+                <a:srgbClr val="000000"/>
+              </a:buClr>
+              <a:buSzPct val="45000"/>
+              <a:buFont typeface="Wingdings" charset="2"/>
+              <a:buChar char=""/>
+            </a:pPr>
+            <a:r>
+              <a:rPr b="0" lang="en-US" sz="1800" spc="-1" strike="noStrike">
+                <a:solidFill>
+                  <a:srgbClr val="000000"/>
+                </a:solidFill>
+                <a:latin typeface="Noto Sans CJK KR"/>
+              </a:rPr>
+              <a:t>3</a:t>
+            </a:r>
+            <a:r>
+              <a:rPr b="0" lang="ko-KR" sz="1800" spc="-1" strike="noStrike">
+                <a:solidFill>
+                  <a:srgbClr val="000000"/>
+                </a:solidFill>
+                <a:latin typeface="Noto Sans CJK KR"/>
+              </a:rPr>
+              <a:t>번째 개요 수준</a:t>
+            </a:r>
+            <a:endParaRPr b="0" lang="en-US" sz="1800" spc="-1" strike="noStrike">
+              <a:solidFill>
+                <a:srgbClr val="000000"/>
+              </a:solidFill>
+              <a:latin typeface="Noto Sans CJK KR"/>
+            </a:endParaRPr>
+          </a:p>
+          <a:p>
+            <a:pPr lvl="3" marL="1728000" indent="-216000">
+              <a:spcBef>
+                <a:spcPts val="567"/>
+              </a:spcBef>
+              <a:buClr>
+                <a:srgbClr val="000000"/>
+              </a:buClr>
+              <a:buSzPct val="75000"/>
+              <a:buFont typeface="Symbol" charset="2"/>
+              <a:buChar char=""/>
+            </a:pPr>
+            <a:r>
+              <a:rPr b="0" lang="en-US" sz="1800" spc="-1" strike="noStrike">
+                <a:solidFill>
+                  <a:srgbClr val="000000"/>
+                </a:solidFill>
+                <a:latin typeface="Noto Sans CJK KR"/>
+              </a:rPr>
+              <a:t>4</a:t>
+            </a:r>
+            <a:r>
+              <a:rPr b="0" lang="ko-KR" sz="1800" spc="-1" strike="noStrike">
+                <a:solidFill>
+                  <a:srgbClr val="000000"/>
+                </a:solidFill>
+                <a:latin typeface="Noto Sans CJK KR"/>
+              </a:rPr>
+              <a:t>번째 개요 수준</a:t>
+            </a:r>
+            <a:endParaRPr b="0" lang="en-US" sz="1800" spc="-1" strike="noStrike">
+              <a:solidFill>
+                <a:srgbClr val="000000"/>
+              </a:solidFill>
+              <a:latin typeface="Noto Sans CJK KR"/>
+            </a:endParaRPr>
+          </a:p>
+          <a:p>
+            <a:pPr lvl="4" marL="2160000" indent="-216000">
+              <a:spcBef>
+                <a:spcPts val="283"/>
+              </a:spcBef>
+              <a:buClr>
+                <a:srgbClr val="000000"/>
+              </a:buClr>
+              <a:buSzPct val="45000"/>
+              <a:buFont typeface="Wingdings" charset="2"/>
+              <a:buChar char=""/>
+            </a:pPr>
+            <a:r>
+              <a:rPr b="0" lang="en-US" sz="1800" spc="-1" strike="noStrike">
+                <a:solidFill>
+                  <a:srgbClr val="000000"/>
+                </a:solidFill>
+                <a:latin typeface="Noto Sans CJK KR"/>
+              </a:rPr>
+              <a:t>5</a:t>
+            </a:r>
+            <a:r>
+              <a:rPr b="0" lang="ko-KR" sz="1800" spc="-1" strike="noStrike">
+                <a:solidFill>
+                  <a:srgbClr val="000000"/>
+                </a:solidFill>
+                <a:latin typeface="Noto Sans CJK KR"/>
+              </a:rPr>
+              <a:t>번째 개요 수준</a:t>
+            </a:r>
+            <a:endParaRPr b="0" lang="en-US" sz="1800" spc="-1" strike="noStrike">
+              <a:solidFill>
+                <a:srgbClr val="000000"/>
+              </a:solidFill>
+              <a:latin typeface="Noto Sans CJK KR"/>
+            </a:endParaRPr>
+          </a:p>
+          <a:p>
+            <a:pPr lvl="5" marL="2592000" indent="-216000">
+              <a:spcBef>
+                <a:spcPts val="283"/>
+              </a:spcBef>
+              <a:buClr>
+                <a:srgbClr val="000000"/>
+              </a:buClr>
+              <a:buSzPct val="45000"/>
+              <a:buFont typeface="Wingdings" charset="2"/>
+              <a:buChar char=""/>
+            </a:pPr>
+            <a:r>
+              <a:rPr b="0" lang="en-US" sz="1800" spc="-1" strike="noStrike">
+                <a:solidFill>
+                  <a:srgbClr val="000000"/>
+                </a:solidFill>
+                <a:latin typeface="Noto Sans CJK KR"/>
+              </a:rPr>
+              <a:t>6</a:t>
+            </a:r>
+            <a:r>
+              <a:rPr b="0" lang="ko-KR" sz="1800" spc="-1" strike="noStrike">
+                <a:solidFill>
+                  <a:srgbClr val="000000"/>
+                </a:solidFill>
+                <a:latin typeface="Noto Sans CJK KR"/>
+              </a:rPr>
+              <a:t>번째 개요 수준</a:t>
+            </a:r>
+            <a:endParaRPr b="0" lang="en-US" sz="1800" spc="-1" strike="noStrike">
+              <a:solidFill>
+                <a:srgbClr val="000000"/>
+              </a:solidFill>
+              <a:latin typeface="Noto Sans CJK KR"/>
+            </a:endParaRPr>
+          </a:p>
+          <a:p>
+            <a:pPr lvl="6" marL="3024000" indent="-216000">
+              <a:spcBef>
+                <a:spcPts val="283"/>
+              </a:spcBef>
+              <a:buClr>
+                <a:srgbClr val="000000"/>
+              </a:buClr>
+              <a:buSzPct val="45000"/>
+              <a:buFont typeface="Wingdings" charset="2"/>
+              <a:buChar char=""/>
+            </a:pPr>
+            <a:r>
+              <a:rPr b="0" lang="en-US" sz="1800" spc="-1" strike="noStrike">
+                <a:solidFill>
+                  <a:srgbClr val="000000"/>
+                </a:solidFill>
+                <a:latin typeface="Noto Sans CJK KR"/>
+              </a:rPr>
+              <a:t>7</a:t>
+            </a:r>
+            <a:r>
+              <a:rPr b="0" lang="ko-KR" sz="1800" spc="-1" strike="noStrike">
+                <a:solidFill>
+                  <a:srgbClr val="000000"/>
+                </a:solidFill>
+                <a:latin typeface="Noto Sans CJK KR"/>
+              </a:rPr>
+              <a:t>번째 개요 수준</a:t>
+            </a:r>
+            <a:endParaRPr b="0" lang="en-US" sz="1800" spc="-1" strike="noStrike">
+              <a:solidFill>
+                <a:srgbClr val="000000"/>
+              </a:solidFill>
+              <a:latin typeface="Noto Sans CJK KR"/>
             </a:endParaRPr>
           </a:p>
         </p:txBody>
@@ -2860,13 +3102,571 @@
             <a:spLocks noGrp="1"/>
           </p:cNvSpPr>
           <p:nvPr>
-            <p:ph type="ftr" idx="2"/>
+            <p:ph type="body"/>
+          </p:nvPr>
+        </p:nvSpPr>
+        <p:spPr>
+          <a:xfrm>
+            <a:off x="6226200" y="1825560"/>
+            <a:ext cx="5130720" cy="2074680"/>
+          </a:xfrm>
+          <a:prstGeom prst="rect">
+            <a:avLst/>
+          </a:prstGeom>
+          <a:noFill/>
+          <a:ln w="0">
+            <a:noFill/>
+          </a:ln>
+        </p:spPr>
+        <p:txBody>
+          <a:bodyPr lIns="0" rIns="0" tIns="0" bIns="0" anchor="t">
+            <a:normAutofit fontScale="62222" lnSpcReduction="10000"/>
+          </a:bodyPr>
+          <a:p>
+            <a:pPr marL="432000" indent="-324000">
+              <a:spcBef>
+                <a:spcPts val="1417"/>
+              </a:spcBef>
+              <a:buClr>
+                <a:srgbClr val="000000"/>
+              </a:buClr>
+              <a:buSzPct val="45000"/>
+              <a:buFont typeface="Wingdings" charset="2"/>
+              <a:buChar char=""/>
+            </a:pPr>
+            <a:r>
+              <a:rPr b="0" lang="ko-KR" sz="1800" spc="-1" strike="noStrike">
+                <a:solidFill>
+                  <a:srgbClr val="000000"/>
+                </a:solidFill>
+                <a:latin typeface="Noto Sans CJK KR"/>
+              </a:rPr>
+              <a:t>개요 텍스트의 서식을 편집하려면 클릭하십시오</a:t>
+            </a:r>
+            <a:endParaRPr b="0" lang="en-US" sz="1800" spc="-1" strike="noStrike">
+              <a:solidFill>
+                <a:srgbClr val="000000"/>
+              </a:solidFill>
+              <a:latin typeface="Noto Sans CJK KR"/>
+            </a:endParaRPr>
+          </a:p>
+          <a:p>
+            <a:pPr lvl="1" marL="864000" indent="-324000">
+              <a:spcBef>
+                <a:spcPts val="1134"/>
+              </a:spcBef>
+              <a:buClr>
+                <a:srgbClr val="000000"/>
+              </a:buClr>
+              <a:buSzPct val="75000"/>
+              <a:buFont typeface="Symbol" charset="2"/>
+              <a:buChar char=""/>
+            </a:pPr>
+            <a:r>
+              <a:rPr b="0" lang="en-US" sz="1800" spc="-1" strike="noStrike">
+                <a:solidFill>
+                  <a:srgbClr val="000000"/>
+                </a:solidFill>
+                <a:latin typeface="Noto Sans CJK KR"/>
+              </a:rPr>
+              <a:t>2</a:t>
+            </a:r>
+            <a:r>
+              <a:rPr b="0" lang="ko-KR" sz="1800" spc="-1" strike="noStrike">
+                <a:solidFill>
+                  <a:srgbClr val="000000"/>
+                </a:solidFill>
+                <a:latin typeface="Noto Sans CJK KR"/>
+              </a:rPr>
+              <a:t>번째 개요 수준</a:t>
+            </a:r>
+            <a:endParaRPr b="0" lang="en-US" sz="1800" spc="-1" strike="noStrike">
+              <a:solidFill>
+                <a:srgbClr val="000000"/>
+              </a:solidFill>
+              <a:latin typeface="Noto Sans CJK KR"/>
+            </a:endParaRPr>
+          </a:p>
+          <a:p>
+            <a:pPr lvl="2" marL="1296000" indent="-288000">
+              <a:spcBef>
+                <a:spcPts val="850"/>
+              </a:spcBef>
+              <a:buClr>
+                <a:srgbClr val="000000"/>
+              </a:buClr>
+              <a:buSzPct val="45000"/>
+              <a:buFont typeface="Wingdings" charset="2"/>
+              <a:buChar char=""/>
+            </a:pPr>
+            <a:r>
+              <a:rPr b="0" lang="en-US" sz="1800" spc="-1" strike="noStrike">
+                <a:solidFill>
+                  <a:srgbClr val="000000"/>
+                </a:solidFill>
+                <a:latin typeface="Noto Sans CJK KR"/>
+              </a:rPr>
+              <a:t>3</a:t>
+            </a:r>
+            <a:r>
+              <a:rPr b="0" lang="ko-KR" sz="1800" spc="-1" strike="noStrike">
+                <a:solidFill>
+                  <a:srgbClr val="000000"/>
+                </a:solidFill>
+                <a:latin typeface="Noto Sans CJK KR"/>
+              </a:rPr>
+              <a:t>번째 개요 수준</a:t>
+            </a:r>
+            <a:endParaRPr b="0" lang="en-US" sz="1800" spc="-1" strike="noStrike">
+              <a:solidFill>
+                <a:srgbClr val="000000"/>
+              </a:solidFill>
+              <a:latin typeface="Noto Sans CJK KR"/>
+            </a:endParaRPr>
+          </a:p>
+          <a:p>
+            <a:pPr lvl="3" marL="1728000" indent="-216000">
+              <a:spcBef>
+                <a:spcPts val="567"/>
+              </a:spcBef>
+              <a:buClr>
+                <a:srgbClr val="000000"/>
+              </a:buClr>
+              <a:buSzPct val="75000"/>
+              <a:buFont typeface="Symbol" charset="2"/>
+              <a:buChar char=""/>
+            </a:pPr>
+            <a:r>
+              <a:rPr b="0" lang="en-US" sz="1800" spc="-1" strike="noStrike">
+                <a:solidFill>
+                  <a:srgbClr val="000000"/>
+                </a:solidFill>
+                <a:latin typeface="Noto Sans CJK KR"/>
+              </a:rPr>
+              <a:t>4</a:t>
+            </a:r>
+            <a:r>
+              <a:rPr b="0" lang="ko-KR" sz="1800" spc="-1" strike="noStrike">
+                <a:solidFill>
+                  <a:srgbClr val="000000"/>
+                </a:solidFill>
+                <a:latin typeface="Noto Sans CJK KR"/>
+              </a:rPr>
+              <a:t>번째 개요 수준</a:t>
+            </a:r>
+            <a:endParaRPr b="0" lang="en-US" sz="1800" spc="-1" strike="noStrike">
+              <a:solidFill>
+                <a:srgbClr val="000000"/>
+              </a:solidFill>
+              <a:latin typeface="Noto Sans CJK KR"/>
+            </a:endParaRPr>
+          </a:p>
+          <a:p>
+            <a:pPr lvl="4" marL="2160000" indent="-216000">
+              <a:spcBef>
+                <a:spcPts val="283"/>
+              </a:spcBef>
+              <a:buClr>
+                <a:srgbClr val="000000"/>
+              </a:buClr>
+              <a:buSzPct val="45000"/>
+              <a:buFont typeface="Wingdings" charset="2"/>
+              <a:buChar char=""/>
+            </a:pPr>
+            <a:r>
+              <a:rPr b="0" lang="en-US" sz="1800" spc="-1" strike="noStrike">
+                <a:solidFill>
+                  <a:srgbClr val="000000"/>
+                </a:solidFill>
+                <a:latin typeface="Noto Sans CJK KR"/>
+              </a:rPr>
+              <a:t>5</a:t>
+            </a:r>
+            <a:r>
+              <a:rPr b="0" lang="ko-KR" sz="1800" spc="-1" strike="noStrike">
+                <a:solidFill>
+                  <a:srgbClr val="000000"/>
+                </a:solidFill>
+                <a:latin typeface="Noto Sans CJK KR"/>
+              </a:rPr>
+              <a:t>번째 개요 수준</a:t>
+            </a:r>
+            <a:endParaRPr b="0" lang="en-US" sz="1800" spc="-1" strike="noStrike">
+              <a:solidFill>
+                <a:srgbClr val="000000"/>
+              </a:solidFill>
+              <a:latin typeface="Noto Sans CJK KR"/>
+            </a:endParaRPr>
+          </a:p>
+          <a:p>
+            <a:pPr lvl="5" marL="2592000" indent="-216000">
+              <a:spcBef>
+                <a:spcPts val="283"/>
+              </a:spcBef>
+              <a:buClr>
+                <a:srgbClr val="000000"/>
+              </a:buClr>
+              <a:buSzPct val="45000"/>
+              <a:buFont typeface="Wingdings" charset="2"/>
+              <a:buChar char=""/>
+            </a:pPr>
+            <a:r>
+              <a:rPr b="0" lang="en-US" sz="1800" spc="-1" strike="noStrike">
+                <a:solidFill>
+                  <a:srgbClr val="000000"/>
+                </a:solidFill>
+                <a:latin typeface="Noto Sans CJK KR"/>
+              </a:rPr>
+              <a:t>6</a:t>
+            </a:r>
+            <a:r>
+              <a:rPr b="0" lang="ko-KR" sz="1800" spc="-1" strike="noStrike">
+                <a:solidFill>
+                  <a:srgbClr val="000000"/>
+                </a:solidFill>
+                <a:latin typeface="Noto Sans CJK KR"/>
+              </a:rPr>
+              <a:t>번째 개요 수준</a:t>
+            </a:r>
+            <a:endParaRPr b="0" lang="en-US" sz="1800" spc="-1" strike="noStrike">
+              <a:solidFill>
+                <a:srgbClr val="000000"/>
+              </a:solidFill>
+              <a:latin typeface="Noto Sans CJK KR"/>
+            </a:endParaRPr>
+          </a:p>
+          <a:p>
+            <a:pPr lvl="6" marL="3024000" indent="-216000">
+              <a:spcBef>
+                <a:spcPts val="283"/>
+              </a:spcBef>
+              <a:buClr>
+                <a:srgbClr val="000000"/>
+              </a:buClr>
+              <a:buSzPct val="45000"/>
+              <a:buFont typeface="Wingdings" charset="2"/>
+              <a:buChar char=""/>
+            </a:pPr>
+            <a:r>
+              <a:rPr b="0" lang="en-US" sz="1800" spc="-1" strike="noStrike">
+                <a:solidFill>
+                  <a:srgbClr val="000000"/>
+                </a:solidFill>
+                <a:latin typeface="Noto Sans CJK KR"/>
+              </a:rPr>
+              <a:t>7</a:t>
+            </a:r>
+            <a:r>
+              <a:rPr b="0" lang="ko-KR" sz="1800" spc="-1" strike="noStrike">
+                <a:solidFill>
+                  <a:srgbClr val="000000"/>
+                </a:solidFill>
+                <a:latin typeface="Noto Sans CJK KR"/>
+              </a:rPr>
+              <a:t>번째 개요 수준</a:t>
+            </a:r>
+            <a:endParaRPr b="0" lang="en-US" sz="1800" spc="-1" strike="noStrike">
+              <a:solidFill>
+                <a:srgbClr val="000000"/>
+              </a:solidFill>
+              <a:latin typeface="Noto Sans CJK KR"/>
+            </a:endParaRPr>
+          </a:p>
+        </p:txBody>
+      </p:sp>
+      <p:sp>
+        <p:nvSpPr>
+          <p:cNvPr id="3" name="PlaceHolder 4"/>
+          <p:cNvSpPr>
+            <a:spLocks noGrp="1"/>
+          </p:cNvSpPr>
+          <p:nvPr>
+            <p:ph type="body"/>
+          </p:nvPr>
+        </p:nvSpPr>
+        <p:spPr>
+          <a:xfrm>
+            <a:off x="838080" y="4098240"/>
+            <a:ext cx="10514880" cy="2074680"/>
+          </a:xfrm>
+          <a:prstGeom prst="rect">
+            <a:avLst/>
+          </a:prstGeom>
+          <a:noFill/>
+          <a:ln w="0">
+            <a:noFill/>
+          </a:ln>
+        </p:spPr>
+        <p:txBody>
+          <a:bodyPr lIns="0" rIns="0" tIns="0" bIns="0" anchor="t">
+            <a:normAutofit fontScale="66111"/>
+          </a:bodyPr>
+          <a:p>
+            <a:pPr marL="432000" indent="-324000">
+              <a:spcBef>
+                <a:spcPts val="1417"/>
+              </a:spcBef>
+              <a:buClr>
+                <a:srgbClr val="000000"/>
+              </a:buClr>
+              <a:buSzPct val="45000"/>
+              <a:buFont typeface="Wingdings" charset="2"/>
+              <a:buChar char=""/>
+            </a:pPr>
+            <a:r>
+              <a:rPr b="0" lang="ko-KR" sz="1800" spc="-1" strike="noStrike">
+                <a:solidFill>
+                  <a:srgbClr val="000000"/>
+                </a:solidFill>
+                <a:latin typeface="Noto Sans CJK KR"/>
+              </a:rPr>
+              <a:t>개요 텍스트의 서식을 편집하려면 클릭하십시오</a:t>
+            </a:r>
+            <a:endParaRPr b="0" lang="en-US" sz="1800" spc="-1" strike="noStrike">
+              <a:solidFill>
+                <a:srgbClr val="000000"/>
+              </a:solidFill>
+              <a:latin typeface="Noto Sans CJK KR"/>
+            </a:endParaRPr>
+          </a:p>
+          <a:p>
+            <a:pPr lvl="1" marL="864000" indent="-324000">
+              <a:spcBef>
+                <a:spcPts val="1134"/>
+              </a:spcBef>
+              <a:buClr>
+                <a:srgbClr val="000000"/>
+              </a:buClr>
+              <a:buSzPct val="75000"/>
+              <a:buFont typeface="Symbol" charset="2"/>
+              <a:buChar char=""/>
+            </a:pPr>
+            <a:r>
+              <a:rPr b="0" lang="en-US" sz="1800" spc="-1" strike="noStrike">
+                <a:solidFill>
+                  <a:srgbClr val="000000"/>
+                </a:solidFill>
+                <a:latin typeface="Noto Sans CJK KR"/>
+              </a:rPr>
+              <a:t>2</a:t>
+            </a:r>
+            <a:r>
+              <a:rPr b="0" lang="ko-KR" sz="1800" spc="-1" strike="noStrike">
+                <a:solidFill>
+                  <a:srgbClr val="000000"/>
+                </a:solidFill>
+                <a:latin typeface="Noto Sans CJK KR"/>
+              </a:rPr>
+              <a:t>번째 개요 수준</a:t>
+            </a:r>
+            <a:endParaRPr b="0" lang="en-US" sz="1800" spc="-1" strike="noStrike">
+              <a:solidFill>
+                <a:srgbClr val="000000"/>
+              </a:solidFill>
+              <a:latin typeface="Noto Sans CJK KR"/>
+            </a:endParaRPr>
+          </a:p>
+          <a:p>
+            <a:pPr lvl="2" marL="1296000" indent="-288000">
+              <a:spcBef>
+                <a:spcPts val="850"/>
+              </a:spcBef>
+              <a:buClr>
+                <a:srgbClr val="000000"/>
+              </a:buClr>
+              <a:buSzPct val="45000"/>
+              <a:buFont typeface="Wingdings" charset="2"/>
+              <a:buChar char=""/>
+            </a:pPr>
+            <a:r>
+              <a:rPr b="0" lang="en-US" sz="1800" spc="-1" strike="noStrike">
+                <a:solidFill>
+                  <a:srgbClr val="000000"/>
+                </a:solidFill>
+                <a:latin typeface="Noto Sans CJK KR"/>
+              </a:rPr>
+              <a:t>3</a:t>
+            </a:r>
+            <a:r>
+              <a:rPr b="0" lang="ko-KR" sz="1800" spc="-1" strike="noStrike">
+                <a:solidFill>
+                  <a:srgbClr val="000000"/>
+                </a:solidFill>
+                <a:latin typeface="Noto Sans CJK KR"/>
+              </a:rPr>
+              <a:t>번째 개요 수준</a:t>
+            </a:r>
+            <a:endParaRPr b="0" lang="en-US" sz="1800" spc="-1" strike="noStrike">
+              <a:solidFill>
+                <a:srgbClr val="000000"/>
+              </a:solidFill>
+              <a:latin typeface="Noto Sans CJK KR"/>
+            </a:endParaRPr>
+          </a:p>
+          <a:p>
+            <a:pPr lvl="3" marL="1728000" indent="-216000">
+              <a:spcBef>
+                <a:spcPts val="567"/>
+              </a:spcBef>
+              <a:buClr>
+                <a:srgbClr val="000000"/>
+              </a:buClr>
+              <a:buSzPct val="75000"/>
+              <a:buFont typeface="Symbol" charset="2"/>
+              <a:buChar char=""/>
+            </a:pPr>
+            <a:r>
+              <a:rPr b="0" lang="en-US" sz="1800" spc="-1" strike="noStrike">
+                <a:solidFill>
+                  <a:srgbClr val="000000"/>
+                </a:solidFill>
+                <a:latin typeface="Noto Sans CJK KR"/>
+              </a:rPr>
+              <a:t>4</a:t>
+            </a:r>
+            <a:r>
+              <a:rPr b="0" lang="ko-KR" sz="1800" spc="-1" strike="noStrike">
+                <a:solidFill>
+                  <a:srgbClr val="000000"/>
+                </a:solidFill>
+                <a:latin typeface="Noto Sans CJK KR"/>
+              </a:rPr>
+              <a:t>번째 개요 수준</a:t>
+            </a:r>
+            <a:endParaRPr b="0" lang="en-US" sz="1800" spc="-1" strike="noStrike">
+              <a:solidFill>
+                <a:srgbClr val="000000"/>
+              </a:solidFill>
+              <a:latin typeface="Noto Sans CJK KR"/>
+            </a:endParaRPr>
+          </a:p>
+          <a:p>
+            <a:pPr lvl="4" marL="2160000" indent="-216000">
+              <a:spcBef>
+                <a:spcPts val="283"/>
+              </a:spcBef>
+              <a:buClr>
+                <a:srgbClr val="000000"/>
+              </a:buClr>
+              <a:buSzPct val="45000"/>
+              <a:buFont typeface="Wingdings" charset="2"/>
+              <a:buChar char=""/>
+            </a:pPr>
+            <a:r>
+              <a:rPr b="0" lang="en-US" sz="1800" spc="-1" strike="noStrike">
+                <a:solidFill>
+                  <a:srgbClr val="000000"/>
+                </a:solidFill>
+                <a:latin typeface="Noto Sans CJK KR"/>
+              </a:rPr>
+              <a:t>5</a:t>
+            </a:r>
+            <a:r>
+              <a:rPr b="0" lang="ko-KR" sz="1800" spc="-1" strike="noStrike">
+                <a:solidFill>
+                  <a:srgbClr val="000000"/>
+                </a:solidFill>
+                <a:latin typeface="Noto Sans CJK KR"/>
+              </a:rPr>
+              <a:t>번째 개요 수준</a:t>
+            </a:r>
+            <a:endParaRPr b="0" lang="en-US" sz="1800" spc="-1" strike="noStrike">
+              <a:solidFill>
+                <a:srgbClr val="000000"/>
+              </a:solidFill>
+              <a:latin typeface="Noto Sans CJK KR"/>
+            </a:endParaRPr>
+          </a:p>
+          <a:p>
+            <a:pPr lvl="5" marL="2592000" indent="-216000">
+              <a:spcBef>
+                <a:spcPts val="283"/>
+              </a:spcBef>
+              <a:buClr>
+                <a:srgbClr val="000000"/>
+              </a:buClr>
+              <a:buSzPct val="45000"/>
+              <a:buFont typeface="Wingdings" charset="2"/>
+              <a:buChar char=""/>
+            </a:pPr>
+            <a:r>
+              <a:rPr b="0" lang="en-US" sz="1800" spc="-1" strike="noStrike">
+                <a:solidFill>
+                  <a:srgbClr val="000000"/>
+                </a:solidFill>
+                <a:latin typeface="Noto Sans CJK KR"/>
+              </a:rPr>
+              <a:t>6</a:t>
+            </a:r>
+            <a:r>
+              <a:rPr b="0" lang="ko-KR" sz="1800" spc="-1" strike="noStrike">
+                <a:solidFill>
+                  <a:srgbClr val="000000"/>
+                </a:solidFill>
+                <a:latin typeface="Noto Sans CJK KR"/>
+              </a:rPr>
+              <a:t>번째 개요 수준</a:t>
+            </a:r>
+            <a:endParaRPr b="0" lang="en-US" sz="1800" spc="-1" strike="noStrike">
+              <a:solidFill>
+                <a:srgbClr val="000000"/>
+              </a:solidFill>
+              <a:latin typeface="Noto Sans CJK KR"/>
+            </a:endParaRPr>
+          </a:p>
+          <a:p>
+            <a:pPr lvl="6" marL="3024000" indent="-216000">
+              <a:spcBef>
+                <a:spcPts val="283"/>
+              </a:spcBef>
+              <a:buClr>
+                <a:srgbClr val="000000"/>
+              </a:buClr>
+              <a:buSzPct val="45000"/>
+              <a:buFont typeface="Wingdings" charset="2"/>
+              <a:buChar char=""/>
+            </a:pPr>
+            <a:r>
+              <a:rPr b="0" lang="en-US" sz="1800" spc="-1" strike="noStrike">
+                <a:solidFill>
+                  <a:srgbClr val="000000"/>
+                </a:solidFill>
+                <a:latin typeface="Noto Sans CJK KR"/>
+              </a:rPr>
+              <a:t>7</a:t>
+            </a:r>
+            <a:r>
+              <a:rPr b="0" lang="ko-KR" sz="1800" spc="-1" strike="noStrike">
+                <a:solidFill>
+                  <a:srgbClr val="000000"/>
+                </a:solidFill>
+                <a:latin typeface="Noto Sans CJK KR"/>
+              </a:rPr>
+              <a:t>번째 개요 수준</a:t>
+            </a:r>
+            <a:endParaRPr b="0" lang="en-US" sz="1800" spc="-1" strike="noStrike">
+              <a:solidFill>
+                <a:srgbClr val="000000"/>
+              </a:solidFill>
+              <a:latin typeface="Noto Sans CJK KR"/>
+            </a:endParaRPr>
+          </a:p>
+        </p:txBody>
+      </p:sp>
+      <p:sp>
+        <p:nvSpPr>
+          <p:cNvPr id="4" name="PlaceHolder 5"/>
+          <p:cNvSpPr>
+            <a:spLocks noGrp="1"/>
+          </p:cNvSpPr>
+          <p:nvPr>
+            <p:ph type="ftr" idx="1"/>
           </p:nvPr>
         </p:nvSpPr>
         <p:spPr>
           <a:xfrm>
             <a:off x="4038480" y="6356520"/>
-            <a:ext cx="4114440" cy="364680"/>
+            <a:ext cx="4114080" cy="364320"/>
           </a:xfrm>
           <a:prstGeom prst="rect">
             <a:avLst/>
@@ -2882,7 +3682,13 @@
           </a:bodyPr>
           <a:lstStyle>
             <a:lvl1pPr indent="0" algn="ctr">
+              <a:lnSpc>
+                <a:spcPct val="100000"/>
+              </a:lnSpc>
               <a:buNone/>
+              <a:tabLst>
+                <a:tab algn="l" pos="0"/>
+              </a:tabLst>
               <a:defRPr b="0" lang="en-US" sz="1400" spc="-1" strike="noStrike">
                 <a:solidFill>
                   <a:srgbClr val="000000"/>
@@ -2893,7 +3699,13 @@
           </a:lstStyle>
           <a:p>
             <a:pPr indent="0" algn="ctr">
+              <a:lnSpc>
+                <a:spcPct val="100000"/>
+              </a:lnSpc>
               <a:buNone/>
+              <a:tabLst>
+                <a:tab algn="l" pos="0"/>
+              </a:tabLst>
             </a:pPr>
             <a:r>
               <a:rPr b="0" lang="en-US" sz="1400" spc="-1" strike="noStrike">
@@ -2915,18 +3727,18 @@
       </p:sp>
       <p:sp>
         <p:nvSpPr>
-          <p:cNvPr id="3" name="PlaceHolder 4"/>
+          <p:cNvPr id="5" name="PlaceHolder 6"/>
           <p:cNvSpPr>
             <a:spLocks noGrp="1"/>
           </p:cNvSpPr>
           <p:nvPr>
-            <p:ph type="sldNum" idx="3"/>
+            <p:ph type="sldNum" idx="2"/>
           </p:nvPr>
         </p:nvSpPr>
         <p:spPr>
           <a:xfrm>
             <a:off x="8610480" y="6356520"/>
-            <a:ext cx="2742840" cy="364680"/>
+            <a:ext cx="2742480" cy="364320"/>
           </a:xfrm>
           <a:prstGeom prst="rect">
             <a:avLst/>
@@ -2946,6 +3758,9 @@
                 <a:spcPct val="100000"/>
               </a:lnSpc>
               <a:buNone/>
+              <a:tabLst>
+                <a:tab algn="l" pos="0"/>
+              </a:tabLst>
               <a:defRPr b="0" lang="en-US" sz="1200" spc="-1" strike="noStrike">
                 <a:solidFill>
                   <a:schemeClr val="dk1">
@@ -2962,8 +3777,11 @@
                 <a:spcPct val="100000"/>
               </a:lnSpc>
               <a:buNone/>
+              <a:tabLst>
+                <a:tab algn="l" pos="0"/>
+              </a:tabLst>
             </a:pPr>
-            <a:fld id="{3F17E339-AE34-438C-8178-3788D7D979AE}" type="slidenum">
+            <a:fld id="{D5A3C8A6-F344-48E7-875C-E841FB72DD37}" type="slidenum">
               <a:rPr b="0" lang="en-US" sz="1200" spc="-1" strike="noStrike">
                 <a:solidFill>
                   <a:schemeClr val="dk1">
@@ -2985,18 +3803,18 @@
       </p:sp>
       <p:sp>
         <p:nvSpPr>
-          <p:cNvPr id="4" name="PlaceHolder 5"/>
+          <p:cNvPr id="6" name="PlaceHolder 7"/>
           <p:cNvSpPr>
             <a:spLocks noGrp="1"/>
           </p:cNvSpPr>
           <p:nvPr>
-            <p:ph type="body"/>
+            <p:ph type="dt" idx="3"/>
           </p:nvPr>
         </p:nvSpPr>
         <p:spPr>
           <a:xfrm>
-            <a:off x="609480" y="1604520"/>
-            <a:ext cx="10972440" cy="3977280"/>
+            <a:off x="838080" y="6356520"/>
+            <a:ext cx="2742480" cy="364320"/>
           </a:xfrm>
           <a:prstGeom prst="rect">
             <a:avLst/>
@@ -3007,278 +3825,38 @@
           </a:ln>
         </p:spPr>
         <p:txBody>
-          <a:bodyPr lIns="0" rIns="0" tIns="0" bIns="0" anchor="t">
-            <a:normAutofit/>
+          <a:bodyPr lIns="91440" rIns="91440" tIns="45720" bIns="45720" anchor="ctr">
+            <a:noAutofit/>
           </a:bodyPr>
+          <a:lstStyle>
+            <a:lvl1pPr indent="0">
+              <a:buNone/>
+              <a:defRPr b="0" lang="en-US" sz="1400" spc="-1" strike="noStrike">
+                <a:solidFill>
+                  <a:srgbClr val="000000"/>
+                </a:solidFill>
+                <a:latin typeface="Noto Serif CJK KR"/>
+              </a:defRPr>
+            </a:lvl1pPr>
+          </a:lstStyle>
           <a:p>
-            <a:pPr marL="432000" indent="-324000">
-              <a:lnSpc>
-                <a:spcPct val="90000"/>
-              </a:lnSpc>
-              <a:spcBef>
-                <a:spcPts val="1417"/>
-              </a:spcBef>
-              <a:buClr>
-                <a:srgbClr val="000000"/>
-              </a:buClr>
-              <a:buSzPct val="45000"/>
-              <a:buFont typeface="Wingdings" charset="2"/>
-              <a:buChar char=""/>
+            <a:pPr indent="0">
+              <a:buNone/>
             </a:pPr>
             <a:r>
-              <a:rPr b="0" lang="ko-KR" sz="2800" spc="-1" strike="noStrike">
+              <a:rPr b="0" lang="en-US" sz="1400" spc="-1" strike="noStrike">
                 <a:solidFill>
-                  <a:schemeClr val="dk1"/>
+                  <a:srgbClr val="000000"/>
                 </a:solidFill>
-                <a:latin typeface="맑은 고딕"/>
+                <a:latin typeface="Noto Serif CJK KR"/>
               </a:rPr>
-              <a:t>개요 텍스트의 서식을 편집하려면 클릭하십시오</a:t>
+              <a:t>&lt;날짜/시간&gt;</a:t>
             </a:r>
-            <a:endParaRPr b="0" lang="en-US" sz="2800" spc="-1" strike="noStrike">
+            <a:endParaRPr b="0" lang="en-US" sz="1400" spc="-1" strike="noStrike">
               <a:solidFill>
-                <a:schemeClr val="dk1"/>
+                <a:srgbClr val="000000"/>
               </a:solidFill>
-              <a:latin typeface="맑은 고딕"/>
-            </a:endParaRPr>
-          </a:p>
-          <a:p>
-            <a:pPr lvl="1" marL="864000" indent="-324000">
-              <a:lnSpc>
-                <a:spcPct val="90000"/>
-              </a:lnSpc>
-              <a:spcBef>
-                <a:spcPts val="1134"/>
-              </a:spcBef>
-              <a:buClr>
-                <a:srgbClr val="000000"/>
-              </a:buClr>
-              <a:buSzPct val="75000"/>
-              <a:buFont typeface="Symbol" charset="2"/>
-              <a:buChar char=""/>
-            </a:pPr>
-            <a:r>
-              <a:rPr b="0" lang="en-US" sz="2000" spc="-1" strike="noStrike">
-                <a:solidFill>
-                  <a:schemeClr val="dk1"/>
-                </a:solidFill>
-                <a:latin typeface="맑은 고딕"/>
-              </a:rPr>
-              <a:t>2</a:t>
-            </a:r>
-            <a:r>
-              <a:rPr b="0" lang="ko-KR" sz="2000" spc="-1" strike="noStrike">
-                <a:solidFill>
-                  <a:schemeClr val="dk1"/>
-                </a:solidFill>
-                <a:latin typeface="맑은 고딕"/>
-              </a:rPr>
-              <a:t>번째 개요 수준</a:t>
-            </a:r>
-            <a:endParaRPr b="0" lang="en-US" sz="2000" spc="-1" strike="noStrike">
-              <a:solidFill>
-                <a:schemeClr val="dk1"/>
-              </a:solidFill>
-              <a:latin typeface="맑은 고딕"/>
-            </a:endParaRPr>
-          </a:p>
-          <a:p>
-            <a:pPr lvl="2" marL="1296000" indent="-288000">
-              <a:lnSpc>
-                <a:spcPct val="90000"/>
-              </a:lnSpc>
-              <a:spcBef>
-                <a:spcPts val="850"/>
-              </a:spcBef>
-              <a:buClr>
-                <a:srgbClr val="000000"/>
-              </a:buClr>
-              <a:buSzPct val="45000"/>
-              <a:buFont typeface="Wingdings" charset="2"/>
-              <a:buChar char=""/>
-            </a:pPr>
-            <a:r>
-              <a:rPr b="0" lang="en-US" sz="1800" spc="-1" strike="noStrike">
-                <a:solidFill>
-                  <a:schemeClr val="dk1"/>
-                </a:solidFill>
-                <a:latin typeface="맑은 고딕"/>
-              </a:rPr>
-              <a:t>3</a:t>
-            </a:r>
-            <a:r>
-              <a:rPr b="0" lang="ko-KR" sz="1800" spc="-1" strike="noStrike">
-                <a:solidFill>
-                  <a:schemeClr val="dk1"/>
-                </a:solidFill>
-                <a:latin typeface="맑은 고딕"/>
-              </a:rPr>
-              <a:t>번째 개요 수준</a:t>
-            </a:r>
-            <a:endParaRPr b="0" lang="en-US" sz="1800" spc="-1" strike="noStrike">
-              <a:solidFill>
-                <a:schemeClr val="dk1"/>
-              </a:solidFill>
-              <a:latin typeface="맑은 고딕"/>
-            </a:endParaRPr>
-          </a:p>
-          <a:p>
-            <a:pPr lvl="3" marL="1728000" indent="-216000">
-              <a:lnSpc>
-                <a:spcPct val="90000"/>
-              </a:lnSpc>
-              <a:spcBef>
-                <a:spcPts val="567"/>
-              </a:spcBef>
-              <a:buClr>
-                <a:srgbClr val="000000"/>
-              </a:buClr>
-              <a:buSzPct val="75000"/>
-              <a:buFont typeface="Symbol" charset="2"/>
-              <a:buChar char=""/>
-            </a:pPr>
-            <a:r>
-              <a:rPr b="0" lang="en-US" sz="1800" spc="-1" strike="noStrike">
-                <a:solidFill>
-                  <a:schemeClr val="dk1"/>
-                </a:solidFill>
-                <a:latin typeface="맑은 고딕"/>
-              </a:rPr>
-              <a:t>4</a:t>
-            </a:r>
-            <a:r>
-              <a:rPr b="0" lang="ko-KR" sz="1800" spc="-1" strike="noStrike">
-                <a:solidFill>
-                  <a:schemeClr val="dk1"/>
-                </a:solidFill>
-                <a:latin typeface="맑은 고딕"/>
-              </a:rPr>
-              <a:t>번째 개요 수준</a:t>
-            </a:r>
-            <a:endParaRPr b="0" lang="en-US" sz="1800" spc="-1" strike="noStrike">
-              <a:solidFill>
-                <a:schemeClr val="dk1"/>
-              </a:solidFill>
-              <a:latin typeface="맑은 고딕"/>
-            </a:endParaRPr>
-          </a:p>
-          <a:p>
-            <a:pPr lvl="4" marL="2160000" indent="-216000">
-              <a:lnSpc>
-                <a:spcPct val="90000"/>
-              </a:lnSpc>
-              <a:spcBef>
-                <a:spcPts val="283"/>
-              </a:spcBef>
-              <a:buClr>
-                <a:srgbClr val="000000"/>
-              </a:buClr>
-              <a:buSzPct val="45000"/>
-              <a:buFont typeface="Wingdings" charset="2"/>
-              <a:buChar char=""/>
-            </a:pPr>
-            <a:r>
-              <a:rPr b="0" lang="en-US" sz="2000" spc="-1" strike="noStrike">
-                <a:solidFill>
-                  <a:schemeClr val="dk1"/>
-                </a:solidFill>
-                <a:latin typeface="맑은 고딕"/>
-              </a:rPr>
-              <a:t>5</a:t>
-            </a:r>
-            <a:r>
-              <a:rPr b="0" lang="ko-KR" sz="2000" spc="-1" strike="noStrike">
-                <a:solidFill>
-                  <a:schemeClr val="dk1"/>
-                </a:solidFill>
-                <a:latin typeface="맑은 고딕"/>
-              </a:rPr>
-              <a:t>번째 개요 수준</a:t>
-            </a:r>
-            <a:endParaRPr b="0" lang="en-US" sz="2000" spc="-1" strike="noStrike">
-              <a:solidFill>
-                <a:schemeClr val="dk1"/>
-              </a:solidFill>
-              <a:latin typeface="맑은 고딕"/>
-            </a:endParaRPr>
-          </a:p>
-          <a:p>
-            <a:pPr lvl="5" marL="2592000" indent="-216000">
-              <a:lnSpc>
-                <a:spcPct val="90000"/>
-              </a:lnSpc>
-              <a:spcBef>
-                <a:spcPts val="283"/>
-              </a:spcBef>
-              <a:buClr>
-                <a:srgbClr val="000000"/>
-              </a:buClr>
-              <a:buSzPct val="45000"/>
-              <a:buFont typeface="Wingdings" charset="2"/>
-              <a:buChar char=""/>
-            </a:pPr>
-            <a:r>
-              <a:rPr b="0" lang="en-US" sz="2000" spc="-1" strike="noStrike">
-                <a:solidFill>
-                  <a:schemeClr val="dk1"/>
-                </a:solidFill>
-                <a:latin typeface="맑은 고딕"/>
-              </a:rPr>
-              <a:t>6</a:t>
-            </a:r>
-            <a:r>
-              <a:rPr b="0" lang="ko-KR" sz="2000" spc="-1" strike="noStrike">
-                <a:solidFill>
-                  <a:schemeClr val="dk1"/>
-                </a:solidFill>
-                <a:latin typeface="맑은 고딕"/>
-              </a:rPr>
-              <a:t>번째 개요 수준</a:t>
-            </a:r>
-            <a:endParaRPr b="0" lang="en-US" sz="2000" spc="-1" strike="noStrike">
-              <a:solidFill>
-                <a:schemeClr val="dk1"/>
-              </a:solidFill>
-              <a:latin typeface="맑은 고딕"/>
-            </a:endParaRPr>
-          </a:p>
-          <a:p>
-            <a:pPr lvl="6" marL="3024000" indent="-216000">
-              <a:lnSpc>
-                <a:spcPct val="90000"/>
-              </a:lnSpc>
-              <a:spcBef>
-                <a:spcPts val="283"/>
-              </a:spcBef>
-              <a:buClr>
-                <a:srgbClr val="000000"/>
-              </a:buClr>
-              <a:buSzPct val="45000"/>
-              <a:buFont typeface="Wingdings" charset="2"/>
-              <a:buChar char=""/>
-            </a:pPr>
-            <a:r>
-              <a:rPr b="0" lang="en-US" sz="2000" spc="-1" strike="noStrike">
-                <a:solidFill>
-                  <a:schemeClr val="dk1"/>
-                </a:solidFill>
-                <a:latin typeface="맑은 고딕"/>
-              </a:rPr>
-              <a:t>7</a:t>
-            </a:r>
-            <a:r>
-              <a:rPr b="0" lang="ko-KR" sz="2000" spc="-1" strike="noStrike">
-                <a:solidFill>
-                  <a:schemeClr val="dk1"/>
-                </a:solidFill>
-                <a:latin typeface="맑은 고딕"/>
-              </a:rPr>
-              <a:t>번째 개요 수준</a:t>
-            </a:r>
-            <a:endParaRPr b="0" lang="en-US" sz="2000" spc="-1" strike="noStrike">
-              <a:solidFill>
-                <a:schemeClr val="dk1"/>
-              </a:solidFill>
-              <a:latin typeface="맑은 고딕"/>
+              <a:latin typeface="Noto Serif CJK KR"/>
             </a:endParaRPr>
           </a:p>
         </p:txBody>
@@ -3322,7 +3900,7 @@
       </p:grpSpPr>
       <p:sp>
         <p:nvSpPr>
-          <p:cNvPr id="41" name="PlaceHolder 1"/>
+          <p:cNvPr id="43" name="PlaceHolder 1"/>
           <p:cNvSpPr>
             <a:spLocks noGrp="1"/>
           </p:cNvSpPr>
@@ -3333,7 +3911,7 @@
         <p:spPr>
           <a:xfrm>
             <a:off x="1523880" y="1936800"/>
-            <a:ext cx="9143640" cy="997200"/>
+            <a:ext cx="9143280" cy="996840"/>
           </a:xfrm>
           <a:prstGeom prst="rect">
             <a:avLst/>
@@ -3353,6 +3931,9 @@
                 <a:spcPct val="90000"/>
               </a:lnSpc>
               <a:buNone/>
+              <a:tabLst>
+                <a:tab algn="l" pos="0"/>
+              </a:tabLst>
             </a:pPr>
             <a:r>
               <a:rPr b="0" lang="en-US" sz="4000" spc="-1" strike="noStrike">
@@ -3436,22 +4017,22 @@
             </a:r>
             <a:endParaRPr b="0" lang="en-US" sz="4000" spc="-1" strike="noStrike">
               <a:solidFill>
-                <a:schemeClr val="dk1"/>
+                <a:srgbClr val="000000"/>
               </a:solidFill>
-              <a:latin typeface="맑은 고딕"/>
+              <a:latin typeface="Noto Sans CJK KR"/>
             </a:endParaRPr>
           </a:p>
         </p:txBody>
       </p:sp>
       <p:graphicFrame>
         <p:nvGraphicFramePr>
-          <p:cNvPr id="42" name="표 9"/>
+          <p:cNvPr id="44" name="표 9"/>
           <p:cNvGraphicFramePr/>
           <p:nvPr/>
         </p:nvGraphicFramePr>
         <p:xfrm>
           <a:off x="4085640" y="3923640"/>
-          <a:ext cx="4020120" cy="1690560"/>
+          <a:ext cx="4019760" cy="1690560"/>
         </p:xfrm>
         <a:graphic>
           <a:graphicData uri="http://schemas.openxmlformats.org/drawingml/2006/table">
@@ -3550,7 +4131,7 @@
                           <a:latin typeface="Noto Sans CJK KR Regular"/>
                           <a:ea typeface="Noto Sans CJK KR Regular"/>
                         </a:rPr>
-                        <a:t>v0.1</a:t>
+                        <a:t>v0.2</a:t>
                       </a:r>
                       <a:endParaRPr b="0" lang="en-US" sz="1800" spc="-1" strike="noStrike">
                         <a:solidFill>
@@ -3668,7 +4249,7 @@
                           <a:latin typeface="Noto Sans CJK KR Regular"/>
                           <a:ea typeface="Noto Sans CJK KR Regular"/>
                         </a:rPr>
-                        <a:t>2024/1/2</a:t>
+                        <a:t>2024/1/9</a:t>
                       </a:r>
                       <a:endParaRPr b="0" lang="en-US" sz="1800" spc="-1" strike="noStrike">
                         <a:solidFill>
@@ -3999,7 +4580,7 @@
       </p:grpSpPr>
       <p:sp>
         <p:nvSpPr>
-          <p:cNvPr id="105" name="PlaceHolder 1"/>
+          <p:cNvPr id="107" name="PlaceHolder 1"/>
           <p:cNvSpPr>
             <a:spLocks noGrp="1"/>
           </p:cNvSpPr>
@@ -4010,7 +4591,7 @@
         <p:spPr>
           <a:xfrm>
             <a:off x="838080" y="1825560"/>
-            <a:ext cx="10515240" cy="4350960"/>
+            <a:ext cx="10514880" cy="4350600"/>
           </a:xfrm>
           <a:prstGeom prst="rect">
             <a:avLst/>
@@ -4051,9 +4632,9 @@
             </a:r>
             <a:endParaRPr b="0" lang="en-US" sz="2800" spc="-1" strike="noStrike">
               <a:solidFill>
-                <a:schemeClr val="dk1"/>
+                <a:srgbClr val="000000"/>
               </a:solidFill>
-              <a:latin typeface="맑은 고딕"/>
+              <a:latin typeface="Noto Sans CJK KR"/>
             </a:endParaRPr>
           </a:p>
           <a:p>
@@ -4065,12 +4646,15 @@
                 <a:spcPts val="1001"/>
               </a:spcBef>
               <a:buNone/>
+              <a:tabLst>
+                <a:tab algn="l" pos="0"/>
+              </a:tabLst>
             </a:pPr>
             <a:endParaRPr b="0" lang="en-US" sz="2800" spc="-1" strike="noStrike">
               <a:solidFill>
-                <a:schemeClr val="dk1"/>
+                <a:srgbClr val="000000"/>
               </a:solidFill>
-              <a:latin typeface="맑은 고딕"/>
+              <a:latin typeface="Noto Sans CJK KR"/>
             </a:endParaRPr>
           </a:p>
           <a:p>
@@ -4086,6 +4670,9 @@
               </a:buClr>
               <a:buFont typeface="Arial"/>
               <a:buChar char="•"/>
+              <a:tabLst>
+                <a:tab algn="l" pos="0"/>
+              </a:tabLst>
             </a:pPr>
             <a:r>
               <a:rPr b="0" lang="ko-KR" sz="2800" spc="-1" strike="noStrike">
@@ -4125,9 +4712,9 @@
             </a:r>
             <a:endParaRPr b="0" lang="en-US" sz="2800" spc="-1" strike="noStrike">
               <a:solidFill>
-                <a:schemeClr val="dk1"/>
+                <a:srgbClr val="000000"/>
               </a:solidFill>
-              <a:latin typeface="맑은 고딕"/>
+              <a:latin typeface="Noto Sans CJK KR"/>
             </a:endParaRPr>
           </a:p>
           <a:p>
@@ -4143,6 +4730,9 @@
               </a:buClr>
               <a:buFont typeface="Arial"/>
               <a:buChar char="•"/>
+              <a:tabLst>
+                <a:tab algn="l" pos="0"/>
+              </a:tabLst>
             </a:pPr>
             <a:r>
               <a:rPr b="0" lang="ko-KR" sz="2800" spc="-1" strike="noStrike" u="sng">
@@ -4179,9 +4769,9 @@
             </a:r>
             <a:endParaRPr b="0" lang="en-US" sz="2800" spc="-1" strike="noStrike">
               <a:solidFill>
-                <a:schemeClr val="dk1"/>
+                <a:srgbClr val="000000"/>
               </a:solidFill>
-              <a:latin typeface="맑은 고딕"/>
+              <a:latin typeface="Noto Sans CJK KR"/>
             </a:endParaRPr>
           </a:p>
           <a:p>
@@ -4197,6 +4787,9 @@
               </a:buClr>
               <a:buFont typeface="Arial"/>
               <a:buChar char="•"/>
+              <a:tabLst>
+                <a:tab algn="l" pos="0"/>
+              </a:tabLst>
             </a:pPr>
             <a:r>
               <a:rPr b="0" lang="ko-KR" sz="2800" spc="-1" strike="noStrike" u="sng">
@@ -4222,9 +4815,9 @@
             </a:r>
             <a:endParaRPr b="0" lang="en-US" sz="2800" spc="-1" strike="noStrike">
               <a:solidFill>
-                <a:schemeClr val="dk1"/>
+                <a:srgbClr val="000000"/>
               </a:solidFill>
-              <a:latin typeface="맑은 고딕"/>
+              <a:latin typeface="Noto Sans CJK KR"/>
             </a:endParaRPr>
           </a:p>
           <a:p>
@@ -4240,6 +4833,9 @@
               </a:buClr>
               <a:buFont typeface="Arial"/>
               <a:buChar char="•"/>
+              <a:tabLst>
+                <a:tab algn="l" pos="0"/>
+              </a:tabLst>
             </a:pPr>
             <a:r>
               <a:rPr b="0" lang="en-US" sz="2800" spc="-1" strike="noStrike" u="sng">
@@ -4276,9 +4872,9 @@
             </a:r>
             <a:endParaRPr b="0" lang="en-US" sz="2800" spc="-1" strike="noStrike">
               <a:solidFill>
-                <a:schemeClr val="dk1"/>
+                <a:srgbClr val="000000"/>
               </a:solidFill>
-              <a:latin typeface="맑은 고딕"/>
+              <a:latin typeface="Noto Sans CJK KR"/>
             </a:endParaRPr>
           </a:p>
         </p:txBody>
@@ -4315,7 +4911,7 @@
       </p:grpSpPr>
       <p:sp>
         <p:nvSpPr>
-          <p:cNvPr id="43" name="PlaceHolder 1"/>
+          <p:cNvPr id="45" name="PlaceHolder 1"/>
           <p:cNvSpPr>
             <a:spLocks noGrp="1"/>
           </p:cNvSpPr>
@@ -4326,7 +4922,7 @@
         <p:spPr>
           <a:xfrm>
             <a:off x="838080" y="365040"/>
-            <a:ext cx="10515240" cy="735480"/>
+            <a:ext cx="10514880" cy="735120"/>
           </a:xfrm>
           <a:prstGeom prst="rect">
             <a:avLst/>
@@ -4346,6 +4942,9 @@
                 <a:spcPct val="90000"/>
               </a:lnSpc>
               <a:buNone/>
+              <a:tabLst>
+                <a:tab algn="l" pos="0"/>
+              </a:tabLst>
             </a:pPr>
             <a:r>
               <a:rPr b="0" lang="en-US" sz="3600" spc="-1" strike="noStrike">
@@ -4355,7 +4954,7 @@
                 <a:latin typeface="Noto Sans CJK KR Regular"/>
                 <a:ea typeface="Noto Sans CJK KR Regular"/>
               </a:rPr>
-              <a:t>His</a:t>
+              <a:t>Hist</a:t>
             </a:r>
             <a:r>
               <a:rPr b="0" lang="en-US" sz="3600" spc="-1" strike="noStrike">
@@ -4365,26 +4964,26 @@
                 <a:latin typeface="Noto Sans CJK KR Regular"/>
                 <a:ea typeface="Noto Sans CJK KR Regular"/>
               </a:rPr>
-              <a:t>tory</a:t>
+              <a:t>ory</a:t>
             </a:r>
             <a:endParaRPr b="0" lang="en-US" sz="3600" spc="-1" strike="noStrike">
               <a:solidFill>
-                <a:schemeClr val="dk1"/>
+                <a:srgbClr val="000000"/>
               </a:solidFill>
-              <a:latin typeface="맑은 고딕"/>
+              <a:latin typeface="Noto Sans CJK KR"/>
             </a:endParaRPr>
           </a:p>
         </p:txBody>
       </p:sp>
       <p:graphicFrame>
         <p:nvGraphicFramePr>
-          <p:cNvPr id="44" name="표 4"/>
+          <p:cNvPr id="46" name="표 4"/>
           <p:cNvGraphicFramePr/>
           <p:nvPr/>
         </p:nvGraphicFramePr>
         <p:xfrm>
           <a:off x="838080" y="1825560"/>
-          <a:ext cx="10515240" cy="4215600"/>
+          <a:ext cx="10514520" cy="4215600"/>
         </p:xfrm>
         <a:graphic>
           <a:graphicData uri="http://schemas.openxmlformats.org/drawingml/2006/table">
@@ -4433,8 +5032,9 @@
                       </a:solidFill>
                       <a:prstDash val="solid"/>
                     </a:lnL>
-                    <a:lnR>
-                      <a:noFill/>
+                    <a:lnR w="12240">
+                      <a:noFill/>
+                      <a:prstDash val="solid"/>
                     </a:lnR>
                     <a:lnT w="6480">
                       <a:solidFill>
@@ -4442,8 +5042,9 @@
                       </a:solidFill>
                       <a:prstDash val="solid"/>
                     </a:lnT>
-                    <a:lnB>
-                      <a:noFill/>
+                    <a:lnB w="12240">
+                      <a:noFill/>
+                      <a:prstDash val="solid"/>
                     </a:lnB>
                     <a:solidFill>
                       <a:srgbClr val="a5a5a5"/>
@@ -4480,11 +5081,13 @@
                     </a:p>
                   </a:txBody>
                   <a:tcPr anchor="t" marL="91440" marR="91440">
-                    <a:lnL>
-                      <a:noFill/>
-                    </a:lnL>
-                    <a:lnR>
-                      <a:noFill/>
+                    <a:lnL w="12240">
+                      <a:noFill/>
+                      <a:prstDash val="solid"/>
+                    </a:lnL>
+                    <a:lnR w="12240">
+                      <a:noFill/>
+                      <a:prstDash val="solid"/>
                     </a:lnR>
                     <a:lnT w="6480">
                       <a:solidFill>
@@ -4492,8 +5095,9 @@
                       </a:solidFill>
                       <a:prstDash val="solid"/>
                     </a:lnT>
-                    <a:lnB>
-                      <a:noFill/>
+                    <a:lnB w="12240">
+                      <a:noFill/>
+                      <a:prstDash val="solid"/>
                     </a:lnB>
                     <a:solidFill>
                       <a:srgbClr val="a5a5a5"/>
@@ -4530,11 +5134,13 @@
                     </a:p>
                   </a:txBody>
                   <a:tcPr anchor="t" marL="91440" marR="91440">
-                    <a:lnL>
-                      <a:noFill/>
-                    </a:lnL>
-                    <a:lnR>
-                      <a:noFill/>
+                    <a:lnL w="12240">
+                      <a:noFill/>
+                      <a:prstDash val="solid"/>
+                    </a:lnL>
+                    <a:lnR w="12240">
+                      <a:noFill/>
+                      <a:prstDash val="solid"/>
                     </a:lnR>
                     <a:lnT w="6480">
                       <a:solidFill>
@@ -4542,8 +5148,9 @@
                       </a:solidFill>
                       <a:prstDash val="solid"/>
                     </a:lnT>
-                    <a:lnB>
-                      <a:noFill/>
+                    <a:lnB w="12240">
+                      <a:noFill/>
+                      <a:prstDash val="solid"/>
                     </a:lnB>
                     <a:solidFill>
                       <a:srgbClr val="a5a5a5"/>
@@ -4580,8 +5187,9 @@
                     </a:p>
                   </a:txBody>
                   <a:tcPr anchor="t" marL="91440" marR="91440">
-                    <a:lnL>
-                      <a:noFill/>
+                    <a:lnL w="12240">
+                      <a:noFill/>
+                      <a:prstDash val="solid"/>
                     </a:lnL>
                     <a:lnR w="6480">
                       <a:solidFill>
@@ -4595,8 +5203,9 @@
                       </a:solidFill>
                       <a:prstDash val="solid"/>
                     </a:lnT>
-                    <a:lnB>
-                      <a:noFill/>
+                    <a:lnB w="12240">
+                      <a:noFill/>
+                      <a:prstDash val="solid"/>
                     </a:lnB>
                     <a:solidFill>
                       <a:srgbClr val="a5a5a5"/>
@@ -4641,8 +5250,9 @@
                       </a:solidFill>
                       <a:prstDash val="solid"/>
                     </a:lnL>
-                    <a:lnR>
-                      <a:noFill/>
+                    <a:lnR w="12240">
+                      <a:noFill/>
+                      <a:prstDash val="solid"/>
                     </a:lnR>
                     <a:lnT w="6480">
                       <a:solidFill>
@@ -4689,11 +5299,13 @@
                     </a:p>
                   </a:txBody>
                   <a:tcPr anchor="t" marL="91440" marR="91440">
-                    <a:lnL>
-                      <a:noFill/>
-                    </a:lnL>
-                    <a:lnR>
-                      <a:noFill/>
+                    <a:lnL w="12240">
+                      <a:noFill/>
+                      <a:prstDash val="solid"/>
+                    </a:lnL>
+                    <a:lnR w="12240">
+                      <a:noFill/>
+                      <a:prstDash val="solid"/>
                     </a:lnR>
                     <a:lnT w="6480">
                       <a:solidFill>
@@ -4740,11 +5352,13 @@
                     </a:p>
                   </a:txBody>
                   <a:tcPr anchor="t" marL="91440" marR="91440">
-                    <a:lnL>
-                      <a:noFill/>
-                    </a:lnL>
-                    <a:lnR>
-                      <a:noFill/>
+                    <a:lnL w="12240">
+                      <a:noFill/>
+                      <a:prstDash val="solid"/>
+                    </a:lnL>
+                    <a:lnR w="12240">
+                      <a:noFill/>
+                      <a:prstDash val="solid"/>
                     </a:lnR>
                     <a:lnT w="6480">
                       <a:solidFill>
@@ -4791,8 +5405,9 @@
                     </a:p>
                   </a:txBody>
                   <a:tcPr anchor="t" marL="91440" marR="91440">
-                    <a:lnL>
-                      <a:noFill/>
+                    <a:lnL w="12240">
+                      <a:noFill/>
+                      <a:prstDash val="solid"/>
                     </a:lnL>
                     <a:lnR w="6480">
                       <a:solidFill>
@@ -4823,12 +5438,26 @@
                       <a:noAutofit/>
                     </a:bodyPr>
                     <a:p>
+                      <a:pPr algn="ctr" defTabSz="914400">
+                        <a:lnSpc>
+                          <a:spcPct val="100000"/>
+                        </a:lnSpc>
+                      </a:pPr>
+                      <a:r>
+                        <a:rPr b="0" lang="en-US" sz="1600" spc="-1" strike="noStrike">
+                          <a:solidFill>
+                            <a:schemeClr val="dk1"/>
+                          </a:solidFill>
+                          <a:latin typeface="Noto Sans CJK KR Regular"/>
+                          <a:ea typeface="Noto Sans CJK KR Regular"/>
+                        </a:rPr>
+                        <a:t>v0.2</a:t>
+                      </a:r>
                       <a:endParaRPr b="0" lang="en-US" sz="1600" spc="-1" strike="noStrike">
                         <a:solidFill>
-                          <a:schemeClr val="dk1"/>
-                        </a:solidFill>
-                        <a:latin typeface="Noto Sans CJK KR Regular"/>
-                        <a:ea typeface="Noto Sans CJK KR Regular"/>
+                          <a:srgbClr val="000000"/>
+                        </a:solidFill>
+                        <a:latin typeface="Noto Serif CJK KR"/>
                       </a:endParaRPr>
                     </a:p>
                   </a:txBody>
@@ -4839,14 +5468,21 @@
                       </a:solidFill>
                       <a:prstDash val="solid"/>
                     </a:lnL>
-                    <a:lnR>
-                      <a:noFill/>
-                    </a:lnR>
-                    <a:lnT>
-                      <a:noFill/>
-                    </a:lnT>
-                    <a:lnB>
-                      <a:noFill/>
+                    <a:lnR w="12240">
+                      <a:noFill/>
+                      <a:prstDash val="solid"/>
+                    </a:lnR>
+                    <a:lnT w="6480">
+                      <a:solidFill>
+                        <a:srgbClr val="a5a5a5"/>
+                      </a:solidFill>
+                      <a:prstDash val="solid"/>
+                    </a:lnT>
+                    <a:lnB w="6480">
+                      <a:solidFill>
+                        <a:srgbClr val="a5a5a5"/>
+                      </a:solidFill>
+                      <a:prstDash val="solid"/>
                     </a:lnB>
                     <a:noFill/>
                   </a:tcPr>
@@ -4857,27 +5493,49 @@
                       <a:noAutofit/>
                     </a:bodyPr>
                     <a:p>
+                      <a:pPr algn="ctr" defTabSz="914400">
+                        <a:lnSpc>
+                          <a:spcPct val="100000"/>
+                        </a:lnSpc>
+                      </a:pPr>
+                      <a:r>
+                        <a:rPr b="0" lang="en-US" sz="1600" spc="-1" strike="noStrike">
+                          <a:solidFill>
+                            <a:schemeClr val="dk1"/>
+                          </a:solidFill>
+                          <a:latin typeface="Noto Sans CJK KR Regular"/>
+                          <a:ea typeface="Noto Sans CJK KR Regular"/>
+                        </a:rPr>
+                        <a:t>2023/1/9</a:t>
+                      </a:r>
                       <a:endParaRPr b="0" lang="en-US" sz="1600" spc="-1" strike="noStrike">
                         <a:solidFill>
-                          <a:schemeClr val="dk1"/>
-                        </a:solidFill>
-                        <a:latin typeface="Noto Sans CJK KR Regular"/>
-                        <a:ea typeface="Noto Sans CJK KR Regular"/>
+                          <a:srgbClr val="000000"/>
+                        </a:solidFill>
+                        <a:latin typeface="Noto Serif CJK KR"/>
                       </a:endParaRPr>
                     </a:p>
                   </a:txBody>
                   <a:tcPr anchor="t" marL="91440" marR="91440">
-                    <a:lnL>
-                      <a:noFill/>
-                    </a:lnL>
-                    <a:lnR>
-                      <a:noFill/>
-                    </a:lnR>
-                    <a:lnT>
-                      <a:noFill/>
-                    </a:lnT>
-                    <a:lnB>
-                      <a:noFill/>
+                    <a:lnL w="12240">
+                      <a:noFill/>
+                      <a:prstDash val="solid"/>
+                    </a:lnL>
+                    <a:lnR w="12240">
+                      <a:noFill/>
+                      <a:prstDash val="solid"/>
+                    </a:lnR>
+                    <a:lnT w="6480">
+                      <a:solidFill>
+                        <a:srgbClr val="a5a5a5"/>
+                      </a:solidFill>
+                      <a:prstDash val="solid"/>
+                    </a:lnT>
+                    <a:lnB w="6480">
+                      <a:solidFill>
+                        <a:srgbClr val="a5a5a5"/>
+                      </a:solidFill>
+                      <a:prstDash val="solid"/>
                     </a:lnB>
                     <a:noFill/>
                   </a:tcPr>
@@ -4888,27 +5546,69 @@
                       <a:noAutofit/>
                     </a:bodyPr>
                     <a:p>
+                      <a:pPr defTabSz="914400">
+                        <a:lnSpc>
+                          <a:spcPct val="100000"/>
+                        </a:lnSpc>
+                      </a:pPr>
+                      <a:r>
+                        <a:rPr b="0" lang="ko-KR" sz="1600" spc="-1" strike="noStrike">
+                          <a:solidFill>
+                            <a:schemeClr val="dk1"/>
+                          </a:solidFill>
+                          <a:latin typeface="Noto Sans CJK KR Regular"/>
+                          <a:ea typeface="Noto Sans CJK KR Regular"/>
+                        </a:rPr>
+                        <a:t>화면 설명 추가 및 수정</a:t>
+                      </a:r>
+                      <a:r>
+                        <a:rPr b="0" lang="en-US" sz="1600" spc="-1" strike="noStrike">
+                          <a:solidFill>
+                            <a:schemeClr val="dk1"/>
+                          </a:solidFill>
+                          <a:latin typeface="Noto Sans CJK KR Regular"/>
+                          <a:ea typeface="Noto Sans CJK KR Regular"/>
+                        </a:rPr>
+                        <a:t>, </a:t>
+                      </a:r>
+                      <a:r>
+                        <a:rPr b="0" lang="ko-KR" sz="1600" spc="-1" strike="noStrike">
+                          <a:solidFill>
+                            <a:schemeClr val="dk1"/>
+                          </a:solidFill>
+                          <a:latin typeface="Noto Sans CJK KR Regular"/>
+                          <a:ea typeface="Noto Sans CJK KR Regular"/>
+                        </a:rPr>
+                        <a:t>로그인 기능 추가</a:t>
+                      </a:r>
                       <a:endParaRPr b="0" lang="en-US" sz="1600" spc="-1" strike="noStrike">
                         <a:solidFill>
-                          <a:schemeClr val="dk1"/>
-                        </a:solidFill>
-                        <a:latin typeface="Noto Sans CJK KR Regular"/>
-                        <a:ea typeface="Noto Sans CJK KR Regular"/>
+                          <a:srgbClr val="000000"/>
+                        </a:solidFill>
+                        <a:latin typeface="Noto Serif CJK KR"/>
                       </a:endParaRPr>
                     </a:p>
                   </a:txBody>
                   <a:tcPr anchor="t" marL="91440" marR="91440">
-                    <a:lnL>
-                      <a:noFill/>
-                    </a:lnL>
-                    <a:lnR>
-                      <a:noFill/>
-                    </a:lnR>
-                    <a:lnT>
-                      <a:noFill/>
-                    </a:lnT>
-                    <a:lnB>
-                      <a:noFill/>
+                    <a:lnL w="12240">
+                      <a:noFill/>
+                      <a:prstDash val="solid"/>
+                    </a:lnL>
+                    <a:lnR w="12240">
+                      <a:noFill/>
+                      <a:prstDash val="solid"/>
+                    </a:lnR>
+                    <a:lnT w="6480">
+                      <a:solidFill>
+                        <a:srgbClr val="a5a5a5"/>
+                      </a:solidFill>
+                      <a:prstDash val="solid"/>
+                    </a:lnT>
+                    <a:lnB w="6480">
+                      <a:solidFill>
+                        <a:srgbClr val="a5a5a5"/>
+                      </a:solidFill>
+                      <a:prstDash val="solid"/>
                     </a:lnB>
                     <a:noFill/>
                   </a:tcPr>
@@ -4919,18 +5619,33 @@
                       <a:noAutofit/>
                     </a:bodyPr>
                     <a:p>
+                      <a:pPr algn="ctr" defTabSz="914400">
+                        <a:lnSpc>
+                          <a:spcPct val="100000"/>
+                        </a:lnSpc>
+                      </a:pPr>
+                      <a:r>
+                        <a:rPr b="0" lang="ko-KR" sz="1600" spc="-1" strike="noStrike">
+                          <a:solidFill>
+                            <a:schemeClr val="dk1"/>
+                          </a:solidFill>
+                          <a:latin typeface="Noto Sans CJK KR Regular"/>
+                          <a:ea typeface="Noto Sans CJK KR Regular"/>
+                        </a:rPr>
+                        <a:t>안승환</a:t>
+                      </a:r>
                       <a:endParaRPr b="0" lang="en-US" sz="1600" spc="-1" strike="noStrike">
                         <a:solidFill>
-                          <a:schemeClr val="dk1"/>
-                        </a:solidFill>
-                        <a:latin typeface="Noto Sans CJK KR Regular"/>
-                        <a:ea typeface="Noto Sans CJK KR Regular"/>
+                          <a:srgbClr val="000000"/>
+                        </a:solidFill>
+                        <a:latin typeface="Noto Serif CJK KR"/>
                       </a:endParaRPr>
                     </a:p>
                   </a:txBody>
                   <a:tcPr anchor="t" marL="91440" marR="91440">
-                    <a:lnL>
-                      <a:noFill/>
+                    <a:lnL w="12240">
+                      <a:noFill/>
+                      <a:prstDash val="solid"/>
                     </a:lnL>
                     <a:lnR w="6480">
                       <a:solidFill>
@@ -4938,11 +5653,17 @@
                       </a:solidFill>
                       <a:prstDash val="solid"/>
                     </a:lnR>
-                    <a:lnT>
-                      <a:noFill/>
-                    </a:lnT>
-                    <a:lnB>
-                      <a:noFill/>
+                    <a:lnT w="6480">
+                      <a:solidFill>
+                        <a:srgbClr val="a5a5a5"/>
+                      </a:solidFill>
+                      <a:prstDash val="solid"/>
+                    </a:lnT>
+                    <a:lnB w="6480">
+                      <a:solidFill>
+                        <a:srgbClr val="a5a5a5"/>
+                      </a:solidFill>
+                      <a:prstDash val="solid"/>
                     </a:lnB>
                     <a:noFill/>
                   </a:tcPr>
@@ -4971,8 +5692,9 @@
                       </a:solidFill>
                       <a:prstDash val="solid"/>
                     </a:lnL>
-                    <a:lnR>
-                      <a:noFill/>
+                    <a:lnR w="12240">
+                      <a:noFill/>
+                      <a:prstDash val="solid"/>
                     </a:lnR>
                     <a:lnT w="6480">
                       <a:solidFill>
@@ -5005,11 +5727,13 @@
                     </a:p>
                   </a:txBody>
                   <a:tcPr anchor="t" marL="91440" marR="91440">
-                    <a:lnL>
-                      <a:noFill/>
-                    </a:lnL>
-                    <a:lnR>
-                      <a:noFill/>
+                    <a:lnL w="12240">
+                      <a:noFill/>
+                      <a:prstDash val="solid"/>
+                    </a:lnL>
+                    <a:lnR w="12240">
+                      <a:noFill/>
+                      <a:prstDash val="solid"/>
                     </a:lnR>
                     <a:lnT w="6480">
                       <a:solidFill>
@@ -5042,11 +5766,13 @@
                     </a:p>
                   </a:txBody>
                   <a:tcPr anchor="t" marL="91440" marR="91440">
-                    <a:lnL>
-                      <a:noFill/>
-                    </a:lnL>
-                    <a:lnR>
-                      <a:noFill/>
+                    <a:lnL w="12240">
+                      <a:noFill/>
+                      <a:prstDash val="solid"/>
+                    </a:lnL>
+                    <a:lnR w="12240">
+                      <a:noFill/>
+                      <a:prstDash val="solid"/>
                     </a:lnR>
                     <a:lnT w="6480">
                       <a:solidFill>
@@ -5079,8 +5805,9 @@
                     </a:p>
                   </a:txBody>
                   <a:tcPr anchor="t" marL="91440" marR="91440">
-                    <a:lnL>
-                      <a:noFill/>
+                    <a:lnL w="12240">
+                      <a:noFill/>
+                      <a:prstDash val="solid"/>
                     </a:lnL>
                     <a:lnR w="6480">
                       <a:solidFill>
@@ -5127,14 +5854,17 @@
                       </a:solidFill>
                       <a:prstDash val="solid"/>
                     </a:lnL>
-                    <a:lnR>
-                      <a:noFill/>
-                    </a:lnR>
-                    <a:lnT>
-                      <a:noFill/>
-                    </a:lnT>
-                    <a:lnB>
-                      <a:noFill/>
+                    <a:lnR w="12240">
+                      <a:noFill/>
+                      <a:prstDash val="solid"/>
+                    </a:lnR>
+                    <a:lnT w="12240">
+                      <a:noFill/>
+                      <a:prstDash val="solid"/>
+                    </a:lnT>
+                    <a:lnB w="12240">
+                      <a:noFill/>
+                      <a:prstDash val="solid"/>
                     </a:lnB>
                     <a:noFill/>
                   </a:tcPr>
@@ -5155,17 +5885,21 @@
                     </a:p>
                   </a:txBody>
                   <a:tcPr anchor="t" marL="91440" marR="91440">
-                    <a:lnL>
-                      <a:noFill/>
-                    </a:lnL>
-                    <a:lnR>
-                      <a:noFill/>
-                    </a:lnR>
-                    <a:lnT>
-                      <a:noFill/>
-                    </a:lnT>
-                    <a:lnB>
-                      <a:noFill/>
+                    <a:lnL w="12240">
+                      <a:noFill/>
+                      <a:prstDash val="solid"/>
+                    </a:lnL>
+                    <a:lnR w="12240">
+                      <a:noFill/>
+                      <a:prstDash val="solid"/>
+                    </a:lnR>
+                    <a:lnT w="12240">
+                      <a:noFill/>
+                      <a:prstDash val="solid"/>
+                    </a:lnT>
+                    <a:lnB w="12240">
+                      <a:noFill/>
+                      <a:prstDash val="solid"/>
                     </a:lnB>
                     <a:noFill/>
                   </a:tcPr>
@@ -5186,17 +5920,21 @@
                     </a:p>
                   </a:txBody>
                   <a:tcPr anchor="t" marL="91440" marR="91440">
-                    <a:lnL>
-                      <a:noFill/>
-                    </a:lnL>
-                    <a:lnR>
-                      <a:noFill/>
-                    </a:lnR>
-                    <a:lnT>
-                      <a:noFill/>
-                    </a:lnT>
-                    <a:lnB>
-                      <a:noFill/>
+                    <a:lnL w="12240">
+                      <a:noFill/>
+                      <a:prstDash val="solid"/>
+                    </a:lnL>
+                    <a:lnR w="12240">
+                      <a:noFill/>
+                      <a:prstDash val="solid"/>
+                    </a:lnR>
+                    <a:lnT w="12240">
+                      <a:noFill/>
+                      <a:prstDash val="solid"/>
+                    </a:lnT>
+                    <a:lnB w="12240">
+                      <a:noFill/>
+                      <a:prstDash val="solid"/>
                     </a:lnB>
                     <a:noFill/>
                   </a:tcPr>
@@ -5217,8 +5955,9 @@
                     </a:p>
                   </a:txBody>
                   <a:tcPr anchor="t" marL="91440" marR="91440">
-                    <a:lnL>
-                      <a:noFill/>
+                    <a:lnL w="12240">
+                      <a:noFill/>
+                      <a:prstDash val="solid"/>
                     </a:lnL>
                     <a:lnR w="6480">
                       <a:solidFill>
@@ -5226,11 +5965,13 @@
                       </a:solidFill>
                       <a:prstDash val="solid"/>
                     </a:lnR>
-                    <a:lnT>
-                      <a:noFill/>
-                    </a:lnT>
-                    <a:lnB>
-                      <a:noFill/>
+                    <a:lnT w="12240">
+                      <a:noFill/>
+                      <a:prstDash val="solid"/>
+                    </a:lnT>
+                    <a:lnB w="12240">
+                      <a:noFill/>
+                      <a:prstDash val="solid"/>
                     </a:lnB>
                     <a:noFill/>
                   </a:tcPr>
@@ -5259,8 +6000,9 @@
                       </a:solidFill>
                       <a:prstDash val="solid"/>
                     </a:lnL>
-                    <a:lnR>
-                      <a:noFill/>
+                    <a:lnR w="12240">
+                      <a:noFill/>
+                      <a:prstDash val="solid"/>
                     </a:lnR>
                     <a:lnT w="6480">
                       <a:solidFill>
@@ -5293,11 +6035,13 @@
                     </a:p>
                   </a:txBody>
                   <a:tcPr anchor="t" marL="91440" marR="91440">
-                    <a:lnL>
-                      <a:noFill/>
-                    </a:lnL>
-                    <a:lnR>
-                      <a:noFill/>
+                    <a:lnL w="12240">
+                      <a:noFill/>
+                      <a:prstDash val="solid"/>
+                    </a:lnL>
+                    <a:lnR w="12240">
+                      <a:noFill/>
+                      <a:prstDash val="solid"/>
                     </a:lnR>
                     <a:lnT w="6480">
                       <a:solidFill>
@@ -5330,11 +6074,13 @@
                     </a:p>
                   </a:txBody>
                   <a:tcPr anchor="t" marL="91440" marR="91440">
-                    <a:lnL>
-                      <a:noFill/>
-                    </a:lnL>
-                    <a:lnR>
-                      <a:noFill/>
+                    <a:lnL w="12240">
+                      <a:noFill/>
+                      <a:prstDash val="solid"/>
+                    </a:lnL>
+                    <a:lnR w="12240">
+                      <a:noFill/>
+                      <a:prstDash val="solid"/>
                     </a:lnR>
                     <a:lnT w="6480">
                       <a:solidFill>
@@ -5367,8 +6113,9 @@
                     </a:p>
                   </a:txBody>
                   <a:tcPr anchor="t" marL="91440" marR="91440">
-                    <a:lnL>
-                      <a:noFill/>
+                    <a:lnL w="12240">
+                      <a:noFill/>
+                      <a:prstDash val="solid"/>
                     </a:lnL>
                     <a:lnR w="6480">
                       <a:solidFill>
@@ -5415,14 +6162,17 @@
                       </a:solidFill>
                       <a:prstDash val="solid"/>
                     </a:lnL>
-                    <a:lnR>
-                      <a:noFill/>
-                    </a:lnR>
-                    <a:lnT>
-                      <a:noFill/>
-                    </a:lnT>
-                    <a:lnB>
-                      <a:noFill/>
+                    <a:lnR w="12240">
+                      <a:noFill/>
+                      <a:prstDash val="solid"/>
+                    </a:lnR>
+                    <a:lnT w="12240">
+                      <a:noFill/>
+                      <a:prstDash val="solid"/>
+                    </a:lnT>
+                    <a:lnB w="12240">
+                      <a:noFill/>
+                      <a:prstDash val="solid"/>
                     </a:lnB>
                     <a:noFill/>
                   </a:tcPr>
@@ -5443,17 +6193,21 @@
                     </a:p>
                   </a:txBody>
                   <a:tcPr anchor="t" marL="91440" marR="91440">
-                    <a:lnL>
-                      <a:noFill/>
-                    </a:lnL>
-                    <a:lnR>
-                      <a:noFill/>
-                    </a:lnR>
-                    <a:lnT>
-                      <a:noFill/>
-                    </a:lnT>
-                    <a:lnB>
-                      <a:noFill/>
+                    <a:lnL w="12240">
+                      <a:noFill/>
+                      <a:prstDash val="solid"/>
+                    </a:lnL>
+                    <a:lnR w="12240">
+                      <a:noFill/>
+                      <a:prstDash val="solid"/>
+                    </a:lnR>
+                    <a:lnT w="12240">
+                      <a:noFill/>
+                      <a:prstDash val="solid"/>
+                    </a:lnT>
+                    <a:lnB w="12240">
+                      <a:noFill/>
+                      <a:prstDash val="solid"/>
                     </a:lnB>
                     <a:noFill/>
                   </a:tcPr>
@@ -5474,17 +6228,21 @@
                     </a:p>
                   </a:txBody>
                   <a:tcPr anchor="t" marL="91440" marR="91440">
-                    <a:lnL>
-                      <a:noFill/>
-                    </a:lnL>
-                    <a:lnR>
-                      <a:noFill/>
-                    </a:lnR>
-                    <a:lnT>
-                      <a:noFill/>
-                    </a:lnT>
-                    <a:lnB>
-                      <a:noFill/>
+                    <a:lnL w="12240">
+                      <a:noFill/>
+                      <a:prstDash val="solid"/>
+                    </a:lnL>
+                    <a:lnR w="12240">
+                      <a:noFill/>
+                      <a:prstDash val="solid"/>
+                    </a:lnR>
+                    <a:lnT w="12240">
+                      <a:noFill/>
+                      <a:prstDash val="solid"/>
+                    </a:lnT>
+                    <a:lnB w="12240">
+                      <a:noFill/>
+                      <a:prstDash val="solid"/>
                     </a:lnB>
                     <a:noFill/>
                   </a:tcPr>
@@ -5505,8 +6263,9 @@
                     </a:p>
                   </a:txBody>
                   <a:tcPr anchor="t" marL="91440" marR="91440">
-                    <a:lnL>
-                      <a:noFill/>
+                    <a:lnL w="12240">
+                      <a:noFill/>
+                      <a:prstDash val="solid"/>
                     </a:lnL>
                     <a:lnR w="6480">
                       <a:solidFill>
@@ -5514,11 +6273,13 @@
                       </a:solidFill>
                       <a:prstDash val="solid"/>
                     </a:lnR>
-                    <a:lnT>
-                      <a:noFill/>
-                    </a:lnT>
-                    <a:lnB>
-                      <a:noFill/>
+                    <a:lnT w="12240">
+                      <a:noFill/>
+                      <a:prstDash val="solid"/>
+                    </a:lnT>
+                    <a:lnB w="12240">
+                      <a:noFill/>
+                      <a:prstDash val="solid"/>
                     </a:lnB>
                     <a:noFill/>
                   </a:tcPr>
@@ -5547,8 +6308,9 @@
                       </a:solidFill>
                       <a:prstDash val="solid"/>
                     </a:lnL>
-                    <a:lnR>
-                      <a:noFill/>
+                    <a:lnR w="12240">
+                      <a:noFill/>
+                      <a:prstDash val="solid"/>
                     </a:lnR>
                     <a:lnT w="6480">
                       <a:solidFill>
@@ -5581,11 +6343,13 @@
                     </a:p>
                   </a:txBody>
                   <a:tcPr anchor="t" marL="91440" marR="91440">
-                    <a:lnL>
-                      <a:noFill/>
-                    </a:lnL>
-                    <a:lnR>
-                      <a:noFill/>
+                    <a:lnL w="12240">
+                      <a:noFill/>
+                      <a:prstDash val="solid"/>
+                    </a:lnL>
+                    <a:lnR w="12240">
+                      <a:noFill/>
+                      <a:prstDash val="solid"/>
                     </a:lnR>
                     <a:lnT w="6480">
                       <a:solidFill>
@@ -5618,11 +6382,13 @@
                     </a:p>
                   </a:txBody>
                   <a:tcPr anchor="t" marL="91440" marR="91440">
-                    <a:lnL>
-                      <a:noFill/>
-                    </a:lnL>
-                    <a:lnR>
-                      <a:noFill/>
+                    <a:lnL w="12240">
+                      <a:noFill/>
+                      <a:prstDash val="solid"/>
+                    </a:lnL>
+                    <a:lnR w="12240">
+                      <a:noFill/>
+                      <a:prstDash val="solid"/>
                     </a:lnR>
                     <a:lnT w="6480">
                       <a:solidFill>
@@ -5655,8 +6421,9 @@
                     </a:p>
                   </a:txBody>
                   <a:tcPr anchor="t" marL="91440" marR="91440">
-                    <a:lnL>
-                      <a:noFill/>
+                    <a:lnL w="12240">
+                      <a:noFill/>
+                      <a:prstDash val="solid"/>
                     </a:lnL>
                     <a:lnR w="6480">
                       <a:solidFill>
@@ -5703,14 +6470,17 @@
                       </a:solidFill>
                       <a:prstDash val="solid"/>
                     </a:lnL>
-                    <a:lnR>
-                      <a:noFill/>
-                    </a:lnR>
-                    <a:lnT>
-                      <a:noFill/>
-                    </a:lnT>
-                    <a:lnB>
-                      <a:noFill/>
+                    <a:lnR w="12240">
+                      <a:noFill/>
+                      <a:prstDash val="solid"/>
+                    </a:lnR>
+                    <a:lnT w="12240">
+                      <a:noFill/>
+                      <a:prstDash val="solid"/>
+                    </a:lnT>
+                    <a:lnB w="12240">
+                      <a:noFill/>
+                      <a:prstDash val="solid"/>
                     </a:lnB>
                     <a:noFill/>
                   </a:tcPr>
@@ -5731,17 +6501,21 @@
                     </a:p>
                   </a:txBody>
                   <a:tcPr anchor="t" marL="91440" marR="91440">
-                    <a:lnL>
-                      <a:noFill/>
-                    </a:lnL>
-                    <a:lnR>
-                      <a:noFill/>
-                    </a:lnR>
-                    <a:lnT>
-                      <a:noFill/>
-                    </a:lnT>
-                    <a:lnB>
-                      <a:noFill/>
+                    <a:lnL w="12240">
+                      <a:noFill/>
+                      <a:prstDash val="solid"/>
+                    </a:lnL>
+                    <a:lnR w="12240">
+                      <a:noFill/>
+                      <a:prstDash val="solid"/>
+                    </a:lnR>
+                    <a:lnT w="12240">
+                      <a:noFill/>
+                      <a:prstDash val="solid"/>
+                    </a:lnT>
+                    <a:lnB w="12240">
+                      <a:noFill/>
+                      <a:prstDash val="solid"/>
                     </a:lnB>
                     <a:noFill/>
                   </a:tcPr>
@@ -5762,17 +6536,21 @@
                     </a:p>
                   </a:txBody>
                   <a:tcPr anchor="t" marL="91440" marR="91440">
-                    <a:lnL>
-                      <a:noFill/>
-                    </a:lnL>
-                    <a:lnR>
-                      <a:noFill/>
-                    </a:lnR>
-                    <a:lnT>
-                      <a:noFill/>
-                    </a:lnT>
-                    <a:lnB>
-                      <a:noFill/>
+                    <a:lnL w="12240">
+                      <a:noFill/>
+                      <a:prstDash val="solid"/>
+                    </a:lnL>
+                    <a:lnR w="12240">
+                      <a:noFill/>
+                      <a:prstDash val="solid"/>
+                    </a:lnR>
+                    <a:lnT w="12240">
+                      <a:noFill/>
+                      <a:prstDash val="solid"/>
+                    </a:lnT>
+                    <a:lnB w="12240">
+                      <a:noFill/>
+                      <a:prstDash val="solid"/>
                     </a:lnB>
                     <a:noFill/>
                   </a:tcPr>
@@ -5793,8 +6571,9 @@
                     </a:p>
                   </a:txBody>
                   <a:tcPr anchor="t" marL="91440" marR="91440">
-                    <a:lnL>
-                      <a:noFill/>
+                    <a:lnL w="12240">
+                      <a:noFill/>
+                      <a:prstDash val="solid"/>
                     </a:lnL>
                     <a:lnR w="6480">
                       <a:solidFill>
@@ -5802,11 +6581,13 @@
                       </a:solidFill>
                       <a:prstDash val="solid"/>
                     </a:lnR>
-                    <a:lnT>
-                      <a:noFill/>
-                    </a:lnT>
-                    <a:lnB>
-                      <a:noFill/>
+                    <a:lnT w="12240">
+                      <a:noFill/>
+                      <a:prstDash val="solid"/>
+                    </a:lnT>
+                    <a:lnB w="12240">
+                      <a:noFill/>
+                      <a:prstDash val="solid"/>
                     </a:lnB>
                     <a:noFill/>
                   </a:tcPr>
@@ -5835,8 +6616,9 @@
                       </a:solidFill>
                       <a:prstDash val="solid"/>
                     </a:lnL>
-                    <a:lnR>
-                      <a:noFill/>
+                    <a:lnR w="12240">
+                      <a:noFill/>
+                      <a:prstDash val="solid"/>
                     </a:lnR>
                     <a:lnT w="6480">
                       <a:solidFill>
@@ -5869,11 +6651,13 @@
                     </a:p>
                   </a:txBody>
                   <a:tcPr anchor="t" marL="91440" marR="91440">
-                    <a:lnL>
-                      <a:noFill/>
-                    </a:lnL>
-                    <a:lnR>
-                      <a:noFill/>
+                    <a:lnL w="12240">
+                      <a:noFill/>
+                      <a:prstDash val="solid"/>
+                    </a:lnL>
+                    <a:lnR w="12240">
+                      <a:noFill/>
+                      <a:prstDash val="solid"/>
                     </a:lnR>
                     <a:lnT w="6480">
                       <a:solidFill>
@@ -5906,11 +6690,13 @@
                     </a:p>
                   </a:txBody>
                   <a:tcPr anchor="t" marL="91440" marR="91440">
-                    <a:lnL>
-                      <a:noFill/>
-                    </a:lnL>
-                    <a:lnR>
-                      <a:noFill/>
+                    <a:lnL w="12240">
+                      <a:noFill/>
+                      <a:prstDash val="solid"/>
+                    </a:lnL>
+                    <a:lnR w="12240">
+                      <a:noFill/>
+                      <a:prstDash val="solid"/>
                     </a:lnR>
                     <a:lnT w="6480">
                       <a:solidFill>
@@ -5943,8 +6729,9 @@
                     </a:p>
                   </a:txBody>
                   <a:tcPr anchor="t" marL="91440" marR="91440">
-                    <a:lnL>
-                      <a:noFill/>
+                    <a:lnL w="12240">
+                      <a:noFill/>
+                      <a:prstDash val="solid"/>
                     </a:lnL>
                     <a:lnR w="6480">
                       <a:solidFill>
@@ -5991,11 +6778,13 @@
                       </a:solidFill>
                       <a:prstDash val="solid"/>
                     </a:lnL>
-                    <a:lnR>
-                      <a:noFill/>
-                    </a:lnR>
-                    <a:lnT>
-                      <a:noFill/>
+                    <a:lnR w="12240">
+                      <a:noFill/>
+                      <a:prstDash val="solid"/>
+                    </a:lnR>
+                    <a:lnT w="12240">
+                      <a:noFill/>
+                      <a:prstDash val="solid"/>
                     </a:lnT>
                     <a:lnB w="6480">
                       <a:solidFill>
@@ -6022,14 +6811,17 @@
                     </a:p>
                   </a:txBody>
                   <a:tcPr anchor="t" marL="91440" marR="91440">
-                    <a:lnL>
-                      <a:noFill/>
-                    </a:lnL>
-                    <a:lnR>
-                      <a:noFill/>
-                    </a:lnR>
-                    <a:lnT>
-                      <a:noFill/>
+                    <a:lnL w="12240">
+                      <a:noFill/>
+                      <a:prstDash val="solid"/>
+                    </a:lnL>
+                    <a:lnR w="12240">
+                      <a:noFill/>
+                      <a:prstDash val="solid"/>
+                    </a:lnR>
+                    <a:lnT w="12240">
+                      <a:noFill/>
+                      <a:prstDash val="solid"/>
                     </a:lnT>
                     <a:lnB w="6480">
                       <a:solidFill>
@@ -6056,14 +6848,17 @@
                     </a:p>
                   </a:txBody>
                   <a:tcPr anchor="t" marL="91440" marR="91440">
-                    <a:lnL>
-                      <a:noFill/>
-                    </a:lnL>
-                    <a:lnR>
-                      <a:noFill/>
-                    </a:lnR>
-                    <a:lnT>
-                      <a:noFill/>
+                    <a:lnL w="12240">
+                      <a:noFill/>
+                      <a:prstDash val="solid"/>
+                    </a:lnL>
+                    <a:lnR w="12240">
+                      <a:noFill/>
+                      <a:prstDash val="solid"/>
+                    </a:lnR>
+                    <a:lnT w="12240">
+                      <a:noFill/>
+                      <a:prstDash val="solid"/>
                     </a:lnT>
                     <a:lnB w="6480">
                       <a:solidFill>
@@ -6090,8 +6885,9 @@
                     </a:p>
                   </a:txBody>
                   <a:tcPr anchor="t" marL="91440" marR="91440">
-                    <a:lnL>
-                      <a:noFill/>
+                    <a:lnL w="12240">
+                      <a:noFill/>
+                      <a:prstDash val="solid"/>
                     </a:lnL>
                     <a:lnR w="6480">
                       <a:solidFill>
@@ -6099,8 +6895,9 @@
                       </a:solidFill>
                       <a:prstDash val="solid"/>
                     </a:lnR>
-                    <a:lnT>
-                      <a:noFill/>
+                    <a:lnT w="12240">
+                      <a:noFill/>
+                      <a:prstDash val="solid"/>
                     </a:lnT>
                     <a:lnB w="6480">
                       <a:solidFill>
@@ -6148,7 +6945,7 @@
       </p:grpSpPr>
       <p:sp>
         <p:nvSpPr>
-          <p:cNvPr id="45" name="PlaceHolder 1"/>
+          <p:cNvPr id="47" name="PlaceHolder 1"/>
           <p:cNvSpPr>
             <a:spLocks noGrp="1"/>
           </p:cNvSpPr>
@@ -6159,7 +6956,7 @@
         <p:spPr>
           <a:xfrm>
             <a:off x="838080" y="365040"/>
-            <a:ext cx="10515240" cy="735480"/>
+            <a:ext cx="10514880" cy="735120"/>
           </a:xfrm>
           <a:prstGeom prst="rect">
             <a:avLst/>
@@ -6179,6 +6976,9 @@
                 <a:spcPct val="90000"/>
               </a:lnSpc>
               <a:buNone/>
+              <a:tabLst>
+                <a:tab algn="l" pos="0"/>
+              </a:tabLst>
             </a:pPr>
             <a:r>
               <a:rPr b="0" lang="en-US" sz="3600" spc="-1" strike="noStrike">
@@ -6188,7 +6988,7 @@
                 <a:latin typeface="Noto Sans CJK KR Regular"/>
                 <a:ea typeface="Noto Sans CJK KR Regular"/>
               </a:rPr>
-              <a:t>Ser</a:t>
+              <a:t>Serv</a:t>
             </a:r>
             <a:r>
               <a:rPr b="0" lang="en-US" sz="3600" spc="-1" strike="noStrike">
@@ -6198,26 +6998,26 @@
                 <a:latin typeface="Noto Sans CJK KR Regular"/>
                 <a:ea typeface="Noto Sans CJK KR Regular"/>
               </a:rPr>
-              <a:t>vice</a:t>
+              <a:t>ice</a:t>
             </a:r>
             <a:endParaRPr b="0" lang="en-US" sz="3600" spc="-1" strike="noStrike">
               <a:solidFill>
-                <a:schemeClr val="dk1"/>
+                <a:srgbClr val="000000"/>
               </a:solidFill>
-              <a:latin typeface="맑은 고딕"/>
+              <a:latin typeface="Noto Sans CJK KR"/>
             </a:endParaRPr>
           </a:p>
         </p:txBody>
       </p:sp>
       <p:graphicFrame>
         <p:nvGraphicFramePr>
-          <p:cNvPr id="46" name="표 5"/>
+          <p:cNvPr id="48" name="표 5"/>
           <p:cNvGraphicFramePr/>
           <p:nvPr/>
         </p:nvGraphicFramePr>
         <p:xfrm>
           <a:off x="1197720" y="1395720"/>
-          <a:ext cx="9795960" cy="5541480"/>
+          <a:ext cx="9795600" cy="5541480"/>
         </p:xfrm>
         <a:graphic>
           <a:graphicData uri="http://schemas.openxmlformats.org/drawingml/2006/table">
@@ -22643,7 +23443,7 @@
       </p:grpSpPr>
       <p:sp>
         <p:nvSpPr>
-          <p:cNvPr id="47" name="PlaceHolder 1"/>
+          <p:cNvPr id="49" name="PlaceHolder 1"/>
           <p:cNvSpPr>
             <a:spLocks noGrp="1"/>
           </p:cNvSpPr>
@@ -22654,7 +23454,7 @@
         <p:spPr>
           <a:xfrm>
             <a:off x="838080" y="365040"/>
-            <a:ext cx="10515240" cy="735480"/>
+            <a:ext cx="10514880" cy="735120"/>
           </a:xfrm>
           <a:prstGeom prst="rect">
             <a:avLst/>
@@ -22674,6 +23474,9 @@
                 <a:spcPct val="90000"/>
               </a:lnSpc>
               <a:buNone/>
+              <a:tabLst>
+                <a:tab algn="l" pos="0"/>
+              </a:tabLst>
             </a:pPr>
             <a:r>
               <a:rPr b="0" lang="en-US" sz="3600" spc="-1" strike="noStrike">
@@ -22727,16 +23530,16 @@
             </a:r>
             <a:endParaRPr b="0" lang="en-US" sz="3600" spc="-1" strike="noStrike">
               <a:solidFill>
-                <a:schemeClr val="dk1"/>
+                <a:srgbClr val="000000"/>
               </a:solidFill>
-              <a:latin typeface="맑은 고딕"/>
+              <a:latin typeface="Noto Sans CJK KR"/>
             </a:endParaRPr>
           </a:p>
         </p:txBody>
       </p:sp>
       <p:pic>
         <p:nvPicPr>
-          <p:cNvPr id="48" name="그림 4" descr="스크린샷, 텍스트, 디자인이(가) 표시된 사진&#10;&#10;자동 생성된 설명"/>
+          <p:cNvPr id="50" name="그림 4" descr="스크린샷, 텍스트, 디자인이(가) 표시된 사진&#10;&#10;자동 생성된 설명"/>
           <p:cNvPicPr/>
           <p:nvPr/>
         </p:nvPicPr>
@@ -22747,7 +23550,7 @@
         <p:spPr>
           <a:xfrm>
             <a:off x="2434680" y="1548360"/>
-            <a:ext cx="7322040" cy="4554720"/>
+            <a:ext cx="7321680" cy="4554360"/>
           </a:xfrm>
           <a:prstGeom prst="rect">
             <a:avLst/>
@@ -22789,7 +23592,7 @@
       </p:grpSpPr>
       <p:pic>
         <p:nvPicPr>
-          <p:cNvPr id="49" name="그림 2" descr=""/>
+          <p:cNvPr id="51" name="그림 2" descr=""/>
           <p:cNvPicPr/>
           <p:nvPr/>
         </p:nvPicPr>
@@ -22800,7 +23603,7 @@
         <p:spPr>
           <a:xfrm>
             <a:off x="1332720" y="1657080"/>
-            <a:ext cx="6544080" cy="4505400"/>
+            <a:ext cx="6543720" cy="4505040"/>
           </a:xfrm>
           <a:prstGeom prst="rect">
             <a:avLst/>
@@ -22812,13 +23615,13 @@
       </p:pic>
       <p:graphicFrame>
         <p:nvGraphicFramePr>
-          <p:cNvPr id="50" name="표 7"/>
+          <p:cNvPr id="52" name="표 7"/>
           <p:cNvGraphicFramePr/>
           <p:nvPr/>
         </p:nvGraphicFramePr>
         <p:xfrm>
           <a:off x="474120" y="334080"/>
-          <a:ext cx="5446800" cy="312840"/>
+          <a:ext cx="5446440" cy="312840"/>
         </p:xfrm>
         <a:graphic>
           <a:graphicData uri="http://schemas.openxmlformats.org/drawingml/2006/table">
@@ -22962,7 +23765,7 @@
       </p:graphicFrame>
       <p:graphicFrame>
         <p:nvGraphicFramePr>
-          <p:cNvPr id="51" name="표 11"/>
+          <p:cNvPr id="53" name="표 11"/>
           <p:cNvGraphicFramePr/>
           <p:nvPr/>
         </p:nvGraphicFramePr>
@@ -23112,7 +23915,7 @@
       </p:graphicFrame>
       <p:graphicFrame>
         <p:nvGraphicFramePr>
-          <p:cNvPr id="52" name="표 13"/>
+          <p:cNvPr id="54" name="표 13"/>
           <p:cNvGraphicFramePr/>
           <p:nvPr/>
         </p:nvGraphicFramePr>
@@ -23252,13 +24055,13 @@
       </p:graphicFrame>
       <p:graphicFrame>
         <p:nvGraphicFramePr>
-          <p:cNvPr id="53" name="표 14"/>
+          <p:cNvPr id="55" name="표 14"/>
           <p:cNvGraphicFramePr/>
           <p:nvPr/>
         </p:nvGraphicFramePr>
         <p:xfrm>
           <a:off x="474120" y="626400"/>
-          <a:ext cx="8260920" cy="312840"/>
+          <a:ext cx="8260560" cy="312840"/>
         </p:xfrm>
         <a:graphic>
           <a:graphicData uri="http://schemas.openxmlformats.org/drawingml/2006/table">
@@ -23432,14 +24235,14 @@
       </p:graphicFrame>
       <p:sp>
         <p:nvSpPr>
-          <p:cNvPr id="54" name="직사각형 15"/>
+          <p:cNvPr id="56" name="직사각형 15"/>
           <p:cNvSpPr/>
           <p:nvPr/>
         </p:nvSpPr>
         <p:spPr>
           <a:xfrm>
             <a:off x="474120" y="1003320"/>
-            <a:ext cx="8260920" cy="5520240"/>
+            <a:ext cx="8260560" cy="5519880"/>
           </a:xfrm>
           <a:prstGeom prst="rect">
             <a:avLst/>
@@ -23486,14 +24289,14 @@
       </p:sp>
       <p:sp>
         <p:nvSpPr>
-          <p:cNvPr id="55" name="직사각형 20"/>
+          <p:cNvPr id="57" name="직사각형 20"/>
           <p:cNvSpPr/>
           <p:nvPr/>
         </p:nvSpPr>
         <p:spPr>
           <a:xfrm>
             <a:off x="8735760" y="1003320"/>
-            <a:ext cx="2813760" cy="291600"/>
+            <a:ext cx="2813400" cy="291240"/>
           </a:xfrm>
           <a:prstGeom prst="rect">
             <a:avLst/>
@@ -23554,7 +24357,7 @@
       </p:sp>
       <p:graphicFrame>
         <p:nvGraphicFramePr>
-          <p:cNvPr id="56" name="표 21"/>
+          <p:cNvPr id="58" name="표 21"/>
           <p:cNvGraphicFramePr/>
           <p:nvPr/>
         </p:nvGraphicFramePr>
@@ -23704,14 +24507,14 @@
       </p:graphicFrame>
       <p:sp>
         <p:nvSpPr>
-          <p:cNvPr id="57" name="직사각형 22"/>
+          <p:cNvPr id="59" name="직사각형 22"/>
           <p:cNvSpPr/>
           <p:nvPr/>
         </p:nvSpPr>
         <p:spPr>
           <a:xfrm>
             <a:off x="8735760" y="1296000"/>
-            <a:ext cx="2813760" cy="5227560"/>
+            <a:ext cx="2813400" cy="5227200"/>
           </a:xfrm>
           <a:prstGeom prst="rect">
             <a:avLst/>
@@ -23934,14 +24737,14 @@
       </p:sp>
       <p:sp>
         <p:nvSpPr>
-          <p:cNvPr id="58" name="직사각형 25"/>
+          <p:cNvPr id="60" name="직사각형 25"/>
           <p:cNvSpPr/>
           <p:nvPr/>
         </p:nvSpPr>
         <p:spPr>
           <a:xfrm>
             <a:off x="7590600" y="1572120"/>
-            <a:ext cx="286200" cy="266040"/>
+            <a:ext cx="285840" cy="265680"/>
           </a:xfrm>
           <a:prstGeom prst="rect">
             <a:avLst/>
@@ -23998,14 +24801,14 @@
       </p:sp>
       <p:sp>
         <p:nvSpPr>
-          <p:cNvPr id="59" name="직사각형 3"/>
+          <p:cNvPr id="61" name="직사각형 3"/>
           <p:cNvSpPr/>
           <p:nvPr/>
         </p:nvSpPr>
         <p:spPr>
           <a:xfrm>
             <a:off x="4688280" y="5649480"/>
-            <a:ext cx="286200" cy="266040"/>
+            <a:ext cx="285840" cy="265680"/>
           </a:xfrm>
           <a:prstGeom prst="rect">
             <a:avLst/>
@@ -24092,7 +24895,7 @@
       </p:grpSpPr>
       <p:pic>
         <p:nvPicPr>
-          <p:cNvPr id="60" name="그림 2" descr=""/>
+          <p:cNvPr id="62" name="그림 2" descr=""/>
           <p:cNvPicPr/>
           <p:nvPr/>
         </p:nvPicPr>
@@ -24103,7 +24906,7 @@
         <p:spPr>
           <a:xfrm>
             <a:off x="1131120" y="1149120"/>
-            <a:ext cx="6946920" cy="4796280"/>
+            <a:ext cx="6946560" cy="4795920"/>
           </a:xfrm>
           <a:prstGeom prst="rect">
             <a:avLst/>
@@ -24115,13 +24918,13 @@
       </p:pic>
       <p:graphicFrame>
         <p:nvGraphicFramePr>
-          <p:cNvPr id="61" name="표 7"/>
+          <p:cNvPr id="63" name="표 7"/>
           <p:cNvGraphicFramePr/>
           <p:nvPr/>
         </p:nvGraphicFramePr>
         <p:xfrm>
           <a:off x="474120" y="334080"/>
-          <a:ext cx="5446800" cy="312840"/>
+          <a:ext cx="5446440" cy="312840"/>
         </p:xfrm>
         <a:graphic>
           <a:graphicData uri="http://schemas.openxmlformats.org/drawingml/2006/table">
@@ -24265,7 +25068,7 @@
       </p:graphicFrame>
       <p:graphicFrame>
         <p:nvGraphicFramePr>
-          <p:cNvPr id="62" name="표 11"/>
+          <p:cNvPr id="64" name="표 11"/>
           <p:cNvGraphicFramePr/>
           <p:nvPr/>
         </p:nvGraphicFramePr>
@@ -24415,7 +25218,7 @@
       </p:graphicFrame>
       <p:graphicFrame>
         <p:nvGraphicFramePr>
-          <p:cNvPr id="63" name="표 13"/>
+          <p:cNvPr id="65" name="표 13"/>
           <p:cNvGraphicFramePr/>
           <p:nvPr/>
         </p:nvGraphicFramePr>
@@ -24555,13 +25358,13 @@
       </p:graphicFrame>
       <p:graphicFrame>
         <p:nvGraphicFramePr>
-          <p:cNvPr id="64" name="표 14"/>
+          <p:cNvPr id="66" name="표 14"/>
           <p:cNvGraphicFramePr/>
           <p:nvPr/>
         </p:nvGraphicFramePr>
         <p:xfrm>
           <a:off x="474120" y="626400"/>
-          <a:ext cx="8260920" cy="312840"/>
+          <a:ext cx="8260560" cy="312840"/>
         </p:xfrm>
         <a:graphic>
           <a:graphicData uri="http://schemas.openxmlformats.org/drawingml/2006/table">
@@ -24725,14 +25528,14 @@
       </p:graphicFrame>
       <p:sp>
         <p:nvSpPr>
-          <p:cNvPr id="65" name="직사각형 15"/>
+          <p:cNvPr id="67" name="직사각형 15"/>
           <p:cNvSpPr/>
           <p:nvPr/>
         </p:nvSpPr>
         <p:spPr>
           <a:xfrm>
             <a:off x="474120" y="1003320"/>
-            <a:ext cx="8260920" cy="5520240"/>
+            <a:ext cx="8260560" cy="5519880"/>
           </a:xfrm>
           <a:prstGeom prst="rect">
             <a:avLst/>
@@ -24779,14 +25582,14 @@
       </p:sp>
       <p:sp>
         <p:nvSpPr>
-          <p:cNvPr id="66" name="직사각형 20"/>
+          <p:cNvPr id="68" name="직사각형 20"/>
           <p:cNvSpPr/>
           <p:nvPr/>
         </p:nvSpPr>
         <p:spPr>
           <a:xfrm>
             <a:off x="8735760" y="1003320"/>
-            <a:ext cx="2813760" cy="291600"/>
+            <a:ext cx="2813400" cy="291240"/>
           </a:xfrm>
           <a:prstGeom prst="rect">
             <a:avLst/>
@@ -24847,7 +25650,7 @@
       </p:sp>
       <p:graphicFrame>
         <p:nvGraphicFramePr>
-          <p:cNvPr id="67" name="표 21"/>
+          <p:cNvPr id="69" name="표 21"/>
           <p:cNvGraphicFramePr/>
           <p:nvPr/>
         </p:nvGraphicFramePr>
@@ -24997,14 +25800,14 @@
       </p:graphicFrame>
       <p:sp>
         <p:nvSpPr>
-          <p:cNvPr id="68" name="직사각형 22"/>
+          <p:cNvPr id="70" name="직사각형 22"/>
           <p:cNvSpPr/>
           <p:nvPr/>
         </p:nvSpPr>
         <p:spPr>
           <a:xfrm>
             <a:off x="8735760" y="1296000"/>
-            <a:ext cx="2813760" cy="5227560"/>
+            <a:ext cx="2813400" cy="5227200"/>
           </a:xfrm>
           <a:prstGeom prst="rect">
             <a:avLst/>
@@ -25213,15 +26016,10 @@
             </a:endParaRPr>
           </a:p>
           <a:p>
-            <a:pPr marL="228600" indent="-228600" defTabSz="914400">
+            <a:pPr defTabSz="914400">
               <a:lnSpc>
                 <a:spcPct val="100000"/>
               </a:lnSpc>
-              <a:buClr>
-                <a:srgbClr val="000000"/>
-              </a:buClr>
-              <a:buFont typeface="OpenSymbol"/>
-              <a:buAutoNum type="arabicPeriod"/>
             </a:pPr>
             <a:endParaRPr b="0" lang="en-US" sz="1200" spc="-1" strike="noStrike">
               <a:solidFill>
@@ -25329,15 +26127,10 @@
             </a:endParaRPr>
           </a:p>
           <a:p>
-            <a:pPr marL="228600" indent="-228600" defTabSz="914400">
+            <a:pPr defTabSz="914400">
               <a:lnSpc>
                 <a:spcPct val="100000"/>
               </a:lnSpc>
-              <a:buClr>
-                <a:srgbClr val="000000"/>
-              </a:buClr>
-              <a:buFont typeface="OpenSymbol"/>
-              <a:buAutoNum type="arabicPeriod"/>
             </a:pPr>
             <a:endParaRPr b="0" lang="en-US" sz="1200" spc="-1" strike="noStrike">
               <a:solidFill>
@@ -25350,14 +26143,14 @@
       </p:sp>
       <p:sp>
         <p:nvSpPr>
-          <p:cNvPr id="69" name=""/>
-          <p:cNvSpPr txBox="1"/>
+          <p:cNvPr id="71" name=""/>
+          <p:cNvSpPr/>
           <p:nvPr/>
         </p:nvSpPr>
         <p:spPr>
           <a:xfrm>
             <a:off x="7718760" y="4529520"/>
-            <a:ext cx="229320" cy="269280"/>
+            <a:ext cx="228960" cy="268920"/>
           </a:xfrm>
           <a:prstGeom prst="rect">
             <a:avLst/>
@@ -25367,11 +26160,22 @@
             <a:noFill/>
           </a:ln>
         </p:spPr>
+        <p:style>
+          <a:lnRef idx="0"/>
+          <a:fillRef idx="0"/>
+          <a:effectRef idx="0"/>
+          <a:fontRef idx="minor"/>
+        </p:style>
         <p:txBody>
           <a:bodyPr lIns="90000" rIns="90000" tIns="45000" bIns="45000" anchor="t">
             <a:noAutofit/>
           </a:bodyPr>
           <a:p>
+            <a:pPr>
+              <a:lnSpc>
+                <a:spcPct val="100000"/>
+              </a:lnSpc>
+            </a:pPr>
             <a:r>
               <a:rPr b="0" lang="en-US" sz="1200" spc="-1" strike="noStrike">
                 <a:solidFill>
@@ -25393,14 +26197,14 @@
       </p:sp>
       <p:sp>
         <p:nvSpPr>
-          <p:cNvPr id="70" name="직사각형 1"/>
+          <p:cNvPr id="72" name="직사각형 1"/>
           <p:cNvSpPr/>
           <p:nvPr/>
         </p:nvSpPr>
         <p:spPr>
           <a:xfrm>
             <a:off x="3313800" y="3873960"/>
-            <a:ext cx="286200" cy="266040"/>
+            <a:ext cx="285840" cy="265680"/>
           </a:xfrm>
           <a:prstGeom prst="rect">
             <a:avLst/>
@@ -25457,14 +26261,14 @@
       </p:sp>
       <p:sp>
         <p:nvSpPr>
-          <p:cNvPr id="71" name="직사각형 2"/>
+          <p:cNvPr id="73" name="직사각형 2"/>
           <p:cNvSpPr/>
           <p:nvPr/>
         </p:nvSpPr>
         <p:spPr>
           <a:xfrm>
             <a:off x="6840000" y="2433960"/>
-            <a:ext cx="286200" cy="266040"/>
+            <a:ext cx="285840" cy="265680"/>
           </a:xfrm>
           <a:prstGeom prst="rect">
             <a:avLst/>
@@ -25551,7 +26355,7 @@
       </p:grpSpPr>
       <p:pic>
         <p:nvPicPr>
-          <p:cNvPr id="72" name="그림 4" descr=""/>
+          <p:cNvPr id="74" name="그림 4" descr=""/>
           <p:cNvPicPr/>
           <p:nvPr/>
         </p:nvPicPr>
@@ -25562,7 +26366,7 @@
         <p:spPr>
           <a:xfrm>
             <a:off x="1214640" y="1295280"/>
-            <a:ext cx="7108560" cy="4849920"/>
+            <a:ext cx="7108200" cy="4849560"/>
           </a:xfrm>
           <a:prstGeom prst="rect">
             <a:avLst/>
@@ -25574,13 +26378,13 @@
       </p:pic>
       <p:graphicFrame>
         <p:nvGraphicFramePr>
-          <p:cNvPr id="73" name="표 7"/>
+          <p:cNvPr id="75" name="표 7"/>
           <p:cNvGraphicFramePr/>
           <p:nvPr/>
         </p:nvGraphicFramePr>
         <p:xfrm>
           <a:off x="474120" y="334080"/>
-          <a:ext cx="5446800" cy="312840"/>
+          <a:ext cx="5446440" cy="312840"/>
         </p:xfrm>
         <a:graphic>
           <a:graphicData uri="http://schemas.openxmlformats.org/drawingml/2006/table">
@@ -25724,7 +26528,7 @@
       </p:graphicFrame>
       <p:graphicFrame>
         <p:nvGraphicFramePr>
-          <p:cNvPr id="74" name="표 11"/>
+          <p:cNvPr id="76" name="표 11"/>
           <p:cNvGraphicFramePr/>
           <p:nvPr/>
         </p:nvGraphicFramePr>
@@ -25874,7 +26678,7 @@
       </p:graphicFrame>
       <p:graphicFrame>
         <p:nvGraphicFramePr>
-          <p:cNvPr id="75" name="표 13"/>
+          <p:cNvPr id="77" name="표 13"/>
           <p:cNvGraphicFramePr/>
           <p:nvPr/>
         </p:nvGraphicFramePr>
@@ -26014,13 +26818,13 @@
       </p:graphicFrame>
       <p:graphicFrame>
         <p:nvGraphicFramePr>
-          <p:cNvPr id="76" name="표 14"/>
+          <p:cNvPr id="78" name="표 14"/>
           <p:cNvGraphicFramePr/>
           <p:nvPr/>
         </p:nvGraphicFramePr>
         <p:xfrm>
           <a:off x="474120" y="626400"/>
-          <a:ext cx="8260920" cy="312840"/>
+          <a:ext cx="8260560" cy="312840"/>
         </p:xfrm>
         <a:graphic>
           <a:graphicData uri="http://schemas.openxmlformats.org/drawingml/2006/table">
@@ -26214,14 +27018,14 @@
       </p:graphicFrame>
       <p:sp>
         <p:nvSpPr>
-          <p:cNvPr id="77" name="직사각형 15"/>
+          <p:cNvPr id="79" name="직사각형 15"/>
           <p:cNvSpPr/>
           <p:nvPr/>
         </p:nvSpPr>
         <p:spPr>
           <a:xfrm>
             <a:off x="474120" y="1003320"/>
-            <a:ext cx="8260920" cy="5520240"/>
+            <a:ext cx="8260560" cy="5519880"/>
           </a:xfrm>
           <a:prstGeom prst="rect">
             <a:avLst/>
@@ -26268,14 +27072,14 @@
       </p:sp>
       <p:sp>
         <p:nvSpPr>
-          <p:cNvPr id="78" name="직사각형 20"/>
+          <p:cNvPr id="80" name="직사각형 20"/>
           <p:cNvSpPr/>
           <p:nvPr/>
         </p:nvSpPr>
         <p:spPr>
           <a:xfrm>
             <a:off x="8735760" y="1003320"/>
-            <a:ext cx="2813760" cy="291600"/>
+            <a:ext cx="2813400" cy="291240"/>
           </a:xfrm>
           <a:prstGeom prst="rect">
             <a:avLst/>
@@ -26336,7 +27140,7 @@
       </p:sp>
       <p:graphicFrame>
         <p:nvGraphicFramePr>
-          <p:cNvPr id="79" name="표 21"/>
+          <p:cNvPr id="81" name="표 21"/>
           <p:cNvGraphicFramePr/>
           <p:nvPr/>
         </p:nvGraphicFramePr>
@@ -26486,14 +27290,14 @@
       </p:graphicFrame>
       <p:sp>
         <p:nvSpPr>
-          <p:cNvPr id="80" name="직사각형 22"/>
+          <p:cNvPr id="82" name="직사각형 22"/>
           <p:cNvSpPr/>
           <p:nvPr/>
         </p:nvSpPr>
         <p:spPr>
           <a:xfrm>
             <a:off x="8735760" y="1296000"/>
-            <a:ext cx="2813760" cy="5227560"/>
+            <a:ext cx="2813400" cy="5227200"/>
           </a:xfrm>
           <a:prstGeom prst="rect">
             <a:avLst/>
@@ -26807,14 +27611,14 @@
       </p:sp>
       <p:sp>
         <p:nvSpPr>
-          <p:cNvPr id="81" name="직사각형 25"/>
+          <p:cNvPr id="83" name="직사각형 25"/>
           <p:cNvSpPr/>
           <p:nvPr/>
         </p:nvSpPr>
         <p:spPr>
           <a:xfrm>
             <a:off x="6677280" y="2394360"/>
-            <a:ext cx="286200" cy="266040"/>
+            <a:ext cx="285840" cy="265680"/>
           </a:xfrm>
           <a:prstGeom prst="rect">
             <a:avLst/>
@@ -26871,14 +27675,14 @@
       </p:sp>
       <p:sp>
         <p:nvSpPr>
-          <p:cNvPr id="82" name="직사각형 5"/>
+          <p:cNvPr id="84" name="직사각형 5"/>
           <p:cNvSpPr/>
           <p:nvPr/>
         </p:nvSpPr>
         <p:spPr>
           <a:xfrm>
             <a:off x="3877920" y="4383360"/>
-            <a:ext cx="286200" cy="266040"/>
+            <a:ext cx="285840" cy="265680"/>
           </a:xfrm>
           <a:prstGeom prst="rect">
             <a:avLst/>
@@ -26935,14 +27739,14 @@
       </p:sp>
       <p:sp>
         <p:nvSpPr>
-          <p:cNvPr id="83" name="직사각형 6"/>
+          <p:cNvPr id="85" name="직사각형 6"/>
           <p:cNvSpPr/>
           <p:nvPr/>
         </p:nvSpPr>
         <p:spPr>
           <a:xfrm>
             <a:off x="6204960" y="4824720"/>
-            <a:ext cx="286200" cy="266040"/>
+            <a:ext cx="285840" cy="265680"/>
           </a:xfrm>
           <a:prstGeom prst="rect">
             <a:avLst/>
@@ -27029,7 +27833,7 @@
       </p:grpSpPr>
       <p:pic>
         <p:nvPicPr>
-          <p:cNvPr id="84" name="그림 2" descr=""/>
+          <p:cNvPr id="86" name="그림 2" descr=""/>
           <p:cNvPicPr/>
           <p:nvPr/>
         </p:nvPicPr>
@@ -27040,7 +27844,7 @@
         <p:spPr>
           <a:xfrm>
             <a:off x="1030320" y="1323000"/>
-            <a:ext cx="7108560" cy="4880520"/>
+            <a:ext cx="7108200" cy="4880160"/>
           </a:xfrm>
           <a:prstGeom prst="rect">
             <a:avLst/>
@@ -27052,13 +27856,13 @@
       </p:pic>
       <p:graphicFrame>
         <p:nvGraphicFramePr>
-          <p:cNvPr id="85" name="표 7"/>
+          <p:cNvPr id="87" name="표 7"/>
           <p:cNvGraphicFramePr/>
           <p:nvPr/>
         </p:nvGraphicFramePr>
         <p:xfrm>
           <a:off x="474120" y="334080"/>
-          <a:ext cx="5446800" cy="312840"/>
+          <a:ext cx="5446440" cy="312840"/>
         </p:xfrm>
         <a:graphic>
           <a:graphicData uri="http://schemas.openxmlformats.org/drawingml/2006/table">
@@ -27202,7 +28006,7 @@
       </p:graphicFrame>
       <p:graphicFrame>
         <p:nvGraphicFramePr>
-          <p:cNvPr id="86" name="표 11"/>
+          <p:cNvPr id="88" name="표 11"/>
           <p:cNvGraphicFramePr/>
           <p:nvPr/>
         </p:nvGraphicFramePr>
@@ -27352,7 +28156,7 @@
       </p:graphicFrame>
       <p:graphicFrame>
         <p:nvGraphicFramePr>
-          <p:cNvPr id="87" name="표 13"/>
+          <p:cNvPr id="89" name="표 13"/>
           <p:cNvGraphicFramePr/>
           <p:nvPr/>
         </p:nvGraphicFramePr>
@@ -27492,13 +28296,13 @@
       </p:graphicFrame>
       <p:graphicFrame>
         <p:nvGraphicFramePr>
-          <p:cNvPr id="88" name="표 14"/>
+          <p:cNvPr id="90" name="표 14"/>
           <p:cNvGraphicFramePr/>
           <p:nvPr/>
         </p:nvGraphicFramePr>
         <p:xfrm>
           <a:off x="474120" y="626400"/>
-          <a:ext cx="8260920" cy="312840"/>
+          <a:ext cx="8260560" cy="312840"/>
         </p:xfrm>
         <a:graphic>
           <a:graphicData uri="http://schemas.openxmlformats.org/drawingml/2006/table">
@@ -27662,14 +28466,14 @@
       </p:graphicFrame>
       <p:sp>
         <p:nvSpPr>
-          <p:cNvPr id="89" name="직사각형 15"/>
+          <p:cNvPr id="91" name="직사각형 15"/>
           <p:cNvSpPr/>
           <p:nvPr/>
         </p:nvSpPr>
         <p:spPr>
           <a:xfrm>
             <a:off x="474120" y="1003320"/>
-            <a:ext cx="8260920" cy="5520240"/>
+            <a:ext cx="8260560" cy="5519880"/>
           </a:xfrm>
           <a:prstGeom prst="rect">
             <a:avLst/>
@@ -27716,14 +28520,14 @@
       </p:sp>
       <p:sp>
         <p:nvSpPr>
-          <p:cNvPr id="90" name="직사각형 20"/>
+          <p:cNvPr id="92" name="직사각형 20"/>
           <p:cNvSpPr/>
           <p:nvPr/>
         </p:nvSpPr>
         <p:spPr>
           <a:xfrm>
             <a:off x="8735760" y="1003320"/>
-            <a:ext cx="2813760" cy="291600"/>
+            <a:ext cx="2813400" cy="291240"/>
           </a:xfrm>
           <a:prstGeom prst="rect">
             <a:avLst/>
@@ -27784,7 +28588,7 @@
       </p:sp>
       <p:graphicFrame>
         <p:nvGraphicFramePr>
-          <p:cNvPr id="91" name="표 21"/>
+          <p:cNvPr id="93" name="표 21"/>
           <p:cNvGraphicFramePr/>
           <p:nvPr/>
         </p:nvGraphicFramePr>
@@ -27934,14 +28738,14 @@
       </p:graphicFrame>
       <p:sp>
         <p:nvSpPr>
-          <p:cNvPr id="92" name="직사각형 22"/>
+          <p:cNvPr id="94" name="직사각형 22"/>
           <p:cNvSpPr/>
           <p:nvPr/>
         </p:nvSpPr>
         <p:spPr>
           <a:xfrm>
             <a:off x="8735760" y="1296000"/>
-            <a:ext cx="2813760" cy="5227560"/>
+            <a:ext cx="2813400" cy="5227200"/>
           </a:xfrm>
           <a:prstGeom prst="rect">
             <a:avLst/>
@@ -28144,14 +28948,14 @@
       </p:sp>
       <p:sp>
         <p:nvSpPr>
-          <p:cNvPr id="93" name="직사각형 25"/>
+          <p:cNvPr id="95" name="직사각형 25"/>
           <p:cNvSpPr/>
           <p:nvPr/>
         </p:nvSpPr>
         <p:spPr>
           <a:xfrm>
             <a:off x="3613320" y="3776760"/>
-            <a:ext cx="286200" cy="266040"/>
+            <a:ext cx="285840" cy="265680"/>
           </a:xfrm>
           <a:prstGeom prst="rect">
             <a:avLst/>
@@ -28208,14 +29012,14 @@
       </p:sp>
       <p:sp>
         <p:nvSpPr>
-          <p:cNvPr id="94" name="직사각형 3"/>
+          <p:cNvPr id="96" name="직사각형 3"/>
           <p:cNvSpPr/>
           <p:nvPr/>
         </p:nvSpPr>
         <p:spPr>
           <a:xfrm>
             <a:off x="6982200" y="2765880"/>
-            <a:ext cx="286200" cy="266040"/>
+            <a:ext cx="285840" cy="265680"/>
           </a:xfrm>
           <a:prstGeom prst="rect">
             <a:avLst/>
@@ -28300,15 +29104,38 @@
           <a:chExt cx="0" cy="0"/>
         </a:xfrm>
       </p:grpSpPr>
+      <p:pic>
+        <p:nvPicPr>
+          <p:cNvPr id="97" name="" descr=""/>
+          <p:cNvPicPr/>
+          <p:nvPr/>
+        </p:nvPicPr>
+        <p:blipFill>
+          <a:blip r:embed="rId1"/>
+          <a:stretch/>
+        </p:blipFill>
+        <p:spPr>
+          <a:xfrm>
+            <a:off x="1080000" y="1205280"/>
+            <a:ext cx="7200000" cy="5122080"/>
+          </a:xfrm>
+          <a:prstGeom prst="rect">
+            <a:avLst/>
+          </a:prstGeom>
+          <a:ln w="0">
+            <a:noFill/>
+          </a:ln>
+        </p:spPr>
+      </p:pic>
       <p:graphicFrame>
         <p:nvGraphicFramePr>
-          <p:cNvPr id="95" name="표 1"/>
+          <p:cNvPr id="98" name="표 1"/>
           <p:cNvGraphicFramePr/>
           <p:nvPr/>
         </p:nvGraphicFramePr>
         <p:xfrm>
           <a:off x="474120" y="334080"/>
-          <a:ext cx="5446800" cy="312840"/>
+          <a:ext cx="5446440" cy="312840"/>
         </p:xfrm>
         <a:graphic>
           <a:graphicData uri="http://schemas.openxmlformats.org/drawingml/2006/table">
@@ -28407,17 +29234,7 @@
                           <a:latin typeface="Noto Sans CJK KR Regular"/>
                           <a:ea typeface="Noto Sans CJK KR Regular"/>
                         </a:rPr>
-                        <a:t>Paperworks </a:t>
-                      </a:r>
-                      <a:r>
-                        <a:rPr b="0" lang="en-US" sz="1200" spc="-1" strike="noStrike">
-                          <a:solidFill>
-                            <a:schemeClr val="dk1"/>
-                          </a:solidFill>
-                          <a:latin typeface="Noto Sans CJK KR Regular"/>
-                          <a:ea typeface="Noto Sans CJK KR Regular"/>
-                        </a:rPr>
-                        <a:t>website</a:t>
+                        <a:t>Paperworks website</a:t>
                       </a:r>
                       <a:endParaRPr b="0" lang="en-US" sz="1200" spc="-1" strike="noStrike">
                         <a:solidFill>
@@ -28462,7 +29279,7 @@
       </p:graphicFrame>
       <p:graphicFrame>
         <p:nvGraphicFramePr>
-          <p:cNvPr id="96" name="표 2"/>
+          <p:cNvPr id="99" name="표 2"/>
           <p:cNvGraphicFramePr/>
           <p:nvPr/>
         </p:nvGraphicFramePr>
@@ -28612,7 +29429,7 @@
       </p:graphicFrame>
       <p:graphicFrame>
         <p:nvGraphicFramePr>
-          <p:cNvPr id="97" name="표 3"/>
+          <p:cNvPr id="100" name="표 3"/>
           <p:cNvGraphicFramePr/>
           <p:nvPr/>
         </p:nvGraphicFramePr>
@@ -28752,13 +29569,13 @@
       </p:graphicFrame>
       <p:graphicFrame>
         <p:nvGraphicFramePr>
-          <p:cNvPr id="98" name="표 6"/>
+          <p:cNvPr id="101" name="표 6"/>
           <p:cNvGraphicFramePr/>
           <p:nvPr/>
         </p:nvGraphicFramePr>
         <p:xfrm>
           <a:off x="474120" y="626400"/>
-          <a:ext cx="8260920" cy="312840"/>
+          <a:ext cx="8260560" cy="312840"/>
         </p:xfrm>
         <a:graphic>
           <a:graphicData uri="http://schemas.openxmlformats.org/drawingml/2006/table">
@@ -28867,17 +29684,7 @@
                           <a:latin typeface="Noto Sans CJK KR Regular"/>
                           <a:ea typeface="Noto Sans CJK KR Regular"/>
                         </a:rPr>
-                        <a:t>헤</a:t>
-                      </a:r>
-                      <a:r>
-                        <a:rPr b="0" lang="ko-KR" sz="1200" spc="-1" strike="noStrike">
-                          <a:solidFill>
-                            <a:schemeClr val="dk1"/>
-                          </a:solidFill>
-                          <a:latin typeface="Noto Sans CJK KR Regular"/>
-                          <a:ea typeface="Noto Sans CJK KR Regular"/>
-                        </a:rPr>
-                        <a:t>더 </a:t>
+                        <a:t>헤더 </a:t>
                       </a:r>
                       <a:r>
                         <a:rPr b="0" lang="en-US" sz="1200" spc="-1" strike="noStrike">
@@ -28932,14 +29739,14 @@
       </p:graphicFrame>
       <p:sp>
         <p:nvSpPr>
-          <p:cNvPr id="99" name="직사각형 4"/>
+          <p:cNvPr id="102" name="직사각형 4"/>
           <p:cNvSpPr/>
           <p:nvPr/>
         </p:nvSpPr>
         <p:spPr>
           <a:xfrm>
             <a:off x="474120" y="1003320"/>
-            <a:ext cx="8260920" cy="5520240"/>
+            <a:ext cx="8260560" cy="5519880"/>
           </a:xfrm>
           <a:prstGeom prst="rect">
             <a:avLst/>
@@ -28970,6 +29777,11 @@
             <a:noAutofit/>
           </a:bodyPr>
           <a:p>
+            <a:pPr>
+              <a:lnSpc>
+                <a:spcPct val="100000"/>
+              </a:lnSpc>
+            </a:pPr>
             <a:endParaRPr b="0" lang="en-US" sz="1800" spc="-1" strike="noStrike">
               <a:solidFill>
                 <a:schemeClr val="lt1"/>
@@ -28981,14 +29793,14 @@
       </p:sp>
       <p:sp>
         <p:nvSpPr>
-          <p:cNvPr id="100" name="직사각형 7"/>
+          <p:cNvPr id="103" name="직사각형 7"/>
           <p:cNvSpPr/>
           <p:nvPr/>
         </p:nvSpPr>
         <p:spPr>
           <a:xfrm>
             <a:off x="8735760" y="1003320"/>
-            <a:ext cx="2813760" cy="291600"/>
+            <a:ext cx="2813400" cy="291240"/>
           </a:xfrm>
           <a:prstGeom prst="rect">
             <a:avLst/>
@@ -29049,7 +29861,7 @@
       </p:sp>
       <p:graphicFrame>
         <p:nvGraphicFramePr>
-          <p:cNvPr id="101" name="표 8"/>
+          <p:cNvPr id="104" name="표 8"/>
           <p:cNvGraphicFramePr/>
           <p:nvPr/>
         </p:nvGraphicFramePr>
@@ -29199,14 +30011,14 @@
       </p:graphicFrame>
       <p:sp>
         <p:nvSpPr>
-          <p:cNvPr id="102" name="직사각형 8"/>
+          <p:cNvPr id="105" name="직사각형 8"/>
           <p:cNvSpPr/>
           <p:nvPr/>
         </p:nvSpPr>
         <p:spPr>
           <a:xfrm>
             <a:off x="8735760" y="1296000"/>
-            <a:ext cx="2813760" cy="5227560"/>
+            <a:ext cx="2813400" cy="5227200"/>
           </a:xfrm>
           <a:prstGeom prst="rect">
             <a:avLst/>
@@ -29255,428 +30067,7 @@
                 <a:latin typeface="Noto Sans CJK KR Regular"/>
                 <a:ea typeface="Noto Sans CJK KR Regular"/>
               </a:rPr>
-              <a:t>회사의 다양한 </a:t>
-            </a:r>
-            <a:r>
-              <a:rPr b="0" lang="ko-KR" sz="1200" spc="-1" strike="noStrike">
-                <a:solidFill>
-                  <a:schemeClr val="dk1"/>
-                </a:solidFill>
-                <a:latin typeface="Noto Sans CJK KR Regular"/>
-                <a:ea typeface="Noto Sans CJK KR Regular"/>
-              </a:rPr>
-              <a:t>연락처를 </a:t>
-            </a:r>
-            <a:r>
-              <a:rPr b="0" lang="ko-KR" sz="1200" spc="-1" strike="noStrike">
-                <a:solidFill>
-                  <a:schemeClr val="dk1"/>
-                </a:solidFill>
-                <a:latin typeface="Noto Sans CJK KR Regular"/>
-                <a:ea typeface="Noto Sans CJK KR Regular"/>
-              </a:rPr>
-              <a:t>확인할 수 </a:t>
-            </a:r>
-            <a:r>
-              <a:rPr b="0" lang="ko-KR" sz="1200" spc="-1" strike="noStrike">
-                <a:solidFill>
-                  <a:schemeClr val="dk1"/>
-                </a:solidFill>
-                <a:latin typeface="Noto Sans CJK KR Regular"/>
-                <a:ea typeface="Noto Sans CJK KR Regular"/>
-              </a:rPr>
-              <a:t>있습니다</a:t>
-            </a:r>
-            <a:r>
-              <a:rPr b="0" lang="en-US" sz="1200" spc="-1" strike="noStrike">
-                <a:solidFill>
-                  <a:schemeClr val="dk1"/>
-                </a:solidFill>
-                <a:latin typeface="Noto Sans CJK KR Regular"/>
-                <a:ea typeface="Noto Sans CJK KR Regular"/>
-              </a:rPr>
-              <a:t>.</a:t>
-            </a:r>
-            <a:endParaRPr b="0" lang="en-US" sz="1200" spc="-1" strike="noStrike">
-              <a:solidFill>
-                <a:srgbClr val="000000"/>
-              </a:solidFill>
-              <a:latin typeface="Noto Sans CJK KR"/>
-            </a:endParaRPr>
-          </a:p>
-          <a:p>
-            <a:pPr defTabSz="914400">
-              <a:lnSpc>
-                <a:spcPct val="100000"/>
-              </a:lnSpc>
-            </a:pPr>
-            <a:endParaRPr b="0" lang="en-US" sz="1200" spc="-1" strike="noStrike">
-              <a:solidFill>
-                <a:srgbClr val="000000"/>
-              </a:solidFill>
-              <a:latin typeface="Noto Sans CJK KR"/>
-            </a:endParaRPr>
-          </a:p>
-          <a:p>
-            <a:pPr marL="228600" indent="-228600" defTabSz="914400">
-              <a:lnSpc>
-                <a:spcPct val="100000"/>
-              </a:lnSpc>
-              <a:buClr>
-                <a:srgbClr val="000000"/>
-              </a:buClr>
-              <a:buFont typeface="OpenSymbol"/>
-              <a:buAutoNum type="arabicPeriod"/>
-            </a:pPr>
-            <a:r>
-              <a:rPr b="0" lang="ko-KR" sz="1200" spc="-1" strike="noStrike">
-                <a:solidFill>
-                  <a:schemeClr val="dk1"/>
-                </a:solidFill>
-                <a:latin typeface="Noto Sans CJK KR Regular"/>
-                <a:ea typeface="Noto Sans CJK KR Regular"/>
-              </a:rPr>
-              <a:t>사용자가 회신 </a:t>
-            </a:r>
-            <a:r>
-              <a:rPr b="0" lang="ko-KR" sz="1200" spc="-1" strike="noStrike">
-                <a:solidFill>
-                  <a:schemeClr val="dk1"/>
-                </a:solidFill>
-                <a:latin typeface="Noto Sans CJK KR Regular"/>
-                <a:ea typeface="Noto Sans CJK KR Regular"/>
-              </a:rPr>
-              <a:t>받을 메일과 </a:t>
-            </a:r>
-            <a:r>
-              <a:rPr b="0" lang="ko-KR" sz="1200" spc="-1" strike="noStrike">
-                <a:solidFill>
-                  <a:schemeClr val="dk1"/>
-                </a:solidFill>
-                <a:latin typeface="Noto Sans CJK KR Regular"/>
-                <a:ea typeface="Noto Sans CJK KR Regular"/>
-              </a:rPr>
-              <a:t>원하는 </a:t>
-            </a:r>
-            <a:r>
-              <a:rPr b="0" lang="ko-KR" sz="1200" spc="-1" strike="noStrike">
-                <a:solidFill>
-                  <a:schemeClr val="dk1"/>
-                </a:solidFill>
-                <a:latin typeface="Noto Sans CJK KR Regular"/>
-                <a:ea typeface="Noto Sans CJK KR Regular"/>
-              </a:rPr>
-              <a:t>메시지를 </a:t>
-            </a:r>
-            <a:r>
-              <a:rPr b="0" lang="ko-KR" sz="1200" spc="-1" strike="noStrike">
-                <a:solidFill>
-                  <a:schemeClr val="dk1"/>
-                </a:solidFill>
-                <a:latin typeface="Noto Sans CJK KR Regular"/>
-                <a:ea typeface="Noto Sans CJK KR Regular"/>
-              </a:rPr>
-              <a:t>입력하여 </a:t>
-            </a:r>
-            <a:r>
-              <a:rPr b="0" lang="ko-KR" sz="1200" spc="-1" strike="noStrike">
-                <a:solidFill>
-                  <a:schemeClr val="dk1"/>
-                </a:solidFill>
-                <a:latin typeface="Noto Sans CJK KR Regular"/>
-                <a:ea typeface="Noto Sans CJK KR Regular"/>
-              </a:rPr>
-              <a:t>간단하게 </a:t>
-            </a:r>
-            <a:r>
-              <a:rPr b="0" lang="ko-KR" sz="1200" spc="-1" strike="noStrike">
-                <a:solidFill>
-                  <a:schemeClr val="dk1"/>
-                </a:solidFill>
-                <a:latin typeface="Noto Sans CJK KR Regular"/>
-                <a:ea typeface="Noto Sans CJK KR Regular"/>
-              </a:rPr>
-              <a:t>회사에 연락을 </a:t>
-            </a:r>
-            <a:r>
-              <a:rPr b="0" lang="ko-KR" sz="1200" spc="-1" strike="noStrike">
-                <a:solidFill>
-                  <a:schemeClr val="dk1"/>
-                </a:solidFill>
-                <a:latin typeface="Noto Sans CJK KR Regular"/>
-                <a:ea typeface="Noto Sans CJK KR Regular"/>
-              </a:rPr>
-              <a:t>취할 수 </a:t>
-            </a:r>
-            <a:r>
-              <a:rPr b="0" lang="ko-KR" sz="1200" spc="-1" strike="noStrike">
-                <a:solidFill>
-                  <a:schemeClr val="dk1"/>
-                </a:solidFill>
-                <a:latin typeface="Noto Sans CJK KR Regular"/>
-                <a:ea typeface="Noto Sans CJK KR Regular"/>
-              </a:rPr>
-              <a:t>있습니다</a:t>
-            </a:r>
-            <a:r>
-              <a:rPr b="0" lang="en-US" sz="1200" spc="-1" strike="noStrike">
-                <a:solidFill>
-                  <a:schemeClr val="dk1"/>
-                </a:solidFill>
-                <a:latin typeface="Noto Sans CJK KR Regular"/>
-                <a:ea typeface="Noto Sans CJK KR Regular"/>
-              </a:rPr>
-              <a:t>. </a:t>
-            </a:r>
-            <a:r>
-              <a:rPr b="0" lang="ko-KR" sz="1200" spc="-1" strike="noStrike">
-                <a:solidFill>
-                  <a:schemeClr val="dk1"/>
-                </a:solidFill>
-                <a:latin typeface="Noto Sans CJK KR Regular"/>
-                <a:ea typeface="Noto Sans CJK KR Regular"/>
-              </a:rPr>
-              <a:t>해당 내용은 </a:t>
-            </a:r>
-            <a:r>
-              <a:rPr b="0" lang="ko-KR" sz="1200" spc="-1" strike="noStrike">
-                <a:solidFill>
-                  <a:schemeClr val="dk1"/>
-                </a:solidFill>
-                <a:latin typeface="Noto Sans CJK KR Regular"/>
-                <a:ea typeface="Noto Sans CJK KR Regular"/>
-              </a:rPr>
-              <a:t>회사의 메일로 </a:t>
-            </a:r>
-            <a:r>
-              <a:rPr b="0" lang="ko-KR" sz="1200" spc="-1" strike="noStrike">
-                <a:solidFill>
-                  <a:schemeClr val="dk1"/>
-                </a:solidFill>
-                <a:latin typeface="Noto Sans CJK KR Regular"/>
-                <a:ea typeface="Noto Sans CJK KR Regular"/>
-              </a:rPr>
-              <a:t>전송됩니다</a:t>
-            </a:r>
-            <a:r>
-              <a:rPr b="0" lang="en-US" sz="1200" spc="-1" strike="noStrike">
-                <a:solidFill>
-                  <a:schemeClr val="dk1"/>
-                </a:solidFill>
-                <a:latin typeface="Noto Sans CJK KR Regular"/>
-                <a:ea typeface="Noto Sans CJK KR Regular"/>
-              </a:rPr>
-              <a:t>. </a:t>
-            </a:r>
-            <a:r>
-              <a:rPr b="0" lang="ko-KR" sz="1200" spc="-1" strike="noStrike">
-                <a:solidFill>
-                  <a:schemeClr val="dk1"/>
-                </a:solidFill>
-                <a:latin typeface="Noto Sans CJK KR Regular"/>
-                <a:ea typeface="Noto Sans CJK KR Regular"/>
-              </a:rPr>
-              <a:t>메시지 영역이 </a:t>
-            </a:r>
-            <a:r>
-              <a:rPr b="0" lang="ko-KR" sz="1200" spc="-1" strike="noStrike">
-                <a:solidFill>
-                  <a:schemeClr val="dk1"/>
-                </a:solidFill>
-                <a:latin typeface="Noto Sans CJK KR Regular"/>
-                <a:ea typeface="Noto Sans CJK KR Regular"/>
-              </a:rPr>
-              <a:t>비어있지 </a:t>
-            </a:r>
-            <a:r>
-              <a:rPr b="0" lang="ko-KR" sz="1200" spc="-1" strike="noStrike">
-                <a:solidFill>
-                  <a:schemeClr val="dk1"/>
-                </a:solidFill>
-                <a:latin typeface="Noto Sans CJK KR Regular"/>
-                <a:ea typeface="Noto Sans CJK KR Regular"/>
-              </a:rPr>
-              <a:t>않으며</a:t>
-            </a:r>
-            <a:r>
-              <a:rPr b="0" lang="en-US" sz="1200" spc="-1" strike="noStrike">
-                <a:solidFill>
-                  <a:schemeClr val="dk1"/>
-                </a:solidFill>
-                <a:latin typeface="Noto Sans CJK KR Regular"/>
-                <a:ea typeface="Noto Sans CJK KR Regular"/>
-              </a:rPr>
-              <a:t>, </a:t>
-            </a:r>
-            <a:r>
-              <a:rPr b="0" lang="ko-KR" sz="1200" spc="-1" strike="noStrike">
-                <a:solidFill>
-                  <a:schemeClr val="dk1"/>
-                </a:solidFill>
-                <a:latin typeface="Noto Sans CJK KR Regular"/>
-                <a:ea typeface="Noto Sans CJK KR Regular"/>
-              </a:rPr>
-              <a:t>메일 </a:t>
-            </a:r>
-            <a:r>
-              <a:rPr b="0" lang="ko-KR" sz="1200" spc="-1" strike="noStrike">
-                <a:solidFill>
-                  <a:schemeClr val="dk1"/>
-                </a:solidFill>
-                <a:latin typeface="Noto Sans CJK KR Regular"/>
-                <a:ea typeface="Noto Sans CJK KR Regular"/>
-              </a:rPr>
-              <a:t>주소가 유효한 </a:t>
-            </a:r>
-            <a:r>
-              <a:rPr b="0" lang="ko-KR" sz="1200" spc="-1" strike="noStrike">
-                <a:solidFill>
-                  <a:schemeClr val="dk1"/>
-                </a:solidFill>
-                <a:latin typeface="Noto Sans CJK KR Regular"/>
-                <a:ea typeface="Noto Sans CJK KR Regular"/>
-              </a:rPr>
-              <a:t>형태인 </a:t>
-            </a:r>
-            <a:r>
-              <a:rPr b="0" lang="ko-KR" sz="1200" spc="-1" strike="noStrike">
-                <a:solidFill>
-                  <a:schemeClr val="dk1"/>
-                </a:solidFill>
-                <a:latin typeface="Noto Sans CJK KR Regular"/>
-                <a:ea typeface="Noto Sans CJK KR Regular"/>
-              </a:rPr>
-              <a:t>경우에만 </a:t>
-            </a:r>
-            <a:r>
-              <a:rPr b="0" lang="ko-KR" sz="1200" spc="-1" strike="noStrike">
-                <a:solidFill>
-                  <a:schemeClr val="dk1"/>
-                </a:solidFill>
-                <a:latin typeface="Noto Sans CJK KR Regular"/>
-                <a:ea typeface="Noto Sans CJK KR Regular"/>
-              </a:rPr>
-              <a:t>메일이 </a:t>
-            </a:r>
-            <a:r>
-              <a:rPr b="0" lang="ko-KR" sz="1200" spc="-1" strike="noStrike">
-                <a:solidFill>
-                  <a:schemeClr val="dk1"/>
-                </a:solidFill>
-                <a:latin typeface="Noto Sans CJK KR Regular"/>
-                <a:ea typeface="Noto Sans CJK KR Regular"/>
-              </a:rPr>
-              <a:t>전송됩니다</a:t>
-            </a:r>
-            <a:r>
-              <a:rPr b="0" lang="en-US" sz="1200" spc="-1" strike="noStrike">
-                <a:solidFill>
-                  <a:schemeClr val="dk1"/>
-                </a:solidFill>
-                <a:latin typeface="Noto Sans CJK KR Regular"/>
-                <a:ea typeface="Noto Sans CJK KR Regular"/>
-              </a:rPr>
-              <a:t>. </a:t>
-            </a:r>
-            <a:r>
-              <a:rPr b="0" lang="ko-KR" sz="1200" spc="-1" strike="noStrike">
-                <a:solidFill>
-                  <a:schemeClr val="dk1"/>
-                </a:solidFill>
-                <a:latin typeface="Noto Sans CJK KR Regular"/>
-                <a:ea typeface="Noto Sans CJK KR Regular"/>
-              </a:rPr>
-              <a:t>입력된 </a:t>
-            </a:r>
-            <a:r>
-              <a:rPr b="0" lang="ko-KR" sz="1200" spc="-1" strike="noStrike">
-                <a:solidFill>
-                  <a:schemeClr val="dk1"/>
-                </a:solidFill>
-                <a:latin typeface="Noto Sans CJK KR Regular"/>
-                <a:ea typeface="Noto Sans CJK KR Regular"/>
-              </a:rPr>
-              <a:t>사용자의 </a:t>
-            </a:r>
-            <a:r>
-              <a:rPr b="0" lang="ko-KR" sz="1200" spc="-1" strike="noStrike">
-                <a:solidFill>
-                  <a:schemeClr val="dk1"/>
-                </a:solidFill>
-                <a:latin typeface="Noto Sans CJK KR Regular"/>
-                <a:ea typeface="Noto Sans CJK KR Regular"/>
-              </a:rPr>
-              <a:t>메일로도 </a:t>
-            </a:r>
-            <a:r>
-              <a:rPr b="0" lang="ko-KR" sz="1200" spc="-1" strike="noStrike">
-                <a:solidFill>
-                  <a:schemeClr val="dk1"/>
-                </a:solidFill>
-                <a:latin typeface="Noto Sans CJK KR Regular"/>
-                <a:ea typeface="Noto Sans CJK KR Regular"/>
-              </a:rPr>
-              <a:t>사용자의 </a:t>
-            </a:r>
-            <a:r>
-              <a:rPr b="0" lang="ko-KR" sz="1200" spc="-1" strike="noStrike">
-                <a:solidFill>
-                  <a:schemeClr val="dk1"/>
-                </a:solidFill>
-                <a:latin typeface="Noto Sans CJK KR Regular"/>
-                <a:ea typeface="Noto Sans CJK KR Regular"/>
-              </a:rPr>
-              <a:t>연락이 </a:t>
-            </a:r>
-            <a:r>
-              <a:rPr b="0" lang="ko-KR" sz="1200" spc="-1" strike="noStrike">
-                <a:solidFill>
-                  <a:schemeClr val="dk1"/>
-                </a:solidFill>
-                <a:latin typeface="Noto Sans CJK KR Regular"/>
-                <a:ea typeface="Noto Sans CJK KR Regular"/>
-              </a:rPr>
-              <a:t>정상적으로 </a:t>
-            </a:r>
-            <a:r>
-              <a:rPr b="0" lang="ko-KR" sz="1200" spc="-1" strike="noStrike">
-                <a:solidFill>
-                  <a:schemeClr val="dk1"/>
-                </a:solidFill>
-                <a:latin typeface="Noto Sans CJK KR Regular"/>
-                <a:ea typeface="Noto Sans CJK KR Regular"/>
-              </a:rPr>
-              <a:t>전달되었다는 </a:t>
-            </a:r>
-            <a:r>
-              <a:rPr b="0" lang="ko-KR" sz="1200" spc="-1" strike="noStrike">
-                <a:solidFill>
-                  <a:schemeClr val="dk1"/>
-                </a:solidFill>
-                <a:latin typeface="Noto Sans CJK KR Regular"/>
-                <a:ea typeface="Noto Sans CJK KR Regular"/>
-              </a:rPr>
-              <a:t>메일을 </a:t>
-            </a:r>
-            <a:r>
-              <a:rPr b="0" lang="ko-KR" sz="1200" spc="-1" strike="noStrike">
-                <a:solidFill>
-                  <a:schemeClr val="dk1"/>
-                </a:solidFill>
-                <a:latin typeface="Noto Sans CJK KR Regular"/>
-                <a:ea typeface="Noto Sans CJK KR Regular"/>
-              </a:rPr>
-              <a:t>보냅니다</a:t>
-            </a:r>
-            <a:r>
-              <a:rPr b="0" lang="en-US" sz="1200" spc="-1" strike="noStrike">
-                <a:solidFill>
-                  <a:schemeClr val="dk1"/>
-                </a:solidFill>
-                <a:latin typeface="Noto Sans CJK KR Regular"/>
-                <a:ea typeface="Noto Sans CJK KR Regular"/>
-              </a:rPr>
-              <a:t>.</a:t>
+              <a:t>유저가 아이디와 </a:t>
             </a:r>
             <a:endParaRPr b="0" lang="en-US" sz="1200" spc="-1" strike="noStrike">
               <a:solidFill>
@@ -29689,14 +30080,14 @@
       </p:sp>
       <p:sp>
         <p:nvSpPr>
-          <p:cNvPr id="103" name="직사각형 9"/>
+          <p:cNvPr id="106" name="직사각형 9"/>
           <p:cNvSpPr/>
           <p:nvPr/>
         </p:nvSpPr>
         <p:spPr>
           <a:xfrm>
-            <a:off x="3613320" y="3776760"/>
-            <a:ext cx="286200" cy="266040"/>
+            <a:off x="5474160" y="4414320"/>
+            <a:ext cx="285840" cy="265680"/>
           </a:xfrm>
           <a:prstGeom prst="rect">
             <a:avLst/>
@@ -29741,70 +30132,6 @@
                 <a:ea typeface="Noto Sans CJK KR Regular"/>
               </a:rPr>
               <a:t>1</a:t>
-            </a:r>
-            <a:endParaRPr b="0" lang="en-US" sz="1400" spc="-1" strike="noStrike">
-              <a:solidFill>
-                <a:srgbClr val="000000"/>
-              </a:solidFill>
-              <a:latin typeface="Noto Sans CJK KR"/>
-            </a:endParaRPr>
-          </a:p>
-        </p:txBody>
-      </p:sp>
-      <p:sp>
-        <p:nvSpPr>
-          <p:cNvPr id="104" name="직사각형 10"/>
-          <p:cNvSpPr/>
-          <p:nvPr/>
-        </p:nvSpPr>
-        <p:spPr>
-          <a:xfrm>
-            <a:off x="6982200" y="2765880"/>
-            <a:ext cx="286200" cy="266040"/>
-          </a:xfrm>
-          <a:prstGeom prst="rect">
-            <a:avLst/>
-          </a:prstGeom>
-          <a:solidFill>
-            <a:srgbClr val="ff0000"/>
-          </a:solidFill>
-          <a:ln>
-            <a:noFill/>
-          </a:ln>
-        </p:spPr>
-        <p:style>
-          <a:lnRef idx="2">
-            <a:schemeClr val="accent1">
-              <a:shade val="50000"/>
-            </a:schemeClr>
-          </a:lnRef>
-          <a:fillRef idx="1">
-            <a:schemeClr val="accent1"/>
-          </a:fillRef>
-          <a:effectRef idx="0">
-            <a:schemeClr val="accent1"/>
-          </a:effectRef>
-          <a:fontRef idx="minor"/>
-        </p:style>
-        <p:txBody>
-          <a:bodyPr lIns="90000" rIns="90000" tIns="45000" bIns="45000" anchor="ctr">
-            <a:noAutofit/>
-          </a:bodyPr>
-          <a:p>
-            <a:pPr algn="ctr" defTabSz="914400">
-              <a:lnSpc>
-                <a:spcPct val="100000"/>
-              </a:lnSpc>
-            </a:pPr>
-            <a:r>
-              <a:rPr b="1" lang="en-US" sz="1400" spc="-1" strike="noStrike">
-                <a:solidFill>
-                  <a:schemeClr val="lt1"/>
-                </a:solidFill>
-                <a:latin typeface="Noto Sans CJK KR Regular"/>
-                <a:ea typeface="Noto Sans CJK KR Regular"/>
-              </a:rPr>
-              <a:t>2</a:t>
             </a:r>
             <a:endParaRPr b="0" lang="en-US" sz="1400" spc="-1" strike="noStrike">
               <a:solidFill>

--- a/docs/코멘토_기획_화면설계서 양식.pptx
+++ b/docs/코멘토_기획_화면설계서 양식.pptx
@@ -14,7 +14,8 @@
     <p:sldId id="262" r:id="rId8"/>
     <p:sldId id="263" r:id="rId9"/>
     <p:sldId id="264" r:id="rId10"/>
-    <p:sldId id="265" r:id="rId11"/>
+    <p:sldId id="266" r:id="rId11"/>
+    <p:sldId id="265" r:id="rId12"/>
   </p:sldIdLst>
   <p:sldSz cx="12192000" cy="6858000"/>
   <p:notesSz cx="7559675" cy="10691813"/>
@@ -4296,7 +4297,13 @@
         <p:nvGraphicFramePr>
           <p:cNvPr id="44" name="표 9"/>
           <p:cNvGraphicFramePr/>
-          <p:nvPr/>
+          <p:nvPr>
+            <p:extLst>
+              <p:ext uri="{D42A27DB-BD31-4B8C-83A1-F6EECF244321}">
+                <p14:modId xmlns:p14="http://schemas.microsoft.com/office/powerpoint/2010/main" val="63594188"/>
+              </p:ext>
+            </p:extLst>
+          </p:nvPr>
         </p:nvGraphicFramePr>
         <p:xfrm>
           <a:off x="4085640" y="3923640"/>
@@ -4392,16 +4399,16 @@
                         </a:lnSpc>
                       </a:pPr>
                       <a:r>
-                        <a:rPr lang="en-US" sz="1800" b="0" strike="noStrike" spc="-1">
+                        <a:rPr lang="en-US" sz="1800" b="0" strike="noStrike" spc="-1" dirty="0">
                           <a:solidFill>
                             <a:schemeClr val="dk1"/>
                           </a:solidFill>
                           <a:latin typeface="Noto Sans CJK KR Regular"/>
                           <a:ea typeface="Noto Sans CJK KR Regular"/>
                         </a:rPr>
-                        <a:t> v0.2</a:t>
+                        <a:t> v0.3</a:t>
                       </a:r>
-                      <a:endParaRPr lang="en-US" sz="1800" b="0" strike="noStrike" spc="-1">
+                      <a:endParaRPr lang="en-US" sz="1800" b="0" strike="noStrike" spc="-1" dirty="0">
                         <a:solidFill>
                           <a:srgbClr val="000000"/>
                         </a:solidFill>
@@ -4513,16 +4520,16 @@
                         </a:lnSpc>
                       </a:pPr>
                       <a:r>
-                        <a:rPr lang="en-US" sz="1800" b="0" strike="noStrike" spc="-1">
+                        <a:rPr lang="en-US" sz="1800" b="0" strike="noStrike" spc="-1" dirty="0">
                           <a:solidFill>
                             <a:schemeClr val="dk1"/>
                           </a:solidFill>
                           <a:latin typeface="Noto Sans CJK KR Regular"/>
                           <a:ea typeface="Noto Sans CJK KR Regular"/>
                         </a:rPr>
-                        <a:t>2024/1/9</a:t>
+                        <a:t>2024/1/15</a:t>
                       </a:r>
-                      <a:endParaRPr lang="en-US" sz="1800" b="0" strike="noStrike" spc="-1">
+                      <a:endParaRPr lang="en-US" sz="1800" b="0" strike="noStrike" spc="-1" dirty="0">
                         <a:solidFill>
                           <a:srgbClr val="000000"/>
                         </a:solidFill>
@@ -4775,7 +4782,7 @@
                         </a:lnSpc>
                       </a:pPr>
                       <a:r>
-                        <a:rPr lang="ko-KR" sz="1800" b="0" strike="noStrike" spc="-1">
+                        <a:rPr lang="ko-KR" sz="1800" b="0" strike="noStrike" spc="-1" dirty="0">
                           <a:solidFill>
                             <a:schemeClr val="dk1"/>
                           </a:solidFill>
@@ -4784,7 +4791,7 @@
                         </a:rPr>
                         <a:t>안승환</a:t>
                       </a:r>
-                      <a:endParaRPr lang="en-US" sz="1800" b="0" strike="noStrike" spc="-1">
+                      <a:endParaRPr lang="en-US" sz="1800" b="0" strike="noStrike" spc="-1" dirty="0">
                         <a:solidFill>
                           <a:srgbClr val="000000"/>
                         </a:solidFill>
@@ -4839,6 +4846,1236 @@
 </file>
 
 <file path=ppt/slides/slide10.xml><?xml version="1.0" encoding="utf-8"?>
+<p:sld xmlns:a="http://schemas.openxmlformats.org/drawingml/2006/main" xmlns:r="http://schemas.openxmlformats.org/officeDocument/2006/relationships" xmlns:p="http://schemas.openxmlformats.org/presentationml/2006/main">
+  <p:cSld>
+    <p:spTree>
+      <p:nvGrpSpPr>
+        <p:cNvPr id="1" name=""/>
+        <p:cNvGrpSpPr/>
+        <p:nvPr/>
+      </p:nvGrpSpPr>
+      <p:grpSpPr>
+        <a:xfrm>
+          <a:off x="0" y="0"/>
+          <a:ext cx="0" cy="0"/>
+          <a:chOff x="0" y="0"/>
+          <a:chExt cx="0" cy="0"/>
+        </a:xfrm>
+      </p:grpSpPr>
+      <p:pic>
+        <p:nvPicPr>
+          <p:cNvPr id="6" name="그림 5">
+            <a:extLst>
+              <a:ext uri="{FF2B5EF4-FFF2-40B4-BE49-F238E27FC236}">
+                <a16:creationId xmlns:a16="http://schemas.microsoft.com/office/drawing/2014/main" id="{CAD4DF68-EE2A-E663-16E1-E30D9327F877}"/>
+              </a:ext>
+            </a:extLst>
+          </p:cNvPr>
+          <p:cNvPicPr>
+            <a:picLocks noChangeAspect="1"/>
+          </p:cNvPicPr>
+          <p:nvPr/>
+        </p:nvPicPr>
+        <p:blipFill>
+          <a:blip r:embed="rId2"/>
+          <a:stretch>
+            <a:fillRect/>
+          </a:stretch>
+        </p:blipFill>
+        <p:spPr>
+          <a:xfrm>
+            <a:off x="1133441" y="1231878"/>
+            <a:ext cx="7019959" cy="4999722"/>
+          </a:xfrm>
+          <a:prstGeom prst="rect">
+            <a:avLst/>
+          </a:prstGeom>
+        </p:spPr>
+      </p:pic>
+      <p:graphicFrame>
+        <p:nvGraphicFramePr>
+          <p:cNvPr id="98" name="표 1"/>
+          <p:cNvGraphicFramePr/>
+          <p:nvPr/>
+        </p:nvGraphicFramePr>
+        <p:xfrm>
+          <a:off x="474120" y="334080"/>
+          <a:ext cx="5446800" cy="291960"/>
+        </p:xfrm>
+        <a:graphic>
+          <a:graphicData uri="http://schemas.openxmlformats.org/drawingml/2006/table">
+            <a:tbl>
+              <a:tblPr/>
+              <a:tblGrid>
+                <a:gridCol w="1766520">
+                  <a:extLst>
+                    <a:ext uri="{9D8B030D-6E8A-4147-A177-3AD203B41FA5}">
+                      <a16:colId xmlns:a16="http://schemas.microsoft.com/office/drawing/2014/main" val="20000"/>
+                    </a:ext>
+                  </a:extLst>
+                </a:gridCol>
+                <a:gridCol w="3680280">
+                  <a:extLst>
+                    <a:ext uri="{9D8B030D-6E8A-4147-A177-3AD203B41FA5}">
+                      <a16:colId xmlns:a16="http://schemas.microsoft.com/office/drawing/2014/main" val="20001"/>
+                    </a:ext>
+                  </a:extLst>
+                </a:gridCol>
+              </a:tblGrid>
+              <a:tr h="291960">
+                <a:tc>
+                  <a:txBody>
+                    <a:bodyPr/>
+                    <a:lstStyle/>
+                    <a:p>
+                      <a:pPr algn="ctr" defTabSz="914400">
+                        <a:lnSpc>
+                          <a:spcPct val="100000"/>
+                        </a:lnSpc>
+                      </a:pPr>
+                      <a:r>
+                        <a:rPr lang="ko-KR" sz="1200" b="0" strike="noStrike" spc="-1">
+                          <a:solidFill>
+                            <a:schemeClr val="dk1"/>
+                          </a:solidFill>
+                          <a:latin typeface="Noto Sans CJK KR Regular"/>
+                          <a:ea typeface="Noto Sans CJK KR Regular"/>
+                        </a:rPr>
+                        <a:t>프로젝트명</a:t>
+                      </a:r>
+                      <a:endParaRPr lang="en-US" sz="1200" b="0" strike="noStrike" spc="-1">
+                        <a:solidFill>
+                          <a:srgbClr val="000000"/>
+                        </a:solidFill>
+                        <a:latin typeface="Noto Sans CJK KR"/>
+                      </a:endParaRPr>
+                    </a:p>
+                  </a:txBody>
+                  <a:tcPr>
+                    <a:lnL w="12240">
+                      <a:solidFill>
+                        <a:srgbClr val="000000"/>
+                      </a:solidFill>
+                      <a:prstDash val="solid"/>
+                    </a:lnL>
+                    <a:lnR w="12240">
+                      <a:solidFill>
+                        <a:srgbClr val="000000"/>
+                      </a:solidFill>
+                      <a:prstDash val="solid"/>
+                    </a:lnR>
+                    <a:lnT w="12240">
+                      <a:solidFill>
+                        <a:srgbClr val="000000"/>
+                      </a:solidFill>
+                      <a:prstDash val="solid"/>
+                    </a:lnT>
+                    <a:lnB w="12240">
+                      <a:solidFill>
+                        <a:srgbClr val="000000"/>
+                      </a:solidFill>
+                      <a:prstDash val="solid"/>
+                    </a:lnB>
+                    <a:solidFill>
+                      <a:schemeClr val="lt2"/>
+                    </a:solidFill>
+                  </a:tcPr>
+                </a:tc>
+                <a:tc>
+                  <a:txBody>
+                    <a:bodyPr/>
+                    <a:lstStyle/>
+                    <a:p>
+                      <a:pPr defTabSz="914400">
+                        <a:lnSpc>
+                          <a:spcPct val="100000"/>
+                        </a:lnSpc>
+                      </a:pPr>
+                      <a:r>
+                        <a:rPr lang="en-US" sz="1200" b="0" strike="noStrike" spc="-1">
+                          <a:solidFill>
+                            <a:schemeClr val="dk1"/>
+                          </a:solidFill>
+                          <a:latin typeface="Noto Sans CJK KR Regular"/>
+                          <a:ea typeface="Noto Sans CJK KR Regular"/>
+                        </a:rPr>
+                        <a:t> Paperworks website</a:t>
+                      </a:r>
+                      <a:endParaRPr lang="en-US" sz="1200" b="0" strike="noStrike" spc="-1">
+                        <a:solidFill>
+                          <a:srgbClr val="000000"/>
+                        </a:solidFill>
+                        <a:latin typeface="Noto Sans CJK KR"/>
+                      </a:endParaRPr>
+                    </a:p>
+                  </a:txBody>
+                  <a:tcPr>
+                    <a:lnL w="12240">
+                      <a:solidFill>
+                        <a:srgbClr val="000000"/>
+                      </a:solidFill>
+                      <a:prstDash val="solid"/>
+                    </a:lnL>
+                    <a:lnR w="12240">
+                      <a:solidFill>
+                        <a:srgbClr val="000000"/>
+                      </a:solidFill>
+                      <a:prstDash val="solid"/>
+                    </a:lnR>
+                    <a:lnT w="12240">
+                      <a:solidFill>
+                        <a:srgbClr val="000000"/>
+                      </a:solidFill>
+                      <a:prstDash val="solid"/>
+                    </a:lnT>
+                    <a:lnB w="12240">
+                      <a:solidFill>
+                        <a:srgbClr val="000000"/>
+                      </a:solidFill>
+                      <a:prstDash val="solid"/>
+                    </a:lnB>
+                    <a:noFill/>
+                  </a:tcPr>
+                </a:tc>
+                <a:extLst>
+                  <a:ext uri="{0D108BD9-81ED-4DB2-BD59-A6C34878D82A}">
+                    <a16:rowId xmlns:a16="http://schemas.microsoft.com/office/drawing/2014/main" val="10000"/>
+                  </a:ext>
+                </a:extLst>
+              </a:tr>
+            </a:tbl>
+          </a:graphicData>
+        </a:graphic>
+      </p:graphicFrame>
+      <p:graphicFrame>
+        <p:nvGraphicFramePr>
+          <p:cNvPr id="99" name="표 2"/>
+          <p:cNvGraphicFramePr/>
+          <p:nvPr/>
+        </p:nvGraphicFramePr>
+        <p:xfrm>
+          <a:off x="5921280" y="334080"/>
+          <a:ext cx="2814120" cy="291960"/>
+        </p:xfrm>
+        <a:graphic>
+          <a:graphicData uri="http://schemas.openxmlformats.org/drawingml/2006/table">
+            <a:tbl>
+              <a:tblPr/>
+              <a:tblGrid>
+                <a:gridCol w="912600">
+                  <a:extLst>
+                    <a:ext uri="{9D8B030D-6E8A-4147-A177-3AD203B41FA5}">
+                      <a16:colId xmlns:a16="http://schemas.microsoft.com/office/drawing/2014/main" val="20000"/>
+                    </a:ext>
+                  </a:extLst>
+                </a:gridCol>
+                <a:gridCol w="1901520">
+                  <a:extLst>
+                    <a:ext uri="{9D8B030D-6E8A-4147-A177-3AD203B41FA5}">
+                      <a16:colId xmlns:a16="http://schemas.microsoft.com/office/drawing/2014/main" val="20001"/>
+                    </a:ext>
+                  </a:extLst>
+                </a:gridCol>
+              </a:tblGrid>
+              <a:tr h="291960">
+                <a:tc>
+                  <a:txBody>
+                    <a:bodyPr/>
+                    <a:lstStyle/>
+                    <a:p>
+                      <a:pPr algn="ctr" defTabSz="914400">
+                        <a:lnSpc>
+                          <a:spcPct val="100000"/>
+                        </a:lnSpc>
+                      </a:pPr>
+                      <a:r>
+                        <a:rPr lang="ko-KR" sz="1200" b="0" strike="noStrike" spc="-1">
+                          <a:solidFill>
+                            <a:schemeClr val="dk1"/>
+                          </a:solidFill>
+                          <a:latin typeface="Noto Sans CJK KR Regular"/>
+                          <a:ea typeface="Noto Sans CJK KR Regular"/>
+                        </a:rPr>
+                        <a:t>작성일</a:t>
+                      </a:r>
+                      <a:endParaRPr lang="en-US" sz="1200" b="0" strike="noStrike" spc="-1">
+                        <a:solidFill>
+                          <a:srgbClr val="000000"/>
+                        </a:solidFill>
+                        <a:latin typeface="Noto Sans CJK KR"/>
+                      </a:endParaRPr>
+                    </a:p>
+                  </a:txBody>
+                  <a:tcPr>
+                    <a:lnL w="12240">
+                      <a:solidFill>
+                        <a:srgbClr val="000000"/>
+                      </a:solidFill>
+                      <a:prstDash val="solid"/>
+                    </a:lnL>
+                    <a:lnR w="12240">
+                      <a:solidFill>
+                        <a:srgbClr val="000000"/>
+                      </a:solidFill>
+                      <a:prstDash val="solid"/>
+                    </a:lnR>
+                    <a:lnT w="12240">
+                      <a:solidFill>
+                        <a:srgbClr val="000000"/>
+                      </a:solidFill>
+                      <a:prstDash val="solid"/>
+                    </a:lnT>
+                    <a:lnB w="12240">
+                      <a:solidFill>
+                        <a:srgbClr val="000000"/>
+                      </a:solidFill>
+                      <a:prstDash val="solid"/>
+                    </a:lnB>
+                    <a:solidFill>
+                      <a:schemeClr val="lt2"/>
+                    </a:solidFill>
+                  </a:tcPr>
+                </a:tc>
+                <a:tc>
+                  <a:txBody>
+                    <a:bodyPr/>
+                    <a:lstStyle/>
+                    <a:p>
+                      <a:pPr defTabSz="914400">
+                        <a:lnSpc>
+                          <a:spcPct val="100000"/>
+                        </a:lnSpc>
+                      </a:pPr>
+                      <a:r>
+                        <a:rPr lang="en-US" sz="1200" b="0" strike="noStrike" spc="-1">
+                          <a:solidFill>
+                            <a:schemeClr val="dk1"/>
+                          </a:solidFill>
+                          <a:latin typeface="Noto Sans CJK KR Regular"/>
+                          <a:ea typeface="Noto Sans CJK KR Regular"/>
+                        </a:rPr>
+                        <a:t> 2024/1/2</a:t>
+                      </a:r>
+                      <a:endParaRPr lang="en-US" sz="1200" b="0" strike="noStrike" spc="-1">
+                        <a:solidFill>
+                          <a:srgbClr val="000000"/>
+                        </a:solidFill>
+                        <a:latin typeface="Noto Sans CJK KR"/>
+                      </a:endParaRPr>
+                    </a:p>
+                  </a:txBody>
+                  <a:tcPr>
+                    <a:lnL w="12240">
+                      <a:solidFill>
+                        <a:srgbClr val="000000"/>
+                      </a:solidFill>
+                      <a:prstDash val="solid"/>
+                    </a:lnL>
+                    <a:lnR w="12240">
+                      <a:solidFill>
+                        <a:srgbClr val="000000"/>
+                      </a:solidFill>
+                      <a:prstDash val="solid"/>
+                    </a:lnR>
+                    <a:lnT w="12240">
+                      <a:solidFill>
+                        <a:srgbClr val="000000"/>
+                      </a:solidFill>
+                      <a:prstDash val="solid"/>
+                    </a:lnT>
+                    <a:lnB w="12240">
+                      <a:solidFill>
+                        <a:srgbClr val="000000"/>
+                      </a:solidFill>
+                      <a:prstDash val="solid"/>
+                    </a:lnB>
+                    <a:noFill/>
+                  </a:tcPr>
+                </a:tc>
+                <a:extLst>
+                  <a:ext uri="{0D108BD9-81ED-4DB2-BD59-A6C34878D82A}">
+                    <a16:rowId xmlns:a16="http://schemas.microsoft.com/office/drawing/2014/main" val="10000"/>
+                  </a:ext>
+                </a:extLst>
+              </a:tr>
+            </a:tbl>
+          </a:graphicData>
+        </a:graphic>
+      </p:graphicFrame>
+      <p:graphicFrame>
+        <p:nvGraphicFramePr>
+          <p:cNvPr id="100" name="표 3"/>
+          <p:cNvGraphicFramePr/>
+          <p:nvPr/>
+        </p:nvGraphicFramePr>
+        <p:xfrm>
+          <a:off x="8735760" y="334080"/>
+          <a:ext cx="2814120" cy="291960"/>
+        </p:xfrm>
+        <a:graphic>
+          <a:graphicData uri="http://schemas.openxmlformats.org/drawingml/2006/table">
+            <a:tbl>
+              <a:tblPr/>
+              <a:tblGrid>
+                <a:gridCol w="912600">
+                  <a:extLst>
+                    <a:ext uri="{9D8B030D-6E8A-4147-A177-3AD203B41FA5}">
+                      <a16:colId xmlns:a16="http://schemas.microsoft.com/office/drawing/2014/main" val="20000"/>
+                    </a:ext>
+                  </a:extLst>
+                </a:gridCol>
+                <a:gridCol w="1901520">
+                  <a:extLst>
+                    <a:ext uri="{9D8B030D-6E8A-4147-A177-3AD203B41FA5}">
+                      <a16:colId xmlns:a16="http://schemas.microsoft.com/office/drawing/2014/main" val="20001"/>
+                    </a:ext>
+                  </a:extLst>
+                </a:gridCol>
+              </a:tblGrid>
+              <a:tr h="291960">
+                <a:tc>
+                  <a:txBody>
+                    <a:bodyPr/>
+                    <a:lstStyle/>
+                    <a:p>
+                      <a:pPr algn="ctr" defTabSz="914400">
+                        <a:lnSpc>
+                          <a:spcPct val="100000"/>
+                        </a:lnSpc>
+                      </a:pPr>
+                      <a:r>
+                        <a:rPr lang="ko-KR" sz="1200" b="0" strike="noStrike" spc="-1">
+                          <a:solidFill>
+                            <a:schemeClr val="dk1"/>
+                          </a:solidFill>
+                          <a:latin typeface="Noto Sans CJK KR Regular"/>
+                          <a:ea typeface="Noto Sans CJK KR Regular"/>
+                        </a:rPr>
+                        <a:t>작성자</a:t>
+                      </a:r>
+                      <a:endParaRPr lang="en-US" sz="1200" b="0" strike="noStrike" spc="-1">
+                        <a:solidFill>
+                          <a:srgbClr val="000000"/>
+                        </a:solidFill>
+                        <a:latin typeface="Noto Sans CJK KR"/>
+                      </a:endParaRPr>
+                    </a:p>
+                  </a:txBody>
+                  <a:tcPr>
+                    <a:lnL w="12240">
+                      <a:solidFill>
+                        <a:srgbClr val="000000"/>
+                      </a:solidFill>
+                      <a:prstDash val="solid"/>
+                    </a:lnL>
+                    <a:lnR w="12240">
+                      <a:solidFill>
+                        <a:srgbClr val="000000"/>
+                      </a:solidFill>
+                      <a:prstDash val="solid"/>
+                    </a:lnR>
+                    <a:lnT w="12240">
+                      <a:solidFill>
+                        <a:srgbClr val="000000"/>
+                      </a:solidFill>
+                      <a:prstDash val="solid"/>
+                    </a:lnT>
+                    <a:lnB w="12240">
+                      <a:solidFill>
+                        <a:srgbClr val="000000"/>
+                      </a:solidFill>
+                      <a:prstDash val="solid"/>
+                    </a:lnB>
+                    <a:solidFill>
+                      <a:schemeClr val="lt2"/>
+                    </a:solidFill>
+                  </a:tcPr>
+                </a:tc>
+                <a:tc>
+                  <a:txBody>
+                    <a:bodyPr/>
+                    <a:lstStyle/>
+                    <a:p>
+                      <a:pPr defTabSz="914400">
+                        <a:lnSpc>
+                          <a:spcPct val="100000"/>
+                        </a:lnSpc>
+                      </a:pPr>
+                      <a:r>
+                        <a:rPr lang="ko-KR" sz="1200" b="0" strike="noStrike" spc="-1">
+                          <a:solidFill>
+                            <a:schemeClr val="dk1"/>
+                          </a:solidFill>
+                          <a:latin typeface="Noto Sans CJK KR Regular"/>
+                          <a:ea typeface="Noto Sans CJK KR Regular"/>
+                        </a:rPr>
+                        <a:t>안승환</a:t>
+                      </a:r>
+                      <a:endParaRPr lang="en-US" sz="1200" b="0" strike="noStrike" spc="-1">
+                        <a:solidFill>
+                          <a:srgbClr val="000000"/>
+                        </a:solidFill>
+                        <a:latin typeface="Noto Sans CJK KR"/>
+                      </a:endParaRPr>
+                    </a:p>
+                  </a:txBody>
+                  <a:tcPr>
+                    <a:lnL w="12240">
+                      <a:solidFill>
+                        <a:srgbClr val="000000"/>
+                      </a:solidFill>
+                      <a:prstDash val="solid"/>
+                    </a:lnL>
+                    <a:lnR w="12240">
+                      <a:solidFill>
+                        <a:srgbClr val="000000"/>
+                      </a:solidFill>
+                      <a:prstDash val="solid"/>
+                    </a:lnR>
+                    <a:lnT w="12240">
+                      <a:solidFill>
+                        <a:srgbClr val="000000"/>
+                      </a:solidFill>
+                      <a:prstDash val="solid"/>
+                    </a:lnT>
+                    <a:lnB w="12240">
+                      <a:solidFill>
+                        <a:srgbClr val="000000"/>
+                      </a:solidFill>
+                      <a:prstDash val="solid"/>
+                    </a:lnB>
+                    <a:noFill/>
+                  </a:tcPr>
+                </a:tc>
+                <a:extLst>
+                  <a:ext uri="{0D108BD9-81ED-4DB2-BD59-A6C34878D82A}">
+                    <a16:rowId xmlns:a16="http://schemas.microsoft.com/office/drawing/2014/main" val="10000"/>
+                  </a:ext>
+                </a:extLst>
+              </a:tr>
+            </a:tbl>
+          </a:graphicData>
+        </a:graphic>
+      </p:graphicFrame>
+      <p:graphicFrame>
+        <p:nvGraphicFramePr>
+          <p:cNvPr id="101" name="표 6"/>
+          <p:cNvGraphicFramePr/>
+          <p:nvPr>
+            <p:extLst>
+              <p:ext uri="{D42A27DB-BD31-4B8C-83A1-F6EECF244321}">
+                <p14:modId xmlns:p14="http://schemas.microsoft.com/office/powerpoint/2010/main" val="3339149240"/>
+              </p:ext>
+            </p:extLst>
+          </p:nvPr>
+        </p:nvGraphicFramePr>
+        <p:xfrm>
+          <a:off x="474120" y="626400"/>
+          <a:ext cx="8260920" cy="291960"/>
+        </p:xfrm>
+        <a:graphic>
+          <a:graphicData uri="http://schemas.openxmlformats.org/drawingml/2006/table">
+            <a:tbl>
+              <a:tblPr/>
+              <a:tblGrid>
+                <a:gridCol w="1753920">
+                  <a:extLst>
+                    <a:ext uri="{9D8B030D-6E8A-4147-A177-3AD203B41FA5}">
+                      <a16:colId xmlns:a16="http://schemas.microsoft.com/office/drawing/2014/main" val="20000"/>
+                    </a:ext>
+                  </a:extLst>
+                </a:gridCol>
+                <a:gridCol w="6507000">
+                  <a:extLst>
+                    <a:ext uri="{9D8B030D-6E8A-4147-A177-3AD203B41FA5}">
+                      <a16:colId xmlns:a16="http://schemas.microsoft.com/office/drawing/2014/main" val="20001"/>
+                    </a:ext>
+                  </a:extLst>
+                </a:gridCol>
+              </a:tblGrid>
+              <a:tr h="291960">
+                <a:tc>
+                  <a:txBody>
+                    <a:bodyPr/>
+                    <a:lstStyle/>
+                    <a:p>
+                      <a:pPr algn="ctr" defTabSz="914400">
+                        <a:lnSpc>
+                          <a:spcPct val="100000"/>
+                        </a:lnSpc>
+                      </a:pPr>
+                      <a:r>
+                        <a:rPr lang="ko-KR" sz="1200" b="0" strike="noStrike" spc="-1">
+                          <a:solidFill>
+                            <a:schemeClr val="dk1"/>
+                          </a:solidFill>
+                          <a:latin typeface="Noto Sans CJK KR Regular"/>
+                          <a:ea typeface="Noto Sans CJK KR Regular"/>
+                        </a:rPr>
+                        <a:t>화면경로</a:t>
+                      </a:r>
+                      <a:endParaRPr lang="en-US" sz="1200" b="0" strike="noStrike" spc="-1">
+                        <a:solidFill>
+                          <a:srgbClr val="000000"/>
+                        </a:solidFill>
+                        <a:latin typeface="Noto Sans CJK KR"/>
+                      </a:endParaRPr>
+                    </a:p>
+                  </a:txBody>
+                  <a:tcPr>
+                    <a:lnL w="12240">
+                      <a:solidFill>
+                        <a:srgbClr val="000000"/>
+                      </a:solidFill>
+                      <a:prstDash val="solid"/>
+                    </a:lnL>
+                    <a:lnR w="12240">
+                      <a:solidFill>
+                        <a:srgbClr val="000000"/>
+                      </a:solidFill>
+                      <a:prstDash val="solid"/>
+                    </a:lnR>
+                    <a:lnT w="12240">
+                      <a:solidFill>
+                        <a:srgbClr val="000000"/>
+                      </a:solidFill>
+                      <a:prstDash val="solid"/>
+                    </a:lnT>
+                    <a:lnB w="12240">
+                      <a:solidFill>
+                        <a:srgbClr val="000000"/>
+                      </a:solidFill>
+                      <a:prstDash val="solid"/>
+                    </a:lnB>
+                    <a:solidFill>
+                      <a:schemeClr val="lt2"/>
+                    </a:solidFill>
+                  </a:tcPr>
+                </a:tc>
+                <a:tc>
+                  <a:txBody>
+                    <a:bodyPr/>
+                    <a:lstStyle/>
+                    <a:p>
+                      <a:pPr defTabSz="914400">
+                        <a:lnSpc>
+                          <a:spcPct val="100000"/>
+                        </a:lnSpc>
+                      </a:pPr>
+                      <a:r>
+                        <a:rPr lang="en-US" sz="1200" b="0" strike="noStrike" spc="-1" dirty="0">
+                          <a:solidFill>
+                            <a:schemeClr val="dk1"/>
+                          </a:solidFill>
+                          <a:latin typeface="Noto Sans CJK KR Regular"/>
+                          <a:ea typeface="Noto Sans CJK KR Regular"/>
+                        </a:rPr>
+                        <a:t> Signup(</a:t>
+                      </a:r>
+                      <a:r>
+                        <a:rPr lang="ko-KR" sz="1200" b="0" strike="noStrike" spc="-1" dirty="0">
+                          <a:solidFill>
+                            <a:schemeClr val="dk1"/>
+                          </a:solidFill>
+                          <a:latin typeface="Noto Sans CJK KR Regular"/>
+                          <a:ea typeface="Noto Sans CJK KR Regular"/>
+                        </a:rPr>
+                        <a:t>헤더 </a:t>
+                      </a:r>
+                      <a:r>
+                        <a:rPr lang="en-US" sz="1200" b="0" strike="noStrike" spc="-1" dirty="0">
+                          <a:solidFill>
+                            <a:schemeClr val="dk1"/>
+                          </a:solidFill>
+                          <a:latin typeface="Noto Sans CJK KR Regular"/>
+                          <a:ea typeface="Noto Sans CJK KR Regular"/>
+                        </a:rPr>
+                        <a:t>&gt; login &gt; Signup)</a:t>
+                      </a:r>
+                      <a:endParaRPr lang="en-US" sz="1200" b="0" strike="noStrike" spc="-1" dirty="0">
+                        <a:solidFill>
+                          <a:srgbClr val="000000"/>
+                        </a:solidFill>
+                        <a:latin typeface="Noto Sans CJK KR"/>
+                      </a:endParaRPr>
+                    </a:p>
+                  </a:txBody>
+                  <a:tcPr>
+                    <a:lnL w="12240">
+                      <a:solidFill>
+                        <a:srgbClr val="000000"/>
+                      </a:solidFill>
+                      <a:prstDash val="solid"/>
+                    </a:lnL>
+                    <a:lnR w="12240">
+                      <a:solidFill>
+                        <a:srgbClr val="000000"/>
+                      </a:solidFill>
+                      <a:prstDash val="solid"/>
+                    </a:lnR>
+                    <a:lnT w="12240">
+                      <a:solidFill>
+                        <a:srgbClr val="000000"/>
+                      </a:solidFill>
+                      <a:prstDash val="solid"/>
+                    </a:lnT>
+                    <a:lnB w="12240">
+                      <a:solidFill>
+                        <a:srgbClr val="000000"/>
+                      </a:solidFill>
+                      <a:prstDash val="solid"/>
+                    </a:lnB>
+                    <a:noFill/>
+                  </a:tcPr>
+                </a:tc>
+                <a:extLst>
+                  <a:ext uri="{0D108BD9-81ED-4DB2-BD59-A6C34878D82A}">
+                    <a16:rowId xmlns:a16="http://schemas.microsoft.com/office/drawing/2014/main" val="10000"/>
+                  </a:ext>
+                </a:extLst>
+              </a:tr>
+            </a:tbl>
+          </a:graphicData>
+        </a:graphic>
+      </p:graphicFrame>
+      <p:sp>
+        <p:nvSpPr>
+          <p:cNvPr id="102" name="직사각형 4"/>
+          <p:cNvSpPr/>
+          <p:nvPr/>
+        </p:nvSpPr>
+        <p:spPr>
+          <a:xfrm>
+            <a:off x="474120" y="1003320"/>
+            <a:ext cx="8260560" cy="5519880"/>
+          </a:xfrm>
+          <a:prstGeom prst="rect">
+            <a:avLst/>
+          </a:prstGeom>
+          <a:noFill/>
+          <a:ln w="19050">
+            <a:solidFill>
+              <a:srgbClr val="325490"/>
+            </a:solidFill>
+          </a:ln>
+        </p:spPr>
+        <p:style>
+          <a:lnRef idx="2">
+            <a:schemeClr val="accent1">
+              <a:shade val="50000"/>
+            </a:schemeClr>
+          </a:lnRef>
+          <a:fillRef idx="1">
+            <a:schemeClr val="accent1"/>
+          </a:fillRef>
+          <a:effectRef idx="0">
+            <a:schemeClr val="accent1"/>
+          </a:effectRef>
+          <a:fontRef idx="minor"/>
+        </p:style>
+        <p:txBody>
+          <a:bodyPr lIns="90000" tIns="45000" rIns="90000" bIns="45000" anchor="ctr">
+            <a:noAutofit/>
+          </a:bodyPr>
+          <a:lstStyle/>
+          <a:p>
+            <a:pPr>
+              <a:lnSpc>
+                <a:spcPct val="100000"/>
+              </a:lnSpc>
+            </a:pPr>
+            <a:endParaRPr lang="en-US" sz="1800" b="0" strike="noStrike" spc="-1">
+              <a:solidFill>
+                <a:schemeClr val="lt1"/>
+              </a:solidFill>
+              <a:latin typeface="맑은 고딕"/>
+            </a:endParaRPr>
+          </a:p>
+        </p:txBody>
+      </p:sp>
+      <p:sp>
+        <p:nvSpPr>
+          <p:cNvPr id="103" name="직사각형 7"/>
+          <p:cNvSpPr/>
+          <p:nvPr/>
+        </p:nvSpPr>
+        <p:spPr>
+          <a:xfrm>
+            <a:off x="8735760" y="1003320"/>
+            <a:ext cx="2813400" cy="291240"/>
+          </a:xfrm>
+          <a:prstGeom prst="rect">
+            <a:avLst/>
+          </a:prstGeom>
+          <a:solidFill>
+            <a:schemeClr val="bg1">
+              <a:lumMod val="85000"/>
+            </a:schemeClr>
+          </a:solidFill>
+          <a:ln w="19050">
+            <a:solidFill>
+              <a:srgbClr val="325490"/>
+            </a:solidFill>
+          </a:ln>
+        </p:spPr>
+        <p:style>
+          <a:lnRef idx="2">
+            <a:schemeClr val="accent1">
+              <a:shade val="50000"/>
+            </a:schemeClr>
+          </a:lnRef>
+          <a:fillRef idx="1">
+            <a:schemeClr val="accent1"/>
+          </a:fillRef>
+          <a:effectRef idx="0">
+            <a:schemeClr val="accent1"/>
+          </a:effectRef>
+          <a:fontRef idx="minor"/>
+        </p:style>
+        <p:txBody>
+          <a:bodyPr lIns="90000" tIns="45000" rIns="90000" bIns="45000" anchor="ctr">
+            <a:noAutofit/>
+          </a:bodyPr>
+          <a:lstStyle/>
+          <a:p>
+            <a:pPr algn="ctr" defTabSz="914400">
+              <a:lnSpc>
+                <a:spcPct val="100000"/>
+              </a:lnSpc>
+            </a:pPr>
+            <a:r>
+              <a:rPr lang="ko-KR" sz="1200" b="0" strike="noStrike" spc="-1">
+                <a:solidFill>
+                  <a:schemeClr val="dk1"/>
+                </a:solidFill>
+                <a:latin typeface="Noto Sans CJK KR Regular"/>
+                <a:ea typeface="Noto Sans CJK KR Regular"/>
+              </a:rPr>
+              <a:t>화면 설명</a:t>
+            </a:r>
+            <a:endParaRPr lang="en-US" sz="1200" b="0" strike="noStrike" spc="-1">
+              <a:solidFill>
+                <a:srgbClr val="000000"/>
+              </a:solidFill>
+              <a:latin typeface="Noto Sans CJK KR"/>
+            </a:endParaRPr>
+          </a:p>
+        </p:txBody>
+      </p:sp>
+      <p:graphicFrame>
+        <p:nvGraphicFramePr>
+          <p:cNvPr id="104" name="표 8"/>
+          <p:cNvGraphicFramePr/>
+          <p:nvPr/>
+        </p:nvGraphicFramePr>
+        <p:xfrm>
+          <a:off x="8735760" y="626400"/>
+          <a:ext cx="2814120" cy="291960"/>
+        </p:xfrm>
+        <a:graphic>
+          <a:graphicData uri="http://schemas.openxmlformats.org/drawingml/2006/table">
+            <a:tbl>
+              <a:tblPr/>
+              <a:tblGrid>
+                <a:gridCol w="912600">
+                  <a:extLst>
+                    <a:ext uri="{9D8B030D-6E8A-4147-A177-3AD203B41FA5}">
+                      <a16:colId xmlns:a16="http://schemas.microsoft.com/office/drawing/2014/main" val="20000"/>
+                    </a:ext>
+                  </a:extLst>
+                </a:gridCol>
+                <a:gridCol w="1901520">
+                  <a:extLst>
+                    <a:ext uri="{9D8B030D-6E8A-4147-A177-3AD203B41FA5}">
+                      <a16:colId xmlns:a16="http://schemas.microsoft.com/office/drawing/2014/main" val="20001"/>
+                    </a:ext>
+                  </a:extLst>
+                </a:gridCol>
+              </a:tblGrid>
+              <a:tr h="291960">
+                <a:tc>
+                  <a:txBody>
+                    <a:bodyPr/>
+                    <a:lstStyle/>
+                    <a:p>
+                      <a:pPr algn="ctr" defTabSz="914400">
+                        <a:lnSpc>
+                          <a:spcPct val="100000"/>
+                        </a:lnSpc>
+                      </a:pPr>
+                      <a:r>
+                        <a:rPr lang="ko-KR" sz="1200" b="0" strike="noStrike" spc="-1">
+                          <a:solidFill>
+                            <a:schemeClr val="dk1"/>
+                          </a:solidFill>
+                          <a:latin typeface="Noto Sans CJK KR Regular"/>
+                          <a:ea typeface="Noto Sans CJK KR Regular"/>
+                        </a:rPr>
+                        <a:t>화면</a:t>
+                      </a:r>
+                      <a:r>
+                        <a:rPr lang="en-US" sz="1200" b="0" strike="noStrike" spc="-1">
+                          <a:solidFill>
+                            <a:schemeClr val="dk1"/>
+                          </a:solidFill>
+                          <a:latin typeface="Noto Sans CJK KR Regular"/>
+                          <a:ea typeface="Noto Sans CJK KR Regular"/>
+                        </a:rPr>
+                        <a:t>ID</a:t>
+                      </a:r>
+                      <a:endParaRPr lang="en-US" sz="1200" b="0" strike="noStrike" spc="-1">
+                        <a:solidFill>
+                          <a:srgbClr val="000000"/>
+                        </a:solidFill>
+                        <a:latin typeface="Noto Sans CJK KR"/>
+                      </a:endParaRPr>
+                    </a:p>
+                  </a:txBody>
+                  <a:tcPr>
+                    <a:lnL w="12240">
+                      <a:solidFill>
+                        <a:srgbClr val="000000"/>
+                      </a:solidFill>
+                      <a:prstDash val="solid"/>
+                    </a:lnL>
+                    <a:lnR w="12240">
+                      <a:solidFill>
+                        <a:srgbClr val="000000"/>
+                      </a:solidFill>
+                      <a:prstDash val="solid"/>
+                    </a:lnR>
+                    <a:lnT w="12240">
+                      <a:solidFill>
+                        <a:srgbClr val="000000"/>
+                      </a:solidFill>
+                      <a:prstDash val="solid"/>
+                    </a:lnT>
+                    <a:lnB w="12240">
+                      <a:solidFill>
+                        <a:srgbClr val="000000"/>
+                      </a:solidFill>
+                      <a:prstDash val="solid"/>
+                    </a:lnB>
+                    <a:solidFill>
+                      <a:schemeClr val="lt2"/>
+                    </a:solidFill>
+                  </a:tcPr>
+                </a:tc>
+                <a:tc>
+                  <a:txBody>
+                    <a:bodyPr/>
+                    <a:lstStyle/>
+                    <a:p>
+                      <a:pPr defTabSz="914400">
+                        <a:lnSpc>
+                          <a:spcPct val="100000"/>
+                        </a:lnSpc>
+                      </a:pPr>
+                      <a:r>
+                        <a:rPr lang="en-US" sz="1200" b="0" strike="noStrike" spc="-1">
+                          <a:solidFill>
+                            <a:schemeClr val="dk1"/>
+                          </a:solidFill>
+                          <a:latin typeface="Noto Sans CJK KR Regular"/>
+                          <a:ea typeface="Noto Sans CJK KR Regular"/>
+                        </a:rPr>
+                        <a:t> </a:t>
+                      </a:r>
+                      <a:endParaRPr lang="en-US" sz="1200" b="0" strike="noStrike" spc="-1">
+                        <a:solidFill>
+                          <a:srgbClr val="000000"/>
+                        </a:solidFill>
+                        <a:latin typeface="Noto Sans CJK KR"/>
+                      </a:endParaRPr>
+                    </a:p>
+                  </a:txBody>
+                  <a:tcPr>
+                    <a:lnL w="12240">
+                      <a:solidFill>
+                        <a:srgbClr val="000000"/>
+                      </a:solidFill>
+                      <a:prstDash val="solid"/>
+                    </a:lnL>
+                    <a:lnR w="12240">
+                      <a:solidFill>
+                        <a:srgbClr val="000000"/>
+                      </a:solidFill>
+                      <a:prstDash val="solid"/>
+                    </a:lnR>
+                    <a:lnT w="12240">
+                      <a:solidFill>
+                        <a:srgbClr val="000000"/>
+                      </a:solidFill>
+                      <a:prstDash val="solid"/>
+                    </a:lnT>
+                    <a:lnB w="12240">
+                      <a:solidFill>
+                        <a:srgbClr val="000000"/>
+                      </a:solidFill>
+                      <a:prstDash val="solid"/>
+                    </a:lnB>
+                    <a:noFill/>
+                  </a:tcPr>
+                </a:tc>
+                <a:extLst>
+                  <a:ext uri="{0D108BD9-81ED-4DB2-BD59-A6C34878D82A}">
+                    <a16:rowId xmlns:a16="http://schemas.microsoft.com/office/drawing/2014/main" val="10000"/>
+                  </a:ext>
+                </a:extLst>
+              </a:tr>
+            </a:tbl>
+          </a:graphicData>
+        </a:graphic>
+      </p:graphicFrame>
+      <p:sp>
+        <p:nvSpPr>
+          <p:cNvPr id="105" name="직사각형 8"/>
+          <p:cNvSpPr/>
+          <p:nvPr/>
+        </p:nvSpPr>
+        <p:spPr>
+          <a:xfrm>
+            <a:off x="8735760" y="1296000"/>
+            <a:ext cx="2813400" cy="5227200"/>
+          </a:xfrm>
+          <a:prstGeom prst="rect">
+            <a:avLst/>
+          </a:prstGeom>
+          <a:noFill/>
+          <a:ln w="19050">
+            <a:solidFill>
+              <a:srgbClr val="325490"/>
+            </a:solidFill>
+          </a:ln>
+        </p:spPr>
+        <p:style>
+          <a:lnRef idx="2">
+            <a:schemeClr val="accent1">
+              <a:shade val="50000"/>
+            </a:schemeClr>
+          </a:lnRef>
+          <a:fillRef idx="1">
+            <a:schemeClr val="accent1"/>
+          </a:fillRef>
+          <a:effectRef idx="0">
+            <a:schemeClr val="accent1"/>
+          </a:effectRef>
+          <a:fontRef idx="minor"/>
+        </p:style>
+        <p:txBody>
+          <a:bodyPr lIns="90000" tIns="45000" rIns="90000" bIns="45000" anchor="ctr">
+            <a:noAutofit/>
+          </a:bodyPr>
+          <a:lstStyle/>
+          <a:p>
+            <a:pPr marL="228600" indent="-228600" defTabSz="914400">
+              <a:lnSpc>
+                <a:spcPct val="100000"/>
+              </a:lnSpc>
+              <a:buClr>
+                <a:srgbClr val="000000"/>
+              </a:buClr>
+              <a:buFont typeface="OpenSymbol"/>
+              <a:buAutoNum type="arabicPeriod"/>
+            </a:pPr>
+            <a:r>
+              <a:rPr lang="ko-KR" altLang="en-US" sz="1200" b="0" strike="noStrike" spc="-1" dirty="0">
+                <a:solidFill>
+                  <a:schemeClr val="dk1"/>
+                </a:solidFill>
+                <a:latin typeface="Noto Sans CJK KR Regular"/>
+                <a:ea typeface="Noto Sans CJK KR Regular"/>
+              </a:rPr>
+              <a:t>원하는 </a:t>
+            </a:r>
+            <a:r>
+              <a:rPr lang="en-US" altLang="ko-KR" sz="1200" b="0" strike="noStrike" spc="-1" dirty="0">
+                <a:solidFill>
+                  <a:schemeClr val="dk1"/>
+                </a:solidFill>
+                <a:latin typeface="Noto Sans CJK KR Regular"/>
+                <a:ea typeface="Noto Sans CJK KR Regular"/>
+              </a:rPr>
+              <a:t>ID</a:t>
+            </a:r>
+            <a:r>
+              <a:rPr lang="ko-KR" altLang="en-US" sz="1200" b="0" strike="noStrike" spc="-1" dirty="0">
+                <a:solidFill>
+                  <a:schemeClr val="dk1"/>
+                </a:solidFill>
+                <a:latin typeface="Noto Sans CJK KR Regular"/>
+                <a:ea typeface="Noto Sans CJK KR Regular"/>
+              </a:rPr>
+              <a:t>와 비밀번호 입력하여 회원가입 가능</a:t>
+            </a:r>
+            <a:r>
+              <a:rPr lang="en-US" altLang="ko-KR" sz="1200" b="0" strike="noStrike" spc="-1" dirty="0">
+                <a:solidFill>
+                  <a:schemeClr val="dk1"/>
+                </a:solidFill>
+                <a:latin typeface="Noto Sans CJK KR Regular"/>
+                <a:ea typeface="Noto Sans CJK KR Regular"/>
+              </a:rPr>
+              <a:t>. / ID :  </a:t>
+            </a:r>
+            <a:r>
+              <a:rPr lang="ko-KR" altLang="en-US" sz="1200" b="0" strike="noStrike" spc="-1" dirty="0">
+                <a:solidFill>
+                  <a:schemeClr val="dk1"/>
+                </a:solidFill>
+                <a:latin typeface="Noto Sans CJK KR Regular"/>
+                <a:ea typeface="Noto Sans CJK KR Regular"/>
+              </a:rPr>
+              <a:t>영어 소문자</a:t>
+            </a:r>
+            <a:r>
+              <a:rPr lang="en-US" altLang="ko-KR" sz="1200" spc="-1" dirty="0">
+                <a:solidFill>
+                  <a:schemeClr val="dk1"/>
+                </a:solidFill>
+                <a:latin typeface="Noto Sans CJK KR Regular"/>
+                <a:ea typeface="Noto Sans CJK KR Regular"/>
+              </a:rPr>
+              <a:t> / </a:t>
+            </a:r>
+            <a:r>
+              <a:rPr lang="ko-KR" altLang="en-US" sz="1200" b="0" strike="noStrike" spc="-1" dirty="0">
+                <a:solidFill>
+                  <a:schemeClr val="dk1"/>
+                </a:solidFill>
+                <a:latin typeface="Noto Sans CJK KR Regular"/>
+                <a:ea typeface="Noto Sans CJK KR Regular"/>
+              </a:rPr>
+              <a:t>비밀번호 </a:t>
+            </a:r>
+            <a:r>
+              <a:rPr lang="en-US" altLang="ko-KR" sz="1200" b="0" strike="noStrike" spc="-1" dirty="0">
+                <a:solidFill>
+                  <a:schemeClr val="dk1"/>
+                </a:solidFill>
+                <a:latin typeface="Noto Sans CJK KR Regular"/>
+                <a:ea typeface="Noto Sans CJK KR Regular"/>
+              </a:rPr>
+              <a:t>:</a:t>
+            </a:r>
+            <a:r>
+              <a:rPr lang="ko-KR" altLang="en-US" sz="1200" b="0" strike="noStrike" spc="-1" dirty="0">
+                <a:solidFill>
+                  <a:schemeClr val="dk1"/>
+                </a:solidFill>
+                <a:latin typeface="Noto Sans CJK KR Regular"/>
+                <a:ea typeface="Noto Sans CJK KR Regular"/>
+              </a:rPr>
+              <a:t> </a:t>
+            </a:r>
+            <a:r>
+              <a:rPr lang="en-US" altLang="ko-KR" sz="1200" b="0" strike="noStrike" spc="-1" dirty="0">
+                <a:solidFill>
+                  <a:schemeClr val="dk1"/>
+                </a:solidFill>
+                <a:latin typeface="Noto Sans CJK KR Regular"/>
+                <a:ea typeface="Noto Sans CJK KR Regular"/>
+              </a:rPr>
+              <a:t>8</a:t>
+            </a:r>
+            <a:r>
+              <a:rPr lang="ko-KR" altLang="en-US" sz="1200" b="0" strike="noStrike" spc="-1" dirty="0">
+                <a:solidFill>
+                  <a:schemeClr val="dk1"/>
+                </a:solidFill>
+                <a:latin typeface="Noto Sans CJK KR Regular"/>
+                <a:ea typeface="Noto Sans CJK KR Regular"/>
+              </a:rPr>
+              <a:t>자 이상의 무작위 문자열  </a:t>
+            </a:r>
+            <a:endParaRPr lang="en-US" altLang="ko-KR" sz="1200" b="0" strike="noStrike" spc="-1" dirty="0">
+              <a:solidFill>
+                <a:srgbClr val="000000"/>
+              </a:solidFill>
+              <a:latin typeface="Noto Sans CJK KR"/>
+            </a:endParaRPr>
+          </a:p>
+        </p:txBody>
+      </p:sp>
+      <p:sp>
+        <p:nvSpPr>
+          <p:cNvPr id="106" name="직사각형 9"/>
+          <p:cNvSpPr/>
+          <p:nvPr/>
+        </p:nvSpPr>
+        <p:spPr>
+          <a:xfrm>
+            <a:off x="5635080" y="4304254"/>
+            <a:ext cx="285840" cy="265680"/>
+          </a:xfrm>
+          <a:prstGeom prst="rect">
+            <a:avLst/>
+          </a:prstGeom>
+          <a:solidFill>
+            <a:srgbClr val="FF0000"/>
+          </a:solidFill>
+          <a:ln>
+            <a:noFill/>
+          </a:ln>
+        </p:spPr>
+        <p:style>
+          <a:lnRef idx="2">
+            <a:schemeClr val="accent1">
+              <a:shade val="50000"/>
+            </a:schemeClr>
+          </a:lnRef>
+          <a:fillRef idx="1">
+            <a:schemeClr val="accent1"/>
+          </a:fillRef>
+          <a:effectRef idx="0">
+            <a:schemeClr val="accent1"/>
+          </a:effectRef>
+          <a:fontRef idx="minor"/>
+        </p:style>
+        <p:txBody>
+          <a:bodyPr lIns="90000" tIns="45000" rIns="90000" bIns="45000" anchor="ctr">
+            <a:noAutofit/>
+          </a:bodyPr>
+          <a:lstStyle/>
+          <a:p>
+            <a:pPr algn="ctr" defTabSz="914400">
+              <a:lnSpc>
+                <a:spcPct val="100000"/>
+              </a:lnSpc>
+            </a:pPr>
+            <a:r>
+              <a:rPr lang="en-US" sz="1400" b="1" strike="noStrike" spc="-1">
+                <a:solidFill>
+                  <a:schemeClr val="lt1"/>
+                </a:solidFill>
+                <a:latin typeface="Noto Sans CJK KR Regular"/>
+                <a:ea typeface="Noto Sans CJK KR Regular"/>
+              </a:rPr>
+              <a:t>1</a:t>
+            </a:r>
+            <a:endParaRPr lang="en-US" sz="1400" b="0" strike="noStrike" spc="-1">
+              <a:solidFill>
+                <a:srgbClr val="000000"/>
+              </a:solidFill>
+              <a:latin typeface="Noto Sans CJK KR"/>
+            </a:endParaRPr>
+          </a:p>
+        </p:txBody>
+      </p:sp>
+    </p:spTree>
+    <p:extLst>
+      <p:ext uri="{BB962C8B-B14F-4D97-AF65-F5344CB8AC3E}">
+        <p14:creationId xmlns:p14="http://schemas.microsoft.com/office/powerpoint/2010/main" val="2783045174"/>
+      </p:ext>
+    </p:extLst>
+  </p:cSld>
+  <p:clrMapOvr>
+    <a:masterClrMapping/>
+  </p:clrMapOvr>
+</p:sld>
+</file>
+
+<file path=ppt/slides/slide11.xml><?xml version="1.0" encoding="utf-8"?>
 <p:sld xmlns:a="http://schemas.openxmlformats.org/drawingml/2006/main" xmlns:r="http://schemas.openxmlformats.org/officeDocument/2006/relationships" xmlns:p="http://schemas.openxmlformats.org/presentationml/2006/main">
   <p:cSld>
     <p:spTree>
@@ -5092,18 +6329,7 @@
                 <a:latin typeface="맑은 고딕"/>
                 <a:hlinkClick r:id="rId4"/>
               </a:rPr>
-              <a:t> </a:t>
-            </a:r>
-            <a:r>
-              <a:rPr lang="en-US" sz="2800" b="0" u="sng" strike="noStrike" spc="-1" dirty="0">
-                <a:solidFill>
-                  <a:schemeClr val="dk1"/>
-                </a:solidFill>
-                <a:uFillTx/>
-                <a:latin typeface="맑은 고딕"/>
-                <a:hlinkClick r:id="rId4"/>
-              </a:rPr>
-              <a:t>: https://www.haegin.kr/</a:t>
+              <a:t> : https://www.haegin.kr/</a:t>
             </a:r>
             <a:endParaRPr lang="en-US" sz="2800" b="0" strike="noStrike" spc="-1" dirty="0">
               <a:solidFill>
@@ -5303,7 +6529,13 @@
         <p:nvGraphicFramePr>
           <p:cNvPr id="46" name="표 4"/>
           <p:cNvGraphicFramePr/>
-          <p:nvPr/>
+          <p:nvPr>
+            <p:extLst>
+              <p:ext uri="{D42A27DB-BD31-4B8C-83A1-F6EECF244321}">
+                <p14:modId xmlns:p14="http://schemas.microsoft.com/office/powerpoint/2010/main" val="377324653"/>
+              </p:ext>
+            </p:extLst>
+          </p:nvPr>
         </p:nvGraphicFramePr>
         <p:xfrm>
           <a:off x="838080" y="1825560"/>
@@ -5785,7 +7017,7 @@
                         </a:lnSpc>
                       </a:pPr>
                       <a:r>
-                        <a:rPr lang="en-US" sz="1600" b="0" strike="noStrike" spc="-1">
+                        <a:rPr lang="en-US" sz="1600" b="0" strike="noStrike" spc="-1" dirty="0">
                           <a:solidFill>
                             <a:schemeClr val="dk1"/>
                           </a:solidFill>
@@ -5794,7 +7026,7 @@
                         </a:rPr>
                         <a:t>v0.2</a:t>
                       </a:r>
-                      <a:endParaRPr lang="en-US" sz="1600" b="0" strike="noStrike" spc="-1">
+                      <a:endParaRPr lang="en-US" sz="1600" b="0" strike="noStrike" spc="-1" dirty="0">
                         <a:solidFill>
                           <a:srgbClr val="000000"/>
                         </a:solidFill>
@@ -5819,11 +7051,14 @@
                       </a:solidFill>
                       <a:prstDash val="solid"/>
                     </a:lnT>
-                    <a:lnB w="6480">
+                    <a:lnB w="6480" cap="flat" cmpd="sng" algn="ctr">
                       <a:solidFill>
                         <a:srgbClr val="A5A5A5"/>
                       </a:solidFill>
                       <a:prstDash val="solid"/>
+                      <a:round/>
+                      <a:headEnd type="none" w="med" len="med"/>
+                      <a:tailEnd type="none" w="med" len="med"/>
                     </a:lnB>
                     <a:noFill/>
                   </a:tcPr>
@@ -5839,7 +7074,7 @@
                         </a:lnSpc>
                       </a:pPr>
                       <a:r>
-                        <a:rPr lang="en-US" sz="1600" b="0" strike="noStrike" spc="-1">
+                        <a:rPr lang="en-US" sz="1600" b="0" strike="noStrike" spc="-1" dirty="0">
                           <a:solidFill>
                             <a:schemeClr val="dk1"/>
                           </a:solidFill>
@@ -5848,7 +7083,7 @@
                         </a:rPr>
                         <a:t>2023/1/9</a:t>
                       </a:r>
-                      <a:endParaRPr lang="en-US" sz="1600" b="0" strike="noStrike" spc="-1">
+                      <a:endParaRPr lang="en-US" sz="1600" b="0" strike="noStrike" spc="-1" dirty="0">
                         <a:solidFill>
                           <a:srgbClr val="000000"/>
                         </a:solidFill>
@@ -5871,11 +7106,14 @@
                       </a:solidFill>
                       <a:prstDash val="solid"/>
                     </a:lnT>
-                    <a:lnB w="6480">
+                    <a:lnB w="6480" cap="flat" cmpd="sng" algn="ctr">
                       <a:solidFill>
                         <a:srgbClr val="A5A5A5"/>
                       </a:solidFill>
                       <a:prstDash val="solid"/>
+                      <a:round/>
+                      <a:headEnd type="none" w="med" len="med"/>
+                      <a:tailEnd type="none" w="med" len="med"/>
                     </a:lnB>
                     <a:noFill/>
                   </a:tcPr>
@@ -5891,7 +7129,7 @@
                         </a:lnSpc>
                       </a:pPr>
                       <a:r>
-                        <a:rPr lang="ko-KR" sz="1600" b="0" strike="noStrike" spc="-1">
+                        <a:rPr lang="ko-KR" sz="1600" b="0" strike="noStrike" spc="-1" dirty="0">
                           <a:solidFill>
                             <a:schemeClr val="dk1"/>
                           </a:solidFill>
@@ -5901,7 +7139,7 @@
                         <a:t>화면 설명 추가 및 수정</a:t>
                       </a:r>
                       <a:r>
-                        <a:rPr lang="en-US" sz="1600" b="0" strike="noStrike" spc="-1">
+                        <a:rPr lang="en-US" sz="1600" b="0" strike="noStrike" spc="-1" dirty="0">
                           <a:solidFill>
                             <a:schemeClr val="dk1"/>
                           </a:solidFill>
@@ -5911,7 +7149,7 @@
                         <a:t>, </a:t>
                       </a:r>
                       <a:r>
-                        <a:rPr lang="ko-KR" sz="1600" b="0" strike="noStrike" spc="-1">
+                        <a:rPr lang="ko-KR" sz="1600" b="0" strike="noStrike" spc="-1" dirty="0">
                           <a:solidFill>
                             <a:schemeClr val="dk1"/>
                           </a:solidFill>
@@ -5920,7 +7158,7 @@
                         </a:rPr>
                         <a:t>로그인 기능 추가</a:t>
                       </a:r>
-                      <a:endParaRPr lang="en-US" sz="1600" b="0" strike="noStrike" spc="-1">
+                      <a:endParaRPr lang="en-US" sz="1600" b="0" strike="noStrike" spc="-1" dirty="0">
                         <a:solidFill>
                           <a:srgbClr val="000000"/>
                         </a:solidFill>
@@ -5943,11 +7181,14 @@
                       </a:solidFill>
                       <a:prstDash val="solid"/>
                     </a:lnT>
-                    <a:lnB w="6480">
+                    <a:lnB w="6480" cap="flat" cmpd="sng" algn="ctr">
                       <a:solidFill>
                         <a:srgbClr val="A5A5A5"/>
                       </a:solidFill>
                       <a:prstDash val="solid"/>
+                      <a:round/>
+                      <a:headEnd type="none" w="med" len="med"/>
+                      <a:tailEnd type="none" w="med" len="med"/>
                     </a:lnB>
                     <a:noFill/>
                   </a:tcPr>
@@ -5963,7 +7204,7 @@
                         </a:lnSpc>
                       </a:pPr>
                       <a:r>
-                        <a:rPr lang="ko-KR" sz="1600" b="0" strike="noStrike" spc="-1">
+                        <a:rPr lang="ko-KR" sz="1600" b="0" strike="noStrike" spc="-1" dirty="0">
                           <a:solidFill>
                             <a:schemeClr val="dk1"/>
                           </a:solidFill>
@@ -5972,7 +7213,7 @@
                         </a:rPr>
                         <a:t>안승환</a:t>
                       </a:r>
-                      <a:endParaRPr lang="en-US" sz="1600" b="0" strike="noStrike" spc="-1">
+                      <a:endParaRPr lang="en-US" sz="1600" b="0" strike="noStrike" spc="-1" dirty="0">
                         <a:solidFill>
                           <a:srgbClr val="000000"/>
                         </a:solidFill>
@@ -5997,11 +7238,14 @@
                       </a:solidFill>
                       <a:prstDash val="solid"/>
                     </a:lnT>
-                    <a:lnB w="6480">
+                    <a:lnB w="6480" cap="flat" cmpd="sng" algn="ctr">
                       <a:solidFill>
                         <a:srgbClr val="A5A5A5"/>
                       </a:solidFill>
                       <a:prstDash val="solid"/>
+                      <a:round/>
+                      <a:headEnd type="none" w="med" len="med"/>
+                      <a:tailEnd type="none" w="med" len="med"/>
                     </a:lnB>
                     <a:noFill/>
                   </a:tcPr>
@@ -6018,12 +7262,26 @@
                     <a:bodyPr/>
                     <a:lstStyle/>
                     <a:p>
-                      <a:endParaRPr lang="en-US" sz="1600" b="0" strike="noStrike" spc="-1">
-                        <a:solidFill>
-                          <a:schemeClr val="dk1"/>
-                        </a:solidFill>
-                        <a:latin typeface="Noto Sans CJK KR Regular"/>
-                        <a:ea typeface="Noto Sans CJK KR Regular"/>
+                      <a:pPr algn="ctr" defTabSz="914400">
+                        <a:lnSpc>
+                          <a:spcPct val="100000"/>
+                        </a:lnSpc>
+                      </a:pPr>
+                      <a:r>
+                        <a:rPr lang="en-US" sz="1600" b="0" strike="noStrike" spc="-1" dirty="0">
+                          <a:solidFill>
+                            <a:schemeClr val="dk1"/>
+                          </a:solidFill>
+                          <a:latin typeface="Noto Sans CJK KR Regular"/>
+                          <a:ea typeface="Noto Sans CJK KR Regular"/>
+                        </a:rPr>
+                        <a:t>v0.3</a:t>
+                      </a:r>
+                      <a:endParaRPr lang="en-US" sz="1600" b="0" strike="noStrike" spc="-1" dirty="0">
+                        <a:solidFill>
+                          <a:srgbClr val="000000"/>
+                        </a:solidFill>
+                        <a:latin typeface="Noto Serif CJK KR"/>
                       </a:endParaRPr>
                     </a:p>
                   </a:txBody>
@@ -6058,12 +7316,26 @@
                     <a:bodyPr/>
                     <a:lstStyle/>
                     <a:p>
-                      <a:endParaRPr lang="en-US" sz="1600" b="0" strike="noStrike" spc="-1">
-                        <a:solidFill>
-                          <a:schemeClr val="dk1"/>
-                        </a:solidFill>
-                        <a:latin typeface="Noto Sans CJK KR Regular"/>
-                        <a:ea typeface="Noto Sans CJK KR Regular"/>
+                      <a:pPr algn="ctr" defTabSz="914400">
+                        <a:lnSpc>
+                          <a:spcPct val="100000"/>
+                        </a:lnSpc>
+                      </a:pPr>
+                      <a:r>
+                        <a:rPr lang="en-US" sz="1600" b="0" strike="noStrike" spc="-1" dirty="0">
+                          <a:solidFill>
+                            <a:schemeClr val="dk1"/>
+                          </a:solidFill>
+                          <a:latin typeface="Noto Sans CJK KR Regular"/>
+                          <a:ea typeface="Noto Sans CJK KR Regular"/>
+                        </a:rPr>
+                        <a:t>2023/1/15</a:t>
+                      </a:r>
+                      <a:endParaRPr lang="en-US" sz="1600" b="0" strike="noStrike" spc="-1" dirty="0">
+                        <a:solidFill>
+                          <a:srgbClr val="000000"/>
+                        </a:solidFill>
+                        <a:latin typeface="Noto Serif CJK KR"/>
                       </a:endParaRPr>
                     </a:p>
                   </a:txBody>
@@ -6096,12 +7368,43 @@
                     <a:bodyPr/>
                     <a:lstStyle/>
                     <a:p>
-                      <a:endParaRPr lang="en-US" sz="1600" b="0" strike="noStrike" spc="-1">
-                        <a:solidFill>
-                          <a:schemeClr val="dk1"/>
-                        </a:solidFill>
-                        <a:latin typeface="Noto Sans CJK KR Regular"/>
-                        <a:ea typeface="Noto Sans CJK KR Regular"/>
+                      <a:pPr defTabSz="914400">
+                        <a:lnSpc>
+                          <a:spcPct val="100000"/>
+                        </a:lnSpc>
+                      </a:pPr>
+                      <a:r>
+                        <a:rPr lang="ko-KR" altLang="en-US" sz="1600" b="0" strike="noStrike" spc="-1" dirty="0">
+                          <a:solidFill>
+                            <a:srgbClr val="000000"/>
+                          </a:solidFill>
+                          <a:latin typeface="Noto Serif CJK KR"/>
+                        </a:rPr>
+                        <a:t>화면 설명 수정</a:t>
+                      </a:r>
+                      <a:r>
+                        <a:rPr lang="en-US" altLang="ko-KR" sz="1600" b="0" strike="noStrike" spc="-1" dirty="0">
+                          <a:solidFill>
+                            <a:srgbClr val="000000"/>
+                          </a:solidFill>
+                          <a:latin typeface="Noto Serif CJK KR"/>
+                        </a:rPr>
+                        <a:t>, </a:t>
+                      </a:r>
+                      <a:r>
+                        <a:rPr lang="ko-KR" altLang="en-US" sz="1600" b="0" strike="noStrike" spc="-1" dirty="0">
+                          <a:solidFill>
+                            <a:srgbClr val="000000"/>
+                          </a:solidFill>
+                          <a:latin typeface="Noto Serif CJK KR"/>
+                        </a:rPr>
+                        <a:t>회원가입 기능 분리</a:t>
+                      </a:r>
+                      <a:endParaRPr lang="en-US" sz="1600" b="0" strike="noStrike" spc="-1" dirty="0">
+                        <a:solidFill>
+                          <a:srgbClr val="000000"/>
+                        </a:solidFill>
+                        <a:latin typeface="Noto Serif CJK KR"/>
                       </a:endParaRPr>
                     </a:p>
                   </a:txBody>
@@ -6134,12 +7437,26 @@
                     <a:bodyPr/>
                     <a:lstStyle/>
                     <a:p>
-                      <a:endParaRPr lang="en-US" sz="1600" b="0" strike="noStrike" spc="-1">
-                        <a:solidFill>
-                          <a:schemeClr val="dk1"/>
-                        </a:solidFill>
-                        <a:latin typeface="Noto Sans CJK KR Regular"/>
-                        <a:ea typeface="Noto Sans CJK KR Regular"/>
+                      <a:pPr algn="ctr" defTabSz="914400">
+                        <a:lnSpc>
+                          <a:spcPct val="100000"/>
+                        </a:lnSpc>
+                      </a:pPr>
+                      <a:r>
+                        <a:rPr lang="ko-KR" sz="1600" b="0" strike="noStrike" spc="-1" dirty="0">
+                          <a:solidFill>
+                            <a:schemeClr val="dk1"/>
+                          </a:solidFill>
+                          <a:latin typeface="Noto Sans CJK KR Regular"/>
+                          <a:ea typeface="Noto Sans CJK KR Regular"/>
+                        </a:rPr>
+                        <a:t>안승환</a:t>
+                      </a:r>
+                      <a:endParaRPr lang="en-US" sz="1600" b="0" strike="noStrike" spc="-1" dirty="0">
+                        <a:solidFill>
+                          <a:srgbClr val="000000"/>
+                        </a:solidFill>
+                        <a:latin typeface="Noto Serif CJK KR"/>
                       </a:endParaRPr>
                     </a:p>
                   </a:txBody>
@@ -7272,7 +8589,7 @@
                     <a:bodyPr/>
                     <a:lstStyle/>
                     <a:p>
-                      <a:endParaRPr lang="en-US" sz="1600" b="0" strike="noStrike" spc="-1">
+                      <a:endParaRPr lang="en-US" sz="1600" b="0" strike="noStrike" spc="-1" dirty="0">
                         <a:solidFill>
                           <a:schemeClr val="dk1"/>
                         </a:solidFill>
@@ -24812,144 +26129,115 @@
               <a:buAutoNum type="arabicPeriod"/>
             </a:pPr>
             <a:r>
-              <a:rPr lang="ko-KR" sz="1200" b="0" strike="noStrike" spc="-1" dirty="0">
+              <a:rPr lang="ko-KR" altLang="en-US" sz="1200" b="0" strike="noStrike" spc="-1" dirty="0">
                 <a:solidFill>
-                  <a:schemeClr val="dk1"/>
+                  <a:srgbClr val="000000"/>
                 </a:solidFill>
-                <a:latin typeface="Noto Sans CJK KR Regular"/>
-                <a:ea typeface="Noto Sans CJK KR Regular"/>
+                <a:latin typeface="Noto Sans CJK KR"/>
               </a:rPr>
-              <a:t>헤더를 통해 각 페이지로 이동할 수 있습니다</a:t>
+              <a:t>헤더 </a:t>
             </a:r>
+            <a:r>
+              <a:rPr lang="en-US" altLang="ko-KR" sz="1200" b="0" strike="noStrike" spc="-1" dirty="0">
+                <a:solidFill>
+                  <a:srgbClr val="000000"/>
+                </a:solidFill>
+                <a:latin typeface="Noto Sans CJK KR"/>
+              </a:rPr>
+              <a:t>: </a:t>
+            </a:r>
+            <a:r>
+              <a:rPr lang="ko-KR" altLang="en-US" sz="1200" b="0" strike="noStrike" spc="-1" dirty="0">
+                <a:solidFill>
+                  <a:srgbClr val="000000"/>
+                </a:solidFill>
+                <a:latin typeface="Noto Sans CJK KR"/>
+              </a:rPr>
+              <a:t>버튼 클릭 시 </a:t>
+            </a:r>
+            <a:r>
+              <a:rPr lang="ko-KR" altLang="en-US" sz="1200" spc="-1" dirty="0">
+                <a:solidFill>
+                  <a:srgbClr val="000000"/>
+                </a:solidFill>
+                <a:latin typeface="Noto Sans CJK KR"/>
+              </a:rPr>
+              <a:t>각 페이지로 이동 가능</a:t>
+            </a:r>
+            <a:endParaRPr lang="en-US" altLang="ko-KR" sz="1200" spc="-1" dirty="0">
+              <a:solidFill>
+                <a:srgbClr val="000000"/>
+              </a:solidFill>
+              <a:latin typeface="Noto Sans CJK KR"/>
+            </a:endParaRPr>
+          </a:p>
+          <a:p>
+            <a:pPr marL="685800" lvl="1" indent="-228600">
+              <a:buClr>
+                <a:srgbClr val="000000"/>
+              </a:buClr>
+              <a:buFont typeface="맑은 고딕"/>
+              <a:buAutoNum type="arabicPeriod"/>
+            </a:pPr>
+            <a:r>
+              <a:rPr lang="en-US" sz="1200" spc="-1" dirty="0" err="1">
+                <a:solidFill>
+                  <a:srgbClr val="000000"/>
+                </a:solidFill>
+                <a:latin typeface="Noto Sans CJK KR"/>
+              </a:rPr>
+              <a:t>SignIn</a:t>
+            </a:r>
+            <a:r>
+              <a:rPr lang="en-US" sz="1200" spc="-1" dirty="0">
+                <a:solidFill>
+                  <a:srgbClr val="000000"/>
+                </a:solidFill>
+                <a:latin typeface="Noto Sans CJK KR"/>
+              </a:rPr>
+              <a:t> Icon : </a:t>
+            </a:r>
+            <a:r>
+              <a:rPr lang="ko-KR" altLang="en-US" sz="1200" spc="-1" dirty="0">
+                <a:solidFill>
+                  <a:srgbClr val="000000"/>
+                </a:solidFill>
+                <a:latin typeface="Noto Sans CJK KR"/>
+              </a:rPr>
+              <a:t>로그인 페이지</a:t>
+            </a:r>
+            <a:endParaRPr lang="en-US" sz="1200" spc="-1" dirty="0">
+              <a:solidFill>
+                <a:srgbClr val="000000"/>
+              </a:solidFill>
+              <a:latin typeface="Noto Sans CJK KR"/>
+            </a:endParaRPr>
+          </a:p>
+          <a:p>
+            <a:pPr marL="685800" lvl="1" indent="-228600">
+              <a:buClr>
+                <a:srgbClr val="000000"/>
+              </a:buClr>
+              <a:buFont typeface="맑은 고딕"/>
+              <a:buAutoNum type="arabicPeriod"/>
+            </a:pPr>
             <a:r>
               <a:rPr lang="en-US" sz="1200" b="0" strike="noStrike" spc="-1" dirty="0">
                 <a:solidFill>
-                  <a:schemeClr val="dk1"/>
+                  <a:srgbClr val="000000"/>
                 </a:solidFill>
-                <a:latin typeface="Noto Sans CJK KR Regular"/>
-                <a:ea typeface="Noto Sans CJK KR Regular"/>
+                <a:latin typeface="Noto Sans CJK KR"/>
               </a:rPr>
-              <a:t>. </a:t>
+              <a:t>Company : </a:t>
             </a:r>
             <a:r>
-              <a:rPr lang="ko-KR" sz="1200" b="0" strike="noStrike" spc="-1" dirty="0">
+              <a:rPr lang="ko-KR" altLang="en-US" sz="1200" b="0" strike="noStrike" spc="-1" dirty="0">
                 <a:solidFill>
-                  <a:schemeClr val="dk1"/>
+                  <a:srgbClr val="000000"/>
                 </a:solidFill>
-                <a:latin typeface="Noto Sans CJK KR Regular"/>
-                <a:ea typeface="Noto Sans CJK KR Regular"/>
+                <a:latin typeface="Noto Sans CJK KR"/>
               </a:rPr>
-              <a:t>현재 선택된 페이지를 확인할 수 있습니다</a:t>
-            </a:r>
-            <a:r>
-              <a:rPr lang="en-US" sz="1200" b="0" strike="noStrike" spc="-1" dirty="0">
-                <a:solidFill>
-                  <a:schemeClr val="dk1"/>
-                </a:solidFill>
-                <a:latin typeface="Noto Sans CJK KR Regular"/>
-                <a:ea typeface="Noto Sans CJK KR Regular"/>
-              </a:rPr>
-              <a:t>. </a:t>
-            </a:r>
-            <a:r>
-              <a:rPr lang="ko-KR" sz="1200" b="0" strike="noStrike" spc="-1" dirty="0">
-                <a:solidFill>
-                  <a:schemeClr val="dk1"/>
-                </a:solidFill>
-                <a:latin typeface="Noto Sans CJK KR Regular"/>
-                <a:ea typeface="Noto Sans CJK KR Regular"/>
-              </a:rPr>
-              <a:t>버튼 </a:t>
-            </a:r>
-            <a:r>
-              <a:rPr lang="ko-KR" sz="1200" b="0" strike="noStrike" spc="-1" dirty="0" err="1">
-                <a:solidFill>
-                  <a:schemeClr val="dk1"/>
-                </a:solidFill>
-                <a:latin typeface="Noto Sans CJK KR Regular"/>
-                <a:ea typeface="Noto Sans CJK KR Regular"/>
-              </a:rPr>
-              <a:t>호버링</a:t>
-            </a:r>
-            <a:r>
-              <a:rPr lang="ko-KR" sz="1200" b="0" strike="noStrike" spc="-1" dirty="0">
-                <a:solidFill>
-                  <a:schemeClr val="dk1"/>
-                </a:solidFill>
-                <a:latin typeface="Noto Sans CJK KR Regular"/>
-                <a:ea typeface="Noto Sans CJK KR Regular"/>
-              </a:rPr>
-              <a:t> 시 현재 선택된 버튼과 동일하게 내부가 채워지고</a:t>
-            </a:r>
-            <a:r>
-              <a:rPr lang="en-US" sz="1200" b="0" strike="noStrike" spc="-1" dirty="0">
-                <a:solidFill>
-                  <a:schemeClr val="dk1"/>
-                </a:solidFill>
-                <a:latin typeface="Noto Sans CJK KR Regular"/>
-                <a:ea typeface="Noto Sans CJK KR Regular"/>
-              </a:rPr>
-              <a:t>, </a:t>
-            </a:r>
-            <a:r>
-              <a:rPr lang="ko-KR" sz="1200" b="0" strike="noStrike" spc="-1" dirty="0">
-                <a:solidFill>
-                  <a:schemeClr val="dk1"/>
-                </a:solidFill>
-                <a:latin typeface="Noto Sans CJK KR Regular"/>
-                <a:ea typeface="Noto Sans CJK KR Regular"/>
-              </a:rPr>
-              <a:t>텍스트가 투명하게 변합니다</a:t>
-            </a:r>
-            <a:r>
-              <a:rPr lang="en-US" sz="1200" b="0" strike="noStrike" spc="-1" dirty="0">
-                <a:solidFill>
-                  <a:schemeClr val="dk1"/>
-                </a:solidFill>
-                <a:latin typeface="Noto Sans CJK KR Regular"/>
-                <a:ea typeface="Noto Sans CJK KR Regular"/>
-              </a:rPr>
-              <a:t>. </a:t>
-            </a:r>
-            <a:r>
-              <a:rPr lang="ko-KR" sz="1200" b="0" strike="noStrike" spc="-1" dirty="0">
-                <a:solidFill>
-                  <a:schemeClr val="dk1"/>
-                </a:solidFill>
-                <a:latin typeface="Noto Sans CJK KR Regular"/>
-                <a:ea typeface="Noto Sans CJK KR Regular"/>
-              </a:rPr>
-              <a:t>헤더에는 </a:t>
-            </a:r>
-            <a:r>
-              <a:rPr lang="en-US" sz="1200" b="0" strike="noStrike" spc="-1" dirty="0">
-                <a:solidFill>
-                  <a:schemeClr val="dk1"/>
-                </a:solidFill>
-                <a:latin typeface="Noto Sans CJK KR Regular"/>
-                <a:ea typeface="Noto Sans CJK KR Regular"/>
-              </a:rPr>
-              <a:t>Company, Games, Contact, Sign-in </a:t>
-            </a:r>
-            <a:r>
-              <a:rPr lang="ko-KR" sz="1200" b="0" strike="noStrike" spc="-1" dirty="0">
-                <a:solidFill>
-                  <a:schemeClr val="dk1"/>
-                </a:solidFill>
-                <a:latin typeface="Noto Sans CJK KR Regular"/>
-                <a:ea typeface="Noto Sans CJK KR Regular"/>
-              </a:rPr>
-              <a:t>아이콘이 있어 각 페이지로 이동할 수 있습니다</a:t>
-            </a:r>
-            <a:r>
-              <a:rPr lang="en-US" sz="1200" b="0" strike="noStrike" spc="-1" dirty="0">
-                <a:solidFill>
-                  <a:schemeClr val="dk1"/>
-                </a:solidFill>
-                <a:latin typeface="Noto Sans CJK KR Regular"/>
-                <a:ea typeface="Noto Sans CJK KR Regular"/>
-              </a:rPr>
-              <a:t>.</a:t>
+              <a:t>현재 선택된 페이지</a:t>
             </a:r>
             <a:endParaRPr lang="en-US" sz="1200" b="0" strike="noStrike" spc="-1" dirty="0">
               <a:solidFill>
@@ -24959,12 +26247,161 @@
             </a:endParaRPr>
           </a:p>
           <a:p>
-            <a:pPr marL="228600" indent="-228600" defTabSz="914400">
-              <a:lnSpc>
-                <a:spcPct val="100000"/>
-              </a:lnSpc>
-              <a:buFont typeface="+mj-lt"/>
+            <a:pPr marL="685800" lvl="1" indent="-228600">
+              <a:buClr>
+                <a:srgbClr val="000000"/>
+              </a:buClr>
+              <a:buFont typeface="맑은 고딕"/>
               <a:buAutoNum type="arabicPeriod"/>
+            </a:pPr>
+            <a:r>
+              <a:rPr lang="en-US" sz="1200" spc="-1" dirty="0">
+                <a:solidFill>
+                  <a:srgbClr val="000000"/>
+                </a:solidFill>
+                <a:latin typeface="Noto Sans CJK KR"/>
+              </a:rPr>
+              <a:t>Games : </a:t>
+            </a:r>
+            <a:r>
+              <a:rPr lang="en-US" altLang="ko-KR" sz="1200" spc="-1" dirty="0">
+                <a:solidFill>
+                  <a:srgbClr val="000000"/>
+                </a:solidFill>
+                <a:latin typeface="Noto Sans CJK KR"/>
+              </a:rPr>
+              <a:t>Games </a:t>
+            </a:r>
+            <a:r>
+              <a:rPr lang="ko-KR" altLang="en-US" sz="1200" spc="-1" dirty="0">
+                <a:solidFill>
+                  <a:srgbClr val="000000"/>
+                </a:solidFill>
+                <a:latin typeface="Noto Sans CJK KR"/>
+              </a:rPr>
+              <a:t>페이지로 이동</a:t>
+            </a:r>
+            <a:endParaRPr lang="en-US" sz="1200" spc="-1" dirty="0">
+              <a:solidFill>
+                <a:srgbClr val="000000"/>
+              </a:solidFill>
+              <a:latin typeface="Noto Sans CJK KR"/>
+            </a:endParaRPr>
+          </a:p>
+          <a:p>
+            <a:pPr marL="685800" lvl="1" indent="-228600">
+              <a:buClr>
+                <a:srgbClr val="000000"/>
+              </a:buClr>
+              <a:buFont typeface="맑은 고딕"/>
+              <a:buAutoNum type="arabicPeriod"/>
+            </a:pPr>
+            <a:r>
+              <a:rPr lang="en-US" sz="1200" spc="-1" dirty="0">
+                <a:solidFill>
+                  <a:srgbClr val="000000"/>
+                </a:solidFill>
+                <a:latin typeface="Noto Sans CJK KR"/>
+              </a:rPr>
+              <a:t>Contact : Contact</a:t>
+            </a:r>
+            <a:r>
+              <a:rPr lang="ko-KR" altLang="en-US" sz="1200" spc="-1" dirty="0">
+                <a:solidFill>
+                  <a:srgbClr val="000000"/>
+                </a:solidFill>
+                <a:latin typeface="Noto Sans CJK KR"/>
+              </a:rPr>
+              <a:t> 페이지로 이동</a:t>
+            </a:r>
+            <a:endParaRPr lang="en-US" altLang="ko-KR" sz="1200" spc="-1" dirty="0">
+              <a:solidFill>
+                <a:srgbClr val="000000"/>
+              </a:solidFill>
+              <a:latin typeface="Noto Sans CJK KR"/>
+            </a:endParaRPr>
+          </a:p>
+          <a:p>
+            <a:pPr lvl="1">
+              <a:buClr>
+                <a:srgbClr val="000000"/>
+              </a:buClr>
+            </a:pPr>
+            <a:r>
+              <a:rPr lang="ko-KR" altLang="en-US" sz="1200" b="0" strike="noStrike" spc="-1" dirty="0">
+                <a:solidFill>
+                  <a:srgbClr val="000000"/>
+                </a:solidFill>
+                <a:latin typeface="Noto Sans CJK KR"/>
+              </a:rPr>
+              <a:t>각 버튼 </a:t>
+            </a:r>
+            <a:r>
+              <a:rPr lang="ko-KR" altLang="en-US" sz="1200" b="0" strike="noStrike" spc="-1" dirty="0" err="1">
+                <a:solidFill>
+                  <a:srgbClr val="000000"/>
+                </a:solidFill>
+                <a:latin typeface="Noto Sans CJK KR"/>
+              </a:rPr>
+              <a:t>호버링</a:t>
+            </a:r>
+            <a:r>
+              <a:rPr lang="ko-KR" altLang="en-US" sz="1200" b="0" strike="noStrike" spc="-1" dirty="0">
+                <a:solidFill>
+                  <a:srgbClr val="000000"/>
+                </a:solidFill>
+                <a:latin typeface="Noto Sans CJK KR"/>
+              </a:rPr>
+              <a:t> 시 </a:t>
+            </a:r>
+            <a:r>
+              <a:rPr lang="en-US" altLang="ko-KR" sz="1200" b="0" strike="noStrike" spc="-1" dirty="0">
+                <a:solidFill>
+                  <a:srgbClr val="000000"/>
+                </a:solidFill>
+                <a:latin typeface="Noto Sans CJK KR"/>
+              </a:rPr>
+              <a:t>: </a:t>
+            </a:r>
+            <a:r>
+              <a:rPr lang="ko-KR" altLang="en-US" sz="1200" b="0" strike="noStrike" spc="-1" dirty="0">
+                <a:solidFill>
+                  <a:srgbClr val="000000"/>
+                </a:solidFill>
+                <a:latin typeface="Noto Sans CJK KR"/>
+              </a:rPr>
+              <a:t>현재 선택된 </a:t>
+            </a:r>
+            <a:r>
+              <a:rPr lang="en-US" altLang="ko-KR" sz="1200" b="0" strike="noStrike" spc="-1" dirty="0">
+                <a:solidFill>
+                  <a:srgbClr val="000000"/>
+                </a:solidFill>
+                <a:latin typeface="Noto Sans CJK KR"/>
+              </a:rPr>
+              <a:t>Company</a:t>
+            </a:r>
+            <a:r>
+              <a:rPr lang="ko-KR" altLang="en-US" sz="1200" b="0" strike="noStrike" spc="-1" dirty="0">
+                <a:solidFill>
+                  <a:srgbClr val="000000"/>
+                </a:solidFill>
+                <a:latin typeface="Noto Sans CJK KR"/>
+              </a:rPr>
+              <a:t>와 동일한 형태로 변화</a:t>
+            </a:r>
+            <a:endParaRPr lang="en-US" altLang="ko-KR" sz="1200" b="0" strike="noStrike" spc="-1" dirty="0">
+              <a:solidFill>
+                <a:srgbClr val="000000"/>
+              </a:solidFill>
+              <a:latin typeface="Noto Sans CJK KR"/>
+            </a:endParaRPr>
+          </a:p>
+          <a:p>
+            <a:pPr lvl="1">
+              <a:buClr>
+                <a:srgbClr val="000000"/>
+              </a:buClr>
             </a:pPr>
             <a:endParaRPr lang="en-US" sz="1200" b="0" strike="noStrike" spc="-1" dirty="0">
               <a:solidFill>
@@ -24985,24 +26422,49 @@
               <a:buAutoNum type="arabicPeriod"/>
             </a:pPr>
             <a:r>
-              <a:rPr lang="ko-KR" sz="1200" b="0" strike="noStrike" spc="-1" dirty="0">
+              <a:rPr lang="ko-KR" altLang="en-US" sz="1200" spc="-1" dirty="0">
                 <a:solidFill>
                   <a:schemeClr val="dk1"/>
                 </a:solidFill>
                 <a:latin typeface="Noto Sans CJK KR Regular"/>
-                <a:ea typeface="Noto Sans CJK KR Regular"/>
               </a:rPr>
-              <a:t>아래로 버튼을 누르거나 스크롤을 통해 페이지를 더 탐색할 수 있습니다</a:t>
+              <a:t>아래 스크롤</a:t>
             </a:r>
             <a:r>
-              <a:rPr lang="en-US" sz="1200" b="0" strike="noStrike" spc="-1" dirty="0">
+              <a:rPr lang="en-US" altLang="ko-KR" sz="1200" spc="-1" dirty="0">
                 <a:solidFill>
                   <a:schemeClr val="dk1"/>
                 </a:solidFill>
                 <a:latin typeface="Noto Sans CJK KR Regular"/>
-                <a:ea typeface="Noto Sans CJK KR Regular"/>
               </a:rPr>
-              <a:t>.</a:t>
+              <a:t>/</a:t>
+            </a:r>
+            <a:r>
+              <a:rPr lang="ko-KR" altLang="en-US" sz="1200" spc="-1" dirty="0">
+                <a:solidFill>
+                  <a:schemeClr val="dk1"/>
+                </a:solidFill>
+                <a:latin typeface="Noto Sans CJK KR Regular"/>
+              </a:rPr>
+              <a:t>아래 화살표 버튼 클릭 시 </a:t>
+            </a:r>
+            <a:r>
+              <a:rPr lang="en-US" altLang="ko-KR" sz="1200" spc="-1" dirty="0">
+                <a:solidFill>
+                  <a:schemeClr val="dk1"/>
+                </a:solidFill>
+                <a:latin typeface="Noto Sans CJK KR Regular"/>
+              </a:rPr>
+              <a:t>: </a:t>
+            </a:r>
+            <a:r>
+              <a:rPr lang="ko-KR" altLang="en-US" sz="1200" spc="-1" dirty="0">
+                <a:solidFill>
+                  <a:schemeClr val="dk1"/>
+                </a:solidFill>
+                <a:latin typeface="Noto Sans CJK KR Regular"/>
+              </a:rPr>
+              <a:t>회사 정보 소개</a:t>
             </a:r>
             <a:endParaRPr lang="en-US" sz="1200" b="0" strike="noStrike" spc="-1" dirty="0">
               <a:solidFill>
@@ -26178,186 +27640,12 @@
               <a:buFont typeface="OpenSymbol"/>
               <a:buAutoNum type="arabicPeriod"/>
             </a:pPr>
-            <a:r>
-              <a:rPr lang="ko-KR" sz="1200" b="0" strike="noStrike" spc="-1" dirty="0">
-                <a:solidFill>
-                  <a:schemeClr val="dk1"/>
-                </a:solidFill>
-                <a:latin typeface="Noto Sans CJK KR Regular"/>
-                <a:ea typeface="Noto Sans CJK KR Regular"/>
-              </a:rPr>
-              <a:t>현재 출시된 다양한 게임을 카드 형태로 확인할 수 있습니다</a:t>
-            </a:r>
-            <a:r>
-              <a:rPr lang="en-US" sz="1200" b="0" strike="noStrike" spc="-1" dirty="0">
-                <a:solidFill>
-                  <a:schemeClr val="dk1"/>
-                </a:solidFill>
-                <a:latin typeface="Noto Sans CJK KR Regular"/>
-                <a:ea typeface="Noto Sans CJK KR Regular"/>
-              </a:rPr>
-              <a:t>. </a:t>
-            </a:r>
-            <a:r>
-              <a:rPr lang="ko-KR" sz="1200" b="0" strike="noStrike" spc="-1" dirty="0">
-                <a:solidFill>
-                  <a:schemeClr val="dk1"/>
-                </a:solidFill>
-                <a:latin typeface="Noto Sans CJK KR Regular"/>
-                <a:ea typeface="Noto Sans CJK KR Regular"/>
-              </a:rPr>
-              <a:t>대표 이미지</a:t>
-            </a:r>
-            <a:r>
-              <a:rPr lang="en-US" sz="1200" b="0" strike="noStrike" spc="-1" dirty="0">
-                <a:solidFill>
-                  <a:schemeClr val="dk1"/>
-                </a:solidFill>
-                <a:latin typeface="Noto Sans CJK KR Regular"/>
-                <a:ea typeface="Noto Sans CJK KR Regular"/>
-              </a:rPr>
-              <a:t>(</a:t>
-            </a:r>
-            <a:r>
-              <a:rPr lang="ko-KR" sz="1200" b="0" strike="noStrike" spc="-1" dirty="0">
-                <a:solidFill>
-                  <a:schemeClr val="dk1"/>
-                </a:solidFill>
-                <a:latin typeface="Noto Sans CJK KR Regular"/>
-                <a:ea typeface="Noto Sans CJK KR Regular"/>
-              </a:rPr>
-              <a:t>썸네일</a:t>
-            </a:r>
-            <a:r>
-              <a:rPr lang="en-US" sz="1200" b="0" strike="noStrike" spc="-1" dirty="0">
-                <a:solidFill>
-                  <a:schemeClr val="dk1"/>
-                </a:solidFill>
-                <a:latin typeface="Noto Sans CJK KR Regular"/>
-                <a:ea typeface="Noto Sans CJK KR Regular"/>
-              </a:rPr>
-              <a:t>)</a:t>
-            </a:r>
-            <a:r>
-              <a:rPr lang="ko-KR" sz="1200" b="0" strike="noStrike" spc="-1" dirty="0">
-                <a:solidFill>
-                  <a:schemeClr val="dk1"/>
-                </a:solidFill>
-                <a:latin typeface="Noto Sans CJK KR Regular"/>
-                <a:ea typeface="Noto Sans CJK KR Regular"/>
-              </a:rPr>
-              <a:t>과 제목</a:t>
-            </a:r>
-            <a:r>
-              <a:rPr lang="en-US" sz="1200" b="0" strike="noStrike" spc="-1" dirty="0">
-                <a:solidFill>
-                  <a:schemeClr val="dk1"/>
-                </a:solidFill>
-                <a:latin typeface="Noto Sans CJK KR Regular"/>
-                <a:ea typeface="Noto Sans CJK KR Regular"/>
-              </a:rPr>
-              <a:t>, </a:t>
-            </a:r>
-            <a:r>
-              <a:rPr lang="ko-KR" sz="1200" b="0" strike="noStrike" spc="-1" dirty="0">
-                <a:solidFill>
-                  <a:schemeClr val="dk1"/>
-                </a:solidFill>
-                <a:latin typeface="Noto Sans CJK KR Regular"/>
-                <a:ea typeface="Noto Sans CJK KR Regular"/>
-              </a:rPr>
-              <a:t>게임에 대표 태그</a:t>
-            </a:r>
-            <a:r>
-              <a:rPr lang="en-US" sz="1200" b="0" strike="noStrike" spc="-1" dirty="0">
-                <a:solidFill>
-                  <a:schemeClr val="dk1"/>
-                </a:solidFill>
-                <a:latin typeface="Noto Sans CJK KR Regular"/>
-                <a:ea typeface="Noto Sans CJK KR Regular"/>
-              </a:rPr>
-              <a:t>, </a:t>
-            </a:r>
-            <a:r>
-              <a:rPr lang="ko-KR" sz="1200" b="0" strike="noStrike" spc="-1" dirty="0">
-                <a:solidFill>
-                  <a:schemeClr val="dk1"/>
-                </a:solidFill>
-                <a:latin typeface="Noto Sans CJK KR Regular"/>
-                <a:ea typeface="Noto Sans CJK KR Regular"/>
-              </a:rPr>
-              <a:t>출시일 </a:t>
-            </a:r>
-            <a:r>
-              <a:rPr lang="en-US" sz="1200" b="0" strike="noStrike" spc="-1" dirty="0">
-                <a:solidFill>
-                  <a:schemeClr val="dk1"/>
-                </a:solidFill>
-                <a:latin typeface="Noto Sans CJK KR Regular"/>
-                <a:ea typeface="Noto Sans CJK KR Regular"/>
-              </a:rPr>
-              <a:t>4</a:t>
-            </a:r>
-            <a:r>
-              <a:rPr lang="ko-KR" sz="1200" b="0" strike="noStrike" spc="-1" dirty="0">
-                <a:solidFill>
-                  <a:schemeClr val="dk1"/>
-                </a:solidFill>
-                <a:latin typeface="Noto Sans CJK KR Regular"/>
-                <a:ea typeface="Noto Sans CJK KR Regular"/>
-              </a:rPr>
-              <a:t>가지로 구성되어 있습니다</a:t>
-            </a:r>
-            <a:r>
-              <a:rPr lang="en-US" sz="1200" b="0" strike="noStrike" spc="-1" dirty="0">
-                <a:solidFill>
-                  <a:schemeClr val="dk1"/>
-                </a:solidFill>
-                <a:latin typeface="Noto Sans CJK KR Regular"/>
-                <a:ea typeface="Noto Sans CJK KR Regular"/>
-              </a:rPr>
-              <a:t>. </a:t>
-            </a:r>
-            <a:r>
-              <a:rPr lang="ko-KR" sz="1200" b="0" strike="noStrike" spc="-1" dirty="0">
-                <a:solidFill>
-                  <a:schemeClr val="dk1"/>
-                </a:solidFill>
-                <a:latin typeface="Noto Sans CJK KR Regular"/>
-                <a:ea typeface="Noto Sans CJK KR Regular"/>
-              </a:rPr>
-              <a:t>각 게임의 박스를 눌러 자세한 정보가 표시된 오버레이가 연결됩니다</a:t>
-            </a:r>
-            <a:r>
-              <a:rPr lang="en-US" sz="1200" b="0" strike="noStrike" spc="-1" dirty="0">
-                <a:solidFill>
-                  <a:schemeClr val="dk1"/>
-                </a:solidFill>
-                <a:latin typeface="Noto Sans CJK KR Regular"/>
-                <a:ea typeface="Noto Sans CJK KR Regular"/>
-              </a:rPr>
-              <a:t>.</a:t>
-            </a:r>
-            <a:endParaRPr lang="en-US" sz="1200" b="0" strike="noStrike" spc="-1" dirty="0">
+            <a:endParaRPr lang="en-US" altLang="ko-KR" sz="1200" b="0" strike="noStrike" spc="-1" dirty="0">
               <a:solidFill>
-                <a:srgbClr val="000000"/>
+                <a:schemeClr val="dk1"/>
               </a:solidFill>
-              <a:latin typeface="Noto Sans CJK KR"/>
-            </a:endParaRPr>
-          </a:p>
-          <a:p>
-            <a:pPr marL="228600" indent="-228600" defTabSz="914400">
-              <a:lnSpc>
-                <a:spcPct val="100000"/>
-              </a:lnSpc>
-              <a:buFont typeface="+mj-lt"/>
-              <a:buAutoNum type="arabicPeriod"/>
-            </a:pPr>
-            <a:endParaRPr lang="en-US" sz="1200" b="0" strike="noStrike" spc="-1" dirty="0">
-              <a:solidFill>
-                <a:srgbClr val="000000"/>
-              </a:solidFill>
-              <a:latin typeface="Noto Sans CJK KR"/>
+              <a:latin typeface="Noto Sans CJK KR Regular"/>
+              <a:ea typeface="Noto Sans CJK KR Regular"/>
             </a:endParaRPr>
           </a:p>
           <a:p>
@@ -26372,57 +27660,224 @@
               <a:buAutoNum type="arabicPeriod"/>
             </a:pPr>
             <a:r>
-              <a:rPr lang="ko-KR" sz="1200" b="0" strike="noStrike" spc="-1" dirty="0">
+              <a:rPr lang="ko-KR" altLang="en-US" sz="1200" spc="-1" dirty="0">
                 <a:solidFill>
                   <a:schemeClr val="dk1"/>
                 </a:solidFill>
                 <a:latin typeface="Noto Sans CJK KR Regular"/>
                 <a:ea typeface="Noto Sans CJK KR Regular"/>
               </a:rPr>
-              <a:t>게임 카드는 </a:t>
+              <a:t>카드 클릭 시 </a:t>
             </a:r>
             <a:r>
-              <a:rPr lang="en-US" sz="1200" b="0" strike="noStrike" spc="-1" dirty="0">
+              <a:rPr lang="en-US" altLang="ko-KR" sz="1200" spc="-1" dirty="0">
                 <a:solidFill>
                   <a:schemeClr val="dk1"/>
                 </a:solidFill>
                 <a:latin typeface="Noto Sans CJK KR Regular"/>
                 <a:ea typeface="Noto Sans CJK KR Regular"/>
               </a:rPr>
-              <a:t>3</a:t>
+              <a:t>: </a:t>
             </a:r>
             <a:r>
-              <a:rPr lang="ko-KR" sz="1200" b="0" strike="noStrike" spc="-1" dirty="0">
+              <a:rPr lang="ko-KR" altLang="en-US" sz="1200" spc="-1" dirty="0">
                 <a:solidFill>
                   <a:schemeClr val="dk1"/>
                 </a:solidFill>
                 <a:latin typeface="Noto Sans CJK KR Regular"/>
                 <a:ea typeface="Noto Sans CJK KR Regular"/>
               </a:rPr>
-              <a:t>개의 열로 페이지에 고정된 위치로 배치되며 하단으로 스크롤이 가능합니다</a:t>
+              <a:t>상세 보기 오버레이로 연결</a:t>
             </a:r>
             <a:r>
-              <a:rPr lang="en-US" sz="1200" b="0" strike="noStrike" spc="-1" dirty="0">
+              <a:rPr lang="en-US" altLang="ko-KR" sz="1200" spc="-1" dirty="0">
                 <a:solidFill>
                   <a:schemeClr val="dk1"/>
                 </a:solidFill>
                 <a:latin typeface="Noto Sans CJK KR Regular"/>
                 <a:ea typeface="Noto Sans CJK KR Regular"/>
               </a:rPr>
-              <a:t>. </a:t>
+              <a:t>.</a:t>
             </a:r>
+          </a:p>
+          <a:p>
+            <a:pPr marL="685800" lvl="1" indent="-228600">
+              <a:buClr>
+                <a:srgbClr val="000000"/>
+              </a:buClr>
+              <a:buFont typeface="OpenSymbol"/>
+              <a:buAutoNum type="arabicPeriod"/>
+            </a:pPr>
             <a:r>
-              <a:rPr lang="ko-KR" sz="1200" b="0" strike="noStrike" spc="-1" dirty="0">
+              <a:rPr lang="ko-KR" altLang="en-US" sz="1200" b="0" strike="noStrike" spc="-1" dirty="0">
                 <a:solidFill>
                   <a:schemeClr val="dk1"/>
                 </a:solidFill>
                 <a:latin typeface="Noto Sans CJK KR Regular"/>
                 <a:ea typeface="Noto Sans CJK KR Regular"/>
               </a:rPr>
-              <a:t>순서는  위에서 아래 행으로</a:t>
+              <a:t>썸네일</a:t>
+            </a:r>
+            <a:endParaRPr lang="en-US" altLang="ko-KR" sz="1200" b="0" strike="noStrike" spc="-1" dirty="0">
+              <a:solidFill>
+                <a:schemeClr val="dk1"/>
+              </a:solidFill>
+              <a:latin typeface="Noto Sans CJK KR Regular"/>
+              <a:ea typeface="Noto Sans CJK KR Regular"/>
+            </a:endParaRPr>
+          </a:p>
+          <a:p>
+            <a:pPr marL="685800" lvl="1" indent="-228600">
+              <a:buClr>
+                <a:srgbClr val="000000"/>
+              </a:buClr>
+              <a:buFont typeface="OpenSymbol"/>
+              <a:buAutoNum type="arabicPeriod"/>
+            </a:pPr>
+            <a:r>
+              <a:rPr lang="ko-KR" altLang="en-US" sz="1200" spc="-1" dirty="0">
+                <a:solidFill>
+                  <a:schemeClr val="dk1"/>
+                </a:solidFill>
+                <a:latin typeface="Noto Sans CJK KR Regular"/>
+                <a:ea typeface="Noto Sans CJK KR Regular"/>
+              </a:rPr>
+              <a:t>제목</a:t>
+            </a:r>
+            <a:endParaRPr lang="en-US" altLang="ko-KR" sz="1200" spc="-1" dirty="0">
+              <a:solidFill>
+                <a:schemeClr val="dk1"/>
+              </a:solidFill>
+              <a:latin typeface="Noto Sans CJK KR Regular"/>
+              <a:ea typeface="Noto Sans CJK KR Regular"/>
+            </a:endParaRPr>
+          </a:p>
+          <a:p>
+            <a:pPr marL="685800" lvl="1" indent="-228600">
+              <a:buClr>
+                <a:srgbClr val="000000"/>
+              </a:buClr>
+              <a:buFont typeface="OpenSymbol"/>
+              <a:buAutoNum type="arabicPeriod"/>
+            </a:pPr>
+            <a:r>
+              <a:rPr lang="ko-KR" altLang="en-US" sz="1200" b="0" strike="noStrike" spc="-1" dirty="0">
+                <a:solidFill>
+                  <a:schemeClr val="dk1"/>
+                </a:solidFill>
+                <a:latin typeface="Noto Sans CJK KR Regular"/>
+                <a:ea typeface="Noto Sans CJK KR Regular"/>
+              </a:rPr>
+              <a:t>태그</a:t>
+            </a:r>
+            <a:endParaRPr lang="en-US" altLang="ko-KR" sz="1200" b="0" strike="noStrike" spc="-1" dirty="0">
+              <a:solidFill>
+                <a:schemeClr val="dk1"/>
+              </a:solidFill>
+              <a:latin typeface="Noto Sans CJK KR Regular"/>
+              <a:ea typeface="Noto Sans CJK KR Regular"/>
+            </a:endParaRPr>
+          </a:p>
+          <a:p>
+            <a:pPr marL="685800" lvl="1" indent="-228600">
+              <a:buClr>
+                <a:srgbClr val="000000"/>
+              </a:buClr>
+              <a:buFont typeface="OpenSymbol"/>
+              <a:buAutoNum type="arabicPeriod"/>
+            </a:pPr>
+            <a:r>
+              <a:rPr lang="ko-KR" altLang="en-US" sz="1200" spc="-1" dirty="0">
+                <a:solidFill>
+                  <a:schemeClr val="dk1"/>
+                </a:solidFill>
+                <a:latin typeface="Noto Sans CJK KR Regular"/>
+                <a:ea typeface="Noto Sans CJK KR Regular"/>
+              </a:rPr>
+              <a:t>출시일</a:t>
+            </a:r>
+            <a:endParaRPr lang="en-US" altLang="ko-KR" sz="1200" spc="-1" dirty="0">
+              <a:solidFill>
+                <a:schemeClr val="dk1"/>
+              </a:solidFill>
+              <a:latin typeface="Noto Sans CJK KR Regular"/>
+              <a:ea typeface="Noto Sans CJK KR Regular"/>
+            </a:endParaRPr>
+          </a:p>
+          <a:p>
+            <a:pPr lvl="1">
+              <a:buClr>
+                <a:srgbClr val="000000"/>
+              </a:buClr>
+            </a:pPr>
+            <a:endParaRPr lang="en-US" altLang="ko-KR" sz="1200" b="0" strike="noStrike" spc="-1" dirty="0">
+              <a:solidFill>
+                <a:schemeClr val="dk1"/>
+              </a:solidFill>
+              <a:latin typeface="Noto Sans CJK KR Regular"/>
+              <a:ea typeface="Noto Sans CJK KR Regular"/>
+            </a:endParaRPr>
+          </a:p>
+          <a:p>
+            <a:pPr marL="228600" indent="-228600">
+              <a:buClr>
+                <a:srgbClr val="000000"/>
+              </a:buClr>
+              <a:buFont typeface="OpenSymbol"/>
+              <a:buAutoNum type="arabicPeriod"/>
+            </a:pPr>
+            <a:r>
+              <a:rPr lang="ko-KR" altLang="en-US" sz="1200" b="0" strike="noStrike" spc="-1" dirty="0">
+                <a:solidFill>
+                  <a:schemeClr val="dk1"/>
+                </a:solidFill>
+                <a:latin typeface="Noto Sans CJK KR Regular"/>
+                <a:ea typeface="Noto Sans CJK KR Regular"/>
+              </a:rPr>
+              <a:t>카드 </a:t>
             </a:r>
             <a:r>
-              <a:rPr lang="en-US" sz="1200" b="0" strike="noStrike" spc="-1" dirty="0">
+              <a:rPr lang="en-US" altLang="ko-KR" sz="1200" b="0" strike="noStrike" spc="-1" dirty="0">
+                <a:solidFill>
+                  <a:schemeClr val="dk1"/>
+                </a:solidFill>
+                <a:latin typeface="Noto Sans CJK KR Regular"/>
+                <a:ea typeface="Noto Sans CJK KR Regular"/>
+              </a:rPr>
+              <a:t>: 3</a:t>
+            </a:r>
+            <a:r>
+              <a:rPr lang="ko-KR" altLang="en-US" sz="1200" b="0" strike="noStrike" spc="-1" dirty="0">
+                <a:solidFill>
+                  <a:schemeClr val="dk1"/>
+                </a:solidFill>
+                <a:latin typeface="Noto Sans CJK KR Regular"/>
+                <a:ea typeface="Noto Sans CJK KR Regular"/>
+              </a:rPr>
+              <a:t>열 </a:t>
+            </a:r>
+            <a:r>
+              <a:rPr lang="en-US" altLang="ko-KR" sz="1200" b="0" strike="noStrike" spc="-1" dirty="0">
+                <a:solidFill>
+                  <a:schemeClr val="dk1"/>
+                </a:solidFill>
+                <a:latin typeface="Noto Sans CJK KR Regular"/>
+                <a:ea typeface="Noto Sans CJK KR Regular"/>
+              </a:rPr>
+              <a:t>N</a:t>
+            </a:r>
+            <a:r>
+              <a:rPr lang="ko-KR" altLang="en-US" sz="1200" b="0" strike="noStrike" spc="-1" dirty="0">
+                <a:solidFill>
+                  <a:schemeClr val="dk1"/>
+                </a:solidFill>
+                <a:latin typeface="Noto Sans CJK KR Regular"/>
+                <a:ea typeface="Noto Sans CJK KR Regular"/>
+              </a:rPr>
+              <a:t>행 배열</a:t>
+            </a:r>
+            <a:r>
+              <a:rPr lang="en-US" altLang="ko-KR" sz="1200" b="0" strike="noStrike" spc="-1" dirty="0">
                 <a:solidFill>
                   <a:schemeClr val="dk1"/>
                 </a:solidFill>
@@ -26432,27 +27887,37 @@
               <a:t>, </a:t>
             </a:r>
             <a:r>
-              <a:rPr lang="ko-KR" sz="1200" b="0" strike="noStrike" spc="-1" dirty="0">
+              <a:rPr lang="ko-KR" altLang="en-US" sz="1200" b="0" strike="noStrike" spc="-1" dirty="0">
                 <a:solidFill>
                   <a:schemeClr val="dk1"/>
                 </a:solidFill>
                 <a:latin typeface="Noto Sans CJK KR Regular"/>
                 <a:ea typeface="Noto Sans CJK KR Regular"/>
               </a:rPr>
-              <a:t>같은 행 내에서는 좌에서 우로 표시되며 정렬되는 기준을 </a:t>
+              <a:t>하단으로 스크롤 가능</a:t>
             </a:r>
             <a:r>
-              <a:rPr lang="ko-KR" sz="1200" b="0" strike="noStrike" spc="-1" dirty="0" err="1">
+              <a:rPr lang="en-US" altLang="ko-KR" sz="1200" b="0" strike="noStrike" spc="-1" dirty="0">
                 <a:solidFill>
                   <a:schemeClr val="dk1"/>
                 </a:solidFill>
                 <a:latin typeface="Noto Sans CJK KR Regular"/>
                 <a:ea typeface="Noto Sans CJK KR Regular"/>
               </a:rPr>
-              <a:t>출시일입니다</a:t>
+              <a:t>, </a:t>
             </a:r>
             <a:r>
-              <a:rPr lang="en-US" sz="1200" b="0" strike="noStrike" spc="-1" dirty="0">
+              <a:rPr lang="ko-KR" altLang="en-US" sz="1200" b="0" strike="noStrike" spc="-1" dirty="0">
+                <a:solidFill>
+                  <a:schemeClr val="dk1"/>
+                </a:solidFill>
+                <a:latin typeface="Noto Sans CJK KR Regular"/>
+                <a:ea typeface="Noto Sans CJK KR Regular"/>
+              </a:rPr>
+              <a:t>출시일 기준 정렬</a:t>
+            </a:r>
+            <a:r>
+              <a:rPr lang="en-US" altLang="ko-KR" sz="1200" spc="-1" dirty="0">
                 <a:solidFill>
                   <a:schemeClr val="dk1"/>
                 </a:solidFill>
@@ -26461,27 +27926,6 @@
               </a:rPr>
               <a:t>.</a:t>
             </a:r>
-            <a:endParaRPr lang="en-US" sz="1200" b="0" strike="noStrike" spc="-1" dirty="0">
-              <a:solidFill>
-                <a:srgbClr val="000000"/>
-              </a:solidFill>
-              <a:latin typeface="Noto Sans CJK KR"/>
-            </a:endParaRPr>
-          </a:p>
-          <a:p>
-            <a:pPr marL="228600" indent="-228600" defTabSz="914400">
-              <a:lnSpc>
-                <a:spcPct val="100000"/>
-              </a:lnSpc>
-              <a:buFont typeface="+mj-lt"/>
-              <a:buAutoNum type="arabicPeriod"/>
-            </a:pPr>
-            <a:endParaRPr lang="en-US" sz="1200" b="0" strike="noStrike" spc="-1" dirty="0">
-              <a:solidFill>
-                <a:srgbClr val="000000"/>
-              </a:solidFill>
-              <a:latin typeface="Noto Sans CJK KR"/>
-            </a:endParaRPr>
           </a:p>
         </p:txBody>
       </p:sp>
@@ -27752,64 +29196,258 @@
               <a:buAutoNum type="arabicPeriod"/>
             </a:pPr>
             <a:r>
-              <a:rPr lang="ko-KR" sz="1200" b="0" strike="noStrike" spc="-1" dirty="0">
+              <a:rPr lang="ko-KR" altLang="en-US" sz="1200" b="0" strike="noStrike" spc="-1" dirty="0">
+                <a:solidFill>
+                  <a:srgbClr val="000000"/>
+                </a:solidFill>
+                <a:latin typeface="Noto Sans CJK KR"/>
+              </a:rPr>
+              <a:t>카드 클릭 시 </a:t>
+            </a:r>
+            <a:r>
+              <a:rPr lang="en-US" altLang="ko-KR" sz="1200" b="0" strike="noStrike" spc="-1" dirty="0">
+                <a:solidFill>
+                  <a:srgbClr val="000000"/>
+                </a:solidFill>
+                <a:latin typeface="Noto Sans CJK KR"/>
+              </a:rPr>
+              <a:t>: </a:t>
+            </a:r>
+            <a:r>
+              <a:rPr lang="ko-KR" altLang="en-US" sz="1200" spc="-1" dirty="0">
+                <a:solidFill>
+                  <a:srgbClr val="000000"/>
+                </a:solidFill>
+                <a:latin typeface="Noto Sans CJK KR"/>
+              </a:rPr>
+              <a:t>게임 정보 오버레이</a:t>
+            </a:r>
+            <a:r>
+              <a:rPr lang="en-US" altLang="ko-KR" sz="1200" spc="-1" dirty="0">
+                <a:solidFill>
+                  <a:srgbClr val="000000"/>
+                </a:solidFill>
+                <a:latin typeface="Noto Sans CJK KR"/>
+              </a:rPr>
+              <a:t> / </a:t>
+            </a:r>
+            <a:r>
+              <a:rPr lang="ko-KR" altLang="en-US" sz="1200" spc="-1" dirty="0">
+                <a:solidFill>
+                  <a:srgbClr val="000000"/>
+                </a:solidFill>
+                <a:latin typeface="Noto Sans CJK KR"/>
+              </a:rPr>
+              <a:t>오버레이 </a:t>
+            </a:r>
+            <a:r>
+              <a:rPr lang="en-US" altLang="ko-KR" sz="1200" spc="-1" dirty="0">
+                <a:solidFill>
+                  <a:srgbClr val="000000"/>
+                </a:solidFill>
+                <a:latin typeface="Noto Sans CJK KR"/>
+              </a:rPr>
+              <a:t>: </a:t>
+            </a:r>
+            <a:r>
+              <a:rPr lang="ko-KR" altLang="en-US" sz="1200" spc="-1" dirty="0">
+                <a:solidFill>
+                  <a:srgbClr val="000000"/>
+                </a:solidFill>
+                <a:latin typeface="Noto Sans CJK KR"/>
+              </a:rPr>
+              <a:t>주변 그림자 처리 </a:t>
+            </a:r>
+            <a:r>
+              <a:rPr lang="en-US" altLang="ko-KR" sz="1200" spc="-1" dirty="0">
+                <a:solidFill>
+                  <a:srgbClr val="000000"/>
+                </a:solidFill>
+                <a:latin typeface="Noto Sans CJK KR"/>
+              </a:rPr>
+              <a:t>/ </a:t>
+            </a:r>
+            <a:r>
+              <a:rPr lang="ko-KR" altLang="en-US" sz="1200" spc="-1" dirty="0" err="1">
+                <a:solidFill>
+                  <a:srgbClr val="000000"/>
+                </a:solidFill>
+                <a:latin typeface="Noto Sans CJK KR"/>
+              </a:rPr>
+              <a:t>오버레이에서</a:t>
+            </a:r>
+            <a:r>
+              <a:rPr lang="ko-KR" altLang="en-US" sz="1200" spc="-1" dirty="0">
+                <a:solidFill>
+                  <a:srgbClr val="000000"/>
+                </a:solidFill>
+                <a:latin typeface="Noto Sans CJK KR"/>
+              </a:rPr>
+              <a:t> 외부 그림자 클릭 시 </a:t>
+            </a:r>
+            <a:r>
+              <a:rPr lang="en-US" altLang="ko-KR" sz="1200" spc="-1" dirty="0">
+                <a:solidFill>
+                  <a:srgbClr val="000000"/>
+                </a:solidFill>
+                <a:latin typeface="Noto Sans CJK KR"/>
+              </a:rPr>
+              <a:t>: </a:t>
+            </a:r>
+            <a:r>
+              <a:rPr lang="ko-KR" altLang="en-US" sz="1200" spc="-1" dirty="0">
+                <a:solidFill>
+                  <a:srgbClr val="000000"/>
+                </a:solidFill>
+                <a:latin typeface="Noto Sans CJK KR"/>
+              </a:rPr>
+              <a:t>오버레이 닫힘</a:t>
+            </a:r>
+            <a:endParaRPr lang="en-US" altLang="ko-KR" sz="1200" spc="-1" dirty="0">
+              <a:solidFill>
+                <a:srgbClr val="000000"/>
+              </a:solidFill>
+              <a:latin typeface="Noto Sans CJK KR"/>
+            </a:endParaRPr>
+          </a:p>
+          <a:p>
+            <a:pPr marL="228600" indent="-228600" defTabSz="914400">
+              <a:lnSpc>
+                <a:spcPct val="100000"/>
+              </a:lnSpc>
+              <a:buClr>
+                <a:srgbClr val="000000"/>
+              </a:buClr>
+              <a:buFont typeface="맑은 고딕"/>
+              <a:buAutoNum type="arabicPeriod"/>
+            </a:pPr>
+            <a:endParaRPr lang="en-US" sz="1200" b="0" strike="noStrike" spc="-1" dirty="0">
+              <a:solidFill>
+                <a:srgbClr val="000000"/>
+              </a:solidFill>
+              <a:latin typeface="Noto Sans CJK KR"/>
+            </a:endParaRPr>
+          </a:p>
+          <a:p>
+            <a:pPr marL="228600" indent="-228600" defTabSz="914400">
+              <a:lnSpc>
+                <a:spcPct val="100000"/>
+              </a:lnSpc>
+              <a:buClr>
+                <a:srgbClr val="000000"/>
+              </a:buClr>
+              <a:buFont typeface="맑은 고딕"/>
+              <a:buAutoNum type="arabicPeriod"/>
+            </a:pPr>
+            <a:r>
+              <a:rPr lang="ko-KR" altLang="en-US" sz="1200" b="0" strike="noStrike" spc="-1" dirty="0">
                 <a:solidFill>
                   <a:schemeClr val="dk1"/>
                 </a:solidFill>
                 <a:latin typeface="Noto Sans CJK KR Regular"/>
                 <a:ea typeface="Noto Sans CJK KR Regular"/>
               </a:rPr>
-              <a:t>각 게임의 박스를 클릭하여 게임의 디테일한 설명을 확인할 수 있습니다</a:t>
+              <a:t>이미지 영역 </a:t>
             </a:r>
             <a:r>
-              <a:rPr lang="en-US" sz="1200" b="0" strike="noStrike" spc="-1" dirty="0">
+              <a:rPr lang="en-US" altLang="ko-KR" sz="1200" b="0" strike="noStrike" spc="-1" dirty="0">
                 <a:solidFill>
                   <a:schemeClr val="dk1"/>
                 </a:solidFill>
                 <a:latin typeface="Noto Sans CJK KR Regular"/>
                 <a:ea typeface="Noto Sans CJK KR Regular"/>
               </a:rPr>
-              <a:t>. </a:t>
+              <a:t>: </a:t>
             </a:r>
             <a:r>
-              <a:rPr lang="ko-KR" sz="1200" b="0" strike="noStrike" spc="-1" dirty="0">
+              <a:rPr lang="ko-KR" altLang="en-US" sz="1200" b="0" strike="noStrike" spc="-1" dirty="0">
                 <a:solidFill>
                   <a:schemeClr val="dk1"/>
                 </a:solidFill>
                 <a:latin typeface="Noto Sans CJK KR Regular"/>
                 <a:ea typeface="Noto Sans CJK KR Regular"/>
               </a:rPr>
-              <a:t>오버레이가 나타나며 외부 화면이 어두워지며</a:t>
+              <a:t>영상을 포함한 다양한 미디어 추가 및 확인 가능 </a:t>
             </a:r>
             <a:r>
-              <a:rPr lang="en-US" sz="1200" b="0" strike="noStrike" spc="-1" dirty="0">
+              <a:rPr lang="en-US" altLang="ko-KR" sz="1200" b="0" strike="noStrike" spc="-1" dirty="0">
                 <a:solidFill>
                   <a:schemeClr val="dk1"/>
                 </a:solidFill>
                 <a:latin typeface="Noto Sans CJK KR Regular"/>
                 <a:ea typeface="Noto Sans CJK KR Regular"/>
               </a:rPr>
-              <a:t>, </a:t>
+              <a:t>/ </a:t>
             </a:r>
             <a:r>
-              <a:rPr lang="ko-KR" sz="1200" b="0" strike="noStrike" spc="-1" dirty="0">
+              <a:rPr lang="ko-KR" altLang="en-US" sz="1200" b="0" strike="noStrike" spc="-1" dirty="0">
                 <a:solidFill>
                   <a:schemeClr val="dk1"/>
                 </a:solidFill>
                 <a:latin typeface="Noto Sans CJK KR Regular"/>
                 <a:ea typeface="Noto Sans CJK KR Regular"/>
               </a:rPr>
-              <a:t>외부를 눌러 오버레이를 닫을 수 있습니다</a:t>
+              <a:t>일정한 시간 간격으로 자동으로 </a:t>
             </a:r>
             <a:r>
-              <a:rPr lang="en-US" sz="1200" b="0" strike="noStrike" spc="-1" dirty="0">
+              <a:rPr lang="ko-KR" altLang="en-US" sz="1200" b="0" strike="noStrike" spc="-1" dirty="0" err="1">
                 <a:solidFill>
                   <a:schemeClr val="dk1"/>
                 </a:solidFill>
                 <a:latin typeface="Noto Sans CJK KR Regular"/>
                 <a:ea typeface="Noto Sans CJK KR Regular"/>
               </a:rPr>
-              <a:t>.</a:t>
+              <a:t>넘어감</a:t>
+            </a:r>
+            <a:r>
+              <a:rPr lang="ko-KR" altLang="en-US" sz="1200" spc="-1" dirty="0">
+                <a:solidFill>
+                  <a:schemeClr val="dk1"/>
+                </a:solidFill>
+                <a:latin typeface="Noto Sans CJK KR Regular"/>
+                <a:ea typeface="Noto Sans CJK KR Regular"/>
+              </a:rPr>
+              <a:t> </a:t>
+            </a:r>
+            <a:r>
+              <a:rPr lang="en-US" altLang="ko-KR" sz="1200" spc="-1" dirty="0">
+                <a:solidFill>
+                  <a:schemeClr val="dk1"/>
+                </a:solidFill>
+                <a:latin typeface="Noto Sans CJK KR Regular"/>
+                <a:ea typeface="Noto Sans CJK KR Regular"/>
+              </a:rPr>
+              <a:t>/</a:t>
+            </a:r>
+            <a:r>
+              <a:rPr lang="ko-KR" altLang="en-US" sz="1200" spc="-1" dirty="0">
+                <a:solidFill>
+                  <a:schemeClr val="dk1"/>
+                </a:solidFill>
+                <a:latin typeface="Noto Sans CJK KR Regular"/>
+                <a:ea typeface="Noto Sans CJK KR Regular"/>
+              </a:rPr>
+              <a:t> 하단 </a:t>
+            </a:r>
+            <a:r>
+              <a:rPr lang="ko-KR" altLang="en-US" sz="1200" spc="-1" dirty="0" err="1">
+                <a:solidFill>
+                  <a:schemeClr val="dk1"/>
+                </a:solidFill>
+                <a:latin typeface="Noto Sans CJK KR Regular"/>
+                <a:ea typeface="Noto Sans CJK KR Regular"/>
+              </a:rPr>
+              <a:t>불렛</a:t>
+            </a:r>
+            <a:r>
+              <a:rPr lang="ko-KR" altLang="en-US" sz="1200" spc="-1" dirty="0">
+                <a:solidFill>
+                  <a:schemeClr val="dk1"/>
+                </a:solidFill>
+                <a:latin typeface="Noto Sans CJK KR Regular"/>
+                <a:ea typeface="Noto Sans CJK KR Regular"/>
+              </a:rPr>
+              <a:t> 리스트로 전체 이미지 수와 현재 선택된 이미지 확인 가능</a:t>
             </a:r>
             <a:endParaRPr lang="en-US" sz="1200" b="0" strike="noStrike" spc="-1" dirty="0">
               <a:solidFill>
@@ -27845,109 +29483,6 @@
               <a:buAutoNum type="arabicPeriod"/>
             </a:pPr>
             <a:r>
-              <a:rPr lang="ko-KR" sz="1200" b="0" strike="noStrike" spc="-1" dirty="0">
-                <a:solidFill>
-                  <a:schemeClr val="dk1"/>
-                </a:solidFill>
-                <a:latin typeface="Noto Sans CJK KR Regular"/>
-                <a:ea typeface="Noto Sans CJK KR Regular"/>
-              </a:rPr>
-              <a:t>영상을 포함한 다양한 미디어를 여러 가지 추가하여 사용자가 이를 넘기며 확인할 수 있습니다</a:t>
-            </a:r>
-            <a:r>
-              <a:rPr lang="en-US" sz="1200" b="0" strike="noStrike" spc="-1" dirty="0">
-                <a:solidFill>
-                  <a:schemeClr val="dk1"/>
-                </a:solidFill>
-                <a:latin typeface="Noto Sans CJK KR Regular"/>
-                <a:ea typeface="Noto Sans CJK KR Regular"/>
-              </a:rPr>
-              <a:t>. </a:t>
-            </a:r>
-            <a:r>
-              <a:rPr lang="ko-KR" sz="1200" b="0" strike="noStrike" spc="-1" dirty="0">
-                <a:solidFill>
-                  <a:schemeClr val="dk1"/>
-                </a:solidFill>
-                <a:latin typeface="Noto Sans CJK KR Regular"/>
-                <a:ea typeface="Noto Sans CJK KR Regular"/>
-              </a:rPr>
-              <a:t>미디어는 일정한 시간 간격으로 자동으로 넘어갑니다</a:t>
-            </a:r>
-            <a:r>
-              <a:rPr lang="en-US" sz="1200" b="0" strike="noStrike" spc="-1" dirty="0">
-                <a:solidFill>
-                  <a:schemeClr val="dk1"/>
-                </a:solidFill>
-                <a:latin typeface="Noto Sans CJK KR Regular"/>
-                <a:ea typeface="Noto Sans CJK KR Regular"/>
-              </a:rPr>
-              <a:t>. </a:t>
-            </a:r>
-            <a:r>
-              <a:rPr lang="ko-KR" sz="1200" b="0" strike="noStrike" spc="-1" dirty="0">
-                <a:solidFill>
-                  <a:schemeClr val="dk1"/>
-                </a:solidFill>
-                <a:latin typeface="Noto Sans CJK KR Regular"/>
-                <a:ea typeface="Noto Sans CJK KR Regular"/>
-              </a:rPr>
-              <a:t>하단에서 전체 이미지의 수와 현재 선택된 이미지를 확인할 수 있습니다</a:t>
-            </a:r>
-            <a:r>
-              <a:rPr lang="en-US" sz="1200" b="0" strike="noStrike" spc="-1" dirty="0">
-                <a:solidFill>
-                  <a:schemeClr val="dk1"/>
-                </a:solidFill>
-                <a:latin typeface="Noto Sans CJK KR Regular"/>
-                <a:ea typeface="Noto Sans CJK KR Regular"/>
-              </a:rPr>
-              <a:t>.</a:t>
-            </a:r>
-            <a:endParaRPr lang="en-US" sz="1200" b="0" strike="noStrike" spc="-1" dirty="0">
-              <a:solidFill>
-                <a:srgbClr val="000000"/>
-              </a:solidFill>
-              <a:latin typeface="Noto Sans CJK KR"/>
-            </a:endParaRPr>
-          </a:p>
-          <a:p>
-            <a:pPr marL="228600" indent="-228600" defTabSz="914400">
-              <a:lnSpc>
-                <a:spcPct val="100000"/>
-              </a:lnSpc>
-              <a:buFont typeface="+mj-lt"/>
-              <a:buAutoNum type="arabicPeriod"/>
-            </a:pPr>
-            <a:endParaRPr lang="en-US" sz="1200" b="0" strike="noStrike" spc="-1" dirty="0">
-              <a:solidFill>
-                <a:srgbClr val="000000"/>
-              </a:solidFill>
-              <a:latin typeface="Noto Sans CJK KR"/>
-            </a:endParaRPr>
-          </a:p>
-          <a:p>
-            <a:pPr marL="228600" indent="-228600" defTabSz="914400">
-              <a:lnSpc>
-                <a:spcPct val="100000"/>
-              </a:lnSpc>
-              <a:buClr>
-                <a:srgbClr val="000000"/>
-              </a:buClr>
-              <a:buFont typeface="맑은 고딕"/>
-              <a:buAutoNum type="arabicPeriod"/>
-            </a:pPr>
-            <a:r>
-              <a:rPr lang="ko-KR" sz="1200" b="0" strike="noStrike" spc="-1" dirty="0">
-                <a:solidFill>
-                  <a:schemeClr val="dk1"/>
-                </a:solidFill>
-                <a:latin typeface="Noto Sans CJK KR Regular"/>
-                <a:ea typeface="Noto Sans CJK KR Regular"/>
-              </a:rPr>
-              <a:t>하단 버튼을 통해서 </a:t>
-            </a:r>
-            <a:r>
               <a:rPr lang="ko-KR" altLang="en-US" sz="1200" b="0" strike="noStrike" spc="-1" dirty="0">
                 <a:solidFill>
                   <a:schemeClr val="dk1"/>
@@ -27955,7 +29490,17 @@
                 <a:latin typeface="Noto Sans CJK KR Regular"/>
                 <a:ea typeface="Noto Sans CJK KR Regular"/>
               </a:rPr>
-              <a:t>사용자가 로그인 되어 있는 경우 </a:t>
+              <a:t>하단 버튼 클릭 시 </a:t>
+            </a:r>
+            <a:r>
+              <a:rPr lang="en-US" altLang="ko-KR" sz="1200" b="0" strike="noStrike" spc="-1" dirty="0">
+                <a:solidFill>
+                  <a:schemeClr val="dk1"/>
+                </a:solidFill>
+                <a:latin typeface="Noto Sans CJK KR Regular"/>
+                <a:ea typeface="Noto Sans CJK KR Regular"/>
+              </a:rPr>
+              <a:t>: </a:t>
             </a:r>
             <a:r>
               <a:rPr lang="ko-KR" altLang="en-US" sz="1200" spc="-1" dirty="0">
@@ -27965,37 +29510,17 @@
                 <a:latin typeface="Noto Sans CJK KR Regular"/>
                 <a:ea typeface="Noto Sans CJK KR Regular"/>
               </a:rPr>
-              <a:t>게임을 다운로드할 수 있습니다</a:t>
+              <a:t>사용자가 로그인 되어 있는 경우 게임 다운로드 가능 </a:t>
             </a:r>
             <a:r>
-              <a:rPr lang="en-US" altLang="ko-KR" sz="1200" spc="-1" dirty="0">
+              <a:rPr lang="en-US" altLang="ko-KR" sz="1200" b="0" strike="noStrike" spc="-1" dirty="0">
                 <a:solidFill>
                   <a:schemeClr val="dk1"/>
                 </a:solidFill>
                 <a:latin typeface="Noto Sans CJK KR Regular"/>
                 <a:ea typeface="Noto Sans CJK KR Regular"/>
               </a:rPr>
-              <a:t>. </a:t>
-            </a:r>
-            <a:r>
-              <a:rPr lang="ko-KR" altLang="en-US" sz="1200" spc="-1" dirty="0">
-                <a:solidFill>
-                  <a:schemeClr val="dk1"/>
-                </a:solidFill>
-                <a:latin typeface="Noto Sans CJK KR Regular"/>
-                <a:ea typeface="Noto Sans CJK KR Regular"/>
-              </a:rPr>
-              <a:t>버튼 클릭 시 사용자의 로그인 상태를 확인한 후 다운로드 링크를 제공합니다</a:t>
-            </a:r>
-            <a:r>
-              <a:rPr lang="en-US" altLang="ko-KR" sz="1200" spc="-1" dirty="0">
-                <a:solidFill>
-                  <a:schemeClr val="dk1"/>
-                </a:solidFill>
-                <a:latin typeface="Noto Sans CJK KR Regular"/>
-                <a:ea typeface="Noto Sans CJK KR Regular"/>
-              </a:rPr>
-              <a:t>.</a:t>
+              <a:t>/</a:t>
             </a:r>
             <a:r>
               <a:rPr lang="ko-KR" sz="1200" b="0" strike="noStrike" spc="-1" dirty="0">
@@ -28045,17 +29570,17 @@
                 <a:latin typeface="Noto Sans CJK KR Regular"/>
                 <a:ea typeface="Noto Sans CJK KR Regular"/>
               </a:rPr>
-              <a:t>텍스트가 하얀색으로 변합니다</a:t>
+              <a:t>텍스트가 하얀색으로 </a:t>
             </a:r>
             <a:r>
-              <a:rPr lang="en-US" sz="1200" b="0" strike="noStrike" spc="-1" dirty="0">
+              <a:rPr lang="ko-KR" altLang="en-US" sz="1200" spc="-1" dirty="0">
                 <a:solidFill>
                   <a:schemeClr val="dk1"/>
                 </a:solidFill>
                 <a:latin typeface="Noto Sans CJK KR Regular"/>
                 <a:ea typeface="Noto Sans CJK KR Regular"/>
               </a:rPr>
-              <a:t>.</a:t>
+              <a:t>변화</a:t>
             </a:r>
             <a:endParaRPr lang="en-US" sz="1200" b="0" strike="noStrike" spc="-1" dirty="0">
               <a:solidFill>
@@ -28204,7 +29729,7 @@
         </p:nvSpPr>
         <p:spPr>
           <a:xfrm>
-            <a:off x="6204960" y="4824720"/>
+            <a:off x="5527627" y="4782387"/>
             <a:ext cx="285840" cy="265680"/>
           </a:xfrm>
           <a:prstGeom prst="rect">
@@ -29297,30 +30822,21 @@
               <a:buAutoNum type="arabicPeriod"/>
             </a:pPr>
             <a:r>
-              <a:rPr lang="ko-KR" sz="1200" b="0" strike="noStrike" spc="-1" dirty="0">
+              <a:rPr lang="ko-KR" altLang="en-US" sz="1200" b="0" strike="noStrike" spc="-1" dirty="0">
                 <a:solidFill>
                   <a:schemeClr val="dk1"/>
                 </a:solidFill>
                 <a:latin typeface="Noto Sans CJK KR Regular"/>
                 <a:ea typeface="Noto Sans CJK KR Regular"/>
               </a:rPr>
-              <a:t>회사의 다양한 연락처를 확인할 수 있습니다</a:t>
+              <a:t>회사 다양한 연락처 정보</a:t>
             </a:r>
-            <a:r>
-              <a:rPr lang="en-US" sz="1200" b="0" strike="noStrike" spc="-1" dirty="0">
-                <a:solidFill>
-                  <a:schemeClr val="dk1"/>
-                </a:solidFill>
-                <a:latin typeface="Noto Sans CJK KR Regular"/>
-                <a:ea typeface="Noto Sans CJK KR Regular"/>
-              </a:rPr>
-              <a:t>.</a:t>
-            </a:r>
-            <a:endParaRPr lang="en-US" sz="1200" b="0" strike="noStrike" spc="-1" dirty="0">
+            <a:endParaRPr lang="en-US" altLang="ko-KR" sz="1200" spc="-1" dirty="0">
               <a:solidFill>
-                <a:srgbClr val="000000"/>
+                <a:schemeClr val="dk1"/>
               </a:solidFill>
-              <a:latin typeface="Noto Sans CJK KR"/>
+              <a:latin typeface="Noto Sans CJK KR Regular"/>
+              <a:ea typeface="Noto Sans CJK KR Regular"/>
             </a:endParaRPr>
           </a:p>
           <a:p>
@@ -29328,7 +30844,10 @@
               <a:lnSpc>
                 <a:spcPct val="100000"/>
               </a:lnSpc>
-              <a:buFont typeface="+mj-lt"/>
+              <a:buClr>
+                <a:srgbClr val="000000"/>
+              </a:buClr>
+              <a:buFont typeface="OpenSymbol"/>
               <a:buAutoNum type="arabicPeriod"/>
             </a:pPr>
             <a:endParaRPr lang="en-US" sz="1200" b="0" strike="noStrike" spc="-1" dirty="0">
@@ -29349,55 +30868,82 @@
               <a:buFont typeface="OpenSymbol"/>
               <a:buAutoNum type="arabicPeriod"/>
             </a:pPr>
+            <a:endParaRPr lang="en-US" altLang="ko-KR" sz="1200" b="0" strike="noStrike" spc="-1" dirty="0">
+              <a:solidFill>
+                <a:schemeClr val="dk1"/>
+              </a:solidFill>
+              <a:latin typeface="Noto Sans CJK KR Regular"/>
+              <a:ea typeface="Noto Sans CJK KR Regular"/>
+            </a:endParaRPr>
+          </a:p>
+          <a:p>
+            <a:pPr marL="228600" indent="-228600" defTabSz="914400">
+              <a:lnSpc>
+                <a:spcPct val="100000"/>
+              </a:lnSpc>
+              <a:buClr>
+                <a:srgbClr val="000000"/>
+              </a:buClr>
+              <a:buFont typeface="OpenSymbol"/>
+              <a:buAutoNum type="arabicPeriod"/>
+            </a:pPr>
             <a:r>
-              <a:rPr lang="ko-KR" sz="1200" b="0" strike="noStrike" spc="-1" dirty="0">
+              <a:rPr lang="ko-KR" altLang="en-US" sz="1200" spc="-1" dirty="0">
                 <a:solidFill>
                   <a:schemeClr val="dk1"/>
                 </a:solidFill>
                 <a:latin typeface="Noto Sans CJK KR Regular"/>
                 <a:ea typeface="Noto Sans CJK KR Regular"/>
               </a:rPr>
-              <a:t>사용자가 회신 받을 메일과 원하는 메시지를 입력하여 간단하게 회사에 연락을 취할 수 있습니다</a:t>
+              <a:t>회신 받을 연락처와 원하는 메시지 입력</a:t>
             </a:r>
+            <a:endParaRPr lang="en-US" altLang="ko-KR" sz="1200" spc="-1" dirty="0">
+              <a:solidFill>
+                <a:schemeClr val="dk1"/>
+              </a:solidFill>
+              <a:latin typeface="Noto Sans CJK KR Regular"/>
+              <a:ea typeface="Noto Sans CJK KR Regular"/>
+            </a:endParaRPr>
+          </a:p>
+          <a:p>
+            <a:pPr marL="228600" indent="-228600" defTabSz="914400">
+              <a:lnSpc>
+                <a:spcPct val="100000"/>
+              </a:lnSpc>
+              <a:buClr>
+                <a:srgbClr val="000000"/>
+              </a:buClr>
+              <a:buFont typeface="OpenSymbol"/>
+              <a:buAutoNum type="arabicPeriod"/>
+            </a:pPr>
+            <a:endParaRPr lang="en-US" sz="1200" b="0" strike="noStrike" spc="-1" dirty="0">
+              <a:solidFill>
+                <a:schemeClr val="dk1"/>
+              </a:solidFill>
+              <a:latin typeface="Noto Sans CJK KR Regular"/>
+              <a:ea typeface="Noto Sans CJK KR Regular"/>
+            </a:endParaRPr>
+          </a:p>
+          <a:p>
+            <a:pPr marL="228600" indent="-228600" defTabSz="914400">
+              <a:lnSpc>
+                <a:spcPct val="100000"/>
+              </a:lnSpc>
+              <a:buClr>
+                <a:srgbClr val="000000"/>
+              </a:buClr>
+              <a:buFont typeface="OpenSymbol"/>
+              <a:buAutoNum type="arabicPeriod"/>
+            </a:pPr>
             <a:r>
-              <a:rPr lang="en-US" sz="1200" b="0" strike="noStrike" spc="-1" dirty="0">
+              <a:rPr lang="ko-KR" altLang="en-US" sz="1200" b="0" strike="noStrike" spc="-1" dirty="0">
                 <a:solidFill>
                   <a:schemeClr val="dk1"/>
                 </a:solidFill>
                 <a:latin typeface="Noto Sans CJK KR Regular"/>
                 <a:ea typeface="Noto Sans CJK KR Regular"/>
               </a:rPr>
-              <a:t>. </a:t>
-            </a:r>
-            <a:r>
-              <a:rPr lang="ko-KR" sz="1200" b="0" strike="noStrike" spc="-1" dirty="0">
-                <a:solidFill>
-                  <a:schemeClr val="dk1"/>
-                </a:solidFill>
-                <a:latin typeface="Noto Sans CJK KR Regular"/>
-                <a:ea typeface="Noto Sans CJK KR Regular"/>
-              </a:rPr>
-              <a:t>해당 내용은 회사의 메일로 전송됩니다</a:t>
-            </a:r>
-            <a:r>
-              <a:rPr lang="en-US" sz="1200" b="0" strike="noStrike" spc="-1" dirty="0">
-                <a:solidFill>
-                  <a:schemeClr val="dk1"/>
-                </a:solidFill>
-                <a:latin typeface="Noto Sans CJK KR Regular"/>
-                <a:ea typeface="Noto Sans CJK KR Regular"/>
-              </a:rPr>
-              <a:t>. </a:t>
-            </a:r>
-            <a:r>
-              <a:rPr lang="ko-KR" sz="1200" b="0" strike="noStrike" spc="-1" dirty="0">
-                <a:solidFill>
-                  <a:schemeClr val="dk1"/>
-                </a:solidFill>
-                <a:latin typeface="Noto Sans CJK KR Regular"/>
-                <a:ea typeface="Noto Sans CJK KR Regular"/>
-              </a:rPr>
-              <a:t>메시지 영역이 비어</a:t>
+              <a:t>버튼 클릭 시 </a:t>
             </a:r>
             <a:r>
               <a:rPr lang="en-US" altLang="ko-KR" sz="1200" b="0" strike="noStrike" spc="-1" dirty="0">
@@ -29407,67 +30953,97 @@
                 <a:latin typeface="Noto Sans CJK KR Regular"/>
                 <a:ea typeface="Noto Sans CJK KR Regular"/>
               </a:rPr>
-              <a:t> </a:t>
+              <a:t>: </a:t>
             </a:r>
             <a:r>
-              <a:rPr lang="ko-KR" sz="1200" b="0" strike="noStrike" spc="-1" dirty="0">
+              <a:rPr lang="ko-KR" altLang="en-US" sz="1200" b="0" strike="noStrike" spc="-1" dirty="0">
                 <a:solidFill>
                   <a:schemeClr val="dk1"/>
                 </a:solidFill>
                 <a:latin typeface="Noto Sans CJK KR Regular"/>
                 <a:ea typeface="Noto Sans CJK KR Regular"/>
               </a:rPr>
-              <a:t>있지 않으며</a:t>
+              <a:t>입력 내용 정합성 확인</a:t>
             </a:r>
             <a:r>
-              <a:rPr lang="en-US" sz="1200" b="0" strike="noStrike" spc="-1" dirty="0">
+              <a:rPr lang="en-US" altLang="ko-KR" sz="1200" b="0" strike="noStrike" spc="-1" dirty="0">
                 <a:solidFill>
                   <a:schemeClr val="dk1"/>
                 </a:solidFill>
                 <a:latin typeface="Noto Sans CJK KR Regular"/>
                 <a:ea typeface="Noto Sans CJK KR Regular"/>
               </a:rPr>
-              <a:t>, </a:t>
+              <a:t>(</a:t>
             </a:r>
             <a:r>
-              <a:rPr lang="ko-KR" sz="1200" b="0" strike="noStrike" spc="-1" dirty="0">
+              <a:rPr lang="ko-KR" altLang="en-US" sz="1200" b="0" strike="noStrike" spc="-1" dirty="0">
                 <a:solidFill>
                   <a:schemeClr val="dk1"/>
                 </a:solidFill>
                 <a:latin typeface="Noto Sans CJK KR Regular"/>
                 <a:ea typeface="Noto Sans CJK KR Regular"/>
               </a:rPr>
-              <a:t>메일 주소가 유효한 형태인 경우에만 메일이 전송됩니다</a:t>
+              <a:t>메일 주소 유효한 형태 </a:t>
             </a:r>
             <a:r>
-              <a:rPr lang="en-US" sz="1200" b="0" strike="noStrike" spc="-1" dirty="0">
+              <a:rPr lang="en-US" altLang="ko-KR" sz="1200" b="0" strike="noStrike" spc="-1" dirty="0">
                 <a:solidFill>
                   <a:schemeClr val="dk1"/>
                 </a:solidFill>
                 <a:latin typeface="Noto Sans CJK KR Regular"/>
                 <a:ea typeface="Noto Sans CJK KR Regular"/>
               </a:rPr>
-              <a:t>. </a:t>
+              <a:t>+ </a:t>
             </a:r>
             <a:r>
-              <a:rPr lang="ko-KR" sz="1200" b="0" strike="noStrike" spc="-1" dirty="0">
+              <a:rPr lang="ko-KR" altLang="en-US" sz="1200" b="0" strike="noStrike" spc="-1" dirty="0">
                 <a:solidFill>
                   <a:schemeClr val="dk1"/>
                 </a:solidFill>
                 <a:latin typeface="Noto Sans CJK KR Regular"/>
                 <a:ea typeface="Noto Sans CJK KR Regular"/>
               </a:rPr>
-              <a:t>입력된 사용자의 메일로도 사용자의 연락이 정상적으로 전달되었다는 메일을 보냅니다</a:t>
+              <a:t>메시지 영역 내용 존재</a:t>
             </a:r>
             <a:r>
-              <a:rPr lang="en-US" sz="1200" b="0" strike="noStrike" spc="-1" dirty="0">
+              <a:rPr lang="en-US" altLang="ko-KR" sz="1200" b="0" strike="noStrike" spc="-1" dirty="0">
                 <a:solidFill>
                   <a:schemeClr val="dk1"/>
                 </a:solidFill>
                 <a:latin typeface="Noto Sans CJK KR Regular"/>
                 <a:ea typeface="Noto Sans CJK KR Regular"/>
               </a:rPr>
-              <a:t>.</a:t>
+              <a:t>) / </a:t>
+            </a:r>
+            <a:r>
+              <a:rPr lang="ko-KR" altLang="en-US" sz="1200" b="0" strike="noStrike" spc="-1" dirty="0">
+                <a:solidFill>
+                  <a:schemeClr val="dk1"/>
+                </a:solidFill>
+                <a:latin typeface="Noto Sans CJK KR Regular"/>
+                <a:ea typeface="Noto Sans CJK KR Regular"/>
+              </a:rPr>
+              <a:t>확인된 경우 회사 메일로 전달됨 </a:t>
+            </a:r>
+            <a:r>
+              <a:rPr lang="en-US" altLang="ko-KR" sz="1200" b="0" strike="noStrike" spc="-1" dirty="0">
+                <a:solidFill>
+                  <a:schemeClr val="dk1"/>
+                </a:solidFill>
+                <a:latin typeface="Noto Sans CJK KR Regular"/>
+                <a:ea typeface="Noto Sans CJK KR Regular"/>
+              </a:rPr>
+              <a:t>/ </a:t>
+            </a:r>
+            <a:r>
+              <a:rPr lang="ko-KR" altLang="en-US" sz="1200" b="0" strike="noStrike" spc="-1" dirty="0">
+                <a:solidFill>
+                  <a:schemeClr val="dk1"/>
+                </a:solidFill>
+                <a:latin typeface="Noto Sans CJK KR Regular"/>
+                <a:ea typeface="Noto Sans CJK KR Regular"/>
+              </a:rPr>
+              <a:t>입력된 사용자의 메일로 정상적으로 전달되었다는 메일 전달됨</a:t>
             </a:r>
             <a:endParaRPr lang="en-US" sz="1200" b="0" strike="noStrike" spc="-1" dirty="0">
               <a:solidFill>
@@ -29608,6 +31184,76 @@
           </a:p>
         </p:txBody>
       </p:sp>
+      <p:sp>
+        <p:nvSpPr>
+          <p:cNvPr id="2" name="직사각형 3">
+            <a:extLst>
+              <a:ext uri="{FF2B5EF4-FFF2-40B4-BE49-F238E27FC236}">
+                <a16:creationId xmlns:a16="http://schemas.microsoft.com/office/drawing/2014/main" id="{4F21FF1B-0DD7-5369-8B4B-A98966A0A559}"/>
+              </a:ext>
+            </a:extLst>
+          </p:cNvPr>
+          <p:cNvSpPr/>
+          <p:nvPr/>
+        </p:nvSpPr>
+        <p:spPr>
+          <a:xfrm>
+            <a:off x="6696360" y="4899480"/>
+            <a:ext cx="285840" cy="265680"/>
+          </a:xfrm>
+          <a:prstGeom prst="rect">
+            <a:avLst/>
+          </a:prstGeom>
+          <a:solidFill>
+            <a:srgbClr val="FF0000"/>
+          </a:solidFill>
+          <a:ln>
+            <a:noFill/>
+          </a:ln>
+        </p:spPr>
+        <p:style>
+          <a:lnRef idx="2">
+            <a:schemeClr val="accent1">
+              <a:shade val="50000"/>
+            </a:schemeClr>
+          </a:lnRef>
+          <a:fillRef idx="1">
+            <a:schemeClr val="accent1"/>
+          </a:fillRef>
+          <a:effectRef idx="0">
+            <a:schemeClr val="accent1"/>
+          </a:effectRef>
+          <a:fontRef idx="minor"/>
+        </p:style>
+        <p:txBody>
+          <a:bodyPr lIns="90000" tIns="45000" rIns="90000" bIns="45000" anchor="ctr">
+            <a:noAutofit/>
+          </a:bodyPr>
+          <a:lstStyle/>
+          <a:p>
+            <a:pPr algn="ctr" defTabSz="914400">
+              <a:lnSpc>
+                <a:spcPct val="100000"/>
+              </a:lnSpc>
+            </a:pPr>
+            <a:r>
+              <a:rPr lang="en-US" sz="1400" b="1" spc="-1" dirty="0">
+                <a:solidFill>
+                  <a:schemeClr val="lt1"/>
+                </a:solidFill>
+                <a:latin typeface="Noto Sans CJK KR Regular"/>
+              </a:rPr>
+              <a:t>3</a:t>
+            </a:r>
+            <a:endParaRPr lang="en-US" sz="1400" b="0" strike="noStrike" spc="-1" dirty="0">
+              <a:solidFill>
+                <a:srgbClr val="000000"/>
+              </a:solidFill>
+              <a:latin typeface="Noto Sans CJK KR"/>
+            </a:endParaRPr>
+          </a:p>
+        </p:txBody>
+      </p:sp>
     </p:spTree>
   </p:cSld>
   <p:clrMapOvr>
@@ -29635,10 +31281,10 @@
       </p:grpSpPr>
       <p:pic>
         <p:nvPicPr>
-          <p:cNvPr id="5" name="그림 4">
+          <p:cNvPr id="3" name="그림 2">
             <a:extLst>
               <a:ext uri="{FF2B5EF4-FFF2-40B4-BE49-F238E27FC236}">
-                <a16:creationId xmlns:a16="http://schemas.microsoft.com/office/drawing/2014/main" id="{1C7B6805-D5DD-BCE9-05E8-08416B4A894D}"/>
+                <a16:creationId xmlns:a16="http://schemas.microsoft.com/office/drawing/2014/main" id="{8BCB80FD-A372-5CD1-94A7-B66287C77317}"/>
               </a:ext>
             </a:extLst>
           </p:cNvPr>
@@ -29655,8 +31301,8 @@
         </p:blipFill>
         <p:spPr>
           <a:xfrm>
-            <a:off x="1232594" y="1294560"/>
-            <a:ext cx="6743612" cy="4797914"/>
+            <a:off x="1142885" y="1193799"/>
+            <a:ext cx="7073024" cy="4944534"/>
           </a:xfrm>
           <a:prstGeom prst="rect">
             <a:avLst/>
@@ -30132,7 +31778,13 @@
         <p:nvGraphicFramePr>
           <p:cNvPr id="101" name="표 6"/>
           <p:cNvGraphicFramePr/>
-          <p:nvPr/>
+          <p:nvPr>
+            <p:extLst>
+              <p:ext uri="{D42A27DB-BD31-4B8C-83A1-F6EECF244321}">
+                <p14:modId xmlns:p14="http://schemas.microsoft.com/office/powerpoint/2010/main" val="1751348805"/>
+              </p:ext>
+            </p:extLst>
+          </p:nvPr>
         </p:nvGraphicFramePr>
         <p:xfrm>
           <a:off x="474120" y="626400"/>
@@ -30228,17 +31880,17 @@
                         </a:lnSpc>
                       </a:pPr>
                       <a:r>
-                        <a:rPr lang="en-US" sz="1200" b="0" strike="noStrike" spc="-1">
+                        <a:rPr lang="en-US" sz="1200" b="0" strike="noStrike" spc="-1" dirty="0">
                           <a:solidFill>
                             <a:schemeClr val="dk1"/>
                           </a:solidFill>
                           <a:latin typeface="Noto Sans CJK KR Regular"/>
                           <a:ea typeface="Noto Sans CJK KR Regular"/>
                         </a:rPr>
-                        <a:t> Contact(</a:t>
+                        <a:t> login(</a:t>
                       </a:r>
                       <a:r>
-                        <a:rPr lang="ko-KR" sz="1200" b="0" strike="noStrike" spc="-1">
+                        <a:rPr lang="ko-KR" sz="1200" b="0" strike="noStrike" spc="-1" dirty="0">
                           <a:solidFill>
                             <a:schemeClr val="dk1"/>
                           </a:solidFill>
@@ -30248,16 +31900,16 @@
                         <a:t>헤더 </a:t>
                       </a:r>
                       <a:r>
-                        <a:rPr lang="en-US" sz="1200" b="0" strike="noStrike" spc="-1">
+                        <a:rPr lang="en-US" sz="1200" b="0" strike="noStrike" spc="-1" dirty="0">
                           <a:solidFill>
                             <a:schemeClr val="dk1"/>
                           </a:solidFill>
                           <a:latin typeface="Noto Sans CJK KR Regular"/>
                           <a:ea typeface="Noto Sans CJK KR Regular"/>
                         </a:rPr>
-                        <a:t>&gt; Contact)</a:t>
+                        <a:t>&gt; Login)</a:t>
                       </a:r>
-                      <a:endParaRPr lang="en-US" sz="1200" b="0" strike="noStrike" spc="-1">
+                      <a:endParaRPr lang="en-US" sz="1200" b="0" strike="noStrike" spc="-1" dirty="0">
                         <a:solidFill>
                           <a:srgbClr val="000000"/>
                         </a:solidFill>
@@ -30644,17 +32296,7 @@
               <a:buAutoNum type="arabicPeriod"/>
             </a:pPr>
             <a:r>
-              <a:rPr lang="ko-KR" altLang="en-US" sz="1200" b="0" strike="noStrike" spc="-1" dirty="0">
-                <a:solidFill>
-                  <a:schemeClr val="dk1"/>
-                </a:solidFill>
-                <a:latin typeface="Noto Sans CJK KR Regular"/>
-                <a:ea typeface="Noto Sans CJK KR Regular"/>
-              </a:rPr>
-              <a:t>사용자는 원하는 </a:t>
-            </a:r>
-            <a:r>
-              <a:rPr lang="en-US" altLang="ko-KR" sz="1200" b="0" strike="noStrike" spc="-1" dirty="0">
+              <a:rPr lang="en-US" altLang="ko-KR" sz="1200" spc="-1" dirty="0">
                 <a:solidFill>
                   <a:schemeClr val="dk1"/>
                 </a:solidFill>
@@ -30664,96 +32306,6 @@
               <a:t>ID</a:t>
             </a:r>
             <a:r>
-              <a:rPr lang="ko-KR" altLang="en-US" sz="1200" b="0" strike="noStrike" spc="-1" dirty="0">
-                <a:solidFill>
-                  <a:schemeClr val="dk1"/>
-                </a:solidFill>
-                <a:latin typeface="Noto Sans CJK KR Regular"/>
-                <a:ea typeface="Noto Sans CJK KR Regular"/>
-              </a:rPr>
-              <a:t>와 비밀번호를 입력하여 사이트에 회원가입한 후</a:t>
-            </a:r>
-            <a:r>
-              <a:rPr lang="en-US" altLang="ko-KR" sz="1200" b="0" strike="noStrike" spc="-1" dirty="0">
-                <a:solidFill>
-                  <a:schemeClr val="dk1"/>
-                </a:solidFill>
-                <a:latin typeface="Noto Sans CJK KR Regular"/>
-                <a:ea typeface="Noto Sans CJK KR Regular"/>
-              </a:rPr>
-              <a:t>, </a:t>
-            </a:r>
-            <a:r>
-              <a:rPr lang="ko-KR" altLang="en-US" sz="1200" b="0" strike="noStrike" spc="-1" dirty="0">
-                <a:solidFill>
-                  <a:schemeClr val="dk1"/>
-                </a:solidFill>
-                <a:latin typeface="Noto Sans CJK KR Regular"/>
-                <a:ea typeface="Noto Sans CJK KR Regular"/>
-              </a:rPr>
-              <a:t>동일한 </a:t>
-            </a:r>
-            <a:r>
-              <a:rPr lang="en-US" altLang="ko-KR" sz="1200" b="0" strike="noStrike" spc="-1" dirty="0">
-                <a:solidFill>
-                  <a:schemeClr val="dk1"/>
-                </a:solidFill>
-                <a:latin typeface="Noto Sans CJK KR Regular"/>
-                <a:ea typeface="Noto Sans CJK KR Regular"/>
-              </a:rPr>
-              <a:t>ID</a:t>
-            </a:r>
-            <a:r>
-              <a:rPr lang="ko-KR" altLang="en-US" sz="1200" b="0" strike="noStrike" spc="-1" dirty="0">
-                <a:solidFill>
-                  <a:schemeClr val="dk1"/>
-                </a:solidFill>
-                <a:latin typeface="Noto Sans CJK KR Regular"/>
-                <a:ea typeface="Noto Sans CJK KR Regular"/>
-              </a:rPr>
-              <a:t>와 비밀번호로 로그인할 수 있습니다</a:t>
-            </a:r>
-            <a:r>
-              <a:rPr lang="en-US" altLang="ko-KR" sz="1200" b="0" strike="noStrike" spc="-1" dirty="0">
-                <a:solidFill>
-                  <a:schemeClr val="dk1"/>
-                </a:solidFill>
-                <a:latin typeface="Noto Sans CJK KR Regular"/>
-                <a:ea typeface="Noto Sans CJK KR Regular"/>
-              </a:rPr>
-              <a:t>. </a:t>
-            </a:r>
-            <a:r>
-              <a:rPr lang="ko-KR" altLang="en-US" sz="1200" b="0" strike="noStrike" spc="-1" dirty="0">
-                <a:solidFill>
-                  <a:schemeClr val="dk1"/>
-                </a:solidFill>
-                <a:latin typeface="Noto Sans CJK KR Regular"/>
-                <a:ea typeface="Noto Sans CJK KR Regular"/>
-              </a:rPr>
-              <a:t>회원 가입 시 </a:t>
-            </a:r>
-            <a:r>
-              <a:rPr lang="en-US" altLang="ko-KR" sz="1200" b="0" strike="noStrike" spc="-1" dirty="0">
-                <a:solidFill>
-                  <a:schemeClr val="dk1"/>
-                </a:solidFill>
-                <a:latin typeface="Noto Sans CJK KR Regular"/>
-                <a:ea typeface="Noto Sans CJK KR Regular"/>
-              </a:rPr>
-              <a:t>ID</a:t>
-            </a:r>
-            <a:r>
-              <a:rPr lang="ko-KR" altLang="en-US" sz="1200" b="0" strike="noStrike" spc="-1" dirty="0">
-                <a:solidFill>
-                  <a:schemeClr val="dk1"/>
-                </a:solidFill>
-                <a:latin typeface="Noto Sans CJK KR Regular"/>
-                <a:ea typeface="Noto Sans CJK KR Regular"/>
-              </a:rPr>
-              <a:t>와 </a:t>
-            </a:r>
-            <a:r>
               <a:rPr lang="ko-KR" altLang="en-US" sz="1200" spc="-1" dirty="0">
                 <a:solidFill>
                   <a:schemeClr val="dk1"/>
@@ -30761,107 +32313,71 @@
                 <a:latin typeface="Noto Sans CJK KR Regular"/>
                 <a:ea typeface="Noto Sans CJK KR Regular"/>
               </a:rPr>
-              <a:t>비밀번호 이외의</a:t>
+              <a:t>와 비밀번호를 입력하여 로그인 가능</a:t>
             </a:r>
+            <a:endParaRPr lang="en-US" altLang="ko-KR" sz="1200" spc="-1" dirty="0">
+              <a:solidFill>
+                <a:schemeClr val="dk1"/>
+              </a:solidFill>
+              <a:latin typeface="Noto Sans CJK KR Regular"/>
+              <a:ea typeface="Noto Sans CJK KR Regular"/>
+            </a:endParaRPr>
+          </a:p>
+          <a:p>
+            <a:pPr marL="228600" indent="-228600" defTabSz="914400">
+              <a:lnSpc>
+                <a:spcPct val="100000"/>
+              </a:lnSpc>
+              <a:buClr>
+                <a:srgbClr val="000000"/>
+              </a:buClr>
+              <a:buFont typeface="OpenSymbol"/>
+              <a:buAutoNum type="arabicPeriod"/>
+            </a:pPr>
+            <a:endParaRPr lang="en-US" sz="1200" b="0" strike="noStrike" spc="-1" dirty="0">
+              <a:solidFill>
+                <a:schemeClr val="dk1"/>
+              </a:solidFill>
+              <a:latin typeface="Noto Sans CJK KR Regular"/>
+            </a:endParaRPr>
+          </a:p>
+          <a:p>
+            <a:pPr marL="228600" indent="-228600" defTabSz="914400">
+              <a:lnSpc>
+                <a:spcPct val="100000"/>
+              </a:lnSpc>
+              <a:buClr>
+                <a:srgbClr val="000000"/>
+              </a:buClr>
+              <a:buFont typeface="OpenSymbol"/>
+              <a:buAutoNum type="arabicPeriod"/>
+            </a:pPr>
             <a:r>
-              <a:rPr lang="en-US" altLang="ko-KR" sz="1200" b="0" strike="noStrike" spc="-1" dirty="0">
+              <a:rPr lang="ko-KR" altLang="en-US" sz="1200" spc="-1" dirty="0">
                 <a:solidFill>
                   <a:schemeClr val="dk1"/>
                 </a:solidFill>
                 <a:latin typeface="Noto Sans CJK KR Regular"/>
-                <a:ea typeface="Noto Sans CJK KR Regular"/>
               </a:rPr>
-              <a:t> </a:t>
+              <a:t>클릭 시 </a:t>
             </a:r>
             <a:r>
-              <a:rPr lang="ko-KR" altLang="en-US" sz="1200" b="0" strike="noStrike" spc="-1" dirty="0">
+              <a:rPr lang="en-US" altLang="ko-KR" sz="1200" spc="-1" dirty="0">
                 <a:solidFill>
                   <a:schemeClr val="dk1"/>
                 </a:solidFill>
                 <a:latin typeface="Noto Sans CJK KR Regular"/>
-                <a:ea typeface="Noto Sans CJK KR Regular"/>
               </a:rPr>
-              <a:t>다른 정보는 수집하지 않으며 </a:t>
+              <a:t>: </a:t>
             </a:r>
             <a:r>
-              <a:rPr lang="en-US" altLang="ko-KR" sz="1200" b="0" strike="noStrike" spc="-1" dirty="0">
+              <a:rPr lang="ko-KR" altLang="en-US" sz="1200" spc="-1">
                 <a:solidFill>
                   <a:schemeClr val="dk1"/>
                 </a:solidFill>
                 <a:latin typeface="Noto Sans CJK KR Regular"/>
-                <a:ea typeface="Noto Sans CJK KR Regular"/>
               </a:rPr>
-              <a:t>ID</a:t>
-            </a:r>
-            <a:r>
-              <a:rPr lang="ko-KR" altLang="en-US" sz="1200" b="0" strike="noStrike" spc="-1" dirty="0">
-                <a:solidFill>
-                  <a:schemeClr val="dk1"/>
-                </a:solidFill>
-                <a:latin typeface="Noto Sans CJK KR Regular"/>
-                <a:ea typeface="Noto Sans CJK KR Regular"/>
-              </a:rPr>
-              <a:t>는 영어 소문자</a:t>
-            </a:r>
-            <a:r>
-              <a:rPr lang="en-US" altLang="ko-KR" sz="1200" b="0" strike="noStrike" spc="-1" dirty="0">
-                <a:solidFill>
-                  <a:schemeClr val="dk1"/>
-                </a:solidFill>
-                <a:latin typeface="Noto Sans CJK KR Regular"/>
-                <a:ea typeface="Noto Sans CJK KR Regular"/>
-              </a:rPr>
-              <a:t>, </a:t>
-            </a:r>
-            <a:r>
-              <a:rPr lang="ko-KR" altLang="en-US" sz="1200" b="0" strike="noStrike" spc="-1" dirty="0">
-                <a:solidFill>
-                  <a:schemeClr val="dk1"/>
-                </a:solidFill>
-                <a:latin typeface="Noto Sans CJK KR Regular"/>
-                <a:ea typeface="Noto Sans CJK KR Regular"/>
-              </a:rPr>
-              <a:t>비밀번호는 </a:t>
-            </a:r>
-            <a:r>
-              <a:rPr lang="en-US" altLang="ko-KR" sz="1200" b="0" strike="noStrike" spc="-1" dirty="0">
-                <a:solidFill>
-                  <a:schemeClr val="dk1"/>
-                </a:solidFill>
-                <a:latin typeface="Noto Sans CJK KR Regular"/>
-                <a:ea typeface="Noto Sans CJK KR Regular"/>
-              </a:rPr>
-              <a:t>8</a:t>
-            </a:r>
-            <a:r>
-              <a:rPr lang="ko-KR" altLang="en-US" sz="1200" b="0" strike="noStrike" spc="-1" dirty="0">
-                <a:solidFill>
-                  <a:schemeClr val="dk1"/>
-                </a:solidFill>
-                <a:latin typeface="Noto Sans CJK KR Regular"/>
-                <a:ea typeface="Noto Sans CJK KR Regular"/>
-              </a:rPr>
-              <a:t>자 이상의 무작위 문자열로 구성되어야 합니다</a:t>
-            </a:r>
-            <a:r>
-              <a:rPr lang="en-US" altLang="ko-KR" sz="1200" b="0" strike="noStrike" spc="-1" dirty="0">
-                <a:solidFill>
-                  <a:schemeClr val="dk1"/>
-                </a:solidFill>
-                <a:latin typeface="Noto Sans CJK KR Regular"/>
-                <a:ea typeface="Noto Sans CJK KR Regular"/>
-              </a:rPr>
-              <a:t>.</a:t>
-            </a:r>
-            <a:r>
-              <a:rPr lang="ko-KR" altLang="en-US" sz="1200" b="0" strike="noStrike" spc="-1" dirty="0">
-                <a:solidFill>
-                  <a:schemeClr val="dk1"/>
-                </a:solidFill>
-                <a:latin typeface="Noto Sans CJK KR Regular"/>
-                <a:ea typeface="Noto Sans CJK KR Regular"/>
-              </a:rPr>
-              <a:t>  </a:t>
+              <a:t>회원가입 페이지로 이동</a:t>
             </a:r>
             <a:endParaRPr lang="en-US" sz="1200" b="0" strike="noStrike" spc="-1" dirty="0">
               <a:solidFill>
@@ -30880,7 +32396,7 @@
         </p:nvSpPr>
         <p:spPr>
           <a:xfrm>
-            <a:off x="5474160" y="4414320"/>
+            <a:off x="5635080" y="4117987"/>
             <a:ext cx="285840" cy="265680"/>
           </a:xfrm>
           <a:prstGeom prst="rect">
@@ -30919,7 +32435,7 @@
               </a:lnSpc>
             </a:pPr>
             <a:r>
-              <a:rPr lang="en-US" sz="1400" b="1" strike="noStrike" spc="-1">
+              <a:rPr lang="en-US" sz="1400" b="1" strike="noStrike" spc="-1" dirty="0">
                 <a:solidFill>
                   <a:schemeClr val="lt1"/>
                 </a:solidFill>
@@ -30928,7 +32444,78 @@
               </a:rPr>
               <a:t>1</a:t>
             </a:r>
-            <a:endParaRPr lang="en-US" sz="1400" b="0" strike="noStrike" spc="-1">
+            <a:endParaRPr lang="en-US" sz="1400" b="0" strike="noStrike" spc="-1" dirty="0">
+              <a:solidFill>
+                <a:srgbClr val="000000"/>
+              </a:solidFill>
+              <a:latin typeface="Noto Sans CJK KR"/>
+            </a:endParaRPr>
+          </a:p>
+        </p:txBody>
+      </p:sp>
+      <p:sp>
+        <p:nvSpPr>
+          <p:cNvPr id="4" name="직사각형 9">
+            <a:extLst>
+              <a:ext uri="{FF2B5EF4-FFF2-40B4-BE49-F238E27FC236}">
+                <a16:creationId xmlns:a16="http://schemas.microsoft.com/office/drawing/2014/main" id="{6B5580BF-245B-5949-1B87-20B173458CF4}"/>
+              </a:ext>
+            </a:extLst>
+          </p:cNvPr>
+          <p:cNvSpPr/>
+          <p:nvPr/>
+        </p:nvSpPr>
+        <p:spPr>
+          <a:xfrm>
+            <a:off x="5953080" y="4444467"/>
+            <a:ext cx="285840" cy="265680"/>
+          </a:xfrm>
+          <a:prstGeom prst="rect">
+            <a:avLst/>
+          </a:prstGeom>
+          <a:solidFill>
+            <a:srgbClr val="FF0000"/>
+          </a:solidFill>
+          <a:ln>
+            <a:noFill/>
+          </a:ln>
+        </p:spPr>
+        <p:style>
+          <a:lnRef idx="2">
+            <a:schemeClr val="accent1">
+              <a:shade val="50000"/>
+            </a:schemeClr>
+          </a:lnRef>
+          <a:fillRef idx="1">
+            <a:schemeClr val="accent1"/>
+          </a:fillRef>
+          <a:effectRef idx="0">
+            <a:schemeClr val="accent1"/>
+          </a:effectRef>
+          <a:fontRef idx="minor"/>
+        </p:style>
+        <p:txBody>
+          <a:bodyPr lIns="90000" tIns="45000" rIns="90000" bIns="45000" anchor="ctr">
+            <a:noAutofit/>
+          </a:bodyPr>
+          <a:lstStyle/>
+          <a:p>
+            <a:pPr algn="ctr" defTabSz="914400">
+              <a:lnSpc>
+                <a:spcPct val="100000"/>
+              </a:lnSpc>
+            </a:pPr>
+            <a:r>
+              <a:rPr lang="en-US" sz="1400" b="1" strike="noStrike" spc="-1" dirty="0">
+                <a:solidFill>
+                  <a:schemeClr val="lt1"/>
+                </a:solidFill>
+                <a:latin typeface="Noto Sans CJK KR Regular"/>
+                <a:ea typeface="Noto Sans CJK KR Regular"/>
+              </a:rPr>
+              <a:t>2</a:t>
+            </a:r>
+            <a:endParaRPr lang="en-US" sz="1400" b="0" strike="noStrike" spc="-1" dirty="0">
               <a:solidFill>
                 <a:srgbClr val="000000"/>
               </a:solidFill>
